--- a/communications/web_communication_pres.pptx
+++ b/communications/web_communication_pres.pptx
@@ -12,7 +12,7 @@
     <p:sldId id="768" r:id="rId3"/>
     <p:sldId id="762" r:id="rId4"/>
     <p:sldId id="259" r:id="rId5"/>
-    <p:sldId id="262" r:id="rId6"/>
+    <p:sldId id="806" r:id="rId6"/>
     <p:sldId id="650" r:id="rId7"/>
     <p:sldId id="659" r:id="rId8"/>
     <p:sldId id="313" r:id="rId9"/>
@@ -23,7 +23,7 @@
     <p:sldId id="495" r:id="rId14"/>
     <p:sldId id="387" r:id="rId15"/>
     <p:sldId id="595" r:id="rId16"/>
-    <p:sldId id="624" r:id="rId17"/>
+    <p:sldId id="807" r:id="rId17"/>
     <p:sldId id="625" r:id="rId18"/>
     <p:sldId id="626" r:id="rId19"/>
     <p:sldId id="627" r:id="rId20"/>
@@ -225,7 +225,7 @@
           <a:p>
             <a:fld id="{0F9C471C-5CEB-41C5-B26F-30EBC0FE28CB}" type="datetimeFigureOut">
               <a:rPr lang="en-US" smtClean="0"/>
-              <a:t>4/5/2022</a:t>
+              <a:t>4/12/2022</a:t>
             </a:fld>
             <a:endParaRPr lang="en-US"/>
           </a:p>
@@ -677,7 +677,7 @@
           <a:noFill/>
           <a:extLst>
             <a:ext uri="{909E8E84-426E-40dd-AFC4-6F175D3DCCD1}">
-              <a14:hiddenFill xmlns="" xmlns:a14="http://schemas.microsoft.com/office/drawing/2010/main">
+              <a14:hiddenFill xmlns:a14="http://schemas.microsoft.com/office/drawing/2010/main" xmlns="">
                 <a:solidFill>
                   <a:srgbClr val="FFFFFF"/>
                 </a:solidFill>
@@ -737,7 +737,7 @@
             </a:ln>
             <a:extLst>
               <a:ext uri="{91240B29-F687-4f45-9708-019B960494DF}">
-                <a14:hiddenLine xmlns="" xmlns:a14="http://schemas.microsoft.com/office/drawing/2010/main" w="9525">
+                <a14:hiddenLine xmlns:a14="http://schemas.microsoft.com/office/drawing/2010/main" xmlns="" w="9525">
                   <a:solidFill>
                     <a:srgbClr val="000000"/>
                   </a:solidFill>
@@ -827,7 +827,7 @@
             </a:ln>
             <a:extLst>
               <a:ext uri="{91240B29-F687-4f45-9708-019B960494DF}">
-                <a14:hiddenLine xmlns="" xmlns:a14="http://schemas.microsoft.com/office/drawing/2010/main" w="9525">
+                <a14:hiddenLine xmlns:a14="http://schemas.microsoft.com/office/drawing/2010/main" xmlns="" w="9525">
                   <a:solidFill>
                     <a:srgbClr val="000000"/>
                   </a:solidFill>
@@ -917,7 +917,7 @@
             </a:ln>
             <a:extLst>
               <a:ext uri="{91240B29-F687-4f45-9708-019B960494DF}">
-                <a14:hiddenLine xmlns="" xmlns:a14="http://schemas.microsoft.com/office/drawing/2010/main" w="9525">
+                <a14:hiddenLine xmlns:a14="http://schemas.microsoft.com/office/drawing/2010/main" xmlns="" w="9525">
                   <a:solidFill>
                     <a:srgbClr val="000000"/>
                   </a:solidFill>
@@ -951,7 +951,7 @@
             </a:ln>
             <a:extLst>
               <a:ext uri="{91240B29-F687-4f45-9708-019B960494DF}">
-                <a14:hiddenLine xmlns="" xmlns:a14="http://schemas.microsoft.com/office/drawing/2010/main" w="9525">
+                <a14:hiddenLine xmlns:a14="http://schemas.microsoft.com/office/drawing/2010/main" xmlns="" w="9525">
                   <a:solidFill>
                     <a:srgbClr val="000000"/>
                   </a:solidFill>
@@ -1041,7 +1041,7 @@
             </a:ln>
             <a:extLst>
               <a:ext uri="{91240B29-F687-4f45-9708-019B960494DF}">
-                <a14:hiddenLine xmlns="" xmlns:a14="http://schemas.microsoft.com/office/drawing/2010/main" w="9525">
+                <a14:hiddenLine xmlns:a14="http://schemas.microsoft.com/office/drawing/2010/main" xmlns="" w="9525">
                   <a:solidFill>
                     <a:srgbClr val="000000"/>
                   </a:solidFill>
@@ -1103,7 +1103,7 @@
             </a:ln>
             <a:extLst>
               <a:ext uri="{91240B29-F687-4f45-9708-019B960494DF}">
-                <a14:hiddenLine xmlns="" xmlns:a14="http://schemas.microsoft.com/office/drawing/2010/main" w="9525">
+                <a14:hiddenLine xmlns:a14="http://schemas.microsoft.com/office/drawing/2010/main" xmlns="" w="9525">
                   <a:solidFill>
                     <a:srgbClr val="000000"/>
                   </a:solidFill>
@@ -1165,7 +1165,7 @@
             </a:ln>
             <a:extLst>
               <a:ext uri="{91240B29-F687-4f45-9708-019B960494DF}">
-                <a14:hiddenLine xmlns="" xmlns:a14="http://schemas.microsoft.com/office/drawing/2010/main" w="9525">
+                <a14:hiddenLine xmlns:a14="http://schemas.microsoft.com/office/drawing/2010/main" xmlns="" w="9525">
                   <a:solidFill>
                     <a:srgbClr val="000000"/>
                   </a:solidFill>
@@ -1255,7 +1255,7 @@
             </a:ln>
             <a:extLst>
               <a:ext uri="{91240B29-F687-4f45-9708-019B960494DF}">
-                <a14:hiddenLine xmlns="" xmlns:a14="http://schemas.microsoft.com/office/drawing/2010/main" w="9525">
+                <a14:hiddenLine xmlns:a14="http://schemas.microsoft.com/office/drawing/2010/main" xmlns="" w="9525">
                   <a:solidFill>
                     <a:srgbClr val="000000"/>
                   </a:solidFill>
@@ -1317,7 +1317,7 @@
             </a:ln>
             <a:extLst>
               <a:ext uri="{91240B29-F687-4f45-9708-019B960494DF}">
-                <a14:hiddenLine xmlns="" xmlns:a14="http://schemas.microsoft.com/office/drawing/2010/main" w="9525">
+                <a14:hiddenLine xmlns:a14="http://schemas.microsoft.com/office/drawing/2010/main" xmlns="" w="9525">
                   <a:solidFill>
                     <a:srgbClr val="000000"/>
                   </a:solidFill>
@@ -1379,7 +1379,7 @@
             </a:ln>
             <a:extLst>
               <a:ext uri="{91240B29-F687-4f45-9708-019B960494DF}">
-                <a14:hiddenLine xmlns="" xmlns:a14="http://schemas.microsoft.com/office/drawing/2010/main" w="9525">
+                <a14:hiddenLine xmlns:a14="http://schemas.microsoft.com/office/drawing/2010/main" xmlns="" w="9525">
                   <a:solidFill>
                     <a:srgbClr val="000000"/>
                   </a:solidFill>
@@ -1469,7 +1469,7 @@
             </a:ln>
             <a:extLst>
               <a:ext uri="{91240B29-F687-4f45-9708-019B960494DF}">
-                <a14:hiddenLine xmlns="" xmlns:a14="http://schemas.microsoft.com/office/drawing/2010/main" w="9525">
+                <a14:hiddenLine xmlns:a14="http://schemas.microsoft.com/office/drawing/2010/main" xmlns="" w="9525">
                   <a:solidFill>
                     <a:srgbClr val="000000"/>
                   </a:solidFill>
@@ -1559,7 +1559,7 @@
             </a:ln>
             <a:extLst>
               <a:ext uri="{91240B29-F687-4f45-9708-019B960494DF}">
-                <a14:hiddenLine xmlns="" xmlns:a14="http://schemas.microsoft.com/office/drawing/2010/main" w="9525">
+                <a14:hiddenLine xmlns:a14="http://schemas.microsoft.com/office/drawing/2010/main" xmlns="" w="9525">
                   <a:solidFill>
                     <a:srgbClr val="000000"/>
                   </a:solidFill>
@@ -1621,7 +1621,7 @@
             </a:ln>
             <a:extLst>
               <a:ext uri="{91240B29-F687-4f45-9708-019B960494DF}">
-                <a14:hiddenLine xmlns="" xmlns:a14="http://schemas.microsoft.com/office/drawing/2010/main" w="9525">
+                <a14:hiddenLine xmlns:a14="http://schemas.microsoft.com/office/drawing/2010/main" xmlns="" w="9525">
                   <a:solidFill>
                     <a:srgbClr val="000000"/>
                   </a:solidFill>
@@ -1731,7 +1731,7 @@
             </a:ln>
             <a:extLst>
               <a:ext uri="{91240B29-F687-4f45-9708-019B960494DF}">
-                <a14:hiddenLine xmlns="" xmlns:a14="http://schemas.microsoft.com/office/drawing/2010/main" w="9525">
+                <a14:hiddenLine xmlns:a14="http://schemas.microsoft.com/office/drawing/2010/main" xmlns="" w="9525">
                   <a:solidFill>
                     <a:srgbClr val="000000"/>
                   </a:solidFill>
@@ -1793,7 +1793,7 @@
             </a:ln>
             <a:extLst>
               <a:ext uri="{91240B29-F687-4f45-9708-019B960494DF}">
-                <a14:hiddenLine xmlns="" xmlns:a14="http://schemas.microsoft.com/office/drawing/2010/main" w="9525">
+                <a14:hiddenLine xmlns:a14="http://schemas.microsoft.com/office/drawing/2010/main" xmlns="" w="9525">
                   <a:solidFill>
                     <a:srgbClr val="000000"/>
                   </a:solidFill>
@@ -1883,7 +1883,7 @@
             </a:ln>
             <a:extLst>
               <a:ext uri="{91240B29-F687-4f45-9708-019B960494DF}">
-                <a14:hiddenLine xmlns="" xmlns:a14="http://schemas.microsoft.com/office/drawing/2010/main" w="9525">
+                <a14:hiddenLine xmlns:a14="http://schemas.microsoft.com/office/drawing/2010/main" xmlns="" w="9525">
                   <a:solidFill>
                     <a:srgbClr val="000000"/>
                   </a:solidFill>
@@ -1973,7 +1973,7 @@
             </a:ln>
             <a:extLst>
               <a:ext uri="{91240B29-F687-4f45-9708-019B960494DF}">
-                <a14:hiddenLine xmlns="" xmlns:a14="http://schemas.microsoft.com/office/drawing/2010/main" w="9525">
+                <a14:hiddenLine xmlns:a14="http://schemas.microsoft.com/office/drawing/2010/main" xmlns="" w="9525">
                   <a:solidFill>
                     <a:srgbClr val="000000"/>
                   </a:solidFill>
@@ -2035,7 +2035,7 @@
             </a:ln>
             <a:extLst>
               <a:ext uri="{91240B29-F687-4f45-9708-019B960494DF}">
-                <a14:hiddenLine xmlns="" xmlns:a14="http://schemas.microsoft.com/office/drawing/2010/main" w="9525">
+                <a14:hiddenLine xmlns:a14="http://schemas.microsoft.com/office/drawing/2010/main" xmlns="" w="9525">
                   <a:solidFill>
                     <a:srgbClr val="000000"/>
                   </a:solidFill>
@@ -2125,7 +2125,7 @@
             </a:ln>
             <a:extLst>
               <a:ext uri="{91240B29-F687-4f45-9708-019B960494DF}">
-                <a14:hiddenLine xmlns="" xmlns:a14="http://schemas.microsoft.com/office/drawing/2010/main" w="9525">
+                <a14:hiddenLine xmlns:a14="http://schemas.microsoft.com/office/drawing/2010/main" xmlns="" w="9525">
                   <a:solidFill>
                     <a:srgbClr val="000000"/>
                   </a:solidFill>
@@ -2215,7 +2215,7 @@
             </a:ln>
             <a:extLst>
               <a:ext uri="{91240B29-F687-4f45-9708-019B960494DF}">
-                <a14:hiddenLine xmlns="" xmlns:a14="http://schemas.microsoft.com/office/drawing/2010/main" w="9525">
+                <a14:hiddenLine xmlns:a14="http://schemas.microsoft.com/office/drawing/2010/main" xmlns="" w="9525">
                   <a:solidFill>
                     <a:srgbClr val="000000"/>
                   </a:solidFill>
@@ -2271,7 +2271,7 @@
             </a:ln>
             <a:extLst>
               <a:ext uri="{91240B29-F687-4f45-9708-019B960494DF}">
-                <a14:hiddenLine xmlns="" xmlns:a14="http://schemas.microsoft.com/office/drawing/2010/main" w="9525">
+                <a14:hiddenLine xmlns:a14="http://schemas.microsoft.com/office/drawing/2010/main" xmlns="" w="9525">
                   <a:solidFill>
                     <a:srgbClr val="000000"/>
                   </a:solidFill>
@@ -2361,7 +2361,7 @@
             </a:ln>
             <a:extLst>
               <a:ext uri="{91240B29-F687-4f45-9708-019B960494DF}">
-                <a14:hiddenLine xmlns="" xmlns:a14="http://schemas.microsoft.com/office/drawing/2010/main" w="9525">
+                <a14:hiddenLine xmlns:a14="http://schemas.microsoft.com/office/drawing/2010/main" xmlns="" w="9525">
                   <a:solidFill>
                     <a:srgbClr val="000000"/>
                   </a:solidFill>
@@ -2417,7 +2417,7 @@
             </a:ln>
             <a:extLst>
               <a:ext uri="{91240B29-F687-4f45-9708-019B960494DF}">
-                <a14:hiddenLine xmlns="" xmlns:a14="http://schemas.microsoft.com/office/drawing/2010/main" w="9525">
+                <a14:hiddenLine xmlns:a14="http://schemas.microsoft.com/office/drawing/2010/main" xmlns="" w="9525">
                   <a:solidFill>
                     <a:srgbClr val="000000"/>
                   </a:solidFill>
@@ -2507,7 +2507,7 @@
             </a:ln>
             <a:extLst>
               <a:ext uri="{91240B29-F687-4f45-9708-019B960494DF}">
-                <a14:hiddenLine xmlns="" xmlns:a14="http://schemas.microsoft.com/office/drawing/2010/main" w="9525">
+                <a14:hiddenLine xmlns:a14="http://schemas.microsoft.com/office/drawing/2010/main" xmlns="" w="9525">
                   <a:solidFill>
                     <a:srgbClr val="000000"/>
                   </a:solidFill>
@@ -2575,7 +2575,7 @@
             </a:ln>
             <a:extLst>
               <a:ext uri="{91240B29-F687-4f45-9708-019B960494DF}">
-                <a14:hiddenLine xmlns="" xmlns:a14="http://schemas.microsoft.com/office/drawing/2010/main" w="9525">
+                <a14:hiddenLine xmlns:a14="http://schemas.microsoft.com/office/drawing/2010/main" xmlns="" w="9525">
                   <a:solidFill>
                     <a:srgbClr val="000000"/>
                   </a:solidFill>
@@ -2665,7 +2665,7 @@
             </a:ln>
             <a:extLst>
               <a:ext uri="{91240B29-F687-4f45-9708-019B960494DF}">
-                <a14:hiddenLine xmlns="" xmlns:a14="http://schemas.microsoft.com/office/drawing/2010/main" w="9525">
+                <a14:hiddenLine xmlns:a14="http://schemas.microsoft.com/office/drawing/2010/main" xmlns="" w="9525">
                   <a:solidFill>
                     <a:srgbClr val="000000"/>
                   </a:solidFill>
@@ -2733,7 +2733,7 @@
             </a:ln>
             <a:extLst>
               <a:ext uri="{91240B29-F687-4f45-9708-019B960494DF}">
-                <a14:hiddenLine xmlns="" xmlns:a14="http://schemas.microsoft.com/office/drawing/2010/main" w="9525">
+                <a14:hiddenLine xmlns:a14="http://schemas.microsoft.com/office/drawing/2010/main" xmlns="" w="9525">
                   <a:solidFill>
                     <a:srgbClr val="000000"/>
                   </a:solidFill>
@@ -2823,7 +2823,7 @@
             </a:ln>
             <a:extLst>
               <a:ext uri="{91240B29-F687-4f45-9708-019B960494DF}">
-                <a14:hiddenLine xmlns="" xmlns:a14="http://schemas.microsoft.com/office/drawing/2010/main" w="9525">
+                <a14:hiddenLine xmlns:a14="http://schemas.microsoft.com/office/drawing/2010/main" xmlns="" w="9525">
                   <a:solidFill>
                     <a:srgbClr val="000000"/>
                   </a:solidFill>
@@ -2857,7 +2857,7 @@
             </a:ln>
             <a:extLst>
               <a:ext uri="{91240B29-F687-4f45-9708-019B960494DF}">
-                <a14:hiddenLine xmlns="" xmlns:a14="http://schemas.microsoft.com/office/drawing/2010/main" w="9525">
+                <a14:hiddenLine xmlns:a14="http://schemas.microsoft.com/office/drawing/2010/main" xmlns="" w="9525">
                   <a:solidFill>
                     <a:srgbClr val="000000"/>
                   </a:solidFill>
@@ -2947,7 +2947,7 @@
             </a:ln>
             <a:extLst>
               <a:ext uri="{91240B29-F687-4f45-9708-019B960494DF}">
-                <a14:hiddenLine xmlns="" xmlns:a14="http://schemas.microsoft.com/office/drawing/2010/main" w="9525">
+                <a14:hiddenLine xmlns:a14="http://schemas.microsoft.com/office/drawing/2010/main" xmlns="" w="9525">
                   <a:solidFill>
                     <a:srgbClr val="000000"/>
                   </a:solidFill>
@@ -3009,7 +3009,7 @@
             </a:ln>
             <a:extLst>
               <a:ext uri="{91240B29-F687-4f45-9708-019B960494DF}">
-                <a14:hiddenLine xmlns="" xmlns:a14="http://schemas.microsoft.com/office/drawing/2010/main" w="9525">
+                <a14:hiddenLine xmlns:a14="http://schemas.microsoft.com/office/drawing/2010/main" xmlns="" w="9525">
                   <a:solidFill>
                     <a:srgbClr val="000000"/>
                   </a:solidFill>
@@ -3071,7 +3071,7 @@
             </a:ln>
             <a:extLst>
               <a:ext uri="{91240B29-F687-4f45-9708-019B960494DF}">
-                <a14:hiddenLine xmlns="" xmlns:a14="http://schemas.microsoft.com/office/drawing/2010/main" w="9525">
+                <a14:hiddenLine xmlns:a14="http://schemas.microsoft.com/office/drawing/2010/main" xmlns="" w="9525">
                   <a:solidFill>
                     <a:srgbClr val="000000"/>
                   </a:solidFill>
@@ -3161,7 +3161,7 @@
             </a:ln>
             <a:extLst>
               <a:ext uri="{91240B29-F687-4f45-9708-019B960494DF}">
-                <a14:hiddenLine xmlns="" xmlns:a14="http://schemas.microsoft.com/office/drawing/2010/main" w="9525">
+                <a14:hiddenLine xmlns:a14="http://schemas.microsoft.com/office/drawing/2010/main" xmlns="" w="9525">
                   <a:solidFill>
                     <a:srgbClr val="000000"/>
                   </a:solidFill>
@@ -3229,7 +3229,7 @@
             </a:ln>
             <a:extLst>
               <a:ext uri="{91240B29-F687-4f45-9708-019B960494DF}">
-                <a14:hiddenLine xmlns="" xmlns:a14="http://schemas.microsoft.com/office/drawing/2010/main" w="9525">
+                <a14:hiddenLine xmlns:a14="http://schemas.microsoft.com/office/drawing/2010/main" xmlns="" w="9525">
                   <a:solidFill>
                     <a:srgbClr val="000000"/>
                   </a:solidFill>
@@ -3291,7 +3291,7 @@
             </a:ln>
             <a:extLst>
               <a:ext uri="{91240B29-F687-4f45-9708-019B960494DF}">
-                <a14:hiddenLine xmlns="" xmlns:a14="http://schemas.microsoft.com/office/drawing/2010/main" w="9525">
+                <a14:hiddenLine xmlns:a14="http://schemas.microsoft.com/office/drawing/2010/main" xmlns="" w="9525">
                   <a:solidFill>
                     <a:srgbClr val="000000"/>
                   </a:solidFill>
@@ -3381,7 +3381,7 @@
             </a:ln>
             <a:extLst>
               <a:ext uri="{91240B29-F687-4f45-9708-019B960494DF}">
-                <a14:hiddenLine xmlns="" xmlns:a14="http://schemas.microsoft.com/office/drawing/2010/main" w="9525">
+                <a14:hiddenLine xmlns:a14="http://schemas.microsoft.com/office/drawing/2010/main" xmlns="" w="9525">
                   <a:solidFill>
                     <a:srgbClr val="000000"/>
                   </a:solidFill>
@@ -3443,7 +3443,7 @@
             </a:ln>
             <a:extLst>
               <a:ext uri="{91240B29-F687-4f45-9708-019B960494DF}">
-                <a14:hiddenLine xmlns="" xmlns:a14="http://schemas.microsoft.com/office/drawing/2010/main" w="9525">
+                <a14:hiddenLine xmlns:a14="http://schemas.microsoft.com/office/drawing/2010/main" xmlns="" w="9525">
                   <a:solidFill>
                     <a:srgbClr val="000000"/>
                   </a:solidFill>
@@ -3533,7 +3533,7 @@
             </a:ln>
             <a:extLst>
               <a:ext uri="{91240B29-F687-4f45-9708-019B960494DF}">
-                <a14:hiddenLine xmlns="" xmlns:a14="http://schemas.microsoft.com/office/drawing/2010/main" w="9525">
+                <a14:hiddenLine xmlns:a14="http://schemas.microsoft.com/office/drawing/2010/main" xmlns="" w="9525">
                   <a:solidFill>
                     <a:srgbClr val="000000"/>
                   </a:solidFill>
@@ -3595,7 +3595,7 @@
             </a:ln>
             <a:extLst>
               <a:ext uri="{91240B29-F687-4f45-9708-019B960494DF}">
-                <a14:hiddenLine xmlns="" xmlns:a14="http://schemas.microsoft.com/office/drawing/2010/main" w="9525">
+                <a14:hiddenLine xmlns:a14="http://schemas.microsoft.com/office/drawing/2010/main" xmlns="" w="9525">
                   <a:solidFill>
                     <a:srgbClr val="000000"/>
                   </a:solidFill>
@@ -3685,7 +3685,7 @@
             </a:ln>
             <a:extLst>
               <a:ext uri="{91240B29-F687-4f45-9708-019B960494DF}">
-                <a14:hiddenLine xmlns="" xmlns:a14="http://schemas.microsoft.com/office/drawing/2010/main" w="9525">
+                <a14:hiddenLine xmlns:a14="http://schemas.microsoft.com/office/drawing/2010/main" xmlns="" w="9525">
                   <a:solidFill>
                     <a:srgbClr val="000000"/>
                   </a:solidFill>
@@ -3719,7 +3719,7 @@
             </a:ln>
             <a:extLst>
               <a:ext uri="{91240B29-F687-4f45-9708-019B960494DF}">
-                <a14:hiddenLine xmlns="" xmlns:a14="http://schemas.microsoft.com/office/drawing/2010/main" w="9525">
+                <a14:hiddenLine xmlns:a14="http://schemas.microsoft.com/office/drawing/2010/main" xmlns="" w="9525">
                   <a:solidFill>
                     <a:srgbClr val="000000"/>
                   </a:solidFill>
@@ -3784,7 +3784,7 @@
             </a:ln>
             <a:extLst>
               <a:ext uri="{91240B29-F687-4f45-9708-019B960494DF}">
-                <a14:hiddenLine xmlns="" xmlns:a14="http://schemas.microsoft.com/office/drawing/2010/main" w="9525">
+                <a14:hiddenLine xmlns:a14="http://schemas.microsoft.com/office/drawing/2010/main" xmlns="" w="9525">
                   <a:solidFill>
                     <a:srgbClr val="000000"/>
                   </a:solidFill>
@@ -3874,7 +3874,7 @@
             </a:ln>
             <a:extLst>
               <a:ext uri="{91240B29-F687-4f45-9708-019B960494DF}">
-                <a14:hiddenLine xmlns="" xmlns:a14="http://schemas.microsoft.com/office/drawing/2010/main" w="9525">
+                <a14:hiddenLine xmlns:a14="http://schemas.microsoft.com/office/drawing/2010/main" xmlns="" w="9525">
                   <a:solidFill>
                     <a:srgbClr val="000000"/>
                   </a:solidFill>
@@ -3936,7 +3936,7 @@
             </a:ln>
             <a:extLst>
               <a:ext uri="{91240B29-F687-4f45-9708-019B960494DF}">
-                <a14:hiddenLine xmlns="" xmlns:a14="http://schemas.microsoft.com/office/drawing/2010/main" w="9525">
+                <a14:hiddenLine xmlns:a14="http://schemas.microsoft.com/office/drawing/2010/main" xmlns="" w="9525">
                   <a:solidFill>
                     <a:srgbClr val="000000"/>
                   </a:solidFill>
@@ -4026,7 +4026,7 @@
             </a:ln>
             <a:extLst>
               <a:ext uri="{91240B29-F687-4f45-9708-019B960494DF}">
-                <a14:hiddenLine xmlns="" xmlns:a14="http://schemas.microsoft.com/office/drawing/2010/main" w="9525">
+                <a14:hiddenLine xmlns:a14="http://schemas.microsoft.com/office/drawing/2010/main" xmlns="" w="9525">
                   <a:solidFill>
                     <a:srgbClr val="000000"/>
                   </a:solidFill>
@@ -4116,7 +4116,7 @@
             </a:ln>
             <a:extLst>
               <a:ext uri="{91240B29-F687-4f45-9708-019B960494DF}">
-                <a14:hiddenLine xmlns="" xmlns:a14="http://schemas.microsoft.com/office/drawing/2010/main" w="9525">
+                <a14:hiddenLine xmlns:a14="http://schemas.microsoft.com/office/drawing/2010/main" xmlns="" w="9525">
                   <a:solidFill>
                     <a:srgbClr val="000000"/>
                   </a:solidFill>
@@ -4181,7 +4181,7 @@
             </a:ln>
             <a:extLst>
               <a:ext uri="{91240B29-F687-4f45-9708-019B960494DF}">
-                <a14:hiddenLine xmlns="" xmlns:a14="http://schemas.microsoft.com/office/drawing/2010/main" w="9525">
+                <a14:hiddenLine xmlns:a14="http://schemas.microsoft.com/office/drawing/2010/main" xmlns="" w="9525">
                   <a:solidFill>
                     <a:srgbClr val="000000"/>
                   </a:solidFill>
@@ -4243,7 +4243,7 @@
             </a:ln>
             <a:extLst>
               <a:ext uri="{91240B29-F687-4f45-9708-019B960494DF}">
-                <a14:hiddenLine xmlns="" xmlns:a14="http://schemas.microsoft.com/office/drawing/2010/main" w="9525">
+                <a14:hiddenLine xmlns:a14="http://schemas.microsoft.com/office/drawing/2010/main" xmlns="" w="9525">
                   <a:solidFill>
                     <a:srgbClr val="000000"/>
                   </a:solidFill>
@@ -4333,7 +4333,7 @@
             </a:ln>
             <a:extLst>
               <a:ext uri="{91240B29-F687-4f45-9708-019B960494DF}">
-                <a14:hiddenLine xmlns="" xmlns:a14="http://schemas.microsoft.com/office/drawing/2010/main" w="9525">
+                <a14:hiddenLine xmlns:a14="http://schemas.microsoft.com/office/drawing/2010/main" xmlns="" w="9525">
                   <a:solidFill>
                     <a:srgbClr val="000000"/>
                   </a:solidFill>
@@ -4423,7 +4423,7 @@
             </a:ln>
             <a:extLst>
               <a:ext uri="{91240B29-F687-4f45-9708-019B960494DF}">
-                <a14:hiddenLine xmlns="" xmlns:a14="http://schemas.microsoft.com/office/drawing/2010/main" w="9525">
+                <a14:hiddenLine xmlns:a14="http://schemas.microsoft.com/office/drawing/2010/main" xmlns="" w="9525">
                   <a:solidFill>
                     <a:srgbClr val="000000"/>
                   </a:solidFill>
@@ -4485,7 +4485,7 @@
             </a:ln>
             <a:extLst>
               <a:ext uri="{91240B29-F687-4f45-9708-019B960494DF}">
-                <a14:hiddenLine xmlns="" xmlns:a14="http://schemas.microsoft.com/office/drawing/2010/main" w="9525">
+                <a14:hiddenLine xmlns:a14="http://schemas.microsoft.com/office/drawing/2010/main" xmlns="" w="9525">
                   <a:solidFill>
                     <a:srgbClr val="000000"/>
                   </a:solidFill>
@@ -4605,7 +4605,7 @@
             </a:ln>
             <a:extLst>
               <a:ext uri="{91240B29-F687-4f45-9708-019B960494DF}">
-                <a14:hiddenLine xmlns="" xmlns:a14="http://schemas.microsoft.com/office/drawing/2010/main" w="9525">
+                <a14:hiddenLine xmlns:a14="http://schemas.microsoft.com/office/drawing/2010/main" xmlns="" w="9525">
                   <a:solidFill>
                     <a:srgbClr val="000000"/>
                   </a:solidFill>
@@ -4673,7 +4673,7 @@
             </a:ln>
             <a:extLst>
               <a:ext uri="{91240B29-F687-4f45-9708-019B960494DF}">
-                <a14:hiddenLine xmlns="" xmlns:a14="http://schemas.microsoft.com/office/drawing/2010/main" w="9525">
+                <a14:hiddenLine xmlns:a14="http://schemas.microsoft.com/office/drawing/2010/main" xmlns="" w="9525">
                   <a:solidFill>
                     <a:srgbClr val="000000"/>
                   </a:solidFill>
@@ -4763,7 +4763,7 @@
             </a:ln>
             <a:extLst>
               <a:ext uri="{91240B29-F687-4f45-9708-019B960494DF}">
-                <a14:hiddenLine xmlns="" xmlns:a14="http://schemas.microsoft.com/office/drawing/2010/main" w="9525">
+                <a14:hiddenLine xmlns:a14="http://schemas.microsoft.com/office/drawing/2010/main" xmlns="" w="9525">
                   <a:solidFill>
                     <a:srgbClr val="000000"/>
                   </a:solidFill>
@@ -4903,7 +4903,7 @@
           <a:p>
             <a:fld id="{F34B6E3E-06F4-4326-ABDB-61EE022A2F5F}" type="datetimeFigureOut">
               <a:rPr lang="en-US" smtClean="0"/>
-              <a:t>4/5/2022</a:t>
+              <a:t>4/12/2022</a:t>
             </a:fld>
             <a:endParaRPr lang="en-US"/>
           </a:p>
@@ -5170,7 +5170,7 @@
           <a:p>
             <a:fld id="{F34B6E3E-06F4-4326-ABDB-61EE022A2F5F}" type="datetimeFigureOut">
               <a:rPr lang="en-US" smtClean="0"/>
-              <a:t>4/5/2022</a:t>
+              <a:t>4/12/2022</a:t>
             </a:fld>
             <a:endParaRPr lang="en-US"/>
           </a:p>
@@ -5366,7 +5366,7 @@
           <a:p>
             <a:fld id="{F34B6E3E-06F4-4326-ABDB-61EE022A2F5F}" type="datetimeFigureOut">
               <a:rPr lang="en-US" smtClean="0"/>
-              <a:t>4/5/2022</a:t>
+              <a:t>4/12/2022</a:t>
             </a:fld>
             <a:endParaRPr lang="en-US"/>
           </a:p>
@@ -5629,7 +5629,7 @@
           <a:p>
             <a:fld id="{F34B6E3E-06F4-4326-ABDB-61EE022A2F5F}" type="datetimeFigureOut">
               <a:rPr lang="en-US" smtClean="0"/>
-              <a:t>4/5/2022</a:t>
+              <a:t>4/12/2022</a:t>
             </a:fld>
             <a:endParaRPr lang="en-US"/>
           </a:p>
@@ -6063,7 +6063,7 @@
           <a:p>
             <a:fld id="{F34B6E3E-06F4-4326-ABDB-61EE022A2F5F}" type="datetimeFigureOut">
               <a:rPr lang="en-US" smtClean="0"/>
-              <a:t>4/5/2022</a:t>
+              <a:t>4/12/2022</a:t>
             </a:fld>
             <a:endParaRPr lang="en-US"/>
           </a:p>
@@ -6609,7 +6609,7 @@
           <a:p>
             <a:fld id="{F34B6E3E-06F4-4326-ABDB-61EE022A2F5F}" type="datetimeFigureOut">
               <a:rPr lang="en-US" smtClean="0"/>
-              <a:t>4/5/2022</a:t>
+              <a:t>4/12/2022</a:t>
             </a:fld>
             <a:endParaRPr lang="en-US"/>
           </a:p>
@@ -7329,7 +7329,7 @@
           <a:p>
             <a:fld id="{F34B6E3E-06F4-4326-ABDB-61EE022A2F5F}" type="datetimeFigureOut">
               <a:rPr lang="en-US" smtClean="0"/>
-              <a:t>4/5/2022</a:t>
+              <a:t>4/12/2022</a:t>
             </a:fld>
             <a:endParaRPr lang="en-US"/>
           </a:p>
@@ -7499,7 +7499,7 @@
           <a:p>
             <a:fld id="{F34B6E3E-06F4-4326-ABDB-61EE022A2F5F}" type="datetimeFigureOut">
               <a:rPr lang="en-US" smtClean="0"/>
-              <a:t>4/5/2022</a:t>
+              <a:t>4/12/2022</a:t>
             </a:fld>
             <a:endParaRPr lang="en-US"/>
           </a:p>
@@ -7679,7 +7679,7 @@
           <a:p>
             <a:fld id="{F34B6E3E-06F4-4326-ABDB-61EE022A2F5F}" type="datetimeFigureOut">
               <a:rPr lang="en-US" smtClean="0"/>
-              <a:t>4/5/2022</a:t>
+              <a:t>4/12/2022</a:t>
             </a:fld>
             <a:endParaRPr lang="en-US"/>
           </a:p>
@@ -8347,7 +8347,7 @@
           <a:p>
             <a:fld id="{F34B6E3E-06F4-4326-ABDB-61EE022A2F5F}" type="datetimeFigureOut">
               <a:rPr lang="en-US" smtClean="0"/>
-              <a:t>4/5/2022</a:t>
+              <a:t>4/12/2022</a:t>
             </a:fld>
             <a:endParaRPr lang="en-US"/>
           </a:p>
@@ -8597,7 +8597,7 @@
           <a:p>
             <a:fld id="{F34B6E3E-06F4-4326-ABDB-61EE022A2F5F}" type="datetimeFigureOut">
               <a:rPr lang="en-US" smtClean="0"/>
-              <a:t>4/5/2022</a:t>
+              <a:t>4/12/2022</a:t>
             </a:fld>
             <a:endParaRPr lang="en-US"/>
           </a:p>
@@ -8829,7 +8829,7 @@
           <a:p>
             <a:fld id="{F34B6E3E-06F4-4326-ABDB-61EE022A2F5F}" type="datetimeFigureOut">
               <a:rPr lang="en-US" smtClean="0"/>
-              <a:t>4/5/2022</a:t>
+              <a:t>4/12/2022</a:t>
             </a:fld>
             <a:endParaRPr lang="en-US"/>
           </a:p>
@@ -9210,7 +9210,7 @@
           <a:p>
             <a:fld id="{F34B6E3E-06F4-4326-ABDB-61EE022A2F5F}" type="datetimeFigureOut">
               <a:rPr lang="en-US" smtClean="0"/>
-              <a:t>4/5/2022</a:t>
+              <a:t>4/12/2022</a:t>
             </a:fld>
             <a:endParaRPr lang="en-US"/>
           </a:p>
@@ -9328,7 +9328,7 @@
           <a:p>
             <a:fld id="{F34B6E3E-06F4-4326-ABDB-61EE022A2F5F}" type="datetimeFigureOut">
               <a:rPr lang="en-US" smtClean="0"/>
-              <a:t>4/5/2022</a:t>
+              <a:t>4/12/2022</a:t>
             </a:fld>
             <a:endParaRPr lang="en-US"/>
           </a:p>
@@ -9423,7 +9423,7 @@
           <a:p>
             <a:fld id="{F34B6E3E-06F4-4326-ABDB-61EE022A2F5F}" type="datetimeFigureOut">
               <a:rPr lang="en-US" smtClean="0"/>
-              <a:t>4/5/2022</a:t>
+              <a:t>4/12/2022</a:t>
             </a:fld>
             <a:endParaRPr lang="en-US"/>
           </a:p>
@@ -9672,7 +9672,7 @@
           <a:p>
             <a:fld id="{F34B6E3E-06F4-4326-ABDB-61EE022A2F5F}" type="datetimeFigureOut">
               <a:rPr lang="en-US" smtClean="0"/>
-              <a:t>4/5/2022</a:t>
+              <a:t>4/12/2022</a:t>
             </a:fld>
             <a:endParaRPr lang="en-US"/>
           </a:p>
@@ -9952,7 +9952,7 @@
           <a:p>
             <a:fld id="{F34B6E3E-06F4-4326-ABDB-61EE022A2F5F}" type="datetimeFigureOut">
               <a:rPr lang="en-US" smtClean="0"/>
-              <a:t>4/5/2022</a:t>
+              <a:t>4/12/2022</a:t>
             </a:fld>
             <a:endParaRPr lang="en-US"/>
           </a:p>
@@ -10068,7 +10068,7 @@
           <a:noFill/>
           <a:extLst>
             <a:ext uri="{909E8E84-426E-40dd-AFC4-6F175D3DCCD1}">
-              <a14:hiddenFill xmlns="" xmlns:a14="http://schemas.microsoft.com/office/drawing/2010/main">
+              <a14:hiddenFill xmlns:a14="http://schemas.microsoft.com/office/drawing/2010/main" xmlns="">
                 <a:solidFill>
                   <a:srgbClr val="FFFFFF"/>
                 </a:solidFill>
@@ -10142,7 +10142,7 @@
               </a:ln>
               <a:extLst>
                 <a:ext uri="{91240B29-F687-4f45-9708-019B960494DF}">
-                  <a14:hiddenLine xmlns="" xmlns:a14="http://schemas.microsoft.com/office/drawing/2010/main" w="9525">
+                  <a14:hiddenLine xmlns:a14="http://schemas.microsoft.com/office/drawing/2010/main" xmlns="" w="9525">
                     <a:solidFill>
                       <a:srgbClr val="000000"/>
                     </a:solidFill>
@@ -10232,7 +10232,7 @@
               </a:ln>
               <a:extLst>
                 <a:ext uri="{91240B29-F687-4f45-9708-019B960494DF}">
-                  <a14:hiddenLine xmlns="" xmlns:a14="http://schemas.microsoft.com/office/drawing/2010/main" w="9525">
+                  <a14:hiddenLine xmlns:a14="http://schemas.microsoft.com/office/drawing/2010/main" xmlns="" w="9525">
                     <a:solidFill>
                       <a:srgbClr val="000000"/>
                     </a:solidFill>
@@ -10322,7 +10322,7 @@
               </a:ln>
               <a:extLst>
                 <a:ext uri="{91240B29-F687-4f45-9708-019B960494DF}">
-                  <a14:hiddenLine xmlns="" xmlns:a14="http://schemas.microsoft.com/office/drawing/2010/main" w="9525">
+                  <a14:hiddenLine xmlns:a14="http://schemas.microsoft.com/office/drawing/2010/main" xmlns="" w="9525">
                     <a:solidFill>
                       <a:srgbClr val="000000"/>
                     </a:solidFill>
@@ -10384,7 +10384,7 @@
               </a:ln>
               <a:extLst>
                 <a:ext uri="{91240B29-F687-4f45-9708-019B960494DF}">
-                  <a14:hiddenLine xmlns="" xmlns:a14="http://schemas.microsoft.com/office/drawing/2010/main" w="9525">
+                  <a14:hiddenLine xmlns:a14="http://schemas.microsoft.com/office/drawing/2010/main" xmlns="" w="9525">
                     <a:solidFill>
                       <a:srgbClr val="000000"/>
                     </a:solidFill>
@@ -10474,7 +10474,7 @@
               </a:ln>
               <a:extLst>
                 <a:ext uri="{91240B29-F687-4f45-9708-019B960494DF}">
-                  <a14:hiddenLine xmlns="" xmlns:a14="http://schemas.microsoft.com/office/drawing/2010/main" w="9525">
+                  <a14:hiddenLine xmlns:a14="http://schemas.microsoft.com/office/drawing/2010/main" xmlns="" w="9525">
                     <a:solidFill>
                       <a:srgbClr val="000000"/>
                     </a:solidFill>
@@ -10536,7 +10536,7 @@
               </a:ln>
               <a:extLst>
                 <a:ext uri="{91240B29-F687-4f45-9708-019B960494DF}">
-                  <a14:hiddenLine xmlns="" xmlns:a14="http://schemas.microsoft.com/office/drawing/2010/main" w="9525">
+                  <a14:hiddenLine xmlns:a14="http://schemas.microsoft.com/office/drawing/2010/main" xmlns="" w="9525">
                     <a:solidFill>
                       <a:srgbClr val="000000"/>
                     </a:solidFill>
@@ -10598,7 +10598,7 @@
               </a:ln>
               <a:extLst>
                 <a:ext uri="{91240B29-F687-4f45-9708-019B960494DF}">
-                  <a14:hiddenLine xmlns="" xmlns:a14="http://schemas.microsoft.com/office/drawing/2010/main" w="9525">
+                  <a14:hiddenLine xmlns:a14="http://schemas.microsoft.com/office/drawing/2010/main" xmlns="" w="9525">
                     <a:solidFill>
                       <a:srgbClr val="000000"/>
                     </a:solidFill>
@@ -10688,7 +10688,7 @@
               </a:ln>
               <a:extLst>
                 <a:ext uri="{91240B29-F687-4f45-9708-019B960494DF}">
-                  <a14:hiddenLine xmlns="" xmlns:a14="http://schemas.microsoft.com/office/drawing/2010/main" w="9525">
+                  <a14:hiddenLine xmlns:a14="http://schemas.microsoft.com/office/drawing/2010/main" xmlns="" w="9525">
                     <a:solidFill>
                       <a:srgbClr val="000000"/>
                     </a:solidFill>
@@ -10778,7 +10778,7 @@
               </a:ln>
               <a:extLst>
                 <a:ext uri="{91240B29-F687-4f45-9708-019B960494DF}">
-                  <a14:hiddenLine xmlns="" xmlns:a14="http://schemas.microsoft.com/office/drawing/2010/main" w="9525">
+                  <a14:hiddenLine xmlns:a14="http://schemas.microsoft.com/office/drawing/2010/main" xmlns="" w="9525">
                     <a:solidFill>
                       <a:srgbClr val="000000"/>
                     </a:solidFill>
@@ -10840,7 +10840,7 @@
               </a:ln>
               <a:extLst>
                 <a:ext uri="{91240B29-F687-4f45-9708-019B960494DF}">
-                  <a14:hiddenLine xmlns="" xmlns:a14="http://schemas.microsoft.com/office/drawing/2010/main" w="9525">
+                  <a14:hiddenLine xmlns:a14="http://schemas.microsoft.com/office/drawing/2010/main" xmlns="" w="9525">
                     <a:solidFill>
                       <a:srgbClr val="000000"/>
                     </a:solidFill>
@@ -10950,7 +10950,7 @@
               </a:ln>
               <a:extLst>
                 <a:ext uri="{91240B29-F687-4f45-9708-019B960494DF}">
-                  <a14:hiddenLine xmlns="" xmlns:a14="http://schemas.microsoft.com/office/drawing/2010/main" w="9525">
+                  <a14:hiddenLine xmlns:a14="http://schemas.microsoft.com/office/drawing/2010/main" xmlns="" w="9525">
                     <a:solidFill>
                       <a:srgbClr val="000000"/>
                     </a:solidFill>
@@ -11034,7 +11034,7 @@
               </a:ln>
               <a:extLst>
                 <a:ext uri="{91240B29-F687-4f45-9708-019B960494DF}">
-                  <a14:hiddenLine xmlns="" xmlns:a14="http://schemas.microsoft.com/office/drawing/2010/main" w="9525">
+                  <a14:hiddenLine xmlns:a14="http://schemas.microsoft.com/office/drawing/2010/main" xmlns="" w="9525">
                     <a:solidFill>
                       <a:srgbClr val="000000"/>
                     </a:solidFill>
@@ -11096,7 +11096,7 @@
               </a:ln>
               <a:extLst>
                 <a:ext uri="{91240B29-F687-4f45-9708-019B960494DF}">
-                  <a14:hiddenLine xmlns="" xmlns:a14="http://schemas.microsoft.com/office/drawing/2010/main" w="9525">
+                  <a14:hiddenLine xmlns:a14="http://schemas.microsoft.com/office/drawing/2010/main" xmlns="" w="9525">
                     <a:solidFill>
                       <a:srgbClr val="000000"/>
                     </a:solidFill>
@@ -11158,7 +11158,7 @@
               </a:ln>
               <a:extLst>
                 <a:ext uri="{91240B29-F687-4f45-9708-019B960494DF}">
-                  <a14:hiddenLine xmlns="" xmlns:a14="http://schemas.microsoft.com/office/drawing/2010/main" w="9525">
+                  <a14:hiddenLine xmlns:a14="http://schemas.microsoft.com/office/drawing/2010/main" xmlns="" w="9525">
                     <a:solidFill>
                       <a:srgbClr val="000000"/>
                     </a:solidFill>
@@ -11248,7 +11248,7 @@
               </a:ln>
               <a:extLst>
                 <a:ext uri="{91240B29-F687-4f45-9708-019B960494DF}">
-                  <a14:hiddenLine xmlns="" xmlns:a14="http://schemas.microsoft.com/office/drawing/2010/main" w="9525">
+                  <a14:hiddenLine xmlns:a14="http://schemas.microsoft.com/office/drawing/2010/main" xmlns="" w="9525">
                     <a:solidFill>
                       <a:srgbClr val="000000"/>
                     </a:solidFill>
@@ -11282,7 +11282,7 @@
               </a:ln>
               <a:extLst>
                 <a:ext uri="{91240B29-F687-4f45-9708-019B960494DF}">
-                  <a14:hiddenLine xmlns="" xmlns:a14="http://schemas.microsoft.com/office/drawing/2010/main" w="9525">
+                  <a14:hiddenLine xmlns:a14="http://schemas.microsoft.com/office/drawing/2010/main" xmlns="" w="9525">
                     <a:solidFill>
                       <a:srgbClr val="000000"/>
                     </a:solidFill>
@@ -11347,7 +11347,7 @@
               </a:ln>
               <a:extLst>
                 <a:ext uri="{91240B29-F687-4f45-9708-019B960494DF}">
-                  <a14:hiddenLine xmlns="" xmlns:a14="http://schemas.microsoft.com/office/drawing/2010/main" w="9525">
+                  <a14:hiddenLine xmlns:a14="http://schemas.microsoft.com/office/drawing/2010/main" xmlns="" w="9525">
                     <a:solidFill>
                       <a:srgbClr val="000000"/>
                     </a:solidFill>
@@ -11437,7 +11437,7 @@
               </a:ln>
               <a:extLst>
                 <a:ext uri="{91240B29-F687-4f45-9708-019B960494DF}">
-                  <a14:hiddenLine xmlns="" xmlns:a14="http://schemas.microsoft.com/office/drawing/2010/main" w="9525">
+                  <a14:hiddenLine xmlns:a14="http://schemas.microsoft.com/office/drawing/2010/main" xmlns="" w="9525">
                     <a:solidFill>
                       <a:srgbClr val="000000"/>
                     </a:solidFill>
@@ -11499,7 +11499,7 @@
               </a:ln>
               <a:extLst>
                 <a:ext uri="{91240B29-F687-4f45-9708-019B960494DF}">
-                  <a14:hiddenLine xmlns="" xmlns:a14="http://schemas.microsoft.com/office/drawing/2010/main" w="9525">
+                  <a14:hiddenLine xmlns:a14="http://schemas.microsoft.com/office/drawing/2010/main" xmlns="" w="9525">
                     <a:solidFill>
                       <a:srgbClr val="000000"/>
                     </a:solidFill>
@@ -11589,7 +11589,7 @@
               </a:ln>
               <a:extLst>
                 <a:ext uri="{91240B29-F687-4f45-9708-019B960494DF}">
-                  <a14:hiddenLine xmlns="" xmlns:a14="http://schemas.microsoft.com/office/drawing/2010/main" w="9525">
+                  <a14:hiddenLine xmlns:a14="http://schemas.microsoft.com/office/drawing/2010/main" xmlns="" w="9525">
                     <a:solidFill>
                       <a:srgbClr val="000000"/>
                     </a:solidFill>
@@ -11654,7 +11654,7 @@
               </a:ln>
               <a:extLst>
                 <a:ext uri="{91240B29-F687-4f45-9708-019B960494DF}">
-                  <a14:hiddenLine xmlns="" xmlns:a14="http://schemas.microsoft.com/office/drawing/2010/main" w="9525">
+                  <a14:hiddenLine xmlns:a14="http://schemas.microsoft.com/office/drawing/2010/main" xmlns="" w="9525">
                     <a:solidFill>
                       <a:srgbClr val="000000"/>
                     </a:solidFill>
@@ -11716,7 +11716,7 @@
               </a:ln>
               <a:extLst>
                 <a:ext uri="{91240B29-F687-4f45-9708-019B960494DF}">
-                  <a14:hiddenLine xmlns="" xmlns:a14="http://schemas.microsoft.com/office/drawing/2010/main" w="9525">
+                  <a14:hiddenLine xmlns:a14="http://schemas.microsoft.com/office/drawing/2010/main" xmlns="" w="9525">
                     <a:solidFill>
                       <a:srgbClr val="000000"/>
                     </a:solidFill>
@@ -11806,7 +11806,7 @@
               </a:ln>
               <a:extLst>
                 <a:ext uri="{91240B29-F687-4f45-9708-019B960494DF}">
-                  <a14:hiddenLine xmlns="" xmlns:a14="http://schemas.microsoft.com/office/drawing/2010/main" w="9525">
+                  <a14:hiddenLine xmlns:a14="http://schemas.microsoft.com/office/drawing/2010/main" xmlns="" w="9525">
                     <a:solidFill>
                       <a:srgbClr val="000000"/>
                     </a:solidFill>
@@ -11896,7 +11896,7 @@
               </a:ln>
               <a:extLst>
                 <a:ext uri="{91240B29-F687-4f45-9708-019B960494DF}">
-                  <a14:hiddenLine xmlns="" xmlns:a14="http://schemas.microsoft.com/office/drawing/2010/main" w="9525">
+                  <a14:hiddenLine xmlns:a14="http://schemas.microsoft.com/office/drawing/2010/main" xmlns="" w="9525">
                     <a:solidFill>
                       <a:srgbClr val="000000"/>
                     </a:solidFill>
@@ -11961,7 +11961,7 @@
               </a:ln>
               <a:extLst>
                 <a:ext uri="{91240B29-F687-4f45-9708-019B960494DF}">
-                  <a14:hiddenLine xmlns="" xmlns:a14="http://schemas.microsoft.com/office/drawing/2010/main" w="9525">
+                  <a14:hiddenLine xmlns:a14="http://schemas.microsoft.com/office/drawing/2010/main" xmlns="" w="9525">
                     <a:solidFill>
                       <a:srgbClr val="000000"/>
                     </a:solidFill>
@@ -12081,7 +12081,7 @@
               </a:ln>
               <a:extLst>
                 <a:ext uri="{91240B29-F687-4f45-9708-019B960494DF}">
-                  <a14:hiddenLine xmlns="" xmlns:a14="http://schemas.microsoft.com/office/drawing/2010/main" w="9525">
+                  <a14:hiddenLine xmlns:a14="http://schemas.microsoft.com/office/drawing/2010/main" xmlns="" w="9525">
                     <a:solidFill>
                       <a:srgbClr val="000000"/>
                     </a:solidFill>
@@ -12179,7 +12179,7 @@
               </a:ln>
               <a:extLst>
                 <a:ext uri="{91240B29-F687-4f45-9708-019B960494DF}">
-                  <a14:hiddenLine xmlns="" xmlns:a14="http://schemas.microsoft.com/office/drawing/2010/main" w="9525">
+                  <a14:hiddenLine xmlns:a14="http://schemas.microsoft.com/office/drawing/2010/main" xmlns="" w="9525">
                     <a:solidFill>
                       <a:srgbClr val="000000"/>
                     </a:solidFill>
@@ -12294,7 +12294,7 @@
               </a:ln>
               <a:extLst>
                 <a:ext uri="{91240B29-F687-4f45-9708-019B960494DF}">
-                  <a14:hiddenLine xmlns="" xmlns:a14="http://schemas.microsoft.com/office/drawing/2010/main" w="9525">
+                  <a14:hiddenLine xmlns:a14="http://schemas.microsoft.com/office/drawing/2010/main" xmlns="" w="9525">
                     <a:solidFill>
                       <a:srgbClr val="000000"/>
                     </a:solidFill>
@@ -12384,7 +12384,7 @@
               </a:ln>
               <a:extLst>
                 <a:ext uri="{91240B29-F687-4f45-9708-019B960494DF}">
-                  <a14:hiddenLine xmlns="" xmlns:a14="http://schemas.microsoft.com/office/drawing/2010/main" w="9525">
+                  <a14:hiddenLine xmlns:a14="http://schemas.microsoft.com/office/drawing/2010/main" xmlns="" w="9525">
                     <a:solidFill>
                       <a:srgbClr val="000000"/>
                     </a:solidFill>
@@ -12449,7 +12449,7 @@
               </a:ln>
               <a:extLst>
                 <a:ext uri="{91240B29-F687-4f45-9708-019B960494DF}">
-                  <a14:hiddenLine xmlns="" xmlns:a14="http://schemas.microsoft.com/office/drawing/2010/main" w="9525">
+                  <a14:hiddenLine xmlns:a14="http://schemas.microsoft.com/office/drawing/2010/main" xmlns="" w="9525">
                     <a:solidFill>
                       <a:srgbClr val="000000"/>
                     </a:solidFill>
@@ -12539,7 +12539,7 @@
               </a:ln>
               <a:extLst>
                 <a:ext uri="{91240B29-F687-4f45-9708-019B960494DF}">
-                  <a14:hiddenLine xmlns="" xmlns:a14="http://schemas.microsoft.com/office/drawing/2010/main" w="9525">
+                  <a14:hiddenLine xmlns:a14="http://schemas.microsoft.com/office/drawing/2010/main" xmlns="" w="9525">
                     <a:solidFill>
                       <a:srgbClr val="000000"/>
                     </a:solidFill>
@@ -12607,7 +12607,7 @@
               </a:ln>
               <a:extLst>
                 <a:ext uri="{91240B29-F687-4f45-9708-019B960494DF}">
-                  <a14:hiddenLine xmlns="" xmlns:a14="http://schemas.microsoft.com/office/drawing/2010/main" w="9525">
+                  <a14:hiddenLine xmlns:a14="http://schemas.microsoft.com/office/drawing/2010/main" xmlns="" w="9525">
                     <a:solidFill>
                       <a:srgbClr val="000000"/>
                     </a:solidFill>
@@ -12697,7 +12697,7 @@
               </a:ln>
               <a:extLst>
                 <a:ext uri="{91240B29-F687-4f45-9708-019B960494DF}">
-                  <a14:hiddenLine xmlns="" xmlns:a14="http://schemas.microsoft.com/office/drawing/2010/main" w="9525">
+                  <a14:hiddenLine xmlns:a14="http://schemas.microsoft.com/office/drawing/2010/main" xmlns="" w="9525">
                     <a:solidFill>
                       <a:srgbClr val="000000"/>
                     </a:solidFill>
@@ -12765,7 +12765,7 @@
               </a:ln>
               <a:extLst>
                 <a:ext uri="{91240B29-F687-4f45-9708-019B960494DF}">
-                  <a14:hiddenLine xmlns="" xmlns:a14="http://schemas.microsoft.com/office/drawing/2010/main" w="9525">
+                  <a14:hiddenLine xmlns:a14="http://schemas.microsoft.com/office/drawing/2010/main" xmlns="" w="9525">
                     <a:solidFill>
                       <a:srgbClr val="000000"/>
                     </a:solidFill>
@@ -12855,7 +12855,7 @@
               </a:ln>
               <a:extLst>
                 <a:ext uri="{91240B29-F687-4f45-9708-019B960494DF}">
-                  <a14:hiddenLine xmlns="" xmlns:a14="http://schemas.microsoft.com/office/drawing/2010/main" w="9525">
+                  <a14:hiddenLine xmlns:a14="http://schemas.microsoft.com/office/drawing/2010/main" xmlns="" w="9525">
                     <a:solidFill>
                       <a:srgbClr val="000000"/>
                     </a:solidFill>
@@ -12889,7 +12889,7 @@
               </a:ln>
               <a:extLst>
                 <a:ext uri="{91240B29-F687-4f45-9708-019B960494DF}">
-                  <a14:hiddenLine xmlns="" xmlns:a14="http://schemas.microsoft.com/office/drawing/2010/main" w="9525">
+                  <a14:hiddenLine xmlns:a14="http://schemas.microsoft.com/office/drawing/2010/main" xmlns="" w="9525">
                     <a:solidFill>
                       <a:srgbClr val="000000"/>
                     </a:solidFill>
@@ -13029,7 +13029,7 @@
           <a:p>
             <a:fld id="{F34B6E3E-06F4-4326-ABDB-61EE022A2F5F}" type="datetimeFigureOut">
               <a:rPr lang="en-US" smtClean="0"/>
-              <a:t>4/5/2022</a:t>
+              <a:t>4/12/2022</a:t>
             </a:fld>
             <a:endParaRPr lang="en-US"/>
           </a:p>
@@ -14017,7 +14017,7 @@
         <p:spPr>
           <a:xfrm>
             <a:off x="1141413" y="2097088"/>
-            <a:ext cx="11696797" cy="5458202"/>
+            <a:ext cx="6859587" cy="3998912"/>
           </a:xfrm>
         </p:spPr>
         <p:txBody>
@@ -14032,8 +14032,12 @@
               </a:lnSpc>
             </a:pPr>
             <a:r>
+              <a:rPr lang="bg-BG" sz="2000" dirty="0"/>
+              <a:t>Плюсове</a:t>
+            </a:r>
+            <a:r>
               <a:rPr lang="en-US" sz="2000" dirty="0"/>
-              <a:t>Pros:</a:t>
+              <a:t>:</a:t>
             </a:r>
           </a:p>
           <a:p>
@@ -14043,9 +14047,10 @@
               </a:lnSpc>
             </a:pPr>
             <a:r>
-              <a:rPr lang="en-US" sz="1800" dirty="0"/>
-              <a:t>Decoupled client and server</a:t>
-            </a:r>
+              <a:rPr lang="bg-BG" sz="1800" dirty="0"/>
+              <a:t>Разделени клиент и сървър</a:t>
+            </a:r>
+            <a:endParaRPr lang="en-US" sz="1800" dirty="0"/>
           </a:p>
           <a:p>
             <a:pPr lvl="1">
@@ -14054,9 +14059,14 @@
               </a:lnSpc>
             </a:pPr>
             <a:r>
-              <a:rPr lang="en-US" sz="1800" dirty="0"/>
-              <a:t>Discoverability</a:t>
-            </a:r>
+              <a:rPr lang="bg-BG" sz="1800" dirty="0"/>
+              <a:t>Удобен за </a:t>
+            </a:r>
+            <a:r>
+              <a:rPr lang="bg-BG" sz="1800" dirty="0" err="1"/>
+              <a:t>кеширане</a:t>
+            </a:r>
+            <a:endParaRPr lang="en-US" sz="1800" dirty="0"/>
           </a:p>
           <a:p>
             <a:pPr lvl="1">
@@ -14065,8 +14075,32 @@
               </a:lnSpc>
             </a:pPr>
             <a:r>
+              <a:rPr lang="bg-BG" sz="1800" dirty="0"/>
+              <a:t>Поддръжка на множество формати</a:t>
+            </a:r>
+            <a:r>
               <a:rPr lang="en-US" sz="1800" dirty="0"/>
-              <a:t>Cache-friendly</a:t>
+              <a:t> </a:t>
+            </a:r>
+            <a:endParaRPr lang="bg-BG" sz="1800" dirty="0"/>
+          </a:p>
+          <a:p>
+            <a:pPr>
+              <a:lnSpc>
+                <a:spcPct val="100000"/>
+              </a:lnSpc>
+            </a:pPr>
+            <a:r>
+              <a:rPr lang="en-US" sz="2000" dirty="0"/>
+              <a:t>M</a:t>
+            </a:r>
+            <a:r>
+              <a:rPr lang="bg-BG" sz="2000" dirty="0" err="1"/>
+              <a:t>инуси</a:t>
+            </a:r>
+            <a:r>
+              <a:rPr lang="en-US" sz="2000" dirty="0"/>
+              <a:t>:</a:t>
             </a:r>
           </a:p>
           <a:p>
@@ -14076,9 +14110,54 @@
               </a:lnSpc>
             </a:pPr>
             <a:r>
+              <a:rPr lang="bg-BG" sz="1800" dirty="0"/>
+              <a:t>Няма единична </a:t>
+            </a:r>
+            <a:r>
               <a:rPr lang="en-US" sz="1800" dirty="0"/>
-              <a:t>Multiple formats support</a:t>
-            </a:r>
+              <a:t>REST </a:t>
+            </a:r>
+            <a:r>
+              <a:rPr lang="bg-BG" sz="1800" dirty="0"/>
+              <a:t>структура</a:t>
+            </a:r>
+            <a:endParaRPr lang="en-US" sz="1800" dirty="0"/>
+          </a:p>
+          <a:p>
+            <a:pPr lvl="1">
+              <a:lnSpc>
+                <a:spcPct val="100000"/>
+              </a:lnSpc>
+            </a:pPr>
+            <a:r>
+              <a:rPr lang="ru-RU" sz="1800" dirty="0" err="1"/>
+              <a:t>Проблеми</a:t>
+            </a:r>
+            <a:r>
+              <a:rPr lang="ru-RU" sz="1800" dirty="0"/>
+              <a:t> с </a:t>
+            </a:r>
+            <a:r>
+              <a:rPr lang="ru-RU" sz="1800" dirty="0" err="1"/>
+              <a:t>прекомерно</a:t>
+            </a:r>
+            <a:r>
+              <a:rPr lang="ru-RU" sz="1800" dirty="0"/>
+              <a:t> и </a:t>
+            </a:r>
+            <a:r>
+              <a:rPr lang="ru-RU" sz="1800" dirty="0" err="1"/>
+              <a:t>недостатъчно</a:t>
+            </a:r>
+            <a:r>
+              <a:rPr lang="ru-RU" sz="1800" dirty="0"/>
+              <a:t> </a:t>
+            </a:r>
+            <a:r>
+              <a:rPr lang="ru-RU" sz="1800" dirty="0" err="1"/>
+              <a:t>извличане</a:t>
+            </a:r>
+            <a:endParaRPr lang="en-US" sz="1800" dirty="0"/>
           </a:p>
           <a:p>
             <a:pPr>
@@ -14087,8 +14166,12 @@
               </a:lnSpc>
             </a:pPr>
             <a:r>
+              <a:rPr lang="bg-BG" sz="2000" dirty="0"/>
+              <a:t>Случаи на употреба </a:t>
+            </a:r>
+            <a:r>
               <a:rPr lang="en-US" sz="2000" dirty="0"/>
-              <a:t>Cons:</a:t>
+              <a:t>: </a:t>
             </a:r>
           </a:p>
           <a:p>
@@ -14098,71 +14181,8 @@
               </a:lnSpc>
             </a:pPr>
             <a:r>
-              <a:rPr lang="en-US" sz="1800" dirty="0"/>
-              <a:t>No single REST structure</a:t>
-            </a:r>
-          </a:p>
-          <a:p>
-            <a:pPr lvl="1">
-              <a:lnSpc>
-                <a:spcPct val="100000"/>
-              </a:lnSpc>
-            </a:pPr>
-            <a:r>
-              <a:rPr lang="en-US" sz="1800" dirty="0"/>
-              <a:t>Big payloads</a:t>
-            </a:r>
-          </a:p>
-          <a:p>
-            <a:pPr lvl="1">
-              <a:lnSpc>
-                <a:spcPct val="100000"/>
-              </a:lnSpc>
-            </a:pPr>
-            <a:r>
-              <a:rPr lang="en-US" sz="1800" dirty="0"/>
-              <a:t>Over-and under-fetching problems</a:t>
-            </a:r>
-          </a:p>
-          <a:p>
-            <a:pPr>
-              <a:lnSpc>
-                <a:spcPct val="100000"/>
-              </a:lnSpc>
-            </a:pPr>
-            <a:r>
-              <a:rPr lang="en-US" sz="2000" dirty="0"/>
-              <a:t>Use cases: </a:t>
-            </a:r>
-          </a:p>
-          <a:p>
-            <a:pPr lvl="1">
-              <a:lnSpc>
-                <a:spcPct val="100000"/>
-              </a:lnSpc>
-            </a:pPr>
-            <a:r>
-              <a:rPr lang="fr-FR" sz="1800" dirty="0"/>
-              <a:t>Management APIs</a:t>
-            </a:r>
-          </a:p>
-          <a:p>
-            <a:pPr lvl="1">
-              <a:lnSpc>
-                <a:spcPct val="100000"/>
-              </a:lnSpc>
-            </a:pPr>
-            <a:r>
-              <a:rPr lang="fr-FR" sz="1800" dirty="0"/>
-              <a:t>Simple </a:t>
-            </a:r>
-            <a:r>
-              <a:rPr lang="fr-FR" sz="1800" dirty="0" err="1"/>
-              <a:t>resource-driven</a:t>
-            </a:r>
-            <a:r>
-              <a:rPr lang="fr-FR" sz="1800" dirty="0"/>
-              <a:t> apps</a:t>
+              <a:rPr lang="bg-BG" sz="1800" dirty="0"/>
+              <a:t>Приложения, управлявани от ресурси</a:t>
             </a:r>
             <a:endParaRPr lang="en-US" sz="1800" dirty="0"/>
           </a:p>
@@ -14293,8 +14313,12 @@
               </a:lnSpc>
             </a:pPr>
             <a:r>
+              <a:rPr lang="bg-BG" sz="2000" dirty="0"/>
+              <a:t>Плюсове</a:t>
+            </a:r>
+            <a:r>
               <a:rPr lang="en-US" sz="2000" dirty="0"/>
-              <a:t>Pros:</a:t>
+              <a:t>:</a:t>
             </a:r>
           </a:p>
           <a:p>
@@ -14304,8 +14328,8 @@
               </a:lnSpc>
             </a:pPr>
             <a:r>
-              <a:rPr lang="en-US" sz="1800" dirty="0"/>
-              <a:t>Straightforward and simple interaction</a:t>
+              <a:rPr lang="bg-BG" sz="1800" dirty="0"/>
+              <a:t>Ясен процес</a:t>
             </a:r>
           </a:p>
           <a:p>
@@ -14315,9 +14339,10 @@
               </a:lnSpc>
             </a:pPr>
             <a:r>
-              <a:rPr lang="en-US" sz="1800" dirty="0"/>
-              <a:t>Easy-to-add functions</a:t>
-            </a:r>
+              <a:rPr lang="bg-BG" sz="1800" dirty="0"/>
+              <a:t>Висока производителност</a:t>
+            </a:r>
+            <a:endParaRPr lang="en-US" sz="1800" dirty="0"/>
           </a:p>
           <a:p>
             <a:pPr lvl="1">
@@ -14326,9 +14351,10 @@
               </a:lnSpc>
             </a:pPr>
             <a:r>
-              <a:rPr lang="en-US" sz="1800" dirty="0"/>
-              <a:t>High performance</a:t>
-            </a:r>
+              <a:rPr lang="bg-BG" sz="1800" dirty="0"/>
+              <a:t>Лесен за добавяне</a:t>
+            </a:r>
+            <a:endParaRPr lang="en-US" sz="1800" dirty="0"/>
           </a:p>
           <a:p>
             <a:pPr>
@@ -14338,7 +14364,15 @@
             </a:pPr>
             <a:r>
               <a:rPr lang="en-US" sz="2000" dirty="0"/>
-              <a:t>Cons:</a:t>
+              <a:t>M</a:t>
+            </a:r>
+            <a:r>
+              <a:rPr lang="bg-BG" sz="2000" dirty="0" err="1"/>
+              <a:t>инуси</a:t>
+            </a:r>
+            <a:r>
+              <a:rPr lang="en-US" sz="2000" dirty="0"/>
+              <a:t>:</a:t>
             </a:r>
           </a:p>
           <a:p>
@@ -14348,8 +14382,8 @@
               </a:lnSpc>
             </a:pPr>
             <a:r>
-              <a:rPr lang="en-US" sz="1800" dirty="0"/>
-              <a:t>Tight coupling to the underlying system</a:t>
+              <a:rPr lang="bg-BG" sz="1800" dirty="0"/>
+              <a:t>силна връзка към основната система</a:t>
             </a:r>
           </a:p>
           <a:p>
@@ -14359,8 +14393,35 @@
               </a:lnSpc>
             </a:pPr>
             <a:r>
+              <a:rPr lang="bg-BG" sz="1800" dirty="0"/>
+              <a:t>Поддържа се</a:t>
+            </a:r>
+            <a:r>
               <a:rPr lang="en-US" sz="1800" dirty="0"/>
-              <a:t>Low discoverability</a:t>
+              <a:t> </a:t>
+            </a:r>
+            <a:r>
+              <a:rPr lang="bg-BG" sz="1800" dirty="0"/>
+              <a:t>главно с </a:t>
+            </a:r>
+            <a:r>
+              <a:rPr lang="en-US" sz="1800" dirty="0"/>
+              <a:t>HTTP/2</a:t>
+            </a:r>
+          </a:p>
+          <a:p>
+            <a:pPr>
+              <a:lnSpc>
+                <a:spcPct val="100000"/>
+              </a:lnSpc>
+            </a:pPr>
+            <a:r>
+              <a:rPr lang="bg-BG" sz="2000" dirty="0"/>
+              <a:t>Случаи на употреба</a:t>
+            </a:r>
+            <a:r>
+              <a:rPr lang="en-US" sz="2000" dirty="0"/>
+              <a:t>: </a:t>
             </a:r>
           </a:p>
           <a:p>
@@ -14370,30 +14431,24 @@
               </a:lnSpc>
             </a:pPr>
             <a:r>
-              <a:rPr lang="en-US" sz="1800" dirty="0"/>
-              <a:t>Function explosion</a:t>
-            </a:r>
-          </a:p>
-          <a:p>
-            <a:pPr>
-              <a:lnSpc>
-                <a:spcPct val="100000"/>
-              </a:lnSpc>
-            </a:pPr>
-            <a:r>
-              <a:rPr lang="en-US" sz="2000" dirty="0"/>
-              <a:t>Use cases: </a:t>
-            </a:r>
-          </a:p>
-          <a:p>
-            <a:pPr lvl="1">
-              <a:lnSpc>
-                <a:spcPct val="100000"/>
-              </a:lnSpc>
-            </a:pPr>
-            <a:r>
-              <a:rPr lang="en-US" sz="1800" dirty="0"/>
-              <a:t>Customer-specific APIs for internal microservices</a:t>
+              <a:rPr lang="ru-RU" sz="1800" dirty="0" err="1"/>
+              <a:t>Специфични</a:t>
+            </a:r>
+            <a:r>
+              <a:rPr lang="ru-RU" sz="1800" dirty="0"/>
+              <a:t> за клиента API за </a:t>
+            </a:r>
+            <a:r>
+              <a:rPr lang="ru-RU" sz="1800" dirty="0" err="1"/>
+              <a:t>вътрешни</a:t>
+            </a:r>
+            <a:r>
+              <a:rPr lang="ru-RU" sz="1800" dirty="0"/>
+              <a:t> </a:t>
+            </a:r>
+            <a:r>
+              <a:rPr lang="ru-RU" sz="1800" dirty="0" err="1"/>
+              <a:t>микроуслуги</a:t>
             </a:r>
             <a:endParaRPr lang="en-US" dirty="0"/>
           </a:p>
@@ -14987,8 +15042,8 @@
         </p:nvSpPr>
         <p:spPr>
           <a:xfrm>
-            <a:off x="1141413" y="1712549"/>
-            <a:ext cx="11696797" cy="5458202"/>
+            <a:off x="1371601" y="1828800"/>
+            <a:ext cx="10744200" cy="5458202"/>
           </a:xfrm>
         </p:spPr>
         <p:txBody>
@@ -15003,8 +15058,56 @@
               </a:lnSpc>
             </a:pPr>
             <a:r>
-              <a:rPr lang="en-US" dirty="0"/>
-              <a:t>Used when different parts of a client’s page requests different microservices</a:t>
+              <a:rPr lang="ru-RU" dirty="0" err="1"/>
+              <a:t>Използва</a:t>
+            </a:r>
+            <a:r>
+              <a:rPr lang="ru-RU" dirty="0"/>
+              <a:t> се, </a:t>
+            </a:r>
+            <a:r>
+              <a:rPr lang="ru-RU" dirty="0" err="1"/>
+              <a:t>когато</a:t>
+            </a:r>
+            <a:r>
+              <a:rPr lang="ru-RU" dirty="0"/>
+              <a:t> </a:t>
+            </a:r>
+            <a:r>
+              <a:rPr lang="ru-RU" dirty="0" err="1"/>
+              <a:t>различни</a:t>
+            </a:r>
+            <a:r>
+              <a:rPr lang="ru-RU" dirty="0"/>
+              <a:t> части от </a:t>
+            </a:r>
+            <a:r>
+              <a:rPr lang="ru-RU" dirty="0" err="1"/>
+              <a:t>страницата</a:t>
+            </a:r>
+            <a:r>
+              <a:rPr lang="ru-RU" dirty="0"/>
+              <a:t> на клиента </a:t>
+            </a:r>
+            <a:r>
+              <a:rPr lang="ru-RU" dirty="0" err="1"/>
+              <a:t>изискват</a:t>
+            </a:r>
+            <a:r>
+              <a:rPr lang="ru-RU" dirty="0"/>
+              <a:t> </a:t>
+            </a:r>
+            <a:r>
+              <a:rPr lang="ru-RU" dirty="0" err="1"/>
+              <a:t>различни</a:t>
+            </a:r>
+            <a:r>
+              <a:rPr lang="ru-RU" dirty="0"/>
+              <a:t> </a:t>
+            </a:r>
+            <a:r>
+              <a:rPr lang="ru-RU" dirty="0" err="1"/>
+              <a:t>микроуслуги</a:t>
             </a:r>
             <a:endParaRPr lang="bg-BG" dirty="0"/>
           </a:p>
@@ -15020,14 +15123,19 @@
             <p:ph type="title"/>
           </p:nvPr>
         </p:nvSpPr>
-        <p:spPr/>
+        <p:spPr>
+          <a:xfrm>
+            <a:off x="685800" y="618518"/>
+            <a:ext cx="10972800" cy="1478570"/>
+          </a:xfrm>
+        </p:spPr>
         <p:txBody>
           <a:bodyPr/>
           <a:lstStyle/>
           <a:p>
             <a:r>
-              <a:rPr lang="en-US" dirty="0"/>
-              <a:t>Direct Client-Server Communication</a:t>
+              <a:rPr lang="bg-BG" dirty="0"/>
+              <a:t>Директна комуникация На клиент със сървър</a:t>
             </a:r>
             <a:endParaRPr lang="en-US" sz="3600" dirty="0"/>
           </a:p>
@@ -15055,8 +15163,8 @@
         </p:blipFill>
         <p:spPr>
           <a:xfrm>
-            <a:off x="3505200" y="2688657"/>
-            <a:ext cx="5181600" cy="3060000"/>
+            <a:off x="2900220" y="2724120"/>
+            <a:ext cx="6543959" cy="3864543"/>
           </a:xfrm>
           <a:prstGeom prst="rect">
             <a:avLst/>
@@ -15076,7 +15184,7 @@
     </p:spTree>
     <p:extLst>
       <p:ext uri="{BB962C8B-B14F-4D97-AF65-F5344CB8AC3E}">
-        <p14:creationId xmlns:p14="http://schemas.microsoft.com/office/powerpoint/2010/main" val="1122785622"/>
+        <p14:creationId xmlns:p14="http://schemas.microsoft.com/office/powerpoint/2010/main" val="4020949588"/>
       </p:ext>
     </p:extLst>
   </p:cSld>
@@ -18616,6 +18724,31 @@
           <a:chExt cx="0" cy="0"/>
         </a:xfrm>
       </p:grpSpPr>
+      <p:sp>
+        <p:nvSpPr>
+          <p:cNvPr id="4" name="Content Placeholder 3">
+            <a:extLst>
+              <a:ext uri="{FF2B5EF4-FFF2-40B4-BE49-F238E27FC236}">
+                <a16:creationId xmlns:a16="http://schemas.microsoft.com/office/drawing/2014/main" id="{F9A6006B-7845-4A33-B71B-3D0DDE512414}"/>
+              </a:ext>
+            </a:extLst>
+          </p:cNvPr>
+          <p:cNvSpPr>
+            <a:spLocks noGrp="1"/>
+          </p:cNvSpPr>
+          <p:nvPr>
+            <p:ph idx="1"/>
+          </p:nvPr>
+        </p:nvSpPr>
+        <p:spPr/>
+        <p:txBody>
+          <a:bodyPr/>
+          <a:lstStyle/>
+          <a:p>
+            <a:endParaRPr lang="en-US"/>
+          </a:p>
+        </p:txBody>
+      </p:sp>
     </p:spTree>
     <p:extLst>
       <p:ext uri="{BB962C8B-B14F-4D97-AF65-F5344CB8AC3E}">
@@ -18648,22 +18781,30 @@
       </p:grpSpPr>
       <p:sp>
         <p:nvSpPr>
-          <p:cNvPr id="4" name="Title 3"/>
+          <p:cNvPr id="5" name="Content Placeholder 4">
+            <a:extLst>
+              <a:ext uri="{FF2B5EF4-FFF2-40B4-BE49-F238E27FC236}">
+                <a16:creationId xmlns:a16="http://schemas.microsoft.com/office/drawing/2014/main" id="{A2014144-D449-49FB-9FF0-027AA0B2196C}"/>
+              </a:ext>
+            </a:extLst>
+          </p:cNvPr>
           <p:cNvSpPr>
             <a:spLocks noGrp="1"/>
           </p:cNvSpPr>
           <p:nvPr>
-            <p:ph type="ctrTitle"/>
+            <p:ph idx="1"/>
           </p:nvPr>
         </p:nvSpPr>
         <p:spPr>
           <a:xfrm>
-            <a:off x="2590800" y="533400"/>
-            <a:ext cx="8305800" cy="903700"/>
+            <a:off x="4610099" y="1390552"/>
+            <a:ext cx="2971800" cy="1905000"/>
           </a:xfrm>
         </p:spPr>
         <p:txBody>
-          <a:bodyPr/>
+          <a:bodyPr>
+            <a:normAutofit/>
+          </a:bodyPr>
           <a:lstStyle/>
           <a:p>
             <a:pPr>
@@ -18672,8 +18813,30 @@
               </a:lnSpc>
             </a:pPr>
             <a:r>
+              <a:rPr lang="en-US" dirty="0"/>
+              <a:t>HTTP/HTTPS</a:t>
+            </a:r>
+          </a:p>
+          <a:p>
+            <a:pPr>
+              <a:lnSpc>
+                <a:spcPct val="100000"/>
+              </a:lnSpc>
+            </a:pPr>
+            <a:r>
               <a:rPr lang="bg-BG" dirty="0"/>
-              <a:t>Синхронна комуникация</a:t>
+              <a:t>Клиент-сървър</a:t>
+            </a:r>
+          </a:p>
+          <a:p>
+            <a:pPr>
+              <a:lnSpc>
+                <a:spcPct val="100000"/>
+              </a:lnSpc>
+            </a:pPr>
+            <a:r>
+              <a:rPr lang="bg-BG" dirty="0"/>
+              <a:t>Заявка-отговор</a:t>
             </a:r>
             <a:endParaRPr lang="en-US" dirty="0"/>
           </a:p>
@@ -18681,10 +18844,10 @@
       </p:sp>
       <p:pic>
         <p:nvPicPr>
-          <p:cNvPr id="3" name="Picture 2">
+          <p:cNvPr id="6" name="Picture 5">
             <a:extLst>
               <a:ext uri="{FF2B5EF4-FFF2-40B4-BE49-F238E27FC236}">
-                <a16:creationId xmlns:a16="http://schemas.microsoft.com/office/drawing/2014/main" id="{CC74D1F3-8A7A-46C7-A2AD-E1A216055CEC}"/>
+                <a16:creationId xmlns:a16="http://schemas.microsoft.com/office/drawing/2014/main" id="{5B69ECF3-193C-4D96-A2C1-332F3EC0AF2D}"/>
               </a:ext>
             </a:extLst>
           </p:cNvPr>
@@ -18701,7 +18864,7 @@
         </p:blipFill>
         <p:spPr>
           <a:xfrm>
-            <a:off x="1614487" y="2147887"/>
+            <a:off x="1614486" y="3295552"/>
             <a:ext cx="8963025" cy="2562225"/>
           </a:xfrm>
           <a:prstGeom prst="rect">
@@ -18709,10 +18872,70 @@
           </a:prstGeom>
         </p:spPr>
       </p:pic>
+      <p:sp>
+        <p:nvSpPr>
+          <p:cNvPr id="7" name="Title 3">
+            <a:extLst>
+              <a:ext uri="{FF2B5EF4-FFF2-40B4-BE49-F238E27FC236}">
+                <a16:creationId xmlns:a16="http://schemas.microsoft.com/office/drawing/2014/main" id="{6B1AA152-5C6B-492C-854C-267E6F46C1C6}"/>
+              </a:ext>
+            </a:extLst>
+          </p:cNvPr>
+          <p:cNvSpPr txBox="1">
+            <a:spLocks/>
+          </p:cNvSpPr>
+          <p:nvPr/>
+        </p:nvSpPr>
+        <p:spPr>
+          <a:xfrm>
+            <a:off x="3047999" y="421217"/>
+            <a:ext cx="6096000" cy="903700"/>
+          </a:xfrm>
+          <a:prstGeom prst="rect">
+            <a:avLst/>
+          </a:prstGeom>
+        </p:spPr>
+        <p:txBody>
+          <a:bodyPr vert="horz" lIns="91440" tIns="45720" rIns="91440" bIns="45720" rtlCol="0" anchor="ctr">
+            <a:normAutofit/>
+          </a:bodyPr>
+          <a:lstStyle>
+            <a:lvl1pPr algn="l" defTabSz="914400" rtl="0" eaLnBrk="1" latinLnBrk="0" hangingPunct="1">
+              <a:lnSpc>
+                <a:spcPct val="90000"/>
+              </a:lnSpc>
+              <a:spcBef>
+                <a:spcPct val="0"/>
+              </a:spcBef>
+              <a:buNone/>
+              <a:defRPr sz="3600" kern="1200" cap="all" baseline="0">
+                <a:solidFill>
+                  <a:schemeClr val="tx1"/>
+                </a:solidFill>
+                <a:latin typeface="+mj-lt"/>
+                <a:ea typeface="+mj-ea"/>
+                <a:cs typeface="+mj-cs"/>
+              </a:defRPr>
+            </a:lvl1pPr>
+          </a:lstStyle>
+          <a:p>
+            <a:pPr>
+              <a:lnSpc>
+                <a:spcPct val="100000"/>
+              </a:lnSpc>
+            </a:pPr>
+            <a:r>
+              <a:rPr lang="bg-BG" dirty="0"/>
+              <a:t>Синхронна комуникация</a:t>
+            </a:r>
+            <a:endParaRPr lang="en-US" dirty="0"/>
+          </a:p>
+        </p:txBody>
+      </p:sp>
     </p:spTree>
     <p:extLst>
       <p:ext uri="{BB962C8B-B14F-4D97-AF65-F5344CB8AC3E}">
-        <p14:creationId xmlns:p14="http://schemas.microsoft.com/office/powerpoint/2010/main" val="3988139091"/>
+        <p14:creationId xmlns:p14="http://schemas.microsoft.com/office/powerpoint/2010/main" val="1480576629"/>
       </p:ext>
     </p:extLst>
   </p:cSld>

--- a/communications/web_communication_pres.pptx
+++ b/communications/web_communication_pres.pptx
@@ -225,7 +225,7 @@
           <a:p>
             <a:fld id="{0F9C471C-5CEB-41C5-B26F-30EBC0FE28CB}" type="datetimeFigureOut">
               <a:rPr lang="en-US" smtClean="0"/>
-              <a:t>4/12/2022</a:t>
+              <a:t>4/20/2022</a:t>
             </a:fld>
             <a:endParaRPr lang="en-US"/>
           </a:p>
@@ -4903,7 +4903,7 @@
           <a:p>
             <a:fld id="{F34B6E3E-06F4-4326-ABDB-61EE022A2F5F}" type="datetimeFigureOut">
               <a:rPr lang="en-US" smtClean="0"/>
-              <a:t>4/12/2022</a:t>
+              <a:t>4/20/2022</a:t>
             </a:fld>
             <a:endParaRPr lang="en-US"/>
           </a:p>
@@ -5170,7 +5170,7 @@
           <a:p>
             <a:fld id="{F34B6E3E-06F4-4326-ABDB-61EE022A2F5F}" type="datetimeFigureOut">
               <a:rPr lang="en-US" smtClean="0"/>
-              <a:t>4/12/2022</a:t>
+              <a:t>4/20/2022</a:t>
             </a:fld>
             <a:endParaRPr lang="en-US"/>
           </a:p>
@@ -5366,7 +5366,7 @@
           <a:p>
             <a:fld id="{F34B6E3E-06F4-4326-ABDB-61EE022A2F5F}" type="datetimeFigureOut">
               <a:rPr lang="en-US" smtClean="0"/>
-              <a:t>4/12/2022</a:t>
+              <a:t>4/20/2022</a:t>
             </a:fld>
             <a:endParaRPr lang="en-US"/>
           </a:p>
@@ -5629,7 +5629,7 @@
           <a:p>
             <a:fld id="{F34B6E3E-06F4-4326-ABDB-61EE022A2F5F}" type="datetimeFigureOut">
               <a:rPr lang="en-US" smtClean="0"/>
-              <a:t>4/12/2022</a:t>
+              <a:t>4/20/2022</a:t>
             </a:fld>
             <a:endParaRPr lang="en-US"/>
           </a:p>
@@ -6063,7 +6063,7 @@
           <a:p>
             <a:fld id="{F34B6E3E-06F4-4326-ABDB-61EE022A2F5F}" type="datetimeFigureOut">
               <a:rPr lang="en-US" smtClean="0"/>
-              <a:t>4/12/2022</a:t>
+              <a:t>4/20/2022</a:t>
             </a:fld>
             <a:endParaRPr lang="en-US"/>
           </a:p>
@@ -6609,7 +6609,7 @@
           <a:p>
             <a:fld id="{F34B6E3E-06F4-4326-ABDB-61EE022A2F5F}" type="datetimeFigureOut">
               <a:rPr lang="en-US" smtClean="0"/>
-              <a:t>4/12/2022</a:t>
+              <a:t>4/20/2022</a:t>
             </a:fld>
             <a:endParaRPr lang="en-US"/>
           </a:p>
@@ -7329,7 +7329,7 @@
           <a:p>
             <a:fld id="{F34B6E3E-06F4-4326-ABDB-61EE022A2F5F}" type="datetimeFigureOut">
               <a:rPr lang="en-US" smtClean="0"/>
-              <a:t>4/12/2022</a:t>
+              <a:t>4/20/2022</a:t>
             </a:fld>
             <a:endParaRPr lang="en-US"/>
           </a:p>
@@ -7499,7 +7499,7 @@
           <a:p>
             <a:fld id="{F34B6E3E-06F4-4326-ABDB-61EE022A2F5F}" type="datetimeFigureOut">
               <a:rPr lang="en-US" smtClean="0"/>
-              <a:t>4/12/2022</a:t>
+              <a:t>4/20/2022</a:t>
             </a:fld>
             <a:endParaRPr lang="en-US"/>
           </a:p>
@@ -7679,7 +7679,7 @@
           <a:p>
             <a:fld id="{F34B6E3E-06F4-4326-ABDB-61EE022A2F5F}" type="datetimeFigureOut">
               <a:rPr lang="en-US" smtClean="0"/>
-              <a:t>4/12/2022</a:t>
+              <a:t>4/20/2022</a:t>
             </a:fld>
             <a:endParaRPr lang="en-US"/>
           </a:p>
@@ -8347,7 +8347,7 @@
           <a:p>
             <a:fld id="{F34B6E3E-06F4-4326-ABDB-61EE022A2F5F}" type="datetimeFigureOut">
               <a:rPr lang="en-US" smtClean="0"/>
-              <a:t>4/12/2022</a:t>
+              <a:t>4/20/2022</a:t>
             </a:fld>
             <a:endParaRPr lang="en-US"/>
           </a:p>
@@ -8597,7 +8597,7 @@
           <a:p>
             <a:fld id="{F34B6E3E-06F4-4326-ABDB-61EE022A2F5F}" type="datetimeFigureOut">
               <a:rPr lang="en-US" smtClean="0"/>
-              <a:t>4/12/2022</a:t>
+              <a:t>4/20/2022</a:t>
             </a:fld>
             <a:endParaRPr lang="en-US"/>
           </a:p>
@@ -8829,7 +8829,7 @@
           <a:p>
             <a:fld id="{F34B6E3E-06F4-4326-ABDB-61EE022A2F5F}" type="datetimeFigureOut">
               <a:rPr lang="en-US" smtClean="0"/>
-              <a:t>4/12/2022</a:t>
+              <a:t>4/20/2022</a:t>
             </a:fld>
             <a:endParaRPr lang="en-US"/>
           </a:p>
@@ -9210,7 +9210,7 @@
           <a:p>
             <a:fld id="{F34B6E3E-06F4-4326-ABDB-61EE022A2F5F}" type="datetimeFigureOut">
               <a:rPr lang="en-US" smtClean="0"/>
-              <a:t>4/12/2022</a:t>
+              <a:t>4/20/2022</a:t>
             </a:fld>
             <a:endParaRPr lang="en-US"/>
           </a:p>
@@ -9328,7 +9328,7 @@
           <a:p>
             <a:fld id="{F34B6E3E-06F4-4326-ABDB-61EE022A2F5F}" type="datetimeFigureOut">
               <a:rPr lang="en-US" smtClean="0"/>
-              <a:t>4/12/2022</a:t>
+              <a:t>4/20/2022</a:t>
             </a:fld>
             <a:endParaRPr lang="en-US"/>
           </a:p>
@@ -9423,7 +9423,7 @@
           <a:p>
             <a:fld id="{F34B6E3E-06F4-4326-ABDB-61EE022A2F5F}" type="datetimeFigureOut">
               <a:rPr lang="en-US" smtClean="0"/>
-              <a:t>4/12/2022</a:t>
+              <a:t>4/20/2022</a:t>
             </a:fld>
             <a:endParaRPr lang="en-US"/>
           </a:p>
@@ -9672,7 +9672,7 @@
           <a:p>
             <a:fld id="{F34B6E3E-06F4-4326-ABDB-61EE022A2F5F}" type="datetimeFigureOut">
               <a:rPr lang="en-US" smtClean="0"/>
-              <a:t>4/12/2022</a:t>
+              <a:t>4/20/2022</a:t>
             </a:fld>
             <a:endParaRPr lang="en-US"/>
           </a:p>
@@ -9952,7 +9952,7 @@
           <a:p>
             <a:fld id="{F34B6E3E-06F4-4326-ABDB-61EE022A2F5F}" type="datetimeFigureOut">
               <a:rPr lang="en-US" smtClean="0"/>
-              <a:t>4/12/2022</a:t>
+              <a:t>4/20/2022</a:t>
             </a:fld>
             <a:endParaRPr lang="en-US"/>
           </a:p>
@@ -13029,7 +13029,7 @@
           <a:p>
             <a:fld id="{F34B6E3E-06F4-4326-ABDB-61EE022A2F5F}" type="datetimeFigureOut">
               <a:rPr lang="en-US" smtClean="0"/>
-              <a:t>4/12/2022</a:t>
+              <a:t>4/20/2022</a:t>
             </a:fld>
             <a:endParaRPr lang="en-US"/>
           </a:p>
@@ -18726,10 +18726,10 @@
       </p:grpSpPr>
       <p:sp>
         <p:nvSpPr>
-          <p:cNvPr id="4" name="Content Placeholder 3">
+          <p:cNvPr id="6" name="Title 3">
             <a:extLst>
               <a:ext uri="{FF2B5EF4-FFF2-40B4-BE49-F238E27FC236}">
-                <a16:creationId xmlns:a16="http://schemas.microsoft.com/office/drawing/2014/main" id="{F9A6006B-7845-4A33-B71B-3D0DDE512414}"/>
+                <a16:creationId xmlns:a16="http://schemas.microsoft.com/office/drawing/2014/main" id="{37C75F09-5092-4060-B369-C6B87A14BE09}"/>
               </a:ext>
             </a:extLst>
           </p:cNvPr>
@@ -18737,15 +18737,25 @@
             <a:spLocks noGrp="1"/>
           </p:cNvSpPr>
           <p:nvPr>
-            <p:ph idx="1"/>
+            <p:ph type="title"/>
           </p:nvPr>
         </p:nvSpPr>
-        <p:spPr/>
+        <p:spPr>
+          <a:xfrm>
+            <a:off x="1143001" y="76200"/>
+            <a:ext cx="9905998" cy="1478570"/>
+          </a:xfrm>
+        </p:spPr>
         <p:txBody>
           <a:bodyPr/>
           <a:lstStyle/>
           <a:p>
-            <a:endParaRPr lang="en-US"/>
+            <a:pPr algn="ctr"/>
+            <a:r>
+              <a:rPr lang="bg-BG" dirty="0"/>
+              <a:t>Цел/Насоки/теза</a:t>
+            </a:r>
+            <a:endParaRPr lang="en-US" dirty="0"/>
           </a:p>
         </p:txBody>
       </p:sp>
@@ -19118,6 +19128,110 @@
               <a:t>URL</a:t>
             </a:r>
           </a:p>
+          <a:p>
+            <a:pPr>
+              <a:lnSpc>
+                <a:spcPct val="100000"/>
+              </a:lnSpc>
+            </a:pPr>
+            <a:r>
+              <a:rPr lang="ru-RU" dirty="0" err="1"/>
+              <a:t>Комуникационни</a:t>
+            </a:r>
+            <a:r>
+              <a:rPr lang="ru-RU" dirty="0"/>
+              <a:t> сценарии</a:t>
+            </a:r>
+            <a:r>
+              <a:rPr lang="bg-BG" dirty="0"/>
+              <a:t>:</a:t>
+            </a:r>
+            <a:endParaRPr lang="en-US" dirty="0"/>
+          </a:p>
+          <a:p>
+            <a:pPr lvl="1">
+              <a:lnSpc>
+                <a:spcPct val="100000"/>
+              </a:lnSpc>
+            </a:pPr>
+            <a:r>
+              <a:rPr lang="ru-RU" dirty="0" err="1"/>
+              <a:t>Браузър</a:t>
+            </a:r>
+            <a:r>
+              <a:rPr lang="ru-RU" dirty="0"/>
+              <a:t> </a:t>
+            </a:r>
+            <a:r>
+              <a:rPr lang="ru-RU" dirty="0" err="1"/>
+              <a:t>към</a:t>
+            </a:r>
+            <a:r>
+              <a:rPr lang="ru-RU" dirty="0"/>
+              <a:t> уеб </a:t>
+            </a:r>
+            <a:r>
+              <a:rPr lang="ru-RU" dirty="0" err="1"/>
+              <a:t>сървър</a:t>
+            </a:r>
+            <a:endParaRPr lang="ru-RU" dirty="0"/>
+          </a:p>
+          <a:p>
+            <a:pPr lvl="1">
+              <a:lnSpc>
+                <a:spcPct val="100000"/>
+              </a:lnSpc>
+            </a:pPr>
+            <a:r>
+              <a:rPr lang="ru-RU" dirty="0" err="1"/>
+              <a:t>Мобилно</a:t>
+            </a:r>
+            <a:r>
+              <a:rPr lang="ru-RU" dirty="0"/>
+              <a:t> приложение </a:t>
+            </a:r>
+            <a:r>
+              <a:rPr lang="ru-RU" dirty="0" err="1"/>
+              <a:t>към</a:t>
+            </a:r>
+            <a:r>
+              <a:rPr lang="ru-RU" dirty="0"/>
+              <a:t> </a:t>
+            </a:r>
+            <a:r>
+              <a:rPr lang="ru-RU" dirty="0" err="1"/>
+              <a:t>сървър</a:t>
+            </a:r>
+            <a:endParaRPr lang="ru-RU" dirty="0"/>
+          </a:p>
+          <a:p>
+            <a:pPr lvl="1">
+              <a:lnSpc>
+                <a:spcPct val="100000"/>
+              </a:lnSpc>
+            </a:pPr>
+            <a:r>
+              <a:rPr lang="bg-BG" dirty="0"/>
+              <a:t>Сървър към сървър</a:t>
+            </a:r>
+            <a:endParaRPr lang="en-US" dirty="0"/>
+          </a:p>
+          <a:p>
+            <a:pPr lvl="1">
+              <a:lnSpc>
+                <a:spcPct val="100000"/>
+              </a:lnSpc>
+            </a:pPr>
+            <a:endParaRPr lang="en-US" dirty="0"/>
+          </a:p>
+          <a:p>
+            <a:pPr lvl="1">
+              <a:lnSpc>
+                <a:spcPct val="100000"/>
+              </a:lnSpc>
+            </a:pPr>
+            <a:endParaRPr lang="en-US" dirty="0"/>
+          </a:p>
         </p:txBody>
       </p:sp>
       <p:sp>
@@ -19177,7 +19291,7 @@
         </p:blipFill>
         <p:spPr bwMode="auto">
           <a:xfrm>
-            <a:off x="4800600" y="3137127"/>
+            <a:off x="5955723" y="2905186"/>
             <a:ext cx="6236277" cy="3305429"/>
           </a:xfrm>
           <a:prstGeom prst="rect">
@@ -19316,8 +19430,8 @@
         </p:blipFill>
         <p:spPr>
           <a:xfrm>
-            <a:off x="1981200" y="3581400"/>
-            <a:ext cx="7182852" cy="2172003"/>
+            <a:off x="3047574" y="4354057"/>
+            <a:ext cx="8178863" cy="2473184"/>
           </a:xfrm>
           <a:prstGeom prst="rect">
             <a:avLst/>
@@ -19348,8 +19462,8 @@
         </p:nvSpPr>
         <p:spPr>
           <a:xfrm>
-            <a:off x="2595841" y="1674674"/>
-            <a:ext cx="6105970" cy="1754326"/>
+            <a:off x="990600" y="1676400"/>
+            <a:ext cx="9829800" cy="2308324"/>
           </a:xfrm>
           <a:prstGeom prst="rect">
             <a:avLst/>
@@ -19367,34 +19481,42 @@
               <a:buChar char="-"/>
             </a:pPr>
             <a:r>
-              <a:rPr lang="en-US" dirty="0" err="1"/>
+              <a:rPr lang="en-US" sz="2400" dirty="0" err="1"/>
               <a:t>Не</a:t>
             </a:r>
             <a:r>
-              <a:rPr lang="en-US" dirty="0"/>
+              <a:rPr lang="en-US" sz="2400" dirty="0"/>
               <a:t> </a:t>
             </a:r>
             <a:r>
-              <a:rPr lang="en-US" dirty="0" err="1"/>
+              <a:rPr lang="en-US" sz="2400" dirty="0" err="1"/>
               <a:t>използва</a:t>
             </a:r>
             <a:r>
-              <a:rPr lang="en-US" dirty="0"/>
+              <a:rPr lang="en-US" sz="2400" dirty="0"/>
               <a:t> </a:t>
             </a:r>
             <a:r>
-              <a:rPr lang="en-US" dirty="0" err="1"/>
+              <a:rPr lang="en-US" sz="2400" dirty="0" err="1"/>
               <a:t>текстов</a:t>
             </a:r>
             <a:r>
-              <a:rPr lang="en-US" dirty="0"/>
+              <a:rPr lang="en-US" sz="2400" dirty="0"/>
               <a:t>, а </a:t>
             </a:r>
             <a:r>
-              <a:rPr lang="en-US" dirty="0" err="1"/>
+              <a:rPr lang="en-US" sz="2400" dirty="0" err="1"/>
               <a:t>двоичен</a:t>
             </a:r>
-            <a:endParaRPr lang="en-US" dirty="0"/>
+            <a:r>
+              <a:rPr lang="en-US" sz="2400" dirty="0"/>
+              <a:t> </a:t>
+            </a:r>
+            <a:r>
+              <a:rPr lang="bg-BG" sz="2400" dirty="0"/>
+              <a:t>формат на данните</a:t>
+            </a:r>
+            <a:endParaRPr lang="en-US" sz="2400" dirty="0"/>
           </a:p>
           <a:p>
             <a:pPr marL="285750" indent="-285750">
@@ -19402,83 +19524,83 @@
               <a:buChar char="-"/>
             </a:pPr>
             <a:r>
-              <a:rPr lang="en-US" dirty="0" err="1"/>
+              <a:rPr lang="en-US" sz="2400" dirty="0" err="1"/>
               <a:t>Създава</a:t>
             </a:r>
             <a:r>
-              <a:rPr lang="en-US" dirty="0"/>
+              <a:rPr lang="en-US" sz="2400" dirty="0"/>
               <a:t> </a:t>
             </a:r>
             <a:r>
-              <a:rPr lang="en-US" dirty="0" err="1"/>
+              <a:rPr lang="en-US" sz="2400" dirty="0" err="1"/>
               <a:t>се</a:t>
             </a:r>
             <a:r>
-              <a:rPr lang="en-US" dirty="0"/>
+              <a:rPr lang="en-US" sz="2400" dirty="0"/>
               <a:t> ".proto" </a:t>
             </a:r>
             <a:r>
-              <a:rPr lang="en-US" dirty="0" err="1"/>
+              <a:rPr lang="en-US" sz="2400" dirty="0" err="1"/>
               <a:t>като</a:t>
             </a:r>
             <a:r>
-              <a:rPr lang="en-US" dirty="0"/>
+              <a:rPr lang="en-US" sz="2400" dirty="0"/>
               <a:t> </a:t>
             </a:r>
             <a:r>
-              <a:rPr lang="en-US" dirty="0" err="1"/>
+              <a:rPr lang="en-US" sz="2400" dirty="0" err="1"/>
               <a:t>дефиниция</a:t>
             </a:r>
             <a:r>
-              <a:rPr lang="en-US" dirty="0"/>
+              <a:rPr lang="en-US" sz="2400" dirty="0"/>
               <a:t>, </a:t>
             </a:r>
             <a:r>
-              <a:rPr lang="en-US" dirty="0" err="1"/>
+              <a:rPr lang="en-US" sz="2400" dirty="0" err="1"/>
               <a:t>чрез</a:t>
             </a:r>
             <a:r>
-              <a:rPr lang="en-US" dirty="0"/>
+              <a:rPr lang="en-US" sz="2400" dirty="0"/>
               <a:t> </a:t>
             </a:r>
             <a:r>
-              <a:rPr lang="en-US" dirty="0" err="1"/>
+              <a:rPr lang="en-US" sz="2400" dirty="0" err="1"/>
               <a:t>която</a:t>
             </a:r>
             <a:r>
-              <a:rPr lang="en-US" dirty="0"/>
+              <a:rPr lang="en-US" sz="2400" dirty="0"/>
               <a:t> </a:t>
             </a:r>
             <a:r>
-              <a:rPr lang="en-US" dirty="0" err="1"/>
+              <a:rPr lang="en-US" sz="2400" dirty="0" err="1"/>
               <a:t>данните</a:t>
             </a:r>
             <a:r>
-              <a:rPr lang="en-US" dirty="0"/>
+              <a:rPr lang="en-US" sz="2400" dirty="0"/>
               <a:t> </a:t>
             </a:r>
             <a:r>
-              <a:rPr lang="en-US" dirty="0" err="1"/>
+              <a:rPr lang="en-US" sz="2400" dirty="0" err="1"/>
               <a:t>се</a:t>
             </a:r>
             <a:r>
-              <a:rPr lang="en-US" dirty="0"/>
+              <a:rPr lang="en-US" sz="2400" dirty="0"/>
               <a:t> </a:t>
             </a:r>
             <a:r>
-              <a:rPr lang="en-US" dirty="0" err="1"/>
+              <a:rPr lang="en-US" sz="2400" dirty="0" err="1"/>
               <a:t>кодират</a:t>
             </a:r>
             <a:r>
-              <a:rPr lang="en-US" dirty="0"/>
+              <a:rPr lang="en-US" sz="2400" dirty="0"/>
               <a:t> и </a:t>
             </a:r>
             <a:r>
-              <a:rPr lang="en-US" dirty="0" err="1"/>
+              <a:rPr lang="en-US" sz="2400" dirty="0" err="1"/>
               <a:t>декодират</a:t>
             </a:r>
             <a:r>
-              <a:rPr lang="en-US" dirty="0"/>
+              <a:rPr lang="en-US" sz="2400" dirty="0"/>
               <a:t> </a:t>
             </a:r>
           </a:p>
@@ -19488,18 +19610,18 @@
               <a:buChar char="-"/>
             </a:pPr>
             <a:r>
-              <a:rPr lang="en-US" dirty="0" err="1"/>
+              <a:rPr lang="en-US" sz="2400" dirty="0" err="1"/>
               <a:t>Увеличава</a:t>
             </a:r>
             <a:r>
-              <a:rPr lang="en-US" dirty="0"/>
+              <a:rPr lang="en-US" sz="2400" dirty="0"/>
               <a:t> </a:t>
             </a:r>
             <a:r>
-              <a:rPr lang="en-US" dirty="0" err="1"/>
+              <a:rPr lang="en-US" sz="2400" dirty="0" err="1"/>
               <a:t>производителността</a:t>
             </a:r>
-            <a:endParaRPr lang="en-US" dirty="0"/>
+            <a:endParaRPr lang="en-US" sz="2400" dirty="0"/>
           </a:p>
           <a:p>
             <a:pPr marL="285750" indent="-285750">
@@ -19507,34 +19629,34 @@
               <a:buChar char="-"/>
             </a:pPr>
             <a:r>
-              <a:rPr lang="en-US" dirty="0" err="1"/>
+              <a:rPr lang="en-US" sz="2400" dirty="0" err="1"/>
               <a:t>Поддържа</a:t>
             </a:r>
             <a:r>
-              <a:rPr lang="en-US" dirty="0"/>
+              <a:rPr lang="en-US" sz="2400" dirty="0"/>
               <a:t> </a:t>
             </a:r>
             <a:r>
-              <a:rPr lang="en-US" dirty="0" err="1"/>
+              <a:rPr lang="en-US" sz="2400" dirty="0" err="1"/>
               <a:t>двупосочни</a:t>
             </a:r>
             <a:r>
-              <a:rPr lang="en-US" dirty="0"/>
+              <a:rPr lang="en-US" sz="2400" dirty="0"/>
               <a:t> и </a:t>
             </a:r>
             <a:r>
-              <a:rPr lang="en-US" dirty="0" err="1"/>
+              <a:rPr lang="en-US" sz="2400" dirty="0" err="1"/>
               <a:t>асинхронни</a:t>
             </a:r>
             <a:r>
-              <a:rPr lang="en-US" dirty="0"/>
+              <a:rPr lang="en-US" sz="2400" dirty="0"/>
               <a:t> </a:t>
             </a:r>
             <a:r>
-              <a:rPr lang="en-US" dirty="0" err="1"/>
+              <a:rPr lang="en-US" sz="2400" dirty="0" err="1"/>
               <a:t>съобщения</a:t>
             </a:r>
-            <a:endParaRPr lang="en-US" dirty="0"/>
+            <a:endParaRPr lang="en-US" sz="2400" dirty="0"/>
           </a:p>
           <a:p>
             <a:pPr marL="285750" indent="-285750">
@@ -19542,27 +19664,31 @@
               <a:buChar char="-"/>
             </a:pPr>
             <a:r>
-              <a:rPr lang="en-US" dirty="0" err="1"/>
+              <a:rPr lang="en-US" sz="2400" dirty="0" err="1"/>
               <a:t>Oснова</a:t>
             </a:r>
             <a:r>
-              <a:rPr lang="en-US" dirty="0"/>
+              <a:rPr lang="bg-BG" sz="2400" dirty="0"/>
+              <a:t>ва се</a:t>
+            </a:r>
+            <a:r>
+              <a:rPr lang="en-US" sz="2400" dirty="0"/>
               <a:t> </a:t>
             </a:r>
             <a:r>
-              <a:rPr lang="en-US" dirty="0" err="1"/>
+              <a:rPr lang="en-US" sz="2400" dirty="0" err="1"/>
               <a:t>на</a:t>
             </a:r>
             <a:r>
-              <a:rPr lang="en-US" dirty="0"/>
+              <a:rPr lang="en-US" sz="2400" dirty="0"/>
               <a:t> </a:t>
             </a:r>
             <a:r>
-              <a:rPr lang="en-US" dirty="0" err="1"/>
+              <a:rPr lang="en-US" sz="2400" dirty="0" err="1"/>
               <a:t>протокола</a:t>
             </a:r>
             <a:r>
-              <a:rPr lang="en-US" dirty="0"/>
+              <a:rPr lang="en-US" sz="2400" dirty="0"/>
               <a:t> HTTP 2</a:t>
             </a:r>
           </a:p>

--- a/communications/web_communication_pres.pptx
+++ b/communications/web_communication_pres.pptx
@@ -225,7 +225,7 @@
           <a:p>
             <a:fld id="{0F9C471C-5CEB-41C5-B26F-30EBC0FE28CB}" type="datetimeFigureOut">
               <a:rPr lang="en-US" smtClean="0"/>
-              <a:t>4/20/2022</a:t>
+              <a:t>4/23/2022</a:t>
             </a:fld>
             <a:endParaRPr lang="en-US"/>
           </a:p>
@@ -677,7 +677,7 @@
           <a:noFill/>
           <a:extLst>
             <a:ext uri="{909E8E84-426E-40dd-AFC4-6F175D3DCCD1}">
-              <a14:hiddenFill xmlns:a14="http://schemas.microsoft.com/office/drawing/2010/main" xmlns="">
+              <a14:hiddenFill xmlns="" xmlns:a14="http://schemas.microsoft.com/office/drawing/2010/main">
                 <a:solidFill>
                   <a:srgbClr val="FFFFFF"/>
                 </a:solidFill>
@@ -737,7 +737,7 @@
             </a:ln>
             <a:extLst>
               <a:ext uri="{91240B29-F687-4f45-9708-019B960494DF}">
-                <a14:hiddenLine xmlns:a14="http://schemas.microsoft.com/office/drawing/2010/main" xmlns="" w="9525">
+                <a14:hiddenLine xmlns="" xmlns:a14="http://schemas.microsoft.com/office/drawing/2010/main" w="9525">
                   <a:solidFill>
                     <a:srgbClr val="000000"/>
                   </a:solidFill>
@@ -827,7 +827,7 @@
             </a:ln>
             <a:extLst>
               <a:ext uri="{91240B29-F687-4f45-9708-019B960494DF}">
-                <a14:hiddenLine xmlns:a14="http://schemas.microsoft.com/office/drawing/2010/main" xmlns="" w="9525">
+                <a14:hiddenLine xmlns="" xmlns:a14="http://schemas.microsoft.com/office/drawing/2010/main" w="9525">
                   <a:solidFill>
                     <a:srgbClr val="000000"/>
                   </a:solidFill>
@@ -917,7 +917,7 @@
             </a:ln>
             <a:extLst>
               <a:ext uri="{91240B29-F687-4f45-9708-019B960494DF}">
-                <a14:hiddenLine xmlns:a14="http://schemas.microsoft.com/office/drawing/2010/main" xmlns="" w="9525">
+                <a14:hiddenLine xmlns="" xmlns:a14="http://schemas.microsoft.com/office/drawing/2010/main" w="9525">
                   <a:solidFill>
                     <a:srgbClr val="000000"/>
                   </a:solidFill>
@@ -951,7 +951,7 @@
             </a:ln>
             <a:extLst>
               <a:ext uri="{91240B29-F687-4f45-9708-019B960494DF}">
-                <a14:hiddenLine xmlns:a14="http://schemas.microsoft.com/office/drawing/2010/main" xmlns="" w="9525">
+                <a14:hiddenLine xmlns="" xmlns:a14="http://schemas.microsoft.com/office/drawing/2010/main" w="9525">
                   <a:solidFill>
                     <a:srgbClr val="000000"/>
                   </a:solidFill>
@@ -1041,7 +1041,7 @@
             </a:ln>
             <a:extLst>
               <a:ext uri="{91240B29-F687-4f45-9708-019B960494DF}">
-                <a14:hiddenLine xmlns:a14="http://schemas.microsoft.com/office/drawing/2010/main" xmlns="" w="9525">
+                <a14:hiddenLine xmlns="" xmlns:a14="http://schemas.microsoft.com/office/drawing/2010/main" w="9525">
                   <a:solidFill>
                     <a:srgbClr val="000000"/>
                   </a:solidFill>
@@ -1103,7 +1103,7 @@
             </a:ln>
             <a:extLst>
               <a:ext uri="{91240B29-F687-4f45-9708-019B960494DF}">
-                <a14:hiddenLine xmlns:a14="http://schemas.microsoft.com/office/drawing/2010/main" xmlns="" w="9525">
+                <a14:hiddenLine xmlns="" xmlns:a14="http://schemas.microsoft.com/office/drawing/2010/main" w="9525">
                   <a:solidFill>
                     <a:srgbClr val="000000"/>
                   </a:solidFill>
@@ -1165,7 +1165,7 @@
             </a:ln>
             <a:extLst>
               <a:ext uri="{91240B29-F687-4f45-9708-019B960494DF}">
-                <a14:hiddenLine xmlns:a14="http://schemas.microsoft.com/office/drawing/2010/main" xmlns="" w="9525">
+                <a14:hiddenLine xmlns="" xmlns:a14="http://schemas.microsoft.com/office/drawing/2010/main" w="9525">
                   <a:solidFill>
                     <a:srgbClr val="000000"/>
                   </a:solidFill>
@@ -1255,7 +1255,7 @@
             </a:ln>
             <a:extLst>
               <a:ext uri="{91240B29-F687-4f45-9708-019B960494DF}">
-                <a14:hiddenLine xmlns:a14="http://schemas.microsoft.com/office/drawing/2010/main" xmlns="" w="9525">
+                <a14:hiddenLine xmlns="" xmlns:a14="http://schemas.microsoft.com/office/drawing/2010/main" w="9525">
                   <a:solidFill>
                     <a:srgbClr val="000000"/>
                   </a:solidFill>
@@ -1317,7 +1317,7 @@
             </a:ln>
             <a:extLst>
               <a:ext uri="{91240B29-F687-4f45-9708-019B960494DF}">
-                <a14:hiddenLine xmlns:a14="http://schemas.microsoft.com/office/drawing/2010/main" xmlns="" w="9525">
+                <a14:hiddenLine xmlns="" xmlns:a14="http://schemas.microsoft.com/office/drawing/2010/main" w="9525">
                   <a:solidFill>
                     <a:srgbClr val="000000"/>
                   </a:solidFill>
@@ -1379,7 +1379,7 @@
             </a:ln>
             <a:extLst>
               <a:ext uri="{91240B29-F687-4f45-9708-019B960494DF}">
-                <a14:hiddenLine xmlns:a14="http://schemas.microsoft.com/office/drawing/2010/main" xmlns="" w="9525">
+                <a14:hiddenLine xmlns="" xmlns:a14="http://schemas.microsoft.com/office/drawing/2010/main" w="9525">
                   <a:solidFill>
                     <a:srgbClr val="000000"/>
                   </a:solidFill>
@@ -1469,7 +1469,7 @@
             </a:ln>
             <a:extLst>
               <a:ext uri="{91240B29-F687-4f45-9708-019B960494DF}">
-                <a14:hiddenLine xmlns:a14="http://schemas.microsoft.com/office/drawing/2010/main" xmlns="" w="9525">
+                <a14:hiddenLine xmlns="" xmlns:a14="http://schemas.microsoft.com/office/drawing/2010/main" w="9525">
                   <a:solidFill>
                     <a:srgbClr val="000000"/>
                   </a:solidFill>
@@ -1559,7 +1559,7 @@
             </a:ln>
             <a:extLst>
               <a:ext uri="{91240B29-F687-4f45-9708-019B960494DF}">
-                <a14:hiddenLine xmlns:a14="http://schemas.microsoft.com/office/drawing/2010/main" xmlns="" w="9525">
+                <a14:hiddenLine xmlns="" xmlns:a14="http://schemas.microsoft.com/office/drawing/2010/main" w="9525">
                   <a:solidFill>
                     <a:srgbClr val="000000"/>
                   </a:solidFill>
@@ -1621,7 +1621,7 @@
             </a:ln>
             <a:extLst>
               <a:ext uri="{91240B29-F687-4f45-9708-019B960494DF}">
-                <a14:hiddenLine xmlns:a14="http://schemas.microsoft.com/office/drawing/2010/main" xmlns="" w="9525">
+                <a14:hiddenLine xmlns="" xmlns:a14="http://schemas.microsoft.com/office/drawing/2010/main" w="9525">
                   <a:solidFill>
                     <a:srgbClr val="000000"/>
                   </a:solidFill>
@@ -1731,7 +1731,7 @@
             </a:ln>
             <a:extLst>
               <a:ext uri="{91240B29-F687-4f45-9708-019B960494DF}">
-                <a14:hiddenLine xmlns:a14="http://schemas.microsoft.com/office/drawing/2010/main" xmlns="" w="9525">
+                <a14:hiddenLine xmlns="" xmlns:a14="http://schemas.microsoft.com/office/drawing/2010/main" w="9525">
                   <a:solidFill>
                     <a:srgbClr val="000000"/>
                   </a:solidFill>
@@ -1793,7 +1793,7 @@
             </a:ln>
             <a:extLst>
               <a:ext uri="{91240B29-F687-4f45-9708-019B960494DF}">
-                <a14:hiddenLine xmlns:a14="http://schemas.microsoft.com/office/drawing/2010/main" xmlns="" w="9525">
+                <a14:hiddenLine xmlns="" xmlns:a14="http://schemas.microsoft.com/office/drawing/2010/main" w="9525">
                   <a:solidFill>
                     <a:srgbClr val="000000"/>
                   </a:solidFill>
@@ -1883,7 +1883,7 @@
             </a:ln>
             <a:extLst>
               <a:ext uri="{91240B29-F687-4f45-9708-019B960494DF}">
-                <a14:hiddenLine xmlns:a14="http://schemas.microsoft.com/office/drawing/2010/main" xmlns="" w="9525">
+                <a14:hiddenLine xmlns="" xmlns:a14="http://schemas.microsoft.com/office/drawing/2010/main" w="9525">
                   <a:solidFill>
                     <a:srgbClr val="000000"/>
                   </a:solidFill>
@@ -1973,7 +1973,7 @@
             </a:ln>
             <a:extLst>
               <a:ext uri="{91240B29-F687-4f45-9708-019B960494DF}">
-                <a14:hiddenLine xmlns:a14="http://schemas.microsoft.com/office/drawing/2010/main" xmlns="" w="9525">
+                <a14:hiddenLine xmlns="" xmlns:a14="http://schemas.microsoft.com/office/drawing/2010/main" w="9525">
                   <a:solidFill>
                     <a:srgbClr val="000000"/>
                   </a:solidFill>
@@ -2035,7 +2035,7 @@
             </a:ln>
             <a:extLst>
               <a:ext uri="{91240B29-F687-4f45-9708-019B960494DF}">
-                <a14:hiddenLine xmlns:a14="http://schemas.microsoft.com/office/drawing/2010/main" xmlns="" w="9525">
+                <a14:hiddenLine xmlns="" xmlns:a14="http://schemas.microsoft.com/office/drawing/2010/main" w="9525">
                   <a:solidFill>
                     <a:srgbClr val="000000"/>
                   </a:solidFill>
@@ -2125,7 +2125,7 @@
             </a:ln>
             <a:extLst>
               <a:ext uri="{91240B29-F687-4f45-9708-019B960494DF}">
-                <a14:hiddenLine xmlns:a14="http://schemas.microsoft.com/office/drawing/2010/main" xmlns="" w="9525">
+                <a14:hiddenLine xmlns="" xmlns:a14="http://schemas.microsoft.com/office/drawing/2010/main" w="9525">
                   <a:solidFill>
                     <a:srgbClr val="000000"/>
                   </a:solidFill>
@@ -2215,7 +2215,7 @@
             </a:ln>
             <a:extLst>
               <a:ext uri="{91240B29-F687-4f45-9708-019B960494DF}">
-                <a14:hiddenLine xmlns:a14="http://schemas.microsoft.com/office/drawing/2010/main" xmlns="" w="9525">
+                <a14:hiddenLine xmlns="" xmlns:a14="http://schemas.microsoft.com/office/drawing/2010/main" w="9525">
                   <a:solidFill>
                     <a:srgbClr val="000000"/>
                   </a:solidFill>
@@ -2271,7 +2271,7 @@
             </a:ln>
             <a:extLst>
               <a:ext uri="{91240B29-F687-4f45-9708-019B960494DF}">
-                <a14:hiddenLine xmlns:a14="http://schemas.microsoft.com/office/drawing/2010/main" xmlns="" w="9525">
+                <a14:hiddenLine xmlns="" xmlns:a14="http://schemas.microsoft.com/office/drawing/2010/main" w="9525">
                   <a:solidFill>
                     <a:srgbClr val="000000"/>
                   </a:solidFill>
@@ -2361,7 +2361,7 @@
             </a:ln>
             <a:extLst>
               <a:ext uri="{91240B29-F687-4f45-9708-019B960494DF}">
-                <a14:hiddenLine xmlns:a14="http://schemas.microsoft.com/office/drawing/2010/main" xmlns="" w="9525">
+                <a14:hiddenLine xmlns="" xmlns:a14="http://schemas.microsoft.com/office/drawing/2010/main" w="9525">
                   <a:solidFill>
                     <a:srgbClr val="000000"/>
                   </a:solidFill>
@@ -2417,7 +2417,7 @@
             </a:ln>
             <a:extLst>
               <a:ext uri="{91240B29-F687-4f45-9708-019B960494DF}">
-                <a14:hiddenLine xmlns:a14="http://schemas.microsoft.com/office/drawing/2010/main" xmlns="" w="9525">
+                <a14:hiddenLine xmlns="" xmlns:a14="http://schemas.microsoft.com/office/drawing/2010/main" w="9525">
                   <a:solidFill>
                     <a:srgbClr val="000000"/>
                   </a:solidFill>
@@ -2507,7 +2507,7 @@
             </a:ln>
             <a:extLst>
               <a:ext uri="{91240B29-F687-4f45-9708-019B960494DF}">
-                <a14:hiddenLine xmlns:a14="http://schemas.microsoft.com/office/drawing/2010/main" xmlns="" w="9525">
+                <a14:hiddenLine xmlns="" xmlns:a14="http://schemas.microsoft.com/office/drawing/2010/main" w="9525">
                   <a:solidFill>
                     <a:srgbClr val="000000"/>
                   </a:solidFill>
@@ -2575,7 +2575,7 @@
             </a:ln>
             <a:extLst>
               <a:ext uri="{91240B29-F687-4f45-9708-019B960494DF}">
-                <a14:hiddenLine xmlns:a14="http://schemas.microsoft.com/office/drawing/2010/main" xmlns="" w="9525">
+                <a14:hiddenLine xmlns="" xmlns:a14="http://schemas.microsoft.com/office/drawing/2010/main" w="9525">
                   <a:solidFill>
                     <a:srgbClr val="000000"/>
                   </a:solidFill>
@@ -2665,7 +2665,7 @@
             </a:ln>
             <a:extLst>
               <a:ext uri="{91240B29-F687-4f45-9708-019B960494DF}">
-                <a14:hiddenLine xmlns:a14="http://schemas.microsoft.com/office/drawing/2010/main" xmlns="" w="9525">
+                <a14:hiddenLine xmlns="" xmlns:a14="http://schemas.microsoft.com/office/drawing/2010/main" w="9525">
                   <a:solidFill>
                     <a:srgbClr val="000000"/>
                   </a:solidFill>
@@ -2733,7 +2733,7 @@
             </a:ln>
             <a:extLst>
               <a:ext uri="{91240B29-F687-4f45-9708-019B960494DF}">
-                <a14:hiddenLine xmlns:a14="http://schemas.microsoft.com/office/drawing/2010/main" xmlns="" w="9525">
+                <a14:hiddenLine xmlns="" xmlns:a14="http://schemas.microsoft.com/office/drawing/2010/main" w="9525">
                   <a:solidFill>
                     <a:srgbClr val="000000"/>
                   </a:solidFill>
@@ -2823,7 +2823,7 @@
             </a:ln>
             <a:extLst>
               <a:ext uri="{91240B29-F687-4f45-9708-019B960494DF}">
-                <a14:hiddenLine xmlns:a14="http://schemas.microsoft.com/office/drawing/2010/main" xmlns="" w="9525">
+                <a14:hiddenLine xmlns="" xmlns:a14="http://schemas.microsoft.com/office/drawing/2010/main" w="9525">
                   <a:solidFill>
                     <a:srgbClr val="000000"/>
                   </a:solidFill>
@@ -2857,7 +2857,7 @@
             </a:ln>
             <a:extLst>
               <a:ext uri="{91240B29-F687-4f45-9708-019B960494DF}">
-                <a14:hiddenLine xmlns:a14="http://schemas.microsoft.com/office/drawing/2010/main" xmlns="" w="9525">
+                <a14:hiddenLine xmlns="" xmlns:a14="http://schemas.microsoft.com/office/drawing/2010/main" w="9525">
                   <a:solidFill>
                     <a:srgbClr val="000000"/>
                   </a:solidFill>
@@ -2947,7 +2947,7 @@
             </a:ln>
             <a:extLst>
               <a:ext uri="{91240B29-F687-4f45-9708-019B960494DF}">
-                <a14:hiddenLine xmlns:a14="http://schemas.microsoft.com/office/drawing/2010/main" xmlns="" w="9525">
+                <a14:hiddenLine xmlns="" xmlns:a14="http://schemas.microsoft.com/office/drawing/2010/main" w="9525">
                   <a:solidFill>
                     <a:srgbClr val="000000"/>
                   </a:solidFill>
@@ -3009,7 +3009,7 @@
             </a:ln>
             <a:extLst>
               <a:ext uri="{91240B29-F687-4f45-9708-019B960494DF}">
-                <a14:hiddenLine xmlns:a14="http://schemas.microsoft.com/office/drawing/2010/main" xmlns="" w="9525">
+                <a14:hiddenLine xmlns="" xmlns:a14="http://schemas.microsoft.com/office/drawing/2010/main" w="9525">
                   <a:solidFill>
                     <a:srgbClr val="000000"/>
                   </a:solidFill>
@@ -3071,7 +3071,7 @@
             </a:ln>
             <a:extLst>
               <a:ext uri="{91240B29-F687-4f45-9708-019B960494DF}">
-                <a14:hiddenLine xmlns:a14="http://schemas.microsoft.com/office/drawing/2010/main" xmlns="" w="9525">
+                <a14:hiddenLine xmlns="" xmlns:a14="http://schemas.microsoft.com/office/drawing/2010/main" w="9525">
                   <a:solidFill>
                     <a:srgbClr val="000000"/>
                   </a:solidFill>
@@ -3161,7 +3161,7 @@
             </a:ln>
             <a:extLst>
               <a:ext uri="{91240B29-F687-4f45-9708-019B960494DF}">
-                <a14:hiddenLine xmlns:a14="http://schemas.microsoft.com/office/drawing/2010/main" xmlns="" w="9525">
+                <a14:hiddenLine xmlns="" xmlns:a14="http://schemas.microsoft.com/office/drawing/2010/main" w="9525">
                   <a:solidFill>
                     <a:srgbClr val="000000"/>
                   </a:solidFill>
@@ -3229,7 +3229,7 @@
             </a:ln>
             <a:extLst>
               <a:ext uri="{91240B29-F687-4f45-9708-019B960494DF}">
-                <a14:hiddenLine xmlns:a14="http://schemas.microsoft.com/office/drawing/2010/main" xmlns="" w="9525">
+                <a14:hiddenLine xmlns="" xmlns:a14="http://schemas.microsoft.com/office/drawing/2010/main" w="9525">
                   <a:solidFill>
                     <a:srgbClr val="000000"/>
                   </a:solidFill>
@@ -3291,7 +3291,7 @@
             </a:ln>
             <a:extLst>
               <a:ext uri="{91240B29-F687-4f45-9708-019B960494DF}">
-                <a14:hiddenLine xmlns:a14="http://schemas.microsoft.com/office/drawing/2010/main" xmlns="" w="9525">
+                <a14:hiddenLine xmlns="" xmlns:a14="http://schemas.microsoft.com/office/drawing/2010/main" w="9525">
                   <a:solidFill>
                     <a:srgbClr val="000000"/>
                   </a:solidFill>
@@ -3381,7 +3381,7 @@
             </a:ln>
             <a:extLst>
               <a:ext uri="{91240B29-F687-4f45-9708-019B960494DF}">
-                <a14:hiddenLine xmlns:a14="http://schemas.microsoft.com/office/drawing/2010/main" xmlns="" w="9525">
+                <a14:hiddenLine xmlns="" xmlns:a14="http://schemas.microsoft.com/office/drawing/2010/main" w="9525">
                   <a:solidFill>
                     <a:srgbClr val="000000"/>
                   </a:solidFill>
@@ -3443,7 +3443,7 @@
             </a:ln>
             <a:extLst>
               <a:ext uri="{91240B29-F687-4f45-9708-019B960494DF}">
-                <a14:hiddenLine xmlns:a14="http://schemas.microsoft.com/office/drawing/2010/main" xmlns="" w="9525">
+                <a14:hiddenLine xmlns="" xmlns:a14="http://schemas.microsoft.com/office/drawing/2010/main" w="9525">
                   <a:solidFill>
                     <a:srgbClr val="000000"/>
                   </a:solidFill>
@@ -3533,7 +3533,7 @@
             </a:ln>
             <a:extLst>
               <a:ext uri="{91240B29-F687-4f45-9708-019B960494DF}">
-                <a14:hiddenLine xmlns:a14="http://schemas.microsoft.com/office/drawing/2010/main" xmlns="" w="9525">
+                <a14:hiddenLine xmlns="" xmlns:a14="http://schemas.microsoft.com/office/drawing/2010/main" w="9525">
                   <a:solidFill>
                     <a:srgbClr val="000000"/>
                   </a:solidFill>
@@ -3595,7 +3595,7 @@
             </a:ln>
             <a:extLst>
               <a:ext uri="{91240B29-F687-4f45-9708-019B960494DF}">
-                <a14:hiddenLine xmlns:a14="http://schemas.microsoft.com/office/drawing/2010/main" xmlns="" w="9525">
+                <a14:hiddenLine xmlns="" xmlns:a14="http://schemas.microsoft.com/office/drawing/2010/main" w="9525">
                   <a:solidFill>
                     <a:srgbClr val="000000"/>
                   </a:solidFill>
@@ -3685,7 +3685,7 @@
             </a:ln>
             <a:extLst>
               <a:ext uri="{91240B29-F687-4f45-9708-019B960494DF}">
-                <a14:hiddenLine xmlns:a14="http://schemas.microsoft.com/office/drawing/2010/main" xmlns="" w="9525">
+                <a14:hiddenLine xmlns="" xmlns:a14="http://schemas.microsoft.com/office/drawing/2010/main" w="9525">
                   <a:solidFill>
                     <a:srgbClr val="000000"/>
                   </a:solidFill>
@@ -3719,7 +3719,7 @@
             </a:ln>
             <a:extLst>
               <a:ext uri="{91240B29-F687-4f45-9708-019B960494DF}">
-                <a14:hiddenLine xmlns:a14="http://schemas.microsoft.com/office/drawing/2010/main" xmlns="" w="9525">
+                <a14:hiddenLine xmlns="" xmlns:a14="http://schemas.microsoft.com/office/drawing/2010/main" w="9525">
                   <a:solidFill>
                     <a:srgbClr val="000000"/>
                   </a:solidFill>
@@ -3784,7 +3784,7 @@
             </a:ln>
             <a:extLst>
               <a:ext uri="{91240B29-F687-4f45-9708-019B960494DF}">
-                <a14:hiddenLine xmlns:a14="http://schemas.microsoft.com/office/drawing/2010/main" xmlns="" w="9525">
+                <a14:hiddenLine xmlns="" xmlns:a14="http://schemas.microsoft.com/office/drawing/2010/main" w="9525">
                   <a:solidFill>
                     <a:srgbClr val="000000"/>
                   </a:solidFill>
@@ -3874,7 +3874,7 @@
             </a:ln>
             <a:extLst>
               <a:ext uri="{91240B29-F687-4f45-9708-019B960494DF}">
-                <a14:hiddenLine xmlns:a14="http://schemas.microsoft.com/office/drawing/2010/main" xmlns="" w="9525">
+                <a14:hiddenLine xmlns="" xmlns:a14="http://schemas.microsoft.com/office/drawing/2010/main" w="9525">
                   <a:solidFill>
                     <a:srgbClr val="000000"/>
                   </a:solidFill>
@@ -3936,7 +3936,7 @@
             </a:ln>
             <a:extLst>
               <a:ext uri="{91240B29-F687-4f45-9708-019B960494DF}">
-                <a14:hiddenLine xmlns:a14="http://schemas.microsoft.com/office/drawing/2010/main" xmlns="" w="9525">
+                <a14:hiddenLine xmlns="" xmlns:a14="http://schemas.microsoft.com/office/drawing/2010/main" w="9525">
                   <a:solidFill>
                     <a:srgbClr val="000000"/>
                   </a:solidFill>
@@ -4026,7 +4026,7 @@
             </a:ln>
             <a:extLst>
               <a:ext uri="{91240B29-F687-4f45-9708-019B960494DF}">
-                <a14:hiddenLine xmlns:a14="http://schemas.microsoft.com/office/drawing/2010/main" xmlns="" w="9525">
+                <a14:hiddenLine xmlns="" xmlns:a14="http://schemas.microsoft.com/office/drawing/2010/main" w="9525">
                   <a:solidFill>
                     <a:srgbClr val="000000"/>
                   </a:solidFill>
@@ -4116,7 +4116,7 @@
             </a:ln>
             <a:extLst>
               <a:ext uri="{91240B29-F687-4f45-9708-019B960494DF}">
-                <a14:hiddenLine xmlns:a14="http://schemas.microsoft.com/office/drawing/2010/main" xmlns="" w="9525">
+                <a14:hiddenLine xmlns="" xmlns:a14="http://schemas.microsoft.com/office/drawing/2010/main" w="9525">
                   <a:solidFill>
                     <a:srgbClr val="000000"/>
                   </a:solidFill>
@@ -4181,7 +4181,7 @@
             </a:ln>
             <a:extLst>
               <a:ext uri="{91240B29-F687-4f45-9708-019B960494DF}">
-                <a14:hiddenLine xmlns:a14="http://schemas.microsoft.com/office/drawing/2010/main" xmlns="" w="9525">
+                <a14:hiddenLine xmlns="" xmlns:a14="http://schemas.microsoft.com/office/drawing/2010/main" w="9525">
                   <a:solidFill>
                     <a:srgbClr val="000000"/>
                   </a:solidFill>
@@ -4243,7 +4243,7 @@
             </a:ln>
             <a:extLst>
               <a:ext uri="{91240B29-F687-4f45-9708-019B960494DF}">
-                <a14:hiddenLine xmlns:a14="http://schemas.microsoft.com/office/drawing/2010/main" xmlns="" w="9525">
+                <a14:hiddenLine xmlns="" xmlns:a14="http://schemas.microsoft.com/office/drawing/2010/main" w="9525">
                   <a:solidFill>
                     <a:srgbClr val="000000"/>
                   </a:solidFill>
@@ -4333,7 +4333,7 @@
             </a:ln>
             <a:extLst>
               <a:ext uri="{91240B29-F687-4f45-9708-019B960494DF}">
-                <a14:hiddenLine xmlns:a14="http://schemas.microsoft.com/office/drawing/2010/main" xmlns="" w="9525">
+                <a14:hiddenLine xmlns="" xmlns:a14="http://schemas.microsoft.com/office/drawing/2010/main" w="9525">
                   <a:solidFill>
                     <a:srgbClr val="000000"/>
                   </a:solidFill>
@@ -4423,7 +4423,7 @@
             </a:ln>
             <a:extLst>
               <a:ext uri="{91240B29-F687-4f45-9708-019B960494DF}">
-                <a14:hiddenLine xmlns:a14="http://schemas.microsoft.com/office/drawing/2010/main" xmlns="" w="9525">
+                <a14:hiddenLine xmlns="" xmlns:a14="http://schemas.microsoft.com/office/drawing/2010/main" w="9525">
                   <a:solidFill>
                     <a:srgbClr val="000000"/>
                   </a:solidFill>
@@ -4485,7 +4485,7 @@
             </a:ln>
             <a:extLst>
               <a:ext uri="{91240B29-F687-4f45-9708-019B960494DF}">
-                <a14:hiddenLine xmlns:a14="http://schemas.microsoft.com/office/drawing/2010/main" xmlns="" w="9525">
+                <a14:hiddenLine xmlns="" xmlns:a14="http://schemas.microsoft.com/office/drawing/2010/main" w="9525">
                   <a:solidFill>
                     <a:srgbClr val="000000"/>
                   </a:solidFill>
@@ -4605,7 +4605,7 @@
             </a:ln>
             <a:extLst>
               <a:ext uri="{91240B29-F687-4f45-9708-019B960494DF}">
-                <a14:hiddenLine xmlns:a14="http://schemas.microsoft.com/office/drawing/2010/main" xmlns="" w="9525">
+                <a14:hiddenLine xmlns="" xmlns:a14="http://schemas.microsoft.com/office/drawing/2010/main" w="9525">
                   <a:solidFill>
                     <a:srgbClr val="000000"/>
                   </a:solidFill>
@@ -4673,7 +4673,7 @@
             </a:ln>
             <a:extLst>
               <a:ext uri="{91240B29-F687-4f45-9708-019B960494DF}">
-                <a14:hiddenLine xmlns:a14="http://schemas.microsoft.com/office/drawing/2010/main" xmlns="" w="9525">
+                <a14:hiddenLine xmlns="" xmlns:a14="http://schemas.microsoft.com/office/drawing/2010/main" w="9525">
                   <a:solidFill>
                     <a:srgbClr val="000000"/>
                   </a:solidFill>
@@ -4763,7 +4763,7 @@
             </a:ln>
             <a:extLst>
               <a:ext uri="{91240B29-F687-4f45-9708-019B960494DF}">
-                <a14:hiddenLine xmlns:a14="http://schemas.microsoft.com/office/drawing/2010/main" xmlns="" w="9525">
+                <a14:hiddenLine xmlns="" xmlns:a14="http://schemas.microsoft.com/office/drawing/2010/main" w="9525">
                   <a:solidFill>
                     <a:srgbClr val="000000"/>
                   </a:solidFill>
@@ -4903,7 +4903,7 @@
           <a:p>
             <a:fld id="{F34B6E3E-06F4-4326-ABDB-61EE022A2F5F}" type="datetimeFigureOut">
               <a:rPr lang="en-US" smtClean="0"/>
-              <a:t>4/20/2022</a:t>
+              <a:t>4/23/2022</a:t>
             </a:fld>
             <a:endParaRPr lang="en-US"/>
           </a:p>
@@ -5170,7 +5170,7 @@
           <a:p>
             <a:fld id="{F34B6E3E-06F4-4326-ABDB-61EE022A2F5F}" type="datetimeFigureOut">
               <a:rPr lang="en-US" smtClean="0"/>
-              <a:t>4/20/2022</a:t>
+              <a:t>4/23/2022</a:t>
             </a:fld>
             <a:endParaRPr lang="en-US"/>
           </a:p>
@@ -5366,7 +5366,7 @@
           <a:p>
             <a:fld id="{F34B6E3E-06F4-4326-ABDB-61EE022A2F5F}" type="datetimeFigureOut">
               <a:rPr lang="en-US" smtClean="0"/>
-              <a:t>4/20/2022</a:t>
+              <a:t>4/23/2022</a:t>
             </a:fld>
             <a:endParaRPr lang="en-US"/>
           </a:p>
@@ -5629,7 +5629,7 @@
           <a:p>
             <a:fld id="{F34B6E3E-06F4-4326-ABDB-61EE022A2F5F}" type="datetimeFigureOut">
               <a:rPr lang="en-US" smtClean="0"/>
-              <a:t>4/20/2022</a:t>
+              <a:t>4/23/2022</a:t>
             </a:fld>
             <a:endParaRPr lang="en-US"/>
           </a:p>
@@ -6063,7 +6063,7 @@
           <a:p>
             <a:fld id="{F34B6E3E-06F4-4326-ABDB-61EE022A2F5F}" type="datetimeFigureOut">
               <a:rPr lang="en-US" smtClean="0"/>
-              <a:t>4/20/2022</a:t>
+              <a:t>4/23/2022</a:t>
             </a:fld>
             <a:endParaRPr lang="en-US"/>
           </a:p>
@@ -6609,7 +6609,7 @@
           <a:p>
             <a:fld id="{F34B6E3E-06F4-4326-ABDB-61EE022A2F5F}" type="datetimeFigureOut">
               <a:rPr lang="en-US" smtClean="0"/>
-              <a:t>4/20/2022</a:t>
+              <a:t>4/23/2022</a:t>
             </a:fld>
             <a:endParaRPr lang="en-US"/>
           </a:p>
@@ -7329,7 +7329,7 @@
           <a:p>
             <a:fld id="{F34B6E3E-06F4-4326-ABDB-61EE022A2F5F}" type="datetimeFigureOut">
               <a:rPr lang="en-US" smtClean="0"/>
-              <a:t>4/20/2022</a:t>
+              <a:t>4/23/2022</a:t>
             </a:fld>
             <a:endParaRPr lang="en-US"/>
           </a:p>
@@ -7499,7 +7499,7 @@
           <a:p>
             <a:fld id="{F34B6E3E-06F4-4326-ABDB-61EE022A2F5F}" type="datetimeFigureOut">
               <a:rPr lang="en-US" smtClean="0"/>
-              <a:t>4/20/2022</a:t>
+              <a:t>4/23/2022</a:t>
             </a:fld>
             <a:endParaRPr lang="en-US"/>
           </a:p>
@@ -7679,7 +7679,7 @@
           <a:p>
             <a:fld id="{F34B6E3E-06F4-4326-ABDB-61EE022A2F5F}" type="datetimeFigureOut">
               <a:rPr lang="en-US" smtClean="0"/>
-              <a:t>4/20/2022</a:t>
+              <a:t>4/23/2022</a:t>
             </a:fld>
             <a:endParaRPr lang="en-US"/>
           </a:p>
@@ -8347,7 +8347,7 @@
           <a:p>
             <a:fld id="{F34B6E3E-06F4-4326-ABDB-61EE022A2F5F}" type="datetimeFigureOut">
               <a:rPr lang="en-US" smtClean="0"/>
-              <a:t>4/20/2022</a:t>
+              <a:t>4/23/2022</a:t>
             </a:fld>
             <a:endParaRPr lang="en-US"/>
           </a:p>
@@ -8597,7 +8597,7 @@
           <a:p>
             <a:fld id="{F34B6E3E-06F4-4326-ABDB-61EE022A2F5F}" type="datetimeFigureOut">
               <a:rPr lang="en-US" smtClean="0"/>
-              <a:t>4/20/2022</a:t>
+              <a:t>4/23/2022</a:t>
             </a:fld>
             <a:endParaRPr lang="en-US"/>
           </a:p>
@@ -8829,7 +8829,7 @@
           <a:p>
             <a:fld id="{F34B6E3E-06F4-4326-ABDB-61EE022A2F5F}" type="datetimeFigureOut">
               <a:rPr lang="en-US" smtClean="0"/>
-              <a:t>4/20/2022</a:t>
+              <a:t>4/23/2022</a:t>
             </a:fld>
             <a:endParaRPr lang="en-US"/>
           </a:p>
@@ -9210,7 +9210,7 @@
           <a:p>
             <a:fld id="{F34B6E3E-06F4-4326-ABDB-61EE022A2F5F}" type="datetimeFigureOut">
               <a:rPr lang="en-US" smtClean="0"/>
-              <a:t>4/20/2022</a:t>
+              <a:t>4/23/2022</a:t>
             </a:fld>
             <a:endParaRPr lang="en-US"/>
           </a:p>
@@ -9328,7 +9328,7 @@
           <a:p>
             <a:fld id="{F34B6E3E-06F4-4326-ABDB-61EE022A2F5F}" type="datetimeFigureOut">
               <a:rPr lang="en-US" smtClean="0"/>
-              <a:t>4/20/2022</a:t>
+              <a:t>4/23/2022</a:t>
             </a:fld>
             <a:endParaRPr lang="en-US"/>
           </a:p>
@@ -9423,7 +9423,7 @@
           <a:p>
             <a:fld id="{F34B6E3E-06F4-4326-ABDB-61EE022A2F5F}" type="datetimeFigureOut">
               <a:rPr lang="en-US" smtClean="0"/>
-              <a:t>4/20/2022</a:t>
+              <a:t>4/23/2022</a:t>
             </a:fld>
             <a:endParaRPr lang="en-US"/>
           </a:p>
@@ -9672,7 +9672,7 @@
           <a:p>
             <a:fld id="{F34B6E3E-06F4-4326-ABDB-61EE022A2F5F}" type="datetimeFigureOut">
               <a:rPr lang="en-US" smtClean="0"/>
-              <a:t>4/20/2022</a:t>
+              <a:t>4/23/2022</a:t>
             </a:fld>
             <a:endParaRPr lang="en-US"/>
           </a:p>
@@ -9952,7 +9952,7 @@
           <a:p>
             <a:fld id="{F34B6E3E-06F4-4326-ABDB-61EE022A2F5F}" type="datetimeFigureOut">
               <a:rPr lang="en-US" smtClean="0"/>
-              <a:t>4/20/2022</a:t>
+              <a:t>4/23/2022</a:t>
             </a:fld>
             <a:endParaRPr lang="en-US"/>
           </a:p>
@@ -10068,7 +10068,7 @@
           <a:noFill/>
           <a:extLst>
             <a:ext uri="{909E8E84-426E-40dd-AFC4-6F175D3DCCD1}">
-              <a14:hiddenFill xmlns:a14="http://schemas.microsoft.com/office/drawing/2010/main" xmlns="">
+              <a14:hiddenFill xmlns="" xmlns:a14="http://schemas.microsoft.com/office/drawing/2010/main">
                 <a:solidFill>
                   <a:srgbClr val="FFFFFF"/>
                 </a:solidFill>
@@ -10142,7 +10142,7 @@
               </a:ln>
               <a:extLst>
                 <a:ext uri="{91240B29-F687-4f45-9708-019B960494DF}">
-                  <a14:hiddenLine xmlns:a14="http://schemas.microsoft.com/office/drawing/2010/main" xmlns="" w="9525">
+                  <a14:hiddenLine xmlns="" xmlns:a14="http://schemas.microsoft.com/office/drawing/2010/main" w="9525">
                     <a:solidFill>
                       <a:srgbClr val="000000"/>
                     </a:solidFill>
@@ -10232,7 +10232,7 @@
               </a:ln>
               <a:extLst>
                 <a:ext uri="{91240B29-F687-4f45-9708-019B960494DF}">
-                  <a14:hiddenLine xmlns:a14="http://schemas.microsoft.com/office/drawing/2010/main" xmlns="" w="9525">
+                  <a14:hiddenLine xmlns="" xmlns:a14="http://schemas.microsoft.com/office/drawing/2010/main" w="9525">
                     <a:solidFill>
                       <a:srgbClr val="000000"/>
                     </a:solidFill>
@@ -10322,7 +10322,7 @@
               </a:ln>
               <a:extLst>
                 <a:ext uri="{91240B29-F687-4f45-9708-019B960494DF}">
-                  <a14:hiddenLine xmlns:a14="http://schemas.microsoft.com/office/drawing/2010/main" xmlns="" w="9525">
+                  <a14:hiddenLine xmlns="" xmlns:a14="http://schemas.microsoft.com/office/drawing/2010/main" w="9525">
                     <a:solidFill>
                       <a:srgbClr val="000000"/>
                     </a:solidFill>
@@ -10384,7 +10384,7 @@
               </a:ln>
               <a:extLst>
                 <a:ext uri="{91240B29-F687-4f45-9708-019B960494DF}">
-                  <a14:hiddenLine xmlns:a14="http://schemas.microsoft.com/office/drawing/2010/main" xmlns="" w="9525">
+                  <a14:hiddenLine xmlns="" xmlns:a14="http://schemas.microsoft.com/office/drawing/2010/main" w="9525">
                     <a:solidFill>
                       <a:srgbClr val="000000"/>
                     </a:solidFill>
@@ -10474,7 +10474,7 @@
               </a:ln>
               <a:extLst>
                 <a:ext uri="{91240B29-F687-4f45-9708-019B960494DF}">
-                  <a14:hiddenLine xmlns:a14="http://schemas.microsoft.com/office/drawing/2010/main" xmlns="" w="9525">
+                  <a14:hiddenLine xmlns="" xmlns:a14="http://schemas.microsoft.com/office/drawing/2010/main" w="9525">
                     <a:solidFill>
                       <a:srgbClr val="000000"/>
                     </a:solidFill>
@@ -10536,7 +10536,7 @@
               </a:ln>
               <a:extLst>
                 <a:ext uri="{91240B29-F687-4f45-9708-019B960494DF}">
-                  <a14:hiddenLine xmlns:a14="http://schemas.microsoft.com/office/drawing/2010/main" xmlns="" w="9525">
+                  <a14:hiddenLine xmlns="" xmlns:a14="http://schemas.microsoft.com/office/drawing/2010/main" w="9525">
                     <a:solidFill>
                       <a:srgbClr val="000000"/>
                     </a:solidFill>
@@ -10598,7 +10598,7 @@
               </a:ln>
               <a:extLst>
                 <a:ext uri="{91240B29-F687-4f45-9708-019B960494DF}">
-                  <a14:hiddenLine xmlns:a14="http://schemas.microsoft.com/office/drawing/2010/main" xmlns="" w="9525">
+                  <a14:hiddenLine xmlns="" xmlns:a14="http://schemas.microsoft.com/office/drawing/2010/main" w="9525">
                     <a:solidFill>
                       <a:srgbClr val="000000"/>
                     </a:solidFill>
@@ -10688,7 +10688,7 @@
               </a:ln>
               <a:extLst>
                 <a:ext uri="{91240B29-F687-4f45-9708-019B960494DF}">
-                  <a14:hiddenLine xmlns:a14="http://schemas.microsoft.com/office/drawing/2010/main" xmlns="" w="9525">
+                  <a14:hiddenLine xmlns="" xmlns:a14="http://schemas.microsoft.com/office/drawing/2010/main" w="9525">
                     <a:solidFill>
                       <a:srgbClr val="000000"/>
                     </a:solidFill>
@@ -10778,7 +10778,7 @@
               </a:ln>
               <a:extLst>
                 <a:ext uri="{91240B29-F687-4f45-9708-019B960494DF}">
-                  <a14:hiddenLine xmlns:a14="http://schemas.microsoft.com/office/drawing/2010/main" xmlns="" w="9525">
+                  <a14:hiddenLine xmlns="" xmlns:a14="http://schemas.microsoft.com/office/drawing/2010/main" w="9525">
                     <a:solidFill>
                       <a:srgbClr val="000000"/>
                     </a:solidFill>
@@ -10840,7 +10840,7 @@
               </a:ln>
               <a:extLst>
                 <a:ext uri="{91240B29-F687-4f45-9708-019B960494DF}">
-                  <a14:hiddenLine xmlns:a14="http://schemas.microsoft.com/office/drawing/2010/main" xmlns="" w="9525">
+                  <a14:hiddenLine xmlns="" xmlns:a14="http://schemas.microsoft.com/office/drawing/2010/main" w="9525">
                     <a:solidFill>
                       <a:srgbClr val="000000"/>
                     </a:solidFill>
@@ -10950,7 +10950,7 @@
               </a:ln>
               <a:extLst>
                 <a:ext uri="{91240B29-F687-4f45-9708-019B960494DF}">
-                  <a14:hiddenLine xmlns:a14="http://schemas.microsoft.com/office/drawing/2010/main" xmlns="" w="9525">
+                  <a14:hiddenLine xmlns="" xmlns:a14="http://schemas.microsoft.com/office/drawing/2010/main" w="9525">
                     <a:solidFill>
                       <a:srgbClr val="000000"/>
                     </a:solidFill>
@@ -11034,7 +11034,7 @@
               </a:ln>
               <a:extLst>
                 <a:ext uri="{91240B29-F687-4f45-9708-019B960494DF}">
-                  <a14:hiddenLine xmlns:a14="http://schemas.microsoft.com/office/drawing/2010/main" xmlns="" w="9525">
+                  <a14:hiddenLine xmlns="" xmlns:a14="http://schemas.microsoft.com/office/drawing/2010/main" w="9525">
                     <a:solidFill>
                       <a:srgbClr val="000000"/>
                     </a:solidFill>
@@ -11096,7 +11096,7 @@
               </a:ln>
               <a:extLst>
                 <a:ext uri="{91240B29-F687-4f45-9708-019B960494DF}">
-                  <a14:hiddenLine xmlns:a14="http://schemas.microsoft.com/office/drawing/2010/main" xmlns="" w="9525">
+                  <a14:hiddenLine xmlns="" xmlns:a14="http://schemas.microsoft.com/office/drawing/2010/main" w="9525">
                     <a:solidFill>
                       <a:srgbClr val="000000"/>
                     </a:solidFill>
@@ -11158,7 +11158,7 @@
               </a:ln>
               <a:extLst>
                 <a:ext uri="{91240B29-F687-4f45-9708-019B960494DF}">
-                  <a14:hiddenLine xmlns:a14="http://schemas.microsoft.com/office/drawing/2010/main" xmlns="" w="9525">
+                  <a14:hiddenLine xmlns="" xmlns:a14="http://schemas.microsoft.com/office/drawing/2010/main" w="9525">
                     <a:solidFill>
                       <a:srgbClr val="000000"/>
                     </a:solidFill>
@@ -11248,7 +11248,7 @@
               </a:ln>
               <a:extLst>
                 <a:ext uri="{91240B29-F687-4f45-9708-019B960494DF}">
-                  <a14:hiddenLine xmlns:a14="http://schemas.microsoft.com/office/drawing/2010/main" xmlns="" w="9525">
+                  <a14:hiddenLine xmlns="" xmlns:a14="http://schemas.microsoft.com/office/drawing/2010/main" w="9525">
                     <a:solidFill>
                       <a:srgbClr val="000000"/>
                     </a:solidFill>
@@ -11282,7 +11282,7 @@
               </a:ln>
               <a:extLst>
                 <a:ext uri="{91240B29-F687-4f45-9708-019B960494DF}">
-                  <a14:hiddenLine xmlns:a14="http://schemas.microsoft.com/office/drawing/2010/main" xmlns="" w="9525">
+                  <a14:hiddenLine xmlns="" xmlns:a14="http://schemas.microsoft.com/office/drawing/2010/main" w="9525">
                     <a:solidFill>
                       <a:srgbClr val="000000"/>
                     </a:solidFill>
@@ -11347,7 +11347,7 @@
               </a:ln>
               <a:extLst>
                 <a:ext uri="{91240B29-F687-4f45-9708-019B960494DF}">
-                  <a14:hiddenLine xmlns:a14="http://schemas.microsoft.com/office/drawing/2010/main" xmlns="" w="9525">
+                  <a14:hiddenLine xmlns="" xmlns:a14="http://schemas.microsoft.com/office/drawing/2010/main" w="9525">
                     <a:solidFill>
                       <a:srgbClr val="000000"/>
                     </a:solidFill>
@@ -11437,7 +11437,7 @@
               </a:ln>
               <a:extLst>
                 <a:ext uri="{91240B29-F687-4f45-9708-019B960494DF}">
-                  <a14:hiddenLine xmlns:a14="http://schemas.microsoft.com/office/drawing/2010/main" xmlns="" w="9525">
+                  <a14:hiddenLine xmlns="" xmlns:a14="http://schemas.microsoft.com/office/drawing/2010/main" w="9525">
                     <a:solidFill>
                       <a:srgbClr val="000000"/>
                     </a:solidFill>
@@ -11499,7 +11499,7 @@
               </a:ln>
               <a:extLst>
                 <a:ext uri="{91240B29-F687-4f45-9708-019B960494DF}">
-                  <a14:hiddenLine xmlns:a14="http://schemas.microsoft.com/office/drawing/2010/main" xmlns="" w="9525">
+                  <a14:hiddenLine xmlns="" xmlns:a14="http://schemas.microsoft.com/office/drawing/2010/main" w="9525">
                     <a:solidFill>
                       <a:srgbClr val="000000"/>
                     </a:solidFill>
@@ -11589,7 +11589,7 @@
               </a:ln>
               <a:extLst>
                 <a:ext uri="{91240B29-F687-4f45-9708-019B960494DF}">
-                  <a14:hiddenLine xmlns:a14="http://schemas.microsoft.com/office/drawing/2010/main" xmlns="" w="9525">
+                  <a14:hiddenLine xmlns="" xmlns:a14="http://schemas.microsoft.com/office/drawing/2010/main" w="9525">
                     <a:solidFill>
                       <a:srgbClr val="000000"/>
                     </a:solidFill>
@@ -11654,7 +11654,7 @@
               </a:ln>
               <a:extLst>
                 <a:ext uri="{91240B29-F687-4f45-9708-019B960494DF}">
-                  <a14:hiddenLine xmlns:a14="http://schemas.microsoft.com/office/drawing/2010/main" xmlns="" w="9525">
+                  <a14:hiddenLine xmlns="" xmlns:a14="http://schemas.microsoft.com/office/drawing/2010/main" w="9525">
                     <a:solidFill>
                       <a:srgbClr val="000000"/>
                     </a:solidFill>
@@ -11716,7 +11716,7 @@
               </a:ln>
               <a:extLst>
                 <a:ext uri="{91240B29-F687-4f45-9708-019B960494DF}">
-                  <a14:hiddenLine xmlns:a14="http://schemas.microsoft.com/office/drawing/2010/main" xmlns="" w="9525">
+                  <a14:hiddenLine xmlns="" xmlns:a14="http://schemas.microsoft.com/office/drawing/2010/main" w="9525">
                     <a:solidFill>
                       <a:srgbClr val="000000"/>
                     </a:solidFill>
@@ -11806,7 +11806,7 @@
               </a:ln>
               <a:extLst>
                 <a:ext uri="{91240B29-F687-4f45-9708-019B960494DF}">
-                  <a14:hiddenLine xmlns:a14="http://schemas.microsoft.com/office/drawing/2010/main" xmlns="" w="9525">
+                  <a14:hiddenLine xmlns="" xmlns:a14="http://schemas.microsoft.com/office/drawing/2010/main" w="9525">
                     <a:solidFill>
                       <a:srgbClr val="000000"/>
                     </a:solidFill>
@@ -11896,7 +11896,7 @@
               </a:ln>
               <a:extLst>
                 <a:ext uri="{91240B29-F687-4f45-9708-019B960494DF}">
-                  <a14:hiddenLine xmlns:a14="http://schemas.microsoft.com/office/drawing/2010/main" xmlns="" w="9525">
+                  <a14:hiddenLine xmlns="" xmlns:a14="http://schemas.microsoft.com/office/drawing/2010/main" w="9525">
                     <a:solidFill>
                       <a:srgbClr val="000000"/>
                     </a:solidFill>
@@ -11961,7 +11961,7 @@
               </a:ln>
               <a:extLst>
                 <a:ext uri="{91240B29-F687-4f45-9708-019B960494DF}">
-                  <a14:hiddenLine xmlns:a14="http://schemas.microsoft.com/office/drawing/2010/main" xmlns="" w="9525">
+                  <a14:hiddenLine xmlns="" xmlns:a14="http://schemas.microsoft.com/office/drawing/2010/main" w="9525">
                     <a:solidFill>
                       <a:srgbClr val="000000"/>
                     </a:solidFill>
@@ -12081,7 +12081,7 @@
               </a:ln>
               <a:extLst>
                 <a:ext uri="{91240B29-F687-4f45-9708-019B960494DF}">
-                  <a14:hiddenLine xmlns:a14="http://schemas.microsoft.com/office/drawing/2010/main" xmlns="" w="9525">
+                  <a14:hiddenLine xmlns="" xmlns:a14="http://schemas.microsoft.com/office/drawing/2010/main" w="9525">
                     <a:solidFill>
                       <a:srgbClr val="000000"/>
                     </a:solidFill>
@@ -12179,7 +12179,7 @@
               </a:ln>
               <a:extLst>
                 <a:ext uri="{91240B29-F687-4f45-9708-019B960494DF}">
-                  <a14:hiddenLine xmlns:a14="http://schemas.microsoft.com/office/drawing/2010/main" xmlns="" w="9525">
+                  <a14:hiddenLine xmlns="" xmlns:a14="http://schemas.microsoft.com/office/drawing/2010/main" w="9525">
                     <a:solidFill>
                       <a:srgbClr val="000000"/>
                     </a:solidFill>
@@ -12294,7 +12294,7 @@
               </a:ln>
               <a:extLst>
                 <a:ext uri="{91240B29-F687-4f45-9708-019B960494DF}">
-                  <a14:hiddenLine xmlns:a14="http://schemas.microsoft.com/office/drawing/2010/main" xmlns="" w="9525">
+                  <a14:hiddenLine xmlns="" xmlns:a14="http://schemas.microsoft.com/office/drawing/2010/main" w="9525">
                     <a:solidFill>
                       <a:srgbClr val="000000"/>
                     </a:solidFill>
@@ -12384,7 +12384,7 @@
               </a:ln>
               <a:extLst>
                 <a:ext uri="{91240B29-F687-4f45-9708-019B960494DF}">
-                  <a14:hiddenLine xmlns:a14="http://schemas.microsoft.com/office/drawing/2010/main" xmlns="" w="9525">
+                  <a14:hiddenLine xmlns="" xmlns:a14="http://schemas.microsoft.com/office/drawing/2010/main" w="9525">
                     <a:solidFill>
                       <a:srgbClr val="000000"/>
                     </a:solidFill>
@@ -12449,7 +12449,7 @@
               </a:ln>
               <a:extLst>
                 <a:ext uri="{91240B29-F687-4f45-9708-019B960494DF}">
-                  <a14:hiddenLine xmlns:a14="http://schemas.microsoft.com/office/drawing/2010/main" xmlns="" w="9525">
+                  <a14:hiddenLine xmlns="" xmlns:a14="http://schemas.microsoft.com/office/drawing/2010/main" w="9525">
                     <a:solidFill>
                       <a:srgbClr val="000000"/>
                     </a:solidFill>
@@ -12539,7 +12539,7 @@
               </a:ln>
               <a:extLst>
                 <a:ext uri="{91240B29-F687-4f45-9708-019B960494DF}">
-                  <a14:hiddenLine xmlns:a14="http://schemas.microsoft.com/office/drawing/2010/main" xmlns="" w="9525">
+                  <a14:hiddenLine xmlns="" xmlns:a14="http://schemas.microsoft.com/office/drawing/2010/main" w="9525">
                     <a:solidFill>
                       <a:srgbClr val="000000"/>
                     </a:solidFill>
@@ -12607,7 +12607,7 @@
               </a:ln>
               <a:extLst>
                 <a:ext uri="{91240B29-F687-4f45-9708-019B960494DF}">
-                  <a14:hiddenLine xmlns:a14="http://schemas.microsoft.com/office/drawing/2010/main" xmlns="" w="9525">
+                  <a14:hiddenLine xmlns="" xmlns:a14="http://schemas.microsoft.com/office/drawing/2010/main" w="9525">
                     <a:solidFill>
                       <a:srgbClr val="000000"/>
                     </a:solidFill>
@@ -12697,7 +12697,7 @@
               </a:ln>
               <a:extLst>
                 <a:ext uri="{91240B29-F687-4f45-9708-019B960494DF}">
-                  <a14:hiddenLine xmlns:a14="http://schemas.microsoft.com/office/drawing/2010/main" xmlns="" w="9525">
+                  <a14:hiddenLine xmlns="" xmlns:a14="http://schemas.microsoft.com/office/drawing/2010/main" w="9525">
                     <a:solidFill>
                       <a:srgbClr val="000000"/>
                     </a:solidFill>
@@ -12765,7 +12765,7 @@
               </a:ln>
               <a:extLst>
                 <a:ext uri="{91240B29-F687-4f45-9708-019B960494DF}">
-                  <a14:hiddenLine xmlns:a14="http://schemas.microsoft.com/office/drawing/2010/main" xmlns="" w="9525">
+                  <a14:hiddenLine xmlns="" xmlns:a14="http://schemas.microsoft.com/office/drawing/2010/main" w="9525">
                     <a:solidFill>
                       <a:srgbClr val="000000"/>
                     </a:solidFill>
@@ -12855,7 +12855,7 @@
               </a:ln>
               <a:extLst>
                 <a:ext uri="{91240B29-F687-4f45-9708-019B960494DF}">
-                  <a14:hiddenLine xmlns:a14="http://schemas.microsoft.com/office/drawing/2010/main" xmlns="" w="9525">
+                  <a14:hiddenLine xmlns="" xmlns:a14="http://schemas.microsoft.com/office/drawing/2010/main" w="9525">
                     <a:solidFill>
                       <a:srgbClr val="000000"/>
                     </a:solidFill>
@@ -12889,7 +12889,7 @@
               </a:ln>
               <a:extLst>
                 <a:ext uri="{91240B29-F687-4f45-9708-019B960494DF}">
-                  <a14:hiddenLine xmlns:a14="http://schemas.microsoft.com/office/drawing/2010/main" xmlns="" w="9525">
+                  <a14:hiddenLine xmlns="" xmlns:a14="http://schemas.microsoft.com/office/drawing/2010/main" w="9525">
                     <a:solidFill>
                       <a:srgbClr val="000000"/>
                     </a:solidFill>
@@ -13029,7 +13029,7 @@
           <a:p>
             <a:fld id="{F34B6E3E-06F4-4326-ABDB-61EE022A2F5F}" type="datetimeFigureOut">
               <a:rPr lang="en-US" smtClean="0"/>
-              <a:t>4/20/2022</a:t>
+              <a:t>4/23/2022</a:t>
             </a:fld>
             <a:endParaRPr lang="en-US"/>
           </a:p>
@@ -18759,6 +18759,53 @@
           </a:p>
         </p:txBody>
       </p:sp>
+      <p:pic>
+        <p:nvPicPr>
+          <p:cNvPr id="1026" name="Picture 2">
+            <a:extLst>
+              <a:ext uri="{FF2B5EF4-FFF2-40B4-BE49-F238E27FC236}">
+                <a16:creationId xmlns:a16="http://schemas.microsoft.com/office/drawing/2014/main" id="{BB0428D0-223D-4EF4-9549-5722CA49D195}"/>
+              </a:ext>
+            </a:extLst>
+          </p:cNvPr>
+          <p:cNvPicPr>
+            <a:picLocks noChangeAspect="1" noChangeArrowheads="1"/>
+          </p:cNvPicPr>
+          <p:nvPr/>
+        </p:nvPicPr>
+        <p:blipFill>
+          <a:blip r:embed="rId2">
+            <a:extLst>
+              <a:ext uri="{28A0092B-C50C-407E-A947-70E740481C1C}">
+                <a14:useLocalDpi xmlns:a14="http://schemas.microsoft.com/office/drawing/2010/main" val="0"/>
+              </a:ext>
+            </a:extLst>
+          </a:blip>
+          <a:srcRect/>
+          <a:stretch>
+            <a:fillRect/>
+          </a:stretch>
+        </p:blipFill>
+        <p:spPr bwMode="auto">
+          <a:xfrm>
+            <a:off x="2386013" y="1214438"/>
+            <a:ext cx="7419975" cy="4429125"/>
+          </a:xfrm>
+          <a:prstGeom prst="rect">
+            <a:avLst/>
+          </a:prstGeom>
+          <a:noFill/>
+          <a:extLst>
+            <a:ext uri="{909E8E84-426E-40DD-AFC4-6F175D3DCCD1}">
+              <a14:hiddenFill xmlns:a14="http://schemas.microsoft.com/office/drawing/2010/main">
+                <a:solidFill>
+                  <a:srgbClr val="FFFFFF"/>
+                </a:solidFill>
+              </a14:hiddenFill>
+            </a:ext>
+          </a:extLst>
+        </p:spPr>
+      </p:pic>
     </p:spTree>
     <p:extLst>
       <p:ext uri="{BB962C8B-B14F-4D97-AF65-F5344CB8AC3E}">

--- a/communications/web_communication_pres.pptx
+++ b/communications/web_communication_pres.pptx
@@ -5,7 +5,7 @@
     <p:sldMasterId id="2147483678" r:id="rId1"/>
   </p:sldMasterIdLst>
   <p:notesMasterIdLst>
-    <p:notesMasterId r:id="rId27"/>
+    <p:notesMasterId r:id="rId23"/>
   </p:notesMasterIdLst>
   <p:sldIdLst>
     <p:sldId id="257" r:id="rId2"/>
@@ -23,16 +23,12 @@
     <p:sldId id="807" r:id="rId14"/>
     <p:sldId id="809" r:id="rId15"/>
     <p:sldId id="627" r:id="rId16"/>
-    <p:sldId id="628" r:id="rId17"/>
-    <p:sldId id="629" r:id="rId18"/>
-    <p:sldId id="630" r:id="rId19"/>
-    <p:sldId id="664" r:id="rId20"/>
-    <p:sldId id="665" r:id="rId21"/>
-    <p:sldId id="666" r:id="rId22"/>
-    <p:sldId id="668" r:id="rId23"/>
-    <p:sldId id="802" r:id="rId24"/>
-    <p:sldId id="803" r:id="rId25"/>
-    <p:sldId id="805" r:id="rId26"/>
+    <p:sldId id="664" r:id="rId17"/>
+    <p:sldId id="803" r:id="rId18"/>
+    <p:sldId id="810" r:id="rId19"/>
+    <p:sldId id="812" r:id="rId20"/>
+    <p:sldId id="811" r:id="rId21"/>
+    <p:sldId id="805" r:id="rId22"/>
   </p:sldIdLst>
   <p:sldSz cx="12192000" cy="6858000"/>
   <p:notesSz cx="6858000" cy="9144000"/>
@@ -1668,6 +1664,753 @@
 </dgm:colorsDef>
 </file>
 
+<file path=ppt/diagrams/colors3.xml><?xml version="1.0" encoding="utf-8"?>
+<dgm:colorsDef xmlns:dgm="http://schemas.openxmlformats.org/drawingml/2006/diagram" xmlns:a="http://schemas.openxmlformats.org/drawingml/2006/main" uniqueId="urn:microsoft.com/office/officeart/2005/8/colors/accent1_2">
+  <dgm:title val=""/>
+  <dgm:desc val=""/>
+  <dgm:catLst>
+    <dgm:cat type="accent1" pri="11200"/>
+  </dgm:catLst>
+  <dgm:styleLbl name="node0">
+    <dgm:fillClrLst meth="repeat">
+      <a:schemeClr val="accent1"/>
+    </dgm:fillClrLst>
+    <dgm:linClrLst meth="repeat">
+      <a:schemeClr val="lt1"/>
+    </dgm:linClrLst>
+    <dgm:effectClrLst/>
+    <dgm:txLinClrLst/>
+    <dgm:txFillClrLst/>
+    <dgm:txEffectClrLst/>
+  </dgm:styleLbl>
+  <dgm:styleLbl name="alignNode1">
+    <dgm:fillClrLst meth="repeat">
+      <a:schemeClr val="accent1"/>
+    </dgm:fillClrLst>
+    <dgm:linClrLst meth="repeat">
+      <a:schemeClr val="accent1"/>
+    </dgm:linClrLst>
+    <dgm:effectClrLst/>
+    <dgm:txLinClrLst/>
+    <dgm:txFillClrLst/>
+    <dgm:txEffectClrLst/>
+  </dgm:styleLbl>
+  <dgm:styleLbl name="node1">
+    <dgm:fillClrLst meth="repeat">
+      <a:schemeClr val="accent1"/>
+    </dgm:fillClrLst>
+    <dgm:linClrLst meth="repeat">
+      <a:schemeClr val="lt1"/>
+    </dgm:linClrLst>
+    <dgm:effectClrLst/>
+    <dgm:txLinClrLst/>
+    <dgm:txFillClrLst/>
+    <dgm:txEffectClrLst/>
+  </dgm:styleLbl>
+  <dgm:styleLbl name="lnNode1">
+    <dgm:fillClrLst meth="repeat">
+      <a:schemeClr val="accent1"/>
+    </dgm:fillClrLst>
+    <dgm:linClrLst meth="repeat">
+      <a:schemeClr val="lt1"/>
+    </dgm:linClrLst>
+    <dgm:effectClrLst/>
+    <dgm:txLinClrLst/>
+    <dgm:txFillClrLst/>
+    <dgm:txEffectClrLst/>
+  </dgm:styleLbl>
+  <dgm:styleLbl name="vennNode1">
+    <dgm:fillClrLst meth="repeat">
+      <a:schemeClr val="accent1">
+        <a:alpha val="50000"/>
+      </a:schemeClr>
+    </dgm:fillClrLst>
+    <dgm:linClrLst meth="repeat">
+      <a:schemeClr val="lt1"/>
+    </dgm:linClrLst>
+    <dgm:effectClrLst/>
+    <dgm:txLinClrLst/>
+    <dgm:txFillClrLst/>
+    <dgm:txEffectClrLst/>
+  </dgm:styleLbl>
+  <dgm:styleLbl name="node2">
+    <dgm:fillClrLst meth="repeat">
+      <a:schemeClr val="accent1"/>
+    </dgm:fillClrLst>
+    <dgm:linClrLst meth="repeat">
+      <a:schemeClr val="lt1"/>
+    </dgm:linClrLst>
+    <dgm:effectClrLst/>
+    <dgm:txLinClrLst/>
+    <dgm:txFillClrLst/>
+    <dgm:txEffectClrLst/>
+  </dgm:styleLbl>
+  <dgm:styleLbl name="node3">
+    <dgm:fillClrLst meth="repeat">
+      <a:schemeClr val="accent1"/>
+    </dgm:fillClrLst>
+    <dgm:linClrLst meth="repeat">
+      <a:schemeClr val="lt1"/>
+    </dgm:linClrLst>
+    <dgm:effectClrLst/>
+    <dgm:txLinClrLst/>
+    <dgm:txFillClrLst/>
+    <dgm:txEffectClrLst/>
+  </dgm:styleLbl>
+  <dgm:styleLbl name="node4">
+    <dgm:fillClrLst meth="repeat">
+      <a:schemeClr val="accent1"/>
+    </dgm:fillClrLst>
+    <dgm:linClrLst meth="repeat">
+      <a:schemeClr val="lt1"/>
+    </dgm:linClrLst>
+    <dgm:effectClrLst/>
+    <dgm:txLinClrLst/>
+    <dgm:txFillClrLst/>
+    <dgm:txEffectClrLst/>
+  </dgm:styleLbl>
+  <dgm:styleLbl name="fgImgPlace1">
+    <dgm:fillClrLst meth="repeat">
+      <a:schemeClr val="accent1">
+        <a:tint val="50000"/>
+      </a:schemeClr>
+    </dgm:fillClrLst>
+    <dgm:linClrLst meth="repeat">
+      <a:schemeClr val="lt1"/>
+    </dgm:linClrLst>
+    <dgm:effectClrLst/>
+    <dgm:txLinClrLst/>
+    <dgm:txFillClrLst meth="repeat">
+      <a:schemeClr val="lt1"/>
+    </dgm:txFillClrLst>
+    <dgm:txEffectClrLst/>
+  </dgm:styleLbl>
+  <dgm:styleLbl name="alignImgPlace1">
+    <dgm:fillClrLst meth="repeat">
+      <a:schemeClr val="accent1">
+        <a:tint val="50000"/>
+      </a:schemeClr>
+    </dgm:fillClrLst>
+    <dgm:linClrLst meth="repeat">
+      <a:schemeClr val="lt1"/>
+    </dgm:linClrLst>
+    <dgm:effectClrLst/>
+    <dgm:txLinClrLst/>
+    <dgm:txFillClrLst meth="repeat">
+      <a:schemeClr val="lt1"/>
+    </dgm:txFillClrLst>
+    <dgm:txEffectClrLst/>
+  </dgm:styleLbl>
+  <dgm:styleLbl name="bgImgPlace1">
+    <dgm:fillClrLst meth="repeat">
+      <a:schemeClr val="accent1">
+        <a:tint val="50000"/>
+      </a:schemeClr>
+    </dgm:fillClrLst>
+    <dgm:linClrLst meth="repeat">
+      <a:schemeClr val="lt1"/>
+    </dgm:linClrLst>
+    <dgm:effectClrLst/>
+    <dgm:txLinClrLst/>
+    <dgm:txFillClrLst meth="repeat">
+      <a:schemeClr val="lt1"/>
+    </dgm:txFillClrLst>
+    <dgm:txEffectClrLst/>
+  </dgm:styleLbl>
+  <dgm:styleLbl name="sibTrans2D1">
+    <dgm:fillClrLst meth="repeat">
+      <a:schemeClr val="accent1">
+        <a:tint val="60000"/>
+      </a:schemeClr>
+    </dgm:fillClrLst>
+    <dgm:linClrLst meth="repeat">
+      <a:schemeClr val="accent1">
+        <a:tint val="60000"/>
+      </a:schemeClr>
+    </dgm:linClrLst>
+    <dgm:effectClrLst/>
+    <dgm:txLinClrLst/>
+    <dgm:txFillClrLst/>
+    <dgm:txEffectClrLst/>
+  </dgm:styleLbl>
+  <dgm:styleLbl name="fgSibTrans2D1">
+    <dgm:fillClrLst meth="repeat">
+      <a:schemeClr val="accent1">
+        <a:tint val="60000"/>
+      </a:schemeClr>
+    </dgm:fillClrLst>
+    <dgm:linClrLst meth="repeat">
+      <a:schemeClr val="accent1">
+        <a:tint val="60000"/>
+      </a:schemeClr>
+    </dgm:linClrLst>
+    <dgm:effectClrLst/>
+    <dgm:txLinClrLst/>
+    <dgm:txFillClrLst/>
+    <dgm:txEffectClrLst/>
+  </dgm:styleLbl>
+  <dgm:styleLbl name="bgSibTrans2D1">
+    <dgm:fillClrLst meth="repeat">
+      <a:schemeClr val="accent1">
+        <a:tint val="60000"/>
+      </a:schemeClr>
+    </dgm:fillClrLst>
+    <dgm:linClrLst meth="repeat">
+      <a:schemeClr val="accent1">
+        <a:tint val="60000"/>
+      </a:schemeClr>
+    </dgm:linClrLst>
+    <dgm:effectClrLst/>
+    <dgm:txLinClrLst/>
+    <dgm:txFillClrLst/>
+    <dgm:txEffectClrLst/>
+  </dgm:styleLbl>
+  <dgm:styleLbl name="sibTrans1D1">
+    <dgm:fillClrLst meth="repeat">
+      <a:schemeClr val="accent1"/>
+    </dgm:fillClrLst>
+    <dgm:linClrLst meth="repeat">
+      <a:schemeClr val="accent1"/>
+    </dgm:linClrLst>
+    <dgm:effectClrLst/>
+    <dgm:txLinClrLst/>
+    <dgm:txFillClrLst meth="repeat">
+      <a:schemeClr val="tx1"/>
+    </dgm:txFillClrLst>
+    <dgm:txEffectClrLst/>
+  </dgm:styleLbl>
+  <dgm:styleLbl name="callout">
+    <dgm:fillClrLst meth="repeat">
+      <a:schemeClr val="accent1"/>
+    </dgm:fillClrLst>
+    <dgm:linClrLst meth="repeat">
+      <a:schemeClr val="accent1">
+        <a:tint val="50000"/>
+      </a:schemeClr>
+    </dgm:linClrLst>
+    <dgm:effectClrLst/>
+    <dgm:txLinClrLst/>
+    <dgm:txFillClrLst meth="repeat">
+      <a:schemeClr val="tx1"/>
+    </dgm:txFillClrLst>
+    <dgm:txEffectClrLst/>
+  </dgm:styleLbl>
+  <dgm:styleLbl name="asst0">
+    <dgm:fillClrLst meth="repeat">
+      <a:schemeClr val="accent1"/>
+    </dgm:fillClrLst>
+    <dgm:linClrLst meth="repeat">
+      <a:schemeClr val="lt1"/>
+    </dgm:linClrLst>
+    <dgm:effectClrLst/>
+    <dgm:txLinClrLst/>
+    <dgm:txFillClrLst/>
+    <dgm:txEffectClrLst/>
+  </dgm:styleLbl>
+  <dgm:styleLbl name="asst1">
+    <dgm:fillClrLst meth="repeat">
+      <a:schemeClr val="accent1"/>
+    </dgm:fillClrLst>
+    <dgm:linClrLst meth="repeat">
+      <a:schemeClr val="lt1"/>
+    </dgm:linClrLst>
+    <dgm:effectClrLst/>
+    <dgm:txLinClrLst/>
+    <dgm:txFillClrLst/>
+    <dgm:txEffectClrLst/>
+  </dgm:styleLbl>
+  <dgm:styleLbl name="asst2">
+    <dgm:fillClrLst meth="repeat">
+      <a:schemeClr val="accent1"/>
+    </dgm:fillClrLst>
+    <dgm:linClrLst meth="repeat">
+      <a:schemeClr val="lt1"/>
+    </dgm:linClrLst>
+    <dgm:effectClrLst/>
+    <dgm:txLinClrLst/>
+    <dgm:txFillClrLst/>
+    <dgm:txEffectClrLst/>
+  </dgm:styleLbl>
+  <dgm:styleLbl name="asst3">
+    <dgm:fillClrLst meth="repeat">
+      <a:schemeClr val="accent1"/>
+    </dgm:fillClrLst>
+    <dgm:linClrLst meth="repeat">
+      <a:schemeClr val="lt1"/>
+    </dgm:linClrLst>
+    <dgm:effectClrLst/>
+    <dgm:txLinClrLst/>
+    <dgm:txFillClrLst/>
+    <dgm:txEffectClrLst/>
+  </dgm:styleLbl>
+  <dgm:styleLbl name="asst4">
+    <dgm:fillClrLst meth="repeat">
+      <a:schemeClr val="accent1"/>
+    </dgm:fillClrLst>
+    <dgm:linClrLst meth="repeat">
+      <a:schemeClr val="lt1"/>
+    </dgm:linClrLst>
+    <dgm:effectClrLst/>
+    <dgm:txLinClrLst/>
+    <dgm:txFillClrLst/>
+    <dgm:txEffectClrLst/>
+  </dgm:styleLbl>
+  <dgm:styleLbl name="parChTrans2D1">
+    <dgm:fillClrLst meth="repeat">
+      <a:schemeClr val="accent1">
+        <a:tint val="60000"/>
+      </a:schemeClr>
+    </dgm:fillClrLst>
+    <dgm:linClrLst meth="repeat">
+      <a:schemeClr val="accent1">
+        <a:tint val="60000"/>
+      </a:schemeClr>
+    </dgm:linClrLst>
+    <dgm:effectClrLst/>
+    <dgm:txLinClrLst/>
+    <dgm:txFillClrLst meth="repeat">
+      <a:schemeClr val="lt1"/>
+    </dgm:txFillClrLst>
+    <dgm:txEffectClrLst/>
+  </dgm:styleLbl>
+  <dgm:styleLbl name="parChTrans2D2">
+    <dgm:fillClrLst meth="repeat">
+      <a:schemeClr val="accent1"/>
+    </dgm:fillClrLst>
+    <dgm:linClrLst meth="repeat">
+      <a:schemeClr val="accent1"/>
+    </dgm:linClrLst>
+    <dgm:effectClrLst/>
+    <dgm:txLinClrLst/>
+    <dgm:txFillClrLst meth="repeat">
+      <a:schemeClr val="lt1"/>
+    </dgm:txFillClrLst>
+    <dgm:txEffectClrLst/>
+  </dgm:styleLbl>
+  <dgm:styleLbl name="parChTrans2D3">
+    <dgm:fillClrLst meth="repeat">
+      <a:schemeClr val="accent1"/>
+    </dgm:fillClrLst>
+    <dgm:linClrLst meth="repeat">
+      <a:schemeClr val="accent1"/>
+    </dgm:linClrLst>
+    <dgm:effectClrLst/>
+    <dgm:txLinClrLst/>
+    <dgm:txFillClrLst meth="repeat">
+      <a:schemeClr val="lt1"/>
+    </dgm:txFillClrLst>
+    <dgm:txEffectClrLst/>
+  </dgm:styleLbl>
+  <dgm:styleLbl name="parChTrans2D4">
+    <dgm:fillClrLst meth="repeat">
+      <a:schemeClr val="accent1"/>
+    </dgm:fillClrLst>
+    <dgm:linClrLst meth="repeat">
+      <a:schemeClr val="accent1"/>
+    </dgm:linClrLst>
+    <dgm:effectClrLst/>
+    <dgm:txLinClrLst/>
+    <dgm:txFillClrLst meth="repeat">
+      <a:schemeClr val="lt1"/>
+    </dgm:txFillClrLst>
+    <dgm:txEffectClrLst/>
+  </dgm:styleLbl>
+  <dgm:styleLbl name="parChTrans1D1">
+    <dgm:fillClrLst meth="repeat">
+      <a:schemeClr val="accent1"/>
+    </dgm:fillClrLst>
+    <dgm:linClrLst meth="repeat">
+      <a:schemeClr val="accent1">
+        <a:shade val="60000"/>
+      </a:schemeClr>
+    </dgm:linClrLst>
+    <dgm:effectClrLst/>
+    <dgm:txLinClrLst/>
+    <dgm:txFillClrLst meth="repeat">
+      <a:schemeClr val="tx1"/>
+    </dgm:txFillClrLst>
+    <dgm:txEffectClrLst/>
+  </dgm:styleLbl>
+  <dgm:styleLbl name="parChTrans1D2">
+    <dgm:fillClrLst meth="repeat">
+      <a:schemeClr val="accent1"/>
+    </dgm:fillClrLst>
+    <dgm:linClrLst meth="repeat">
+      <a:schemeClr val="accent1">
+        <a:shade val="60000"/>
+      </a:schemeClr>
+    </dgm:linClrLst>
+    <dgm:effectClrLst/>
+    <dgm:txLinClrLst/>
+    <dgm:txFillClrLst meth="repeat">
+      <a:schemeClr val="tx1"/>
+    </dgm:txFillClrLst>
+    <dgm:txEffectClrLst/>
+  </dgm:styleLbl>
+  <dgm:styleLbl name="parChTrans1D3">
+    <dgm:fillClrLst meth="repeat">
+      <a:schemeClr val="accent1"/>
+    </dgm:fillClrLst>
+    <dgm:linClrLst meth="repeat">
+      <a:schemeClr val="accent1">
+        <a:shade val="80000"/>
+      </a:schemeClr>
+    </dgm:linClrLst>
+    <dgm:effectClrLst/>
+    <dgm:txLinClrLst/>
+    <dgm:txFillClrLst meth="repeat">
+      <a:schemeClr val="tx1"/>
+    </dgm:txFillClrLst>
+    <dgm:txEffectClrLst/>
+  </dgm:styleLbl>
+  <dgm:styleLbl name="parChTrans1D4">
+    <dgm:fillClrLst meth="repeat">
+      <a:schemeClr val="accent1"/>
+    </dgm:fillClrLst>
+    <dgm:linClrLst meth="repeat">
+      <a:schemeClr val="accent1">
+        <a:shade val="80000"/>
+      </a:schemeClr>
+    </dgm:linClrLst>
+    <dgm:effectClrLst/>
+    <dgm:txLinClrLst/>
+    <dgm:txFillClrLst meth="repeat">
+      <a:schemeClr val="tx1"/>
+    </dgm:txFillClrLst>
+    <dgm:txEffectClrLst/>
+  </dgm:styleLbl>
+  <dgm:styleLbl name="fgAcc1">
+    <dgm:fillClrLst meth="repeat">
+      <a:schemeClr val="lt1">
+        <a:alpha val="90000"/>
+      </a:schemeClr>
+    </dgm:fillClrLst>
+    <dgm:linClrLst meth="repeat">
+      <a:schemeClr val="accent1"/>
+    </dgm:linClrLst>
+    <dgm:effectClrLst/>
+    <dgm:txLinClrLst/>
+    <dgm:txFillClrLst meth="repeat">
+      <a:schemeClr val="dk1"/>
+    </dgm:txFillClrLst>
+    <dgm:txEffectClrLst/>
+  </dgm:styleLbl>
+  <dgm:styleLbl name="conFgAcc1">
+    <dgm:fillClrLst meth="repeat">
+      <a:schemeClr val="lt1">
+        <a:alpha val="90000"/>
+      </a:schemeClr>
+    </dgm:fillClrLst>
+    <dgm:linClrLst meth="repeat">
+      <a:schemeClr val="accent1"/>
+    </dgm:linClrLst>
+    <dgm:effectClrLst/>
+    <dgm:txLinClrLst/>
+    <dgm:txFillClrLst meth="repeat">
+      <a:schemeClr val="dk1"/>
+    </dgm:txFillClrLst>
+    <dgm:txEffectClrLst/>
+  </dgm:styleLbl>
+  <dgm:styleLbl name="alignAcc1">
+    <dgm:fillClrLst meth="repeat">
+      <a:schemeClr val="lt1">
+        <a:alpha val="90000"/>
+      </a:schemeClr>
+    </dgm:fillClrLst>
+    <dgm:linClrLst meth="repeat">
+      <a:schemeClr val="accent1"/>
+    </dgm:linClrLst>
+    <dgm:effectClrLst/>
+    <dgm:txLinClrLst/>
+    <dgm:txFillClrLst meth="repeat">
+      <a:schemeClr val="dk1"/>
+    </dgm:txFillClrLst>
+    <dgm:txEffectClrLst/>
+  </dgm:styleLbl>
+  <dgm:styleLbl name="trAlignAcc1">
+    <dgm:fillClrLst meth="repeat">
+      <a:schemeClr val="lt1">
+        <a:alpha val="40000"/>
+      </a:schemeClr>
+    </dgm:fillClrLst>
+    <dgm:linClrLst meth="repeat">
+      <a:schemeClr val="accent1"/>
+    </dgm:linClrLst>
+    <dgm:effectClrLst/>
+    <dgm:txLinClrLst/>
+    <dgm:txFillClrLst meth="repeat">
+      <a:schemeClr val="dk1"/>
+    </dgm:txFillClrLst>
+    <dgm:txEffectClrLst/>
+  </dgm:styleLbl>
+  <dgm:styleLbl name="bgAcc1">
+    <dgm:fillClrLst meth="repeat">
+      <a:schemeClr val="lt1">
+        <a:alpha val="90000"/>
+      </a:schemeClr>
+    </dgm:fillClrLst>
+    <dgm:linClrLst meth="repeat">
+      <a:schemeClr val="accent1"/>
+    </dgm:linClrLst>
+    <dgm:effectClrLst/>
+    <dgm:txLinClrLst/>
+    <dgm:txFillClrLst meth="repeat">
+      <a:schemeClr val="dk1"/>
+    </dgm:txFillClrLst>
+    <dgm:txEffectClrLst/>
+  </dgm:styleLbl>
+  <dgm:styleLbl name="solidFgAcc1">
+    <dgm:fillClrLst meth="repeat">
+      <a:schemeClr val="lt1"/>
+    </dgm:fillClrLst>
+    <dgm:linClrLst meth="repeat">
+      <a:schemeClr val="accent1"/>
+    </dgm:linClrLst>
+    <dgm:effectClrLst/>
+    <dgm:txLinClrLst/>
+    <dgm:txFillClrLst meth="repeat">
+      <a:schemeClr val="dk1"/>
+    </dgm:txFillClrLst>
+    <dgm:txEffectClrLst/>
+  </dgm:styleLbl>
+  <dgm:styleLbl name="solidAlignAcc1">
+    <dgm:fillClrLst meth="repeat">
+      <a:schemeClr val="lt1"/>
+    </dgm:fillClrLst>
+    <dgm:linClrLst meth="repeat">
+      <a:schemeClr val="accent1"/>
+    </dgm:linClrLst>
+    <dgm:effectClrLst/>
+    <dgm:txLinClrLst/>
+    <dgm:txFillClrLst meth="repeat">
+      <a:schemeClr val="dk1"/>
+    </dgm:txFillClrLst>
+    <dgm:txEffectClrLst/>
+  </dgm:styleLbl>
+  <dgm:styleLbl name="solidBgAcc1">
+    <dgm:fillClrLst meth="repeat">
+      <a:schemeClr val="lt1"/>
+    </dgm:fillClrLst>
+    <dgm:linClrLst meth="repeat">
+      <a:schemeClr val="accent1"/>
+    </dgm:linClrLst>
+    <dgm:effectClrLst/>
+    <dgm:txLinClrLst/>
+    <dgm:txFillClrLst meth="repeat">
+      <a:schemeClr val="dk1"/>
+    </dgm:txFillClrLst>
+    <dgm:txEffectClrLst/>
+  </dgm:styleLbl>
+  <dgm:styleLbl name="fgAccFollowNode1">
+    <dgm:fillClrLst meth="repeat">
+      <a:schemeClr val="accent1">
+        <a:alpha val="90000"/>
+        <a:tint val="40000"/>
+      </a:schemeClr>
+    </dgm:fillClrLst>
+    <dgm:linClrLst meth="repeat">
+      <a:schemeClr val="accent1">
+        <a:alpha val="90000"/>
+        <a:tint val="40000"/>
+      </a:schemeClr>
+    </dgm:linClrLst>
+    <dgm:effectClrLst/>
+    <dgm:txLinClrLst/>
+    <dgm:txFillClrLst meth="repeat">
+      <a:schemeClr val="dk1"/>
+    </dgm:txFillClrLst>
+    <dgm:txEffectClrLst/>
+  </dgm:styleLbl>
+  <dgm:styleLbl name="alignAccFollowNode1">
+    <dgm:fillClrLst meth="repeat">
+      <a:schemeClr val="accent1">
+        <a:alpha val="90000"/>
+        <a:tint val="40000"/>
+      </a:schemeClr>
+    </dgm:fillClrLst>
+    <dgm:linClrLst meth="repeat">
+      <a:schemeClr val="accent1">
+        <a:alpha val="90000"/>
+        <a:tint val="40000"/>
+      </a:schemeClr>
+    </dgm:linClrLst>
+    <dgm:effectClrLst/>
+    <dgm:txLinClrLst/>
+    <dgm:txFillClrLst meth="repeat">
+      <a:schemeClr val="dk1"/>
+    </dgm:txFillClrLst>
+    <dgm:txEffectClrLst/>
+  </dgm:styleLbl>
+  <dgm:styleLbl name="bgAccFollowNode1">
+    <dgm:fillClrLst meth="repeat">
+      <a:schemeClr val="accent1">
+        <a:alpha val="90000"/>
+        <a:tint val="40000"/>
+      </a:schemeClr>
+    </dgm:fillClrLst>
+    <dgm:linClrLst meth="repeat">
+      <a:schemeClr val="accent1">
+        <a:alpha val="90000"/>
+        <a:tint val="40000"/>
+      </a:schemeClr>
+    </dgm:linClrLst>
+    <dgm:effectClrLst/>
+    <dgm:txLinClrLst/>
+    <dgm:txFillClrLst meth="repeat">
+      <a:schemeClr val="dk1"/>
+    </dgm:txFillClrLst>
+    <dgm:txEffectClrLst/>
+  </dgm:styleLbl>
+  <dgm:styleLbl name="fgAcc0">
+    <dgm:fillClrLst meth="repeat">
+      <a:schemeClr val="lt1">
+        <a:alpha val="90000"/>
+      </a:schemeClr>
+    </dgm:fillClrLst>
+    <dgm:linClrLst meth="repeat">
+      <a:schemeClr val="accent1"/>
+    </dgm:linClrLst>
+    <dgm:effectClrLst/>
+    <dgm:txLinClrLst/>
+    <dgm:txFillClrLst meth="repeat">
+      <a:schemeClr val="dk1"/>
+    </dgm:txFillClrLst>
+    <dgm:txEffectClrLst/>
+  </dgm:styleLbl>
+  <dgm:styleLbl name="fgAcc2">
+    <dgm:fillClrLst meth="repeat">
+      <a:schemeClr val="lt1">
+        <a:alpha val="90000"/>
+      </a:schemeClr>
+    </dgm:fillClrLst>
+    <dgm:linClrLst meth="repeat">
+      <a:schemeClr val="accent1"/>
+    </dgm:linClrLst>
+    <dgm:effectClrLst/>
+    <dgm:txLinClrLst/>
+    <dgm:txFillClrLst meth="repeat">
+      <a:schemeClr val="dk1"/>
+    </dgm:txFillClrLst>
+    <dgm:txEffectClrLst/>
+  </dgm:styleLbl>
+  <dgm:styleLbl name="fgAcc3">
+    <dgm:fillClrLst meth="repeat">
+      <a:schemeClr val="lt1">
+        <a:alpha val="90000"/>
+      </a:schemeClr>
+    </dgm:fillClrLst>
+    <dgm:linClrLst meth="repeat">
+      <a:schemeClr val="accent1"/>
+    </dgm:linClrLst>
+    <dgm:effectClrLst/>
+    <dgm:txLinClrLst/>
+    <dgm:txFillClrLst meth="repeat">
+      <a:schemeClr val="dk1"/>
+    </dgm:txFillClrLst>
+    <dgm:txEffectClrLst/>
+  </dgm:styleLbl>
+  <dgm:styleLbl name="fgAcc4">
+    <dgm:fillClrLst meth="repeat">
+      <a:schemeClr val="lt1">
+        <a:alpha val="90000"/>
+      </a:schemeClr>
+    </dgm:fillClrLst>
+    <dgm:linClrLst meth="repeat">
+      <a:schemeClr val="accent1"/>
+    </dgm:linClrLst>
+    <dgm:effectClrLst/>
+    <dgm:txLinClrLst/>
+    <dgm:txFillClrLst meth="repeat">
+      <a:schemeClr val="dk1"/>
+    </dgm:txFillClrLst>
+    <dgm:txEffectClrLst/>
+  </dgm:styleLbl>
+  <dgm:styleLbl name="bgShp">
+    <dgm:fillClrLst meth="repeat">
+      <a:schemeClr val="accent1">
+        <a:tint val="40000"/>
+      </a:schemeClr>
+    </dgm:fillClrLst>
+    <dgm:linClrLst meth="repeat">
+      <a:schemeClr val="accent1"/>
+    </dgm:linClrLst>
+    <dgm:effectClrLst/>
+    <dgm:txLinClrLst/>
+    <dgm:txFillClrLst meth="repeat">
+      <a:schemeClr val="dk1"/>
+    </dgm:txFillClrLst>
+    <dgm:txEffectClrLst/>
+  </dgm:styleLbl>
+  <dgm:styleLbl name="dkBgShp">
+    <dgm:fillClrLst meth="repeat">
+      <a:schemeClr val="accent1">
+        <a:shade val="80000"/>
+      </a:schemeClr>
+    </dgm:fillClrLst>
+    <dgm:linClrLst meth="repeat">
+      <a:schemeClr val="accent1"/>
+    </dgm:linClrLst>
+    <dgm:effectClrLst/>
+    <dgm:txLinClrLst/>
+    <dgm:txFillClrLst meth="repeat">
+      <a:schemeClr val="lt1"/>
+    </dgm:txFillClrLst>
+    <dgm:txEffectClrLst/>
+  </dgm:styleLbl>
+  <dgm:styleLbl name="trBgShp">
+    <dgm:fillClrLst meth="repeat">
+      <a:schemeClr val="accent1">
+        <a:tint val="50000"/>
+        <a:alpha val="40000"/>
+      </a:schemeClr>
+    </dgm:fillClrLst>
+    <dgm:linClrLst meth="repeat">
+      <a:schemeClr val="accent1"/>
+    </dgm:linClrLst>
+    <dgm:effectClrLst/>
+    <dgm:txLinClrLst/>
+    <dgm:txFillClrLst meth="repeat">
+      <a:schemeClr val="lt1"/>
+    </dgm:txFillClrLst>
+    <dgm:txEffectClrLst/>
+  </dgm:styleLbl>
+  <dgm:styleLbl name="fgShp">
+    <dgm:fillClrLst meth="repeat">
+      <a:schemeClr val="accent1">
+        <a:tint val="60000"/>
+      </a:schemeClr>
+    </dgm:fillClrLst>
+    <dgm:linClrLst meth="repeat">
+      <a:schemeClr val="lt1"/>
+    </dgm:linClrLst>
+    <dgm:effectClrLst/>
+    <dgm:txLinClrLst/>
+    <dgm:txFillClrLst meth="repeat">
+      <a:schemeClr val="dk1"/>
+    </dgm:txFillClrLst>
+    <dgm:txEffectClrLst/>
+  </dgm:styleLbl>
+  <dgm:styleLbl name="revTx">
+    <dgm:fillClrLst meth="repeat">
+      <a:schemeClr val="lt1">
+        <a:alpha val="0"/>
+      </a:schemeClr>
+    </dgm:fillClrLst>
+    <dgm:linClrLst meth="repeat">
+      <a:schemeClr val="dk1">
+        <a:alpha val="0"/>
+      </a:schemeClr>
+    </dgm:linClrLst>
+    <dgm:effectClrLst/>
+    <dgm:txLinClrLst/>
+    <dgm:txFillClrLst meth="repeat">
+      <a:schemeClr val="tx1"/>
+    </dgm:txFillClrLst>
+    <dgm:txEffectClrLst/>
+  </dgm:styleLbl>
+</dgm:colorsDef>
+</file>
+
 <file path=ppt/diagrams/data1.xml><?xml version="1.0" encoding="utf-8"?>
 <dgm:dataModel xmlns:dgm="http://schemas.openxmlformats.org/drawingml/2006/diagram" xmlns:a="http://schemas.openxmlformats.org/drawingml/2006/main">
   <dgm:ptLst>
@@ -2623,6 +3366,207 @@
     <dgm:cxn modelId="{A58D69C9-4B0C-44E8-AA68-DF0AD8BF9357}" type="presParOf" srcId="{399E0C4A-3B01-4A8D-9FC0-7C602D4534F0}" destId="{4B5A4C2B-6752-46EC-9C96-3D6E5851A4AD}" srcOrd="4" destOrd="0" presId="urn:microsoft.com/office/officeart/2005/8/layout/default"/>
     <dgm:cxn modelId="{D5C2662F-F623-481C-B097-7FB4DB102A0E}" type="presParOf" srcId="{399E0C4A-3B01-4A8D-9FC0-7C602D4534F0}" destId="{D8F91368-F54B-40FB-84F1-2F7BC06C2946}" srcOrd="5" destOrd="0" presId="urn:microsoft.com/office/officeart/2005/8/layout/default"/>
     <dgm:cxn modelId="{962DF3BA-66BE-4D41-9589-2EAC90F97F8C}" type="presParOf" srcId="{399E0C4A-3B01-4A8D-9FC0-7C602D4534F0}" destId="{65BB27D9-6EB6-43BA-8352-3C372ABBD30C}" srcOrd="6" destOrd="0" presId="urn:microsoft.com/office/officeart/2005/8/layout/default"/>
+  </dgm:cxnLst>
+  <dgm:bg/>
+  <dgm:whole/>
+  <dgm:extLst>
+    <a:ext uri="http://schemas.microsoft.com/office/drawing/2008/diagram">
+      <dsp:dataModelExt xmlns:dsp="http://schemas.microsoft.com/office/drawing/2008/diagram" relId="rId6" minVer="http://schemas.openxmlformats.org/drawingml/2006/diagram"/>
+    </a:ext>
+  </dgm:extLst>
+</dgm:dataModel>
+</file>
+
+<file path=ppt/diagrams/data3.xml><?xml version="1.0" encoding="utf-8"?>
+<dgm:dataModel xmlns:dgm="http://schemas.openxmlformats.org/drawingml/2006/diagram" xmlns:a="http://schemas.openxmlformats.org/drawingml/2006/main">
+  <dgm:ptLst>
+    <dgm:pt modelId="{D9F78516-3499-4A72-83F8-36770CF4EB21}" type="doc">
+      <dgm:prSet loTypeId="urn:microsoft.com/office/officeart/2005/8/layout/vList2" loCatId="list" qsTypeId="urn:microsoft.com/office/officeart/2005/8/quickstyle/simple1" qsCatId="simple" csTypeId="urn:microsoft.com/office/officeart/2005/8/colors/accent1_2" csCatId="accent1"/>
+      <dgm:spPr/>
+      <dgm:t>
+        <a:bodyPr/>
+        <a:lstStyle/>
+        <a:p>
+          <a:endParaRPr lang="en-US"/>
+        </a:p>
+      </dgm:t>
+    </dgm:pt>
+    <dgm:pt modelId="{49E7B772-9ABA-46E1-A510-5F3CA8E30F82}">
+      <dgm:prSet/>
+      <dgm:spPr/>
+      <dgm:t>
+        <a:bodyPr/>
+        <a:lstStyle/>
+        <a:p>
+          <a:r>
+            <a:rPr lang="ru-RU"/>
+            <a:t>Бизнес ограничения за API:</a:t>
+          </a:r>
+          <a:br>
+            <a:rPr lang="ru-RU"/>
+          </a:br>
+          <a:r>
+            <a:rPr lang="ru-RU"/>
+            <a:t>- Клиентски ограничения;</a:t>
+          </a:r>
+          <a:br>
+            <a:rPr lang="ru-RU"/>
+          </a:br>
+          <a:r>
+            <a:rPr lang="ru-RU"/>
+            <a:t>- Изисквания към продукта;</a:t>
+          </a:r>
+          <a:br>
+            <a:rPr lang="ru-RU"/>
+          </a:br>
+          <a:r>
+            <a:rPr lang="ru-RU"/>
+            <a:t>- Ограничения за производителност; </a:t>
+          </a:r>
+          <a:endParaRPr lang="en-US"/>
+        </a:p>
+      </dgm:t>
+    </dgm:pt>
+    <dgm:pt modelId="{8C3FF3D7-2F9C-4A48-9198-FFA654EC2A4C}" type="parTrans" cxnId="{D2140204-689B-4063-93D5-104C7B25158E}">
+      <dgm:prSet/>
+      <dgm:spPr/>
+      <dgm:t>
+        <a:bodyPr/>
+        <a:lstStyle/>
+        <a:p>
+          <a:endParaRPr lang="en-US"/>
+        </a:p>
+      </dgm:t>
+    </dgm:pt>
+    <dgm:pt modelId="{B0A879B0-C2DE-4AE8-A2FC-98B909799D8C}" type="sibTrans" cxnId="{D2140204-689B-4063-93D5-104C7B25158E}">
+      <dgm:prSet/>
+      <dgm:spPr/>
+      <dgm:t>
+        <a:bodyPr/>
+        <a:lstStyle/>
+        <a:p>
+          <a:endParaRPr lang="en-US"/>
+        </a:p>
+      </dgm:t>
+    </dgm:pt>
+    <dgm:pt modelId="{A9C05165-1D19-4CEA-834A-A63C1C8CBE6F}">
+      <dgm:prSet/>
+      <dgm:spPr/>
+      <dgm:t>
+        <a:bodyPr/>
+        <a:lstStyle/>
+        <a:p>
+          <a:r>
+            <a:rPr lang="bg-BG"/>
+            <a:t>Технологични ограничения</a:t>
+          </a:r>
+          <a:r>
+            <a:rPr lang="en-US"/>
+            <a:t>:</a:t>
+          </a:r>
+          <a:br>
+            <a:rPr lang="en-US"/>
+          </a:br>
+          <a:r>
+            <a:rPr lang="en-US"/>
+            <a:t>- </a:t>
+          </a:r>
+          <a:r>
+            <a:rPr lang="bg-BG"/>
+            <a:t>Н</a:t>
+          </a:r>
+          <a:r>
+            <a:rPr lang="ru-RU"/>
+            <a:t>адеждна и защитена мрежова връзка;</a:t>
+          </a:r>
+          <a:br>
+            <a:rPr lang="ru-RU"/>
+          </a:br>
+          <a:r>
+            <a:rPr lang="ru-RU"/>
+            <a:t>- Сведена до нула латентност;</a:t>
+          </a:r>
+          <a:br>
+            <a:rPr lang="ru-RU"/>
+          </a:br>
+          <a:r>
+            <a:rPr lang="ru-RU"/>
+            <a:t>- Висока пропускателната способност;</a:t>
+          </a:r>
+          <a:br>
+            <a:rPr lang="ru-RU"/>
+          </a:br>
+          <a:r>
+            <a:rPr lang="ru-RU"/>
+            <a:t>- Администриране;</a:t>
+          </a:r>
+          <a:endParaRPr lang="en-US"/>
+        </a:p>
+      </dgm:t>
+    </dgm:pt>
+    <dgm:pt modelId="{852038BC-4D8D-4E44-B3EE-19FA9DBC2192}" type="parTrans" cxnId="{9D0173DB-3F0E-4A20-BDA0-EB4ADC966EF0}">
+      <dgm:prSet/>
+      <dgm:spPr/>
+      <dgm:t>
+        <a:bodyPr/>
+        <a:lstStyle/>
+        <a:p>
+          <a:endParaRPr lang="en-US"/>
+        </a:p>
+      </dgm:t>
+    </dgm:pt>
+    <dgm:pt modelId="{9F8C2BD1-26D9-4192-A73B-0C54D962352D}" type="sibTrans" cxnId="{9D0173DB-3F0E-4A20-BDA0-EB4ADC966EF0}">
+      <dgm:prSet/>
+      <dgm:spPr/>
+      <dgm:t>
+        <a:bodyPr/>
+        <a:lstStyle/>
+        <a:p>
+          <a:endParaRPr lang="en-US"/>
+        </a:p>
+      </dgm:t>
+    </dgm:pt>
+    <dgm:pt modelId="{808553A0-E979-45F0-A375-73CFBE4020BC}" type="pres">
+      <dgm:prSet presAssocID="{D9F78516-3499-4A72-83F8-36770CF4EB21}" presName="linear" presStyleCnt="0">
+        <dgm:presLayoutVars>
+          <dgm:animLvl val="lvl"/>
+          <dgm:resizeHandles val="exact"/>
+        </dgm:presLayoutVars>
+      </dgm:prSet>
+      <dgm:spPr/>
+    </dgm:pt>
+    <dgm:pt modelId="{8F3E8BB6-5AED-48D2-98C8-433C90E49763}" type="pres">
+      <dgm:prSet presAssocID="{49E7B772-9ABA-46E1-A510-5F3CA8E30F82}" presName="parentText" presStyleLbl="node1" presStyleIdx="0" presStyleCnt="2">
+        <dgm:presLayoutVars>
+          <dgm:chMax val="0"/>
+          <dgm:bulletEnabled val="1"/>
+        </dgm:presLayoutVars>
+      </dgm:prSet>
+      <dgm:spPr/>
+    </dgm:pt>
+    <dgm:pt modelId="{63F70260-869B-4787-A724-19FB0B91D8E1}" type="pres">
+      <dgm:prSet presAssocID="{B0A879B0-C2DE-4AE8-A2FC-98B909799D8C}" presName="spacer" presStyleCnt="0"/>
+      <dgm:spPr/>
+    </dgm:pt>
+    <dgm:pt modelId="{884ECA50-629C-4027-9DAE-D2EFF69E7820}" type="pres">
+      <dgm:prSet presAssocID="{A9C05165-1D19-4CEA-834A-A63C1C8CBE6F}" presName="parentText" presStyleLbl="node1" presStyleIdx="1" presStyleCnt="2">
+        <dgm:presLayoutVars>
+          <dgm:chMax val="0"/>
+          <dgm:bulletEnabled val="1"/>
+        </dgm:presLayoutVars>
+      </dgm:prSet>
+      <dgm:spPr/>
+    </dgm:pt>
+  </dgm:ptLst>
+  <dgm:cxnLst>
+    <dgm:cxn modelId="{D2140204-689B-4063-93D5-104C7B25158E}" srcId="{D9F78516-3499-4A72-83F8-36770CF4EB21}" destId="{49E7B772-9ABA-46E1-A510-5F3CA8E30F82}" srcOrd="0" destOrd="0" parTransId="{8C3FF3D7-2F9C-4A48-9198-FFA654EC2A4C}" sibTransId="{B0A879B0-C2DE-4AE8-A2FC-98B909799D8C}"/>
+    <dgm:cxn modelId="{F3CCE90F-9A03-4C33-B026-5791310B520D}" type="presOf" srcId="{49E7B772-9ABA-46E1-A510-5F3CA8E30F82}" destId="{8F3E8BB6-5AED-48D2-98C8-433C90E49763}" srcOrd="0" destOrd="0" presId="urn:microsoft.com/office/officeart/2005/8/layout/vList2"/>
+    <dgm:cxn modelId="{8D1A82A3-1325-4EEA-88B5-391396117A3B}" type="presOf" srcId="{D9F78516-3499-4A72-83F8-36770CF4EB21}" destId="{808553A0-E979-45F0-A375-73CFBE4020BC}" srcOrd="0" destOrd="0" presId="urn:microsoft.com/office/officeart/2005/8/layout/vList2"/>
+    <dgm:cxn modelId="{A2A09FC8-15A8-4D4D-A67B-25ACD763FA8B}" type="presOf" srcId="{A9C05165-1D19-4CEA-834A-A63C1C8CBE6F}" destId="{884ECA50-629C-4027-9DAE-D2EFF69E7820}" srcOrd="0" destOrd="0" presId="urn:microsoft.com/office/officeart/2005/8/layout/vList2"/>
+    <dgm:cxn modelId="{9D0173DB-3F0E-4A20-BDA0-EB4ADC966EF0}" srcId="{D9F78516-3499-4A72-83F8-36770CF4EB21}" destId="{A9C05165-1D19-4CEA-834A-A63C1C8CBE6F}" srcOrd="1" destOrd="0" parTransId="{852038BC-4D8D-4E44-B3EE-19FA9DBC2192}" sibTransId="{9F8C2BD1-26D9-4192-A73B-0C54D962352D}"/>
+    <dgm:cxn modelId="{E819D579-6A91-43B2-A80B-048D62735F68}" type="presParOf" srcId="{808553A0-E979-45F0-A375-73CFBE4020BC}" destId="{8F3E8BB6-5AED-48D2-98C8-433C90E49763}" srcOrd="0" destOrd="0" presId="urn:microsoft.com/office/officeart/2005/8/layout/vList2"/>
+    <dgm:cxn modelId="{4A07E227-823F-430C-BB14-6F2A89677AA4}" type="presParOf" srcId="{808553A0-E979-45F0-A375-73CFBE4020BC}" destId="{63F70260-869B-4787-A724-19FB0B91D8E1}" srcOrd="1" destOrd="0" presId="urn:microsoft.com/office/officeart/2005/8/layout/vList2"/>
+    <dgm:cxn modelId="{120F502F-D0A4-4A4A-B639-9D992EBC82EA}" type="presParOf" srcId="{808553A0-E979-45F0-A375-73CFBE4020BC}" destId="{884ECA50-629C-4027-9DAE-D2EFF69E7820}" srcOrd="2" destOrd="0" presId="urn:microsoft.com/office/officeart/2005/8/layout/vList2"/>
   </dgm:cxnLst>
   <dgm:bg/>
   <dgm:whole/>
@@ -4077,6 +5021,235 @@
 </dsp:drawing>
 </file>
 
+<file path=ppt/diagrams/drawing3.xml><?xml version="1.0" encoding="utf-8"?>
+<dsp:drawing xmlns:dgm="http://schemas.openxmlformats.org/drawingml/2006/diagram" xmlns:dsp="http://schemas.microsoft.com/office/drawing/2008/diagram" xmlns:a="http://schemas.openxmlformats.org/drawingml/2006/main">
+  <dsp:spTree>
+    <dsp:nvGrpSpPr>
+      <dsp:cNvPr id="0" name=""/>
+      <dsp:cNvGrpSpPr/>
+    </dsp:nvGrpSpPr>
+    <dsp:grpSpPr/>
+    <dsp:sp modelId="{8F3E8BB6-5AED-48D2-98C8-433C90E49763}">
+      <dsp:nvSpPr>
+        <dsp:cNvPr id="0" name=""/>
+        <dsp:cNvSpPr/>
+      </dsp:nvSpPr>
+      <dsp:spPr>
+        <a:xfrm>
+          <a:off x="0" y="3402"/>
+          <a:ext cx="8154987" cy="2174554"/>
+        </a:xfrm>
+        <a:prstGeom prst="roundRect">
+          <a:avLst/>
+        </a:prstGeom>
+        <a:solidFill>
+          <a:schemeClr val="accent1">
+            <a:hueOff val="0"/>
+            <a:satOff val="0"/>
+            <a:lumOff val="0"/>
+            <a:alphaOff val="0"/>
+          </a:schemeClr>
+        </a:solidFill>
+        <a:ln w="15875" cap="flat" cmpd="sng" algn="ctr">
+          <a:solidFill>
+            <a:schemeClr val="lt1">
+              <a:hueOff val="0"/>
+              <a:satOff val="0"/>
+              <a:lumOff val="0"/>
+              <a:alphaOff val="0"/>
+            </a:schemeClr>
+          </a:solidFill>
+          <a:prstDash val="solid"/>
+        </a:ln>
+        <a:effectLst/>
+      </dsp:spPr>
+      <dsp:style>
+        <a:lnRef idx="2">
+          <a:scrgbClr r="0" g="0" b="0"/>
+        </a:lnRef>
+        <a:fillRef idx="1">
+          <a:scrgbClr r="0" g="0" b="0"/>
+        </a:fillRef>
+        <a:effectRef idx="0">
+          <a:scrgbClr r="0" g="0" b="0"/>
+        </a:effectRef>
+        <a:fontRef idx="minor">
+          <a:schemeClr val="lt1"/>
+        </a:fontRef>
+      </dsp:style>
+      <dsp:txBody>
+        <a:bodyPr spcFirstLastPara="0" vert="horz" wrap="square" lIns="95250" tIns="95250" rIns="95250" bIns="95250" numCol="1" spcCol="1270" anchor="ctr" anchorCtr="0">
+          <a:noAutofit/>
+        </a:bodyPr>
+        <a:lstStyle/>
+        <a:p>
+          <a:pPr marL="0" lvl="0" indent="0" algn="l" defTabSz="1111250">
+            <a:lnSpc>
+              <a:spcPct val="90000"/>
+            </a:lnSpc>
+            <a:spcBef>
+              <a:spcPct val="0"/>
+            </a:spcBef>
+            <a:spcAft>
+              <a:spcPct val="35000"/>
+            </a:spcAft>
+            <a:buNone/>
+          </a:pPr>
+          <a:r>
+            <a:rPr lang="ru-RU" sz="2500" kern="1200"/>
+            <a:t>Бизнес ограничения за API:</a:t>
+          </a:r>
+          <a:br>
+            <a:rPr lang="ru-RU" sz="2500" kern="1200"/>
+          </a:br>
+          <a:r>
+            <a:rPr lang="ru-RU" sz="2500" kern="1200"/>
+            <a:t>- Клиентски ограничения;</a:t>
+          </a:r>
+          <a:br>
+            <a:rPr lang="ru-RU" sz="2500" kern="1200"/>
+          </a:br>
+          <a:r>
+            <a:rPr lang="ru-RU" sz="2500" kern="1200"/>
+            <a:t>- Изисквания към продукта;</a:t>
+          </a:r>
+          <a:br>
+            <a:rPr lang="ru-RU" sz="2500" kern="1200"/>
+          </a:br>
+          <a:r>
+            <a:rPr lang="ru-RU" sz="2500" kern="1200"/>
+            <a:t>- Ограничения за производителност; </a:t>
+          </a:r>
+          <a:endParaRPr lang="en-US" sz="2500" kern="1200"/>
+        </a:p>
+      </dsp:txBody>
+      <dsp:txXfrm>
+        <a:off x="106153" y="109555"/>
+        <a:ext cx="7942681" cy="1962248"/>
+      </dsp:txXfrm>
+    </dsp:sp>
+    <dsp:sp modelId="{884ECA50-629C-4027-9DAE-D2EFF69E7820}">
+      <dsp:nvSpPr>
+        <dsp:cNvPr id="0" name=""/>
+        <dsp:cNvSpPr/>
+      </dsp:nvSpPr>
+      <dsp:spPr>
+        <a:xfrm>
+          <a:off x="0" y="2249957"/>
+          <a:ext cx="8154987" cy="2174554"/>
+        </a:xfrm>
+        <a:prstGeom prst="roundRect">
+          <a:avLst/>
+        </a:prstGeom>
+        <a:solidFill>
+          <a:schemeClr val="accent1">
+            <a:hueOff val="0"/>
+            <a:satOff val="0"/>
+            <a:lumOff val="0"/>
+            <a:alphaOff val="0"/>
+          </a:schemeClr>
+        </a:solidFill>
+        <a:ln w="15875" cap="flat" cmpd="sng" algn="ctr">
+          <a:solidFill>
+            <a:schemeClr val="lt1">
+              <a:hueOff val="0"/>
+              <a:satOff val="0"/>
+              <a:lumOff val="0"/>
+              <a:alphaOff val="0"/>
+            </a:schemeClr>
+          </a:solidFill>
+          <a:prstDash val="solid"/>
+        </a:ln>
+        <a:effectLst/>
+      </dsp:spPr>
+      <dsp:style>
+        <a:lnRef idx="2">
+          <a:scrgbClr r="0" g="0" b="0"/>
+        </a:lnRef>
+        <a:fillRef idx="1">
+          <a:scrgbClr r="0" g="0" b="0"/>
+        </a:fillRef>
+        <a:effectRef idx="0">
+          <a:scrgbClr r="0" g="0" b="0"/>
+        </a:effectRef>
+        <a:fontRef idx="minor">
+          <a:schemeClr val="lt1"/>
+        </a:fontRef>
+      </dsp:style>
+      <dsp:txBody>
+        <a:bodyPr spcFirstLastPara="0" vert="horz" wrap="square" lIns="95250" tIns="95250" rIns="95250" bIns="95250" numCol="1" spcCol="1270" anchor="ctr" anchorCtr="0">
+          <a:noAutofit/>
+        </a:bodyPr>
+        <a:lstStyle/>
+        <a:p>
+          <a:pPr marL="0" lvl="0" indent="0" algn="l" defTabSz="1111250">
+            <a:lnSpc>
+              <a:spcPct val="90000"/>
+            </a:lnSpc>
+            <a:spcBef>
+              <a:spcPct val="0"/>
+            </a:spcBef>
+            <a:spcAft>
+              <a:spcPct val="35000"/>
+            </a:spcAft>
+            <a:buNone/>
+          </a:pPr>
+          <a:r>
+            <a:rPr lang="bg-BG" sz="2500" kern="1200"/>
+            <a:t>Технологични ограничения</a:t>
+          </a:r>
+          <a:r>
+            <a:rPr lang="en-US" sz="2500" kern="1200"/>
+            <a:t>:</a:t>
+          </a:r>
+          <a:br>
+            <a:rPr lang="en-US" sz="2500" kern="1200"/>
+          </a:br>
+          <a:r>
+            <a:rPr lang="en-US" sz="2500" kern="1200"/>
+            <a:t>- </a:t>
+          </a:r>
+          <a:r>
+            <a:rPr lang="bg-BG" sz="2500" kern="1200"/>
+            <a:t>Н</a:t>
+          </a:r>
+          <a:r>
+            <a:rPr lang="ru-RU" sz="2500" kern="1200"/>
+            <a:t>адеждна и защитена мрежова връзка;</a:t>
+          </a:r>
+          <a:br>
+            <a:rPr lang="ru-RU" sz="2500" kern="1200"/>
+          </a:br>
+          <a:r>
+            <a:rPr lang="ru-RU" sz="2500" kern="1200"/>
+            <a:t>- Сведена до нула латентност;</a:t>
+          </a:r>
+          <a:br>
+            <a:rPr lang="ru-RU" sz="2500" kern="1200"/>
+          </a:br>
+          <a:r>
+            <a:rPr lang="ru-RU" sz="2500" kern="1200"/>
+            <a:t>- Висока пропускателната способност;</a:t>
+          </a:r>
+          <a:br>
+            <a:rPr lang="ru-RU" sz="2500" kern="1200"/>
+          </a:br>
+          <a:r>
+            <a:rPr lang="ru-RU" sz="2500" kern="1200"/>
+            <a:t>- Администриране;</a:t>
+          </a:r>
+          <a:endParaRPr lang="en-US" sz="2500" kern="1200"/>
+        </a:p>
+      </dsp:txBody>
+      <dsp:txXfrm>
+        <a:off x="106153" y="2356110"/>
+        <a:ext cx="7942681" cy="1962248"/>
+      </dsp:txXfrm>
+    </dsp:sp>
+  </dsp:spTree>
+</dsp:drawing>
+</file>
+
 <file path=ppt/diagrams/layout1.xml><?xml version="1.0" encoding="utf-8"?>
 <dgm:layoutDef xmlns:dgm="http://schemas.openxmlformats.org/drawingml/2006/diagram" xmlns:a="http://schemas.openxmlformats.org/drawingml/2006/main" uniqueId="urn:microsoft.com/office/officeart/2005/8/layout/vProcess5">
   <dgm:title val=""/>
@@ -5450,6 +6623,173 @@
 </dgm:layoutDef>
 </file>
 
+<file path=ppt/diagrams/layout3.xml><?xml version="1.0" encoding="utf-8"?>
+<dgm:layoutDef xmlns:dgm="http://schemas.openxmlformats.org/drawingml/2006/diagram" xmlns:a="http://schemas.openxmlformats.org/drawingml/2006/main" uniqueId="urn:microsoft.com/office/officeart/2005/8/layout/vList2">
+  <dgm:title val=""/>
+  <dgm:desc val=""/>
+  <dgm:catLst>
+    <dgm:cat type="list" pri="3000"/>
+    <dgm:cat type="convert" pri="1000"/>
+  </dgm:catLst>
+  <dgm:sampData>
+    <dgm:dataModel>
+      <dgm:ptLst>
+        <dgm:pt modelId="0" type="doc"/>
+        <dgm:pt modelId="1">
+          <dgm:prSet phldr="1"/>
+        </dgm:pt>
+        <dgm:pt modelId="11">
+          <dgm:prSet phldr="1"/>
+        </dgm:pt>
+        <dgm:pt modelId="2">
+          <dgm:prSet phldr="1"/>
+        </dgm:pt>
+        <dgm:pt modelId="21">
+          <dgm:prSet phldr="1"/>
+        </dgm:pt>
+      </dgm:ptLst>
+      <dgm:cxnLst>
+        <dgm:cxn modelId="4" srcId="0" destId="1" srcOrd="0" destOrd="0"/>
+        <dgm:cxn modelId="5" srcId="0" destId="2" srcOrd="1" destOrd="0"/>
+        <dgm:cxn modelId="12" srcId="1" destId="11" srcOrd="0" destOrd="0"/>
+        <dgm:cxn modelId="23" srcId="2" destId="21" srcOrd="0" destOrd="0"/>
+      </dgm:cxnLst>
+      <dgm:bg/>
+      <dgm:whole/>
+    </dgm:dataModel>
+  </dgm:sampData>
+  <dgm:styleData>
+    <dgm:dataModel>
+      <dgm:ptLst>
+        <dgm:pt modelId="0" type="doc"/>
+        <dgm:pt modelId="1"/>
+        <dgm:pt modelId="2"/>
+      </dgm:ptLst>
+      <dgm:cxnLst>
+        <dgm:cxn modelId="3" srcId="0" destId="1" srcOrd="0" destOrd="0"/>
+        <dgm:cxn modelId="4" srcId="0" destId="2" srcOrd="1" destOrd="0"/>
+      </dgm:cxnLst>
+      <dgm:bg/>
+      <dgm:whole/>
+    </dgm:dataModel>
+  </dgm:styleData>
+  <dgm:clrData>
+    <dgm:dataModel>
+      <dgm:ptLst>
+        <dgm:pt modelId="0" type="doc"/>
+        <dgm:pt modelId="1"/>
+        <dgm:pt modelId="2"/>
+        <dgm:pt modelId="3"/>
+        <dgm:pt modelId="4"/>
+      </dgm:ptLst>
+      <dgm:cxnLst>
+        <dgm:cxn modelId="5" srcId="0" destId="1" srcOrd="0" destOrd="0"/>
+        <dgm:cxn modelId="6" srcId="0" destId="2" srcOrd="1" destOrd="0"/>
+        <dgm:cxn modelId="7" srcId="0" destId="3" srcOrd="2" destOrd="0"/>
+        <dgm:cxn modelId="8" srcId="0" destId="4" srcOrd="3" destOrd="0"/>
+      </dgm:cxnLst>
+      <dgm:bg/>
+      <dgm:whole/>
+    </dgm:dataModel>
+  </dgm:clrData>
+  <dgm:layoutNode name="linear">
+    <dgm:varLst>
+      <dgm:animLvl val="lvl"/>
+      <dgm:resizeHandles val="exact"/>
+    </dgm:varLst>
+    <dgm:alg type="lin">
+      <dgm:param type="linDir" val="fromT"/>
+      <dgm:param type="vertAlign" val="mid"/>
+    </dgm:alg>
+    <dgm:shape xmlns:r="http://schemas.openxmlformats.org/officeDocument/2006/relationships" r:blip="">
+      <dgm:adjLst/>
+    </dgm:shape>
+    <dgm:presOf/>
+    <dgm:constrLst>
+      <dgm:constr type="w" for="ch" forName="parentText" refType="w"/>
+      <dgm:constr type="h" for="ch" forName="parentText" refType="primFontSz" refFor="ch" refForName="parentText" fact="0.52"/>
+      <dgm:constr type="w" for="ch" forName="childText" refType="w"/>
+      <dgm:constr type="h" for="ch" forName="childText" refType="primFontSz" refFor="ch" refForName="parentText" fact="0.46"/>
+      <dgm:constr type="h" for="ch" forName="parentText" op="equ"/>
+      <dgm:constr type="primFontSz" for="ch" forName="parentText" op="equ" val="65"/>
+      <dgm:constr type="primFontSz" for="ch" forName="childText" refType="primFontSz" refFor="ch" refForName="parentText" op="equ"/>
+      <dgm:constr type="h" for="ch" forName="spacer" refType="primFontSz" refFor="ch" refForName="parentText" fact="0.08"/>
+    </dgm:constrLst>
+    <dgm:ruleLst>
+      <dgm:rule type="primFontSz" for="ch" forName="parentText" val="5" fact="NaN" max="NaN"/>
+    </dgm:ruleLst>
+    <dgm:forEach name="Name0" axis="ch" ptType="node">
+      <dgm:layoutNode name="parentText" styleLbl="node1">
+        <dgm:varLst>
+          <dgm:chMax val="0"/>
+          <dgm:bulletEnabled val="1"/>
+        </dgm:varLst>
+        <dgm:alg type="tx">
+          <dgm:param type="parTxLTRAlign" val="l"/>
+          <dgm:param type="parTxRTLAlign" val="r"/>
+        </dgm:alg>
+        <dgm:shape xmlns:r="http://schemas.openxmlformats.org/officeDocument/2006/relationships" type="roundRect" r:blip="">
+          <dgm:adjLst/>
+        </dgm:shape>
+        <dgm:presOf axis="self"/>
+        <dgm:constrLst>
+          <dgm:constr type="tMarg" refType="primFontSz" fact="0.3"/>
+          <dgm:constr type="bMarg" refType="primFontSz" fact="0.3"/>
+          <dgm:constr type="lMarg" refType="primFontSz" fact="0.3"/>
+          <dgm:constr type="rMarg" refType="primFontSz" fact="0.3"/>
+        </dgm:constrLst>
+        <dgm:ruleLst>
+          <dgm:rule type="h" val="INF" fact="NaN" max="NaN"/>
+        </dgm:ruleLst>
+      </dgm:layoutNode>
+      <dgm:choose name="Name1">
+        <dgm:if name="Name2" axis="ch" ptType="node" func="cnt" op="gte" val="1">
+          <dgm:layoutNode name="childText" styleLbl="revTx">
+            <dgm:varLst>
+              <dgm:bulletEnabled val="1"/>
+            </dgm:varLst>
+            <dgm:alg type="tx">
+              <dgm:param type="stBulletLvl" val="1"/>
+              <dgm:param type="lnSpAfChP" val="20"/>
+            </dgm:alg>
+            <dgm:shape xmlns:r="http://schemas.openxmlformats.org/officeDocument/2006/relationships" type="rect" r:blip="">
+              <dgm:adjLst/>
+            </dgm:shape>
+            <dgm:presOf axis="des" ptType="node"/>
+            <dgm:constrLst>
+              <dgm:constr type="tMarg" refType="primFontSz" fact="0.1"/>
+              <dgm:constr type="bMarg" refType="primFontSz" fact="0.1"/>
+              <dgm:constr type="lMarg" refType="w" fact="0.09"/>
+            </dgm:constrLst>
+            <dgm:ruleLst>
+              <dgm:rule type="h" val="INF" fact="NaN" max="NaN"/>
+            </dgm:ruleLst>
+          </dgm:layoutNode>
+        </dgm:if>
+        <dgm:else name="Name3">
+          <dgm:choose name="Name4">
+            <dgm:if name="Name5" axis="par ch" ptType="doc node" func="cnt" op="gte" val="2">
+              <dgm:forEach name="Name6" axis="followSib" ptType="sibTrans" cnt="1">
+                <dgm:layoutNode name="spacer">
+                  <dgm:alg type="sp"/>
+                  <dgm:shape xmlns:r="http://schemas.openxmlformats.org/officeDocument/2006/relationships" r:blip="">
+                    <dgm:adjLst/>
+                  </dgm:shape>
+                  <dgm:presOf/>
+                  <dgm:constrLst/>
+                  <dgm:ruleLst/>
+                </dgm:layoutNode>
+              </dgm:forEach>
+            </dgm:if>
+            <dgm:else name="Name7"/>
+          </dgm:choose>
+        </dgm:else>
+      </dgm:choose>
+    </dgm:forEach>
+  </dgm:layoutNode>
+</dgm:layoutDef>
+</file>
+
 <file path=ppt/diagrams/quickStyle1.xml><?xml version="1.0" encoding="utf-8"?>
 <dgm:styleDef xmlns:dgm="http://schemas.openxmlformats.org/drawingml/2006/diagram" xmlns:a="http://schemas.openxmlformats.org/drawingml/2006/main" uniqueId="urn:microsoft.com/office/officeart/2005/8/quickstyle/simple1">
   <dgm:title val=""/>
@@ -7490,6 +8830,1040 @@
         <a:scrgbClr r="0" g="0" b="0"/>
       </a:fillRef>
       <a:effectRef idx="2">
+        <a:scrgbClr r="0" g="0" b="0"/>
+      </a:effectRef>
+      <a:fontRef idx="minor"/>
+    </dgm:style>
+  </dgm:styleLbl>
+  <dgm:styleLbl name="revTx">
+    <dgm:scene3d>
+      <a:camera prst="orthographicFront"/>
+      <a:lightRig rig="threePt" dir="t"/>
+    </dgm:scene3d>
+    <dgm:sp3d/>
+    <dgm:txPr/>
+    <dgm:style>
+      <a:lnRef idx="0">
+        <a:scrgbClr r="0" g="0" b="0"/>
+      </a:lnRef>
+      <a:fillRef idx="0">
+        <a:scrgbClr r="0" g="0" b="0"/>
+      </a:fillRef>
+      <a:effectRef idx="0">
+        <a:scrgbClr r="0" g="0" b="0"/>
+      </a:effectRef>
+      <a:fontRef idx="minor"/>
+    </dgm:style>
+  </dgm:styleLbl>
+</dgm:styleDef>
+</file>
+
+<file path=ppt/diagrams/quickStyle3.xml><?xml version="1.0" encoding="utf-8"?>
+<dgm:styleDef xmlns:dgm="http://schemas.openxmlformats.org/drawingml/2006/diagram" xmlns:a="http://schemas.openxmlformats.org/drawingml/2006/main" uniqueId="urn:microsoft.com/office/officeart/2005/8/quickstyle/simple1">
+  <dgm:title val=""/>
+  <dgm:desc val=""/>
+  <dgm:catLst>
+    <dgm:cat type="simple" pri="10100"/>
+  </dgm:catLst>
+  <dgm:scene3d>
+    <a:camera prst="orthographicFront"/>
+    <a:lightRig rig="threePt" dir="t"/>
+  </dgm:scene3d>
+  <dgm:styleLbl name="node0">
+    <dgm:scene3d>
+      <a:camera prst="orthographicFront"/>
+      <a:lightRig rig="threePt" dir="t"/>
+    </dgm:scene3d>
+    <dgm:sp3d/>
+    <dgm:txPr/>
+    <dgm:style>
+      <a:lnRef idx="2">
+        <a:scrgbClr r="0" g="0" b="0"/>
+      </a:lnRef>
+      <a:fillRef idx="1">
+        <a:scrgbClr r="0" g="0" b="0"/>
+      </a:fillRef>
+      <a:effectRef idx="0">
+        <a:scrgbClr r="0" g="0" b="0"/>
+      </a:effectRef>
+      <a:fontRef idx="minor">
+        <a:schemeClr val="lt1"/>
+      </a:fontRef>
+    </dgm:style>
+  </dgm:styleLbl>
+  <dgm:styleLbl name="lnNode1">
+    <dgm:scene3d>
+      <a:camera prst="orthographicFront"/>
+      <a:lightRig rig="threePt" dir="t"/>
+    </dgm:scene3d>
+    <dgm:sp3d/>
+    <dgm:txPr/>
+    <dgm:style>
+      <a:lnRef idx="2">
+        <a:scrgbClr r="0" g="0" b="0"/>
+      </a:lnRef>
+      <a:fillRef idx="1">
+        <a:scrgbClr r="0" g="0" b="0"/>
+      </a:fillRef>
+      <a:effectRef idx="0">
+        <a:scrgbClr r="0" g="0" b="0"/>
+      </a:effectRef>
+      <a:fontRef idx="minor">
+        <a:schemeClr val="lt1"/>
+      </a:fontRef>
+    </dgm:style>
+  </dgm:styleLbl>
+  <dgm:styleLbl name="vennNode1">
+    <dgm:scene3d>
+      <a:camera prst="orthographicFront"/>
+      <a:lightRig rig="threePt" dir="t"/>
+    </dgm:scene3d>
+    <dgm:sp3d/>
+    <dgm:txPr/>
+    <dgm:style>
+      <a:lnRef idx="2">
+        <a:scrgbClr r="0" g="0" b="0"/>
+      </a:lnRef>
+      <a:fillRef idx="1">
+        <a:scrgbClr r="0" g="0" b="0"/>
+      </a:fillRef>
+      <a:effectRef idx="0">
+        <a:scrgbClr r="0" g="0" b="0"/>
+      </a:effectRef>
+      <a:fontRef idx="minor">
+        <a:schemeClr val="tx1"/>
+      </a:fontRef>
+    </dgm:style>
+  </dgm:styleLbl>
+  <dgm:styleLbl name="alignNode1">
+    <dgm:scene3d>
+      <a:camera prst="orthographicFront"/>
+      <a:lightRig rig="threePt" dir="t"/>
+    </dgm:scene3d>
+    <dgm:sp3d/>
+    <dgm:txPr/>
+    <dgm:style>
+      <a:lnRef idx="2">
+        <a:scrgbClr r="0" g="0" b="0"/>
+      </a:lnRef>
+      <a:fillRef idx="1">
+        <a:scrgbClr r="0" g="0" b="0"/>
+      </a:fillRef>
+      <a:effectRef idx="0">
+        <a:scrgbClr r="0" g="0" b="0"/>
+      </a:effectRef>
+      <a:fontRef idx="minor">
+        <a:schemeClr val="lt1"/>
+      </a:fontRef>
+    </dgm:style>
+  </dgm:styleLbl>
+  <dgm:styleLbl name="node1">
+    <dgm:scene3d>
+      <a:camera prst="orthographicFront"/>
+      <a:lightRig rig="threePt" dir="t"/>
+    </dgm:scene3d>
+    <dgm:sp3d/>
+    <dgm:txPr/>
+    <dgm:style>
+      <a:lnRef idx="2">
+        <a:scrgbClr r="0" g="0" b="0"/>
+      </a:lnRef>
+      <a:fillRef idx="1">
+        <a:scrgbClr r="0" g="0" b="0"/>
+      </a:fillRef>
+      <a:effectRef idx="0">
+        <a:scrgbClr r="0" g="0" b="0"/>
+      </a:effectRef>
+      <a:fontRef idx="minor">
+        <a:schemeClr val="lt1"/>
+      </a:fontRef>
+    </dgm:style>
+  </dgm:styleLbl>
+  <dgm:styleLbl name="node2">
+    <dgm:scene3d>
+      <a:camera prst="orthographicFront"/>
+      <a:lightRig rig="threePt" dir="t"/>
+    </dgm:scene3d>
+    <dgm:sp3d/>
+    <dgm:txPr/>
+    <dgm:style>
+      <a:lnRef idx="2">
+        <a:scrgbClr r="0" g="0" b="0"/>
+      </a:lnRef>
+      <a:fillRef idx="1">
+        <a:scrgbClr r="0" g="0" b="0"/>
+      </a:fillRef>
+      <a:effectRef idx="0">
+        <a:scrgbClr r="0" g="0" b="0"/>
+      </a:effectRef>
+      <a:fontRef idx="minor">
+        <a:schemeClr val="lt1"/>
+      </a:fontRef>
+    </dgm:style>
+  </dgm:styleLbl>
+  <dgm:styleLbl name="node3">
+    <dgm:scene3d>
+      <a:camera prst="orthographicFront"/>
+      <a:lightRig rig="threePt" dir="t"/>
+    </dgm:scene3d>
+    <dgm:sp3d/>
+    <dgm:txPr/>
+    <dgm:style>
+      <a:lnRef idx="2">
+        <a:scrgbClr r="0" g="0" b="0"/>
+      </a:lnRef>
+      <a:fillRef idx="1">
+        <a:scrgbClr r="0" g="0" b="0"/>
+      </a:fillRef>
+      <a:effectRef idx="0">
+        <a:scrgbClr r="0" g="0" b="0"/>
+      </a:effectRef>
+      <a:fontRef idx="minor">
+        <a:schemeClr val="lt1"/>
+      </a:fontRef>
+    </dgm:style>
+  </dgm:styleLbl>
+  <dgm:styleLbl name="node4">
+    <dgm:scene3d>
+      <a:camera prst="orthographicFront"/>
+      <a:lightRig rig="threePt" dir="t"/>
+    </dgm:scene3d>
+    <dgm:sp3d/>
+    <dgm:txPr/>
+    <dgm:style>
+      <a:lnRef idx="2">
+        <a:scrgbClr r="0" g="0" b="0"/>
+      </a:lnRef>
+      <a:fillRef idx="1">
+        <a:scrgbClr r="0" g="0" b="0"/>
+      </a:fillRef>
+      <a:effectRef idx="0">
+        <a:scrgbClr r="0" g="0" b="0"/>
+      </a:effectRef>
+      <a:fontRef idx="minor">
+        <a:schemeClr val="lt1"/>
+      </a:fontRef>
+    </dgm:style>
+  </dgm:styleLbl>
+  <dgm:styleLbl name="fgImgPlace1">
+    <dgm:scene3d>
+      <a:camera prst="orthographicFront"/>
+      <a:lightRig rig="threePt" dir="t"/>
+    </dgm:scene3d>
+    <dgm:sp3d/>
+    <dgm:txPr/>
+    <dgm:style>
+      <a:lnRef idx="2">
+        <a:scrgbClr r="0" g="0" b="0"/>
+      </a:lnRef>
+      <a:fillRef idx="1">
+        <a:scrgbClr r="0" g="0" b="0"/>
+      </a:fillRef>
+      <a:effectRef idx="0">
+        <a:scrgbClr r="0" g="0" b="0"/>
+      </a:effectRef>
+      <a:fontRef idx="minor"/>
+    </dgm:style>
+  </dgm:styleLbl>
+  <dgm:styleLbl name="alignImgPlace1">
+    <dgm:scene3d>
+      <a:camera prst="orthographicFront"/>
+      <a:lightRig rig="threePt" dir="t"/>
+    </dgm:scene3d>
+    <dgm:sp3d/>
+    <dgm:txPr/>
+    <dgm:style>
+      <a:lnRef idx="2">
+        <a:scrgbClr r="0" g="0" b="0"/>
+      </a:lnRef>
+      <a:fillRef idx="1">
+        <a:scrgbClr r="0" g="0" b="0"/>
+      </a:fillRef>
+      <a:effectRef idx="0">
+        <a:scrgbClr r="0" g="0" b="0"/>
+      </a:effectRef>
+      <a:fontRef idx="minor"/>
+    </dgm:style>
+  </dgm:styleLbl>
+  <dgm:styleLbl name="bgImgPlace1">
+    <dgm:scene3d>
+      <a:camera prst="orthographicFront"/>
+      <a:lightRig rig="threePt" dir="t"/>
+    </dgm:scene3d>
+    <dgm:sp3d/>
+    <dgm:txPr/>
+    <dgm:style>
+      <a:lnRef idx="2">
+        <a:scrgbClr r="0" g="0" b="0"/>
+      </a:lnRef>
+      <a:fillRef idx="1">
+        <a:scrgbClr r="0" g="0" b="0"/>
+      </a:fillRef>
+      <a:effectRef idx="0">
+        <a:scrgbClr r="0" g="0" b="0"/>
+      </a:effectRef>
+      <a:fontRef idx="minor"/>
+    </dgm:style>
+  </dgm:styleLbl>
+  <dgm:styleLbl name="sibTrans2D1">
+    <dgm:scene3d>
+      <a:camera prst="orthographicFront"/>
+      <a:lightRig rig="threePt" dir="t"/>
+    </dgm:scene3d>
+    <dgm:sp3d/>
+    <dgm:txPr/>
+    <dgm:style>
+      <a:lnRef idx="0">
+        <a:scrgbClr r="0" g="0" b="0"/>
+      </a:lnRef>
+      <a:fillRef idx="1">
+        <a:scrgbClr r="0" g="0" b="0"/>
+      </a:fillRef>
+      <a:effectRef idx="0">
+        <a:scrgbClr r="0" g="0" b="0"/>
+      </a:effectRef>
+      <a:fontRef idx="minor">
+        <a:schemeClr val="lt1"/>
+      </a:fontRef>
+    </dgm:style>
+  </dgm:styleLbl>
+  <dgm:styleLbl name="fgSibTrans2D1">
+    <dgm:scene3d>
+      <a:camera prst="orthographicFront"/>
+      <a:lightRig rig="threePt" dir="t"/>
+    </dgm:scene3d>
+    <dgm:sp3d/>
+    <dgm:txPr/>
+    <dgm:style>
+      <a:lnRef idx="0">
+        <a:scrgbClr r="0" g="0" b="0"/>
+      </a:lnRef>
+      <a:fillRef idx="1">
+        <a:scrgbClr r="0" g="0" b="0"/>
+      </a:fillRef>
+      <a:effectRef idx="0">
+        <a:scrgbClr r="0" g="0" b="0"/>
+      </a:effectRef>
+      <a:fontRef idx="minor">
+        <a:schemeClr val="lt1"/>
+      </a:fontRef>
+    </dgm:style>
+  </dgm:styleLbl>
+  <dgm:styleLbl name="bgSibTrans2D1">
+    <dgm:scene3d>
+      <a:camera prst="orthographicFront"/>
+      <a:lightRig rig="threePt" dir="t"/>
+    </dgm:scene3d>
+    <dgm:sp3d/>
+    <dgm:txPr/>
+    <dgm:style>
+      <a:lnRef idx="0">
+        <a:scrgbClr r="0" g="0" b="0"/>
+      </a:lnRef>
+      <a:fillRef idx="1">
+        <a:scrgbClr r="0" g="0" b="0"/>
+      </a:fillRef>
+      <a:effectRef idx="0">
+        <a:scrgbClr r="0" g="0" b="0"/>
+      </a:effectRef>
+      <a:fontRef idx="minor">
+        <a:schemeClr val="lt1"/>
+      </a:fontRef>
+    </dgm:style>
+  </dgm:styleLbl>
+  <dgm:styleLbl name="sibTrans1D1">
+    <dgm:scene3d>
+      <a:camera prst="orthographicFront"/>
+      <a:lightRig rig="threePt" dir="t"/>
+    </dgm:scene3d>
+    <dgm:sp3d/>
+    <dgm:txPr/>
+    <dgm:style>
+      <a:lnRef idx="1">
+        <a:scrgbClr r="0" g="0" b="0"/>
+      </a:lnRef>
+      <a:fillRef idx="0">
+        <a:scrgbClr r="0" g="0" b="0"/>
+      </a:fillRef>
+      <a:effectRef idx="0">
+        <a:scrgbClr r="0" g="0" b="0"/>
+      </a:effectRef>
+      <a:fontRef idx="minor"/>
+    </dgm:style>
+  </dgm:styleLbl>
+  <dgm:styleLbl name="callout">
+    <dgm:scene3d>
+      <a:camera prst="orthographicFront"/>
+      <a:lightRig rig="threePt" dir="t"/>
+    </dgm:scene3d>
+    <dgm:sp3d/>
+    <dgm:txPr/>
+    <dgm:style>
+      <a:lnRef idx="2">
+        <a:scrgbClr r="0" g="0" b="0"/>
+      </a:lnRef>
+      <a:fillRef idx="1">
+        <a:scrgbClr r="0" g="0" b="0"/>
+      </a:fillRef>
+      <a:effectRef idx="0">
+        <a:scrgbClr r="0" g="0" b="0"/>
+      </a:effectRef>
+      <a:fontRef idx="minor"/>
+    </dgm:style>
+  </dgm:styleLbl>
+  <dgm:styleLbl name="asst0">
+    <dgm:scene3d>
+      <a:camera prst="orthographicFront"/>
+      <a:lightRig rig="threePt" dir="t"/>
+    </dgm:scene3d>
+    <dgm:sp3d/>
+    <dgm:txPr/>
+    <dgm:style>
+      <a:lnRef idx="2">
+        <a:scrgbClr r="0" g="0" b="0"/>
+      </a:lnRef>
+      <a:fillRef idx="1">
+        <a:scrgbClr r="0" g="0" b="0"/>
+      </a:fillRef>
+      <a:effectRef idx="0">
+        <a:scrgbClr r="0" g="0" b="0"/>
+      </a:effectRef>
+      <a:fontRef idx="minor">
+        <a:schemeClr val="lt1"/>
+      </a:fontRef>
+    </dgm:style>
+  </dgm:styleLbl>
+  <dgm:styleLbl name="asst1">
+    <dgm:scene3d>
+      <a:camera prst="orthographicFront"/>
+      <a:lightRig rig="threePt" dir="t"/>
+    </dgm:scene3d>
+    <dgm:sp3d/>
+    <dgm:txPr/>
+    <dgm:style>
+      <a:lnRef idx="2">
+        <a:scrgbClr r="0" g="0" b="0"/>
+      </a:lnRef>
+      <a:fillRef idx="1">
+        <a:scrgbClr r="0" g="0" b="0"/>
+      </a:fillRef>
+      <a:effectRef idx="0">
+        <a:scrgbClr r="0" g="0" b="0"/>
+      </a:effectRef>
+      <a:fontRef idx="minor">
+        <a:schemeClr val="lt1"/>
+      </a:fontRef>
+    </dgm:style>
+  </dgm:styleLbl>
+  <dgm:styleLbl name="asst2">
+    <dgm:scene3d>
+      <a:camera prst="orthographicFront"/>
+      <a:lightRig rig="threePt" dir="t"/>
+    </dgm:scene3d>
+    <dgm:sp3d/>
+    <dgm:txPr/>
+    <dgm:style>
+      <a:lnRef idx="2">
+        <a:scrgbClr r="0" g="0" b="0"/>
+      </a:lnRef>
+      <a:fillRef idx="1">
+        <a:scrgbClr r="0" g="0" b="0"/>
+      </a:fillRef>
+      <a:effectRef idx="0">
+        <a:scrgbClr r="0" g="0" b="0"/>
+      </a:effectRef>
+      <a:fontRef idx="minor">
+        <a:schemeClr val="lt1"/>
+      </a:fontRef>
+    </dgm:style>
+  </dgm:styleLbl>
+  <dgm:styleLbl name="asst3">
+    <dgm:scene3d>
+      <a:camera prst="orthographicFront"/>
+      <a:lightRig rig="threePt" dir="t"/>
+    </dgm:scene3d>
+    <dgm:sp3d/>
+    <dgm:txPr/>
+    <dgm:style>
+      <a:lnRef idx="2">
+        <a:scrgbClr r="0" g="0" b="0"/>
+      </a:lnRef>
+      <a:fillRef idx="1">
+        <a:scrgbClr r="0" g="0" b="0"/>
+      </a:fillRef>
+      <a:effectRef idx="0">
+        <a:scrgbClr r="0" g="0" b="0"/>
+      </a:effectRef>
+      <a:fontRef idx="minor">
+        <a:schemeClr val="lt1"/>
+      </a:fontRef>
+    </dgm:style>
+  </dgm:styleLbl>
+  <dgm:styleLbl name="asst4">
+    <dgm:scene3d>
+      <a:camera prst="orthographicFront"/>
+      <a:lightRig rig="threePt" dir="t"/>
+    </dgm:scene3d>
+    <dgm:sp3d/>
+    <dgm:txPr/>
+    <dgm:style>
+      <a:lnRef idx="2">
+        <a:scrgbClr r="0" g="0" b="0"/>
+      </a:lnRef>
+      <a:fillRef idx="1">
+        <a:scrgbClr r="0" g="0" b="0"/>
+      </a:fillRef>
+      <a:effectRef idx="0">
+        <a:scrgbClr r="0" g="0" b="0"/>
+      </a:effectRef>
+      <a:fontRef idx="minor">
+        <a:schemeClr val="lt1"/>
+      </a:fontRef>
+    </dgm:style>
+  </dgm:styleLbl>
+  <dgm:styleLbl name="parChTrans2D1">
+    <dgm:scene3d>
+      <a:camera prst="orthographicFront"/>
+      <a:lightRig rig="threePt" dir="t"/>
+    </dgm:scene3d>
+    <dgm:sp3d/>
+    <dgm:txPr/>
+    <dgm:style>
+      <a:lnRef idx="2">
+        <a:scrgbClr r="0" g="0" b="0"/>
+      </a:lnRef>
+      <a:fillRef idx="1">
+        <a:scrgbClr r="0" g="0" b="0"/>
+      </a:fillRef>
+      <a:effectRef idx="0">
+        <a:scrgbClr r="0" g="0" b="0"/>
+      </a:effectRef>
+      <a:fontRef idx="minor">
+        <a:schemeClr val="lt1"/>
+      </a:fontRef>
+    </dgm:style>
+  </dgm:styleLbl>
+  <dgm:styleLbl name="parChTrans2D2">
+    <dgm:scene3d>
+      <a:camera prst="orthographicFront"/>
+      <a:lightRig rig="threePt" dir="t"/>
+    </dgm:scene3d>
+    <dgm:sp3d/>
+    <dgm:txPr/>
+    <dgm:style>
+      <a:lnRef idx="2">
+        <a:scrgbClr r="0" g="0" b="0"/>
+      </a:lnRef>
+      <a:fillRef idx="1">
+        <a:scrgbClr r="0" g="0" b="0"/>
+      </a:fillRef>
+      <a:effectRef idx="0">
+        <a:scrgbClr r="0" g="0" b="0"/>
+      </a:effectRef>
+      <a:fontRef idx="minor">
+        <a:schemeClr val="lt1"/>
+      </a:fontRef>
+    </dgm:style>
+  </dgm:styleLbl>
+  <dgm:styleLbl name="parChTrans2D3">
+    <dgm:scene3d>
+      <a:camera prst="orthographicFront"/>
+      <a:lightRig rig="threePt" dir="t"/>
+    </dgm:scene3d>
+    <dgm:sp3d/>
+    <dgm:txPr/>
+    <dgm:style>
+      <a:lnRef idx="2">
+        <a:scrgbClr r="0" g="0" b="0"/>
+      </a:lnRef>
+      <a:fillRef idx="1">
+        <a:scrgbClr r="0" g="0" b="0"/>
+      </a:fillRef>
+      <a:effectRef idx="0">
+        <a:scrgbClr r="0" g="0" b="0"/>
+      </a:effectRef>
+      <a:fontRef idx="minor">
+        <a:schemeClr val="lt1"/>
+      </a:fontRef>
+    </dgm:style>
+  </dgm:styleLbl>
+  <dgm:styleLbl name="parChTrans2D4">
+    <dgm:scene3d>
+      <a:camera prst="orthographicFront"/>
+      <a:lightRig rig="threePt" dir="t"/>
+    </dgm:scene3d>
+    <dgm:sp3d/>
+    <dgm:txPr/>
+    <dgm:style>
+      <a:lnRef idx="2">
+        <a:scrgbClr r="0" g="0" b="0"/>
+      </a:lnRef>
+      <a:fillRef idx="1">
+        <a:scrgbClr r="0" g="0" b="0"/>
+      </a:fillRef>
+      <a:effectRef idx="0">
+        <a:scrgbClr r="0" g="0" b="0"/>
+      </a:effectRef>
+      <a:fontRef idx="minor">
+        <a:schemeClr val="lt1"/>
+      </a:fontRef>
+    </dgm:style>
+  </dgm:styleLbl>
+  <dgm:styleLbl name="parChTrans1D1">
+    <dgm:scene3d>
+      <a:camera prst="orthographicFront"/>
+      <a:lightRig rig="threePt" dir="t"/>
+    </dgm:scene3d>
+    <dgm:sp3d/>
+    <dgm:txPr/>
+    <dgm:style>
+      <a:lnRef idx="2">
+        <a:scrgbClr r="0" g="0" b="0"/>
+      </a:lnRef>
+      <a:fillRef idx="0">
+        <a:scrgbClr r="0" g="0" b="0"/>
+      </a:fillRef>
+      <a:effectRef idx="0">
+        <a:scrgbClr r="0" g="0" b="0"/>
+      </a:effectRef>
+      <a:fontRef idx="minor"/>
+    </dgm:style>
+  </dgm:styleLbl>
+  <dgm:styleLbl name="parChTrans1D2">
+    <dgm:scene3d>
+      <a:camera prst="orthographicFront"/>
+      <a:lightRig rig="threePt" dir="t"/>
+    </dgm:scene3d>
+    <dgm:sp3d/>
+    <dgm:txPr/>
+    <dgm:style>
+      <a:lnRef idx="2">
+        <a:scrgbClr r="0" g="0" b="0"/>
+      </a:lnRef>
+      <a:fillRef idx="0">
+        <a:scrgbClr r="0" g="0" b="0"/>
+      </a:fillRef>
+      <a:effectRef idx="0">
+        <a:scrgbClr r="0" g="0" b="0"/>
+      </a:effectRef>
+      <a:fontRef idx="minor"/>
+    </dgm:style>
+  </dgm:styleLbl>
+  <dgm:styleLbl name="parChTrans1D3">
+    <dgm:scene3d>
+      <a:camera prst="orthographicFront"/>
+      <a:lightRig rig="threePt" dir="t"/>
+    </dgm:scene3d>
+    <dgm:sp3d/>
+    <dgm:txPr/>
+    <dgm:style>
+      <a:lnRef idx="2">
+        <a:scrgbClr r="0" g="0" b="0"/>
+      </a:lnRef>
+      <a:fillRef idx="0">
+        <a:scrgbClr r="0" g="0" b="0"/>
+      </a:fillRef>
+      <a:effectRef idx="0">
+        <a:scrgbClr r="0" g="0" b="0"/>
+      </a:effectRef>
+      <a:fontRef idx="minor"/>
+    </dgm:style>
+  </dgm:styleLbl>
+  <dgm:styleLbl name="parChTrans1D4">
+    <dgm:scene3d>
+      <a:camera prst="orthographicFront"/>
+      <a:lightRig rig="threePt" dir="t"/>
+    </dgm:scene3d>
+    <dgm:sp3d/>
+    <dgm:txPr/>
+    <dgm:style>
+      <a:lnRef idx="2">
+        <a:scrgbClr r="0" g="0" b="0"/>
+      </a:lnRef>
+      <a:fillRef idx="0">
+        <a:scrgbClr r="0" g="0" b="0"/>
+      </a:fillRef>
+      <a:effectRef idx="0">
+        <a:scrgbClr r="0" g="0" b="0"/>
+      </a:effectRef>
+      <a:fontRef idx="minor"/>
+    </dgm:style>
+  </dgm:styleLbl>
+  <dgm:styleLbl name="fgAcc1">
+    <dgm:scene3d>
+      <a:camera prst="orthographicFront"/>
+      <a:lightRig rig="threePt" dir="t"/>
+    </dgm:scene3d>
+    <dgm:sp3d/>
+    <dgm:txPr/>
+    <dgm:style>
+      <a:lnRef idx="2">
+        <a:scrgbClr r="0" g="0" b="0"/>
+      </a:lnRef>
+      <a:fillRef idx="1">
+        <a:scrgbClr r="0" g="0" b="0"/>
+      </a:fillRef>
+      <a:effectRef idx="0">
+        <a:scrgbClr r="0" g="0" b="0"/>
+      </a:effectRef>
+      <a:fontRef idx="minor"/>
+    </dgm:style>
+  </dgm:styleLbl>
+  <dgm:styleLbl name="conFgAcc1">
+    <dgm:scene3d>
+      <a:camera prst="orthographicFront"/>
+      <a:lightRig rig="threePt" dir="t"/>
+    </dgm:scene3d>
+    <dgm:sp3d/>
+    <dgm:txPr/>
+    <dgm:style>
+      <a:lnRef idx="2">
+        <a:scrgbClr r="0" g="0" b="0"/>
+      </a:lnRef>
+      <a:fillRef idx="1">
+        <a:scrgbClr r="0" g="0" b="0"/>
+      </a:fillRef>
+      <a:effectRef idx="0">
+        <a:scrgbClr r="0" g="0" b="0"/>
+      </a:effectRef>
+      <a:fontRef idx="minor"/>
+    </dgm:style>
+  </dgm:styleLbl>
+  <dgm:styleLbl name="alignAcc1">
+    <dgm:scene3d>
+      <a:camera prst="orthographicFront"/>
+      <a:lightRig rig="threePt" dir="t"/>
+    </dgm:scene3d>
+    <dgm:sp3d/>
+    <dgm:txPr/>
+    <dgm:style>
+      <a:lnRef idx="2">
+        <a:scrgbClr r="0" g="0" b="0"/>
+      </a:lnRef>
+      <a:fillRef idx="1">
+        <a:scrgbClr r="0" g="0" b="0"/>
+      </a:fillRef>
+      <a:effectRef idx="0">
+        <a:scrgbClr r="0" g="0" b="0"/>
+      </a:effectRef>
+      <a:fontRef idx="minor"/>
+    </dgm:style>
+  </dgm:styleLbl>
+  <dgm:styleLbl name="trAlignAcc1">
+    <dgm:scene3d>
+      <a:camera prst="orthographicFront"/>
+      <a:lightRig rig="threePt" dir="t"/>
+    </dgm:scene3d>
+    <dgm:sp3d/>
+    <dgm:txPr/>
+    <dgm:style>
+      <a:lnRef idx="1">
+        <a:scrgbClr r="0" g="0" b="0"/>
+      </a:lnRef>
+      <a:fillRef idx="1">
+        <a:scrgbClr r="0" g="0" b="0"/>
+      </a:fillRef>
+      <a:effectRef idx="0">
+        <a:scrgbClr r="0" g="0" b="0"/>
+      </a:effectRef>
+      <a:fontRef idx="minor"/>
+    </dgm:style>
+  </dgm:styleLbl>
+  <dgm:styleLbl name="bgAcc1">
+    <dgm:scene3d>
+      <a:camera prst="orthographicFront"/>
+      <a:lightRig rig="threePt" dir="t"/>
+    </dgm:scene3d>
+    <dgm:sp3d/>
+    <dgm:txPr/>
+    <dgm:style>
+      <a:lnRef idx="2">
+        <a:scrgbClr r="0" g="0" b="0"/>
+      </a:lnRef>
+      <a:fillRef idx="1">
+        <a:scrgbClr r="0" g="0" b="0"/>
+      </a:fillRef>
+      <a:effectRef idx="0">
+        <a:scrgbClr r="0" g="0" b="0"/>
+      </a:effectRef>
+      <a:fontRef idx="minor"/>
+    </dgm:style>
+  </dgm:styleLbl>
+  <dgm:styleLbl name="solidFgAcc1">
+    <dgm:scene3d>
+      <a:camera prst="orthographicFront"/>
+      <a:lightRig rig="threePt" dir="t"/>
+    </dgm:scene3d>
+    <dgm:sp3d/>
+    <dgm:txPr/>
+    <dgm:style>
+      <a:lnRef idx="2">
+        <a:scrgbClr r="0" g="0" b="0"/>
+      </a:lnRef>
+      <a:fillRef idx="1">
+        <a:scrgbClr r="0" g="0" b="0"/>
+      </a:fillRef>
+      <a:effectRef idx="0">
+        <a:scrgbClr r="0" g="0" b="0"/>
+      </a:effectRef>
+      <a:fontRef idx="minor"/>
+    </dgm:style>
+  </dgm:styleLbl>
+  <dgm:styleLbl name="solidAlignAcc1">
+    <dgm:scene3d>
+      <a:camera prst="orthographicFront"/>
+      <a:lightRig rig="threePt" dir="t"/>
+    </dgm:scene3d>
+    <dgm:sp3d/>
+    <dgm:txPr/>
+    <dgm:style>
+      <a:lnRef idx="2">
+        <a:scrgbClr r="0" g="0" b="0"/>
+      </a:lnRef>
+      <a:fillRef idx="1">
+        <a:scrgbClr r="0" g="0" b="0"/>
+      </a:fillRef>
+      <a:effectRef idx="0">
+        <a:scrgbClr r="0" g="0" b="0"/>
+      </a:effectRef>
+      <a:fontRef idx="minor"/>
+    </dgm:style>
+  </dgm:styleLbl>
+  <dgm:styleLbl name="solidBgAcc1">
+    <dgm:scene3d>
+      <a:camera prst="orthographicFront"/>
+      <a:lightRig rig="threePt" dir="t"/>
+    </dgm:scene3d>
+    <dgm:sp3d/>
+    <dgm:txPr/>
+    <dgm:style>
+      <a:lnRef idx="2">
+        <a:scrgbClr r="0" g="0" b="0"/>
+      </a:lnRef>
+      <a:fillRef idx="1">
+        <a:scrgbClr r="0" g="0" b="0"/>
+      </a:fillRef>
+      <a:effectRef idx="0">
+        <a:scrgbClr r="0" g="0" b="0"/>
+      </a:effectRef>
+      <a:fontRef idx="minor"/>
+    </dgm:style>
+  </dgm:styleLbl>
+  <dgm:styleLbl name="fgAccFollowNode1">
+    <dgm:scene3d>
+      <a:camera prst="orthographicFront"/>
+      <a:lightRig rig="threePt" dir="t"/>
+    </dgm:scene3d>
+    <dgm:sp3d/>
+    <dgm:txPr/>
+    <dgm:style>
+      <a:lnRef idx="2">
+        <a:scrgbClr r="0" g="0" b="0"/>
+      </a:lnRef>
+      <a:fillRef idx="1">
+        <a:scrgbClr r="0" g="0" b="0"/>
+      </a:fillRef>
+      <a:effectRef idx="0">
+        <a:scrgbClr r="0" g="0" b="0"/>
+      </a:effectRef>
+      <a:fontRef idx="minor"/>
+    </dgm:style>
+  </dgm:styleLbl>
+  <dgm:styleLbl name="alignAccFollowNode1">
+    <dgm:scene3d>
+      <a:camera prst="orthographicFront"/>
+      <a:lightRig rig="threePt" dir="t"/>
+    </dgm:scene3d>
+    <dgm:sp3d/>
+    <dgm:txPr/>
+    <dgm:style>
+      <a:lnRef idx="2">
+        <a:scrgbClr r="0" g="0" b="0"/>
+      </a:lnRef>
+      <a:fillRef idx="1">
+        <a:scrgbClr r="0" g="0" b="0"/>
+      </a:fillRef>
+      <a:effectRef idx="0">
+        <a:scrgbClr r="0" g="0" b="0"/>
+      </a:effectRef>
+      <a:fontRef idx="minor"/>
+    </dgm:style>
+  </dgm:styleLbl>
+  <dgm:styleLbl name="bgAccFollowNode1">
+    <dgm:scene3d>
+      <a:camera prst="orthographicFront"/>
+      <a:lightRig rig="threePt" dir="t"/>
+    </dgm:scene3d>
+    <dgm:sp3d/>
+    <dgm:txPr/>
+    <dgm:style>
+      <a:lnRef idx="2">
+        <a:scrgbClr r="0" g="0" b="0"/>
+      </a:lnRef>
+      <a:fillRef idx="1">
+        <a:scrgbClr r="0" g="0" b="0"/>
+      </a:fillRef>
+      <a:effectRef idx="0">
+        <a:scrgbClr r="0" g="0" b="0"/>
+      </a:effectRef>
+      <a:fontRef idx="minor"/>
+    </dgm:style>
+  </dgm:styleLbl>
+  <dgm:styleLbl name="fgAcc0">
+    <dgm:scene3d>
+      <a:camera prst="orthographicFront"/>
+      <a:lightRig rig="threePt" dir="t"/>
+    </dgm:scene3d>
+    <dgm:sp3d/>
+    <dgm:txPr/>
+    <dgm:style>
+      <a:lnRef idx="2">
+        <a:scrgbClr r="0" g="0" b="0"/>
+      </a:lnRef>
+      <a:fillRef idx="1">
+        <a:scrgbClr r="0" g="0" b="0"/>
+      </a:fillRef>
+      <a:effectRef idx="0">
+        <a:scrgbClr r="0" g="0" b="0"/>
+      </a:effectRef>
+      <a:fontRef idx="minor"/>
+    </dgm:style>
+  </dgm:styleLbl>
+  <dgm:styleLbl name="fgAcc2">
+    <dgm:scene3d>
+      <a:camera prst="orthographicFront"/>
+      <a:lightRig rig="threePt" dir="t"/>
+    </dgm:scene3d>
+    <dgm:sp3d/>
+    <dgm:txPr/>
+    <dgm:style>
+      <a:lnRef idx="2">
+        <a:scrgbClr r="0" g="0" b="0"/>
+      </a:lnRef>
+      <a:fillRef idx="1">
+        <a:scrgbClr r="0" g="0" b="0"/>
+      </a:fillRef>
+      <a:effectRef idx="0">
+        <a:scrgbClr r="0" g="0" b="0"/>
+      </a:effectRef>
+      <a:fontRef idx="minor"/>
+    </dgm:style>
+  </dgm:styleLbl>
+  <dgm:styleLbl name="fgAcc3">
+    <dgm:scene3d>
+      <a:camera prst="orthographicFront"/>
+      <a:lightRig rig="threePt" dir="t"/>
+    </dgm:scene3d>
+    <dgm:sp3d/>
+    <dgm:txPr/>
+    <dgm:style>
+      <a:lnRef idx="2">
+        <a:scrgbClr r="0" g="0" b="0"/>
+      </a:lnRef>
+      <a:fillRef idx="1">
+        <a:scrgbClr r="0" g="0" b="0"/>
+      </a:fillRef>
+      <a:effectRef idx="0">
+        <a:scrgbClr r="0" g="0" b="0"/>
+      </a:effectRef>
+      <a:fontRef idx="minor"/>
+    </dgm:style>
+  </dgm:styleLbl>
+  <dgm:styleLbl name="fgAcc4">
+    <dgm:scene3d>
+      <a:camera prst="orthographicFront"/>
+      <a:lightRig rig="threePt" dir="t"/>
+    </dgm:scene3d>
+    <dgm:sp3d/>
+    <dgm:txPr/>
+    <dgm:style>
+      <a:lnRef idx="2">
+        <a:scrgbClr r="0" g="0" b="0"/>
+      </a:lnRef>
+      <a:fillRef idx="1">
+        <a:scrgbClr r="0" g="0" b="0"/>
+      </a:fillRef>
+      <a:effectRef idx="0">
+        <a:scrgbClr r="0" g="0" b="0"/>
+      </a:effectRef>
+      <a:fontRef idx="minor"/>
+    </dgm:style>
+  </dgm:styleLbl>
+  <dgm:styleLbl name="bgShp">
+    <dgm:scene3d>
+      <a:camera prst="orthographicFront"/>
+      <a:lightRig rig="threePt" dir="t"/>
+    </dgm:scene3d>
+    <dgm:sp3d/>
+    <dgm:txPr/>
+    <dgm:style>
+      <a:lnRef idx="0">
+        <a:scrgbClr r="0" g="0" b="0"/>
+      </a:lnRef>
+      <a:fillRef idx="1">
+        <a:scrgbClr r="0" g="0" b="0"/>
+      </a:fillRef>
+      <a:effectRef idx="0">
+        <a:scrgbClr r="0" g="0" b="0"/>
+      </a:effectRef>
+      <a:fontRef idx="minor"/>
+    </dgm:style>
+  </dgm:styleLbl>
+  <dgm:styleLbl name="dkBgShp">
+    <dgm:scene3d>
+      <a:camera prst="orthographicFront"/>
+      <a:lightRig rig="threePt" dir="t"/>
+    </dgm:scene3d>
+    <dgm:sp3d/>
+    <dgm:txPr/>
+    <dgm:style>
+      <a:lnRef idx="0">
+        <a:scrgbClr r="0" g="0" b="0"/>
+      </a:lnRef>
+      <a:fillRef idx="1">
+        <a:scrgbClr r="0" g="0" b="0"/>
+      </a:fillRef>
+      <a:effectRef idx="0">
+        <a:scrgbClr r="0" g="0" b="0"/>
+      </a:effectRef>
+      <a:fontRef idx="minor"/>
+    </dgm:style>
+  </dgm:styleLbl>
+  <dgm:styleLbl name="trBgShp">
+    <dgm:scene3d>
+      <a:camera prst="orthographicFront"/>
+      <a:lightRig rig="threePt" dir="t"/>
+    </dgm:scene3d>
+    <dgm:sp3d/>
+    <dgm:txPr/>
+    <dgm:style>
+      <a:lnRef idx="0">
+        <a:scrgbClr r="0" g="0" b="0"/>
+      </a:lnRef>
+      <a:fillRef idx="1">
+        <a:scrgbClr r="0" g="0" b="0"/>
+      </a:fillRef>
+      <a:effectRef idx="0">
+        <a:scrgbClr r="0" g="0" b="0"/>
+      </a:effectRef>
+      <a:fontRef idx="minor"/>
+    </dgm:style>
+  </dgm:styleLbl>
+  <dgm:styleLbl name="fgShp">
+    <dgm:scene3d>
+      <a:camera prst="orthographicFront"/>
+      <a:lightRig rig="threePt" dir="t"/>
+    </dgm:scene3d>
+    <dgm:sp3d/>
+    <dgm:txPr/>
+    <dgm:style>
+      <a:lnRef idx="2">
+        <a:scrgbClr r="0" g="0" b="0"/>
+      </a:lnRef>
+      <a:fillRef idx="1">
+        <a:scrgbClr r="0" g="0" b="0"/>
+      </a:fillRef>
+      <a:effectRef idx="0">
         <a:scrgbClr r="0" g="0" b="0"/>
       </a:effectRef>
       <a:fontRef idx="minor"/>
@@ -26575,7 +28949,7 @@
         </p:nvSpPr>
         <p:spPr>
           <a:xfrm>
-            <a:off x="636177" y="1112308"/>
+            <a:off x="568695" y="1342941"/>
             <a:ext cx="3395631" cy="5094481"/>
           </a:xfrm>
         </p:spPr>
@@ -26591,12 +28965,196 @@
               </a:lnSpc>
             </a:pPr>
             <a:r>
-              <a:rPr lang="en-US" sz="1600" dirty="0">
+              <a:rPr lang="ru-RU" sz="1800" dirty="0" err="1">
                 <a:solidFill>
                   <a:srgbClr val="FFFFFF"/>
                 </a:solidFill>
               </a:rPr>
-              <a:t>Provides single-entry endpoint for a group of microservices</a:t>
+              <a:t>Предоставя</a:t>
+            </a:r>
+            <a:r>
+              <a:rPr lang="ru-RU" sz="1800" dirty="0">
+                <a:solidFill>
+                  <a:srgbClr val="FFFFFF"/>
+                </a:solidFill>
+              </a:rPr>
+              <a:t> </a:t>
+            </a:r>
+            <a:r>
+              <a:rPr lang="ru-RU" sz="1800" dirty="0" err="1">
+                <a:solidFill>
+                  <a:srgbClr val="FFFFFF"/>
+                </a:solidFill>
+              </a:rPr>
+              <a:t>крайна</a:t>
+            </a:r>
+            <a:r>
+              <a:rPr lang="ru-RU" sz="1800" dirty="0">
+                <a:solidFill>
+                  <a:srgbClr val="FFFFFF"/>
+                </a:solidFill>
+              </a:rPr>
+              <a:t> точка за </a:t>
+            </a:r>
+            <a:r>
+              <a:rPr lang="ru-RU" sz="1800" dirty="0" err="1">
+                <a:solidFill>
+                  <a:srgbClr val="FFFFFF"/>
+                </a:solidFill>
+              </a:rPr>
+              <a:t>група</a:t>
+            </a:r>
+            <a:r>
+              <a:rPr lang="en-US" sz="1800" dirty="0">
+                <a:solidFill>
+                  <a:srgbClr val="FFFFFF"/>
+                </a:solidFill>
+              </a:rPr>
+              <a:t> </a:t>
+            </a:r>
+            <a:r>
+              <a:rPr lang="bg-BG" sz="1800" dirty="0">
+                <a:solidFill>
+                  <a:srgbClr val="FFFFFF"/>
+                </a:solidFill>
+              </a:rPr>
+              <a:t>микроуслуги;</a:t>
+            </a:r>
+            <a:r>
+              <a:rPr lang="ru-RU" sz="1800" dirty="0">
+                <a:solidFill>
+                  <a:srgbClr val="FFFFFF"/>
+                </a:solidFill>
+              </a:rPr>
+              <a:t> </a:t>
+            </a:r>
+            <a:endParaRPr lang="en-US" sz="1800" dirty="0">
+              <a:solidFill>
+                <a:srgbClr val="FFFFFF"/>
+              </a:solidFill>
+            </a:endParaRPr>
+          </a:p>
+          <a:p>
+            <a:pPr>
+              <a:lnSpc>
+                <a:spcPct val="110000"/>
+              </a:lnSpc>
+            </a:pPr>
+            <a:r>
+              <a:rPr lang="ru-RU" sz="1800" dirty="0">
+                <a:solidFill>
+                  <a:srgbClr val="FFFFFF"/>
+                </a:solidFill>
+              </a:rPr>
+              <a:t>Известен </a:t>
+            </a:r>
+            <a:r>
+              <a:rPr lang="ru-RU" sz="1800" dirty="0" err="1">
+                <a:solidFill>
+                  <a:srgbClr val="FFFFFF"/>
+                </a:solidFill>
+              </a:rPr>
+              <a:t>също</a:t>
+            </a:r>
+            <a:r>
+              <a:rPr lang="ru-RU" sz="1800" dirty="0">
+                <a:solidFill>
+                  <a:srgbClr val="FFFFFF"/>
+                </a:solidFill>
+              </a:rPr>
+              <a:t> </a:t>
+            </a:r>
+            <a:r>
+              <a:rPr lang="ru-RU" sz="1800" dirty="0" err="1">
+                <a:solidFill>
+                  <a:srgbClr val="FFFFFF"/>
+                </a:solidFill>
+              </a:rPr>
+              <a:t>като</a:t>
+            </a:r>
+            <a:r>
+              <a:rPr lang="ru-RU" sz="1800" dirty="0">
+                <a:solidFill>
+                  <a:srgbClr val="FFFFFF"/>
+                </a:solidFill>
+              </a:rPr>
+              <a:t> „</a:t>
+            </a:r>
+            <a:r>
+              <a:rPr lang="en-US" sz="1800" b="1" dirty="0">
+                <a:solidFill>
+                  <a:srgbClr val="FFFFFF"/>
+                </a:solidFill>
+              </a:rPr>
+              <a:t>backend for frontend</a:t>
+            </a:r>
+            <a:r>
+              <a:rPr lang="ru-RU" sz="1800" dirty="0">
+                <a:solidFill>
+                  <a:srgbClr val="FFFFFF"/>
+                </a:solidFill>
+              </a:rPr>
+              <a:t>“;</a:t>
+            </a:r>
+            <a:endParaRPr lang="en-US" sz="1800" dirty="0">
+              <a:solidFill>
+                <a:srgbClr val="FFFFFF"/>
+              </a:solidFill>
+            </a:endParaRPr>
+          </a:p>
+          <a:p>
+            <a:pPr>
+              <a:lnSpc>
+                <a:spcPct val="110000"/>
+              </a:lnSpc>
+            </a:pPr>
+            <a:r>
+              <a:rPr lang="ru-RU" sz="1800" dirty="0" err="1">
+                <a:solidFill>
+                  <a:srgbClr val="FFFFFF"/>
+                </a:solidFill>
+              </a:rPr>
+              <a:t>Изгражда</a:t>
+            </a:r>
+            <a:r>
+              <a:rPr lang="ru-RU" sz="1800" dirty="0">
+                <a:solidFill>
+                  <a:srgbClr val="FFFFFF"/>
+                </a:solidFill>
+              </a:rPr>
+              <a:t> се за </a:t>
+            </a:r>
+            <a:r>
+              <a:rPr lang="ru-RU" sz="1800" dirty="0" err="1">
+                <a:solidFill>
+                  <a:srgbClr val="FFFFFF"/>
+                </a:solidFill>
+              </a:rPr>
+              <a:t>конкретни</a:t>
+            </a:r>
+            <a:r>
+              <a:rPr lang="ru-RU" sz="1800" dirty="0">
+                <a:solidFill>
+                  <a:srgbClr val="FFFFFF"/>
+                </a:solidFill>
+              </a:rPr>
+              <a:t> </a:t>
+            </a:r>
+            <a:r>
+              <a:rPr lang="ru-RU" sz="1800" dirty="0" err="1">
+                <a:solidFill>
+                  <a:srgbClr val="FFFFFF"/>
+                </a:solidFill>
+              </a:rPr>
+              <a:t>нужди</a:t>
+            </a:r>
+            <a:r>
+              <a:rPr lang="ru-RU" sz="1800" dirty="0">
+                <a:solidFill>
+                  <a:srgbClr val="FFFFFF"/>
+                </a:solidFill>
+              </a:rPr>
+              <a:t> на клиент;</a:t>
             </a:r>
           </a:p>
           <a:p>
@@ -26606,12 +29164,44 @@
               </a:lnSpc>
             </a:pPr>
             <a:r>
-              <a:rPr lang="en-US" sz="1600" dirty="0">
+              <a:rPr lang="ru-RU" sz="1800" dirty="0">
                 <a:solidFill>
                   <a:srgbClr val="FFFFFF"/>
                 </a:solidFill>
               </a:rPr>
-              <a:t>Like the Façade design pattern</a:t>
+              <a:t>Действа </a:t>
+            </a:r>
+            <a:r>
+              <a:rPr lang="ru-RU" sz="1800" dirty="0" err="1">
+                <a:solidFill>
+                  <a:srgbClr val="FFFFFF"/>
+                </a:solidFill>
+              </a:rPr>
+              <a:t>като</a:t>
+            </a:r>
+            <a:r>
+              <a:rPr lang="ru-RU" sz="1800" dirty="0">
+                <a:solidFill>
+                  <a:srgbClr val="FFFFFF"/>
+                </a:solidFill>
+              </a:rPr>
+              <a:t> прокси между клиент и </a:t>
+            </a:r>
+            <a:r>
+              <a:rPr lang="ru-RU" sz="1800" dirty="0" err="1">
+                <a:solidFill>
+                  <a:srgbClr val="FFFFFF"/>
+                </a:solidFill>
+              </a:rPr>
+              <a:t>микроуслуги</a:t>
+            </a:r>
+            <a:r>
+              <a:rPr lang="ru-RU" sz="1800" dirty="0">
+                <a:solidFill>
+                  <a:srgbClr val="FFFFFF"/>
+                </a:solidFill>
+              </a:rPr>
+              <a:t>;</a:t>
             </a:r>
           </a:p>
           <a:p>
@@ -26621,73 +29211,122 @@
               </a:lnSpc>
             </a:pPr>
             <a:r>
-              <a:rPr lang="en-US" sz="1600" dirty="0">
+              <a:rPr lang="ru-RU" sz="1800" dirty="0" err="1">
                 <a:solidFill>
                   <a:srgbClr val="FFFFFF"/>
                 </a:solidFill>
               </a:rPr>
-              <a:t>Also knows as “backend for frontend”</a:t>
+              <a:t>Може</a:t>
             </a:r>
-          </a:p>
-          <a:p>
-            <a:pPr lvl="1">
-              <a:lnSpc>
-                <a:spcPct val="110000"/>
-              </a:lnSpc>
-            </a:pPr>
             <a:r>
-              <a:rPr lang="en-US" sz="1600" dirty="0">
+              <a:rPr lang="ru-RU" sz="1800" dirty="0">
                 <a:solidFill>
                   <a:srgbClr val="FFFFFF"/>
                 </a:solidFill>
               </a:rPr>
-              <a:t>You build it for the specific client needs</a:t>
+              <a:t> да </a:t>
             </a:r>
-          </a:p>
-          <a:p>
-            <a:pPr>
-              <a:lnSpc>
-                <a:spcPct val="110000"/>
-              </a:lnSpc>
-            </a:pPr>
             <a:r>
-              <a:rPr lang="en-US" sz="1600" dirty="0">
+              <a:rPr lang="ru-RU" sz="1800" dirty="0" err="1">
                 <a:solidFill>
                   <a:srgbClr val="FFFFFF"/>
                 </a:solidFill>
               </a:rPr>
-              <a:t>Acts as a reverse proxy and man in the middle between </a:t>
+              <a:t>осигури</a:t>
             </a:r>
-            <a:br>
-              <a:rPr lang="en-US" sz="1600" dirty="0">
+            <a:r>
+              <a:rPr lang="ru-RU" sz="1800" dirty="0">
                 <a:solidFill>
                   <a:srgbClr val="FFFFFF"/>
                 </a:solidFill>
               </a:rPr>
-            </a:br>
+              <a:t> </a:t>
+            </a:r>
             <a:r>
-              <a:rPr lang="en-US" sz="1600" dirty="0">
+              <a:rPr lang="ru-RU" sz="1800" dirty="0" err="1">
                 <a:solidFill>
                   <a:srgbClr val="FFFFFF"/>
                 </a:solidFill>
               </a:rPr>
-              <a:t>the clients and the microservices</a:t>
+              <a:t>удостоверяване</a:t>
             </a:r>
-          </a:p>
-          <a:p>
-            <a:pPr>
-              <a:lnSpc>
-                <a:spcPct val="110000"/>
-              </a:lnSpc>
-            </a:pPr>
             <a:r>
-              <a:rPr lang="en-US" sz="1600" dirty="0">
+              <a:rPr lang="ru-RU" sz="1800" dirty="0">
                 <a:solidFill>
                   <a:srgbClr val="FFFFFF"/>
                 </a:solidFill>
               </a:rPr>
-              <a:t>Can also provide authentication, cache, and other cross-cutting concerns</a:t>
+              <a:t>, </a:t>
             </a:r>
+            <a:r>
+              <a:rPr lang="ru-RU" sz="1800" dirty="0" err="1">
+                <a:solidFill>
+                  <a:srgbClr val="FFFFFF"/>
+                </a:solidFill>
+              </a:rPr>
+              <a:t>кеш</a:t>
+            </a:r>
+            <a:r>
+              <a:rPr lang="ru-RU" sz="1800" dirty="0">
+                <a:solidFill>
+                  <a:srgbClr val="FFFFFF"/>
+                </a:solidFill>
+              </a:rPr>
+              <a:t> и </a:t>
+            </a:r>
+            <a:r>
+              <a:rPr lang="ru-RU" sz="1800" dirty="0" err="1">
+                <a:solidFill>
+                  <a:srgbClr val="FFFFFF"/>
+                </a:solidFill>
+              </a:rPr>
+              <a:t>други</a:t>
+            </a:r>
+            <a:r>
+              <a:rPr lang="ru-RU" sz="1800" dirty="0">
+                <a:solidFill>
+                  <a:srgbClr val="FFFFFF"/>
+                </a:solidFill>
+              </a:rPr>
+              <a:t> </a:t>
+            </a:r>
+            <a:r>
+              <a:rPr lang="ru-RU" sz="1800" dirty="0" err="1">
+                <a:solidFill>
+                  <a:srgbClr val="FFFFFF"/>
+                </a:solidFill>
+              </a:rPr>
+              <a:t>междусекторни</a:t>
+            </a:r>
+            <a:r>
+              <a:rPr lang="ru-RU" sz="1800" dirty="0">
+                <a:solidFill>
+                  <a:srgbClr val="FFFFFF"/>
+                </a:solidFill>
+              </a:rPr>
+              <a:t> </a:t>
+            </a:r>
+            <a:r>
+              <a:rPr lang="ru-RU" sz="1800" dirty="0" err="1">
+                <a:solidFill>
+                  <a:srgbClr val="FFFFFF"/>
+                </a:solidFill>
+              </a:rPr>
+              <a:t>проблеми</a:t>
+            </a:r>
+            <a:r>
+              <a:rPr lang="ru-RU" sz="1800" dirty="0">
+                <a:solidFill>
+                  <a:srgbClr val="FFFFFF"/>
+                </a:solidFill>
+              </a:rPr>
+              <a:t>;</a:t>
+            </a:r>
+            <a:endParaRPr lang="en-US" sz="1800" dirty="0">
+              <a:solidFill>
+                <a:srgbClr val="FFFFFF"/>
+              </a:solidFill>
+            </a:endParaRPr>
           </a:p>
         </p:txBody>
       </p:sp>
@@ -29488,10 +32127,65 @@
           </a:p>
         </p:txBody>
       </p:sp>
+      <p:graphicFrame>
+        <p:nvGraphicFramePr>
+          <p:cNvPr id="9" name="Content Placeholder 4">
+            <a:extLst>
+              <a:ext uri="{FF2B5EF4-FFF2-40B4-BE49-F238E27FC236}">
+                <a16:creationId xmlns:a16="http://schemas.microsoft.com/office/drawing/2014/main" id="{C4EF9BBC-B63C-4DA2-AE8A-E7A673F4F615}"/>
+              </a:ext>
+            </a:extLst>
+          </p:cNvPr>
+          <p:cNvGraphicFramePr>
+            <a:graphicFrameLocks noGrp="1"/>
+          </p:cNvGraphicFramePr>
+          <p:nvPr>
+            <p:ph idx="1"/>
+          </p:nvPr>
+        </p:nvGraphicFramePr>
+        <p:xfrm>
+          <a:off x="1141413" y="2097087"/>
+          <a:ext cx="8154987" cy="4427915"/>
+        </p:xfrm>
+        <a:graphic>
+          <a:graphicData uri="http://schemas.openxmlformats.org/drawingml/2006/diagram">
+            <dgm:relIds xmlns:dgm="http://schemas.openxmlformats.org/drawingml/2006/diagram" xmlns:r="http://schemas.openxmlformats.org/officeDocument/2006/relationships" r:dm="rId2" r:lo="rId3" r:qs="rId4" r:cs="rId5"/>
+          </a:graphicData>
+        </a:graphic>
+      </p:graphicFrame>
+      <p:sp>
+        <p:nvSpPr>
+          <p:cNvPr id="3" name="Title 2">
+            <a:extLst>
+              <a:ext uri="{FF2B5EF4-FFF2-40B4-BE49-F238E27FC236}">
+                <a16:creationId xmlns:a16="http://schemas.microsoft.com/office/drawing/2014/main" id="{D9B86418-45AD-45EC-898F-526EDE92614A}"/>
+              </a:ext>
+            </a:extLst>
+          </p:cNvPr>
+          <p:cNvSpPr>
+            <a:spLocks noGrp="1"/>
+          </p:cNvSpPr>
+          <p:nvPr>
+            <p:ph type="title"/>
+          </p:nvPr>
+        </p:nvSpPr>
+        <p:spPr/>
+        <p:txBody>
+          <a:bodyPr/>
+          <a:lstStyle/>
+          <a:p>
+            <a:r>
+              <a:rPr lang="bg-BG" dirty="0"/>
+              <a:t>Препоръки при проектиране</a:t>
+            </a:r>
+            <a:endParaRPr lang="en-US" dirty="0"/>
+          </a:p>
+        </p:txBody>
+      </p:sp>
     </p:spTree>
     <p:extLst>
       <p:ext uri="{BB962C8B-B14F-4D97-AF65-F5344CB8AC3E}">
-        <p14:creationId xmlns:p14="http://schemas.microsoft.com/office/powerpoint/2010/main" val="2686154047"/>
+        <p14:creationId xmlns:p14="http://schemas.microsoft.com/office/powerpoint/2010/main" val="2631599980"/>
       </p:ext>
     </p:extLst>
   </p:cSld>
@@ -29530,7 +32224,7 @@
         </p:nvSpPr>
         <p:spPr>
           <a:xfrm>
-            <a:off x="11568000" y="6525003"/>
+            <a:off x="11582400" y="6576727"/>
             <a:ext cx="428822" cy="196477"/>
           </a:xfrm>
           <a:prstGeom prst="rect">
@@ -29557,111 +32251,6 @@
       </p:sp>
       <p:sp>
         <p:nvSpPr>
-          <p:cNvPr id="5" name="Content Placeholder 4"/>
-          <p:cNvSpPr>
-            <a:spLocks noGrp="1"/>
-          </p:cNvSpPr>
-          <p:nvPr>
-            <p:ph idx="1"/>
-          </p:nvPr>
-        </p:nvSpPr>
-        <p:spPr>
-          <a:xfrm>
-            <a:off x="1141413" y="1712549"/>
-            <a:ext cx="11696797" cy="5458202"/>
-          </a:xfrm>
-        </p:spPr>
-        <p:txBody>
-          <a:bodyPr>
-            <a:normAutofit/>
-          </a:bodyPr>
-          <a:lstStyle/>
-          <a:p>
-            <a:pPr>
-              <a:lnSpc>
-                <a:spcPct val="100000"/>
-              </a:lnSpc>
-            </a:pPr>
-            <a:r>
-              <a:rPr lang="en-US" dirty="0"/>
-              <a:t>If you are not careful, the API gateway may become a full monolithic app</a:t>
-            </a:r>
-          </a:p>
-          <a:p>
-            <a:pPr lvl="1">
-              <a:lnSpc>
-                <a:spcPct val="100000"/>
-              </a:lnSpc>
-            </a:pPr>
-            <a:r>
-              <a:rPr lang="en-US" dirty="0"/>
-              <a:t>Bloated with too many endpoints</a:t>
-            </a:r>
-          </a:p>
-          <a:p>
-            <a:pPr lvl="1">
-              <a:lnSpc>
-                <a:spcPct val="100000"/>
-              </a:lnSpc>
-            </a:pPr>
-            <a:r>
-              <a:rPr lang="en-US" dirty="0"/>
-              <a:t>Couples all microservices, destroying their benefits</a:t>
-            </a:r>
-          </a:p>
-          <a:p>
-            <a:pPr>
-              <a:lnSpc>
-                <a:spcPct val="100000"/>
-              </a:lnSpc>
-            </a:pPr>
-            <a:r>
-              <a:rPr lang="en-US" dirty="0"/>
-              <a:t>API Gateways should also be segregated </a:t>
-            </a:r>
-          </a:p>
-          <a:p>
-            <a:pPr lvl="1">
-              <a:lnSpc>
-                <a:spcPct val="100000"/>
-              </a:lnSpc>
-            </a:pPr>
-            <a:r>
-              <a:rPr lang="en-US" dirty="0"/>
-              <a:t>At first it may be an API Gateway for each client</a:t>
-            </a:r>
-          </a:p>
-          <a:p>
-            <a:pPr lvl="1">
-              <a:lnSpc>
-                <a:spcPct val="100000"/>
-              </a:lnSpc>
-            </a:pPr>
-            <a:r>
-              <a:rPr lang="en-US" dirty="0"/>
-              <a:t>But then it may be further split by logical groups based on business boundaries</a:t>
-            </a:r>
-          </a:p>
-          <a:p>
-            <a:pPr>
-              <a:lnSpc>
-                <a:spcPct val="100000"/>
-              </a:lnSpc>
-            </a:pPr>
-            <a:r>
-              <a:rPr lang="en-US" dirty="0"/>
-              <a:t>HTTP or </a:t>
-            </a:r>
-            <a:r>
-              <a:rPr lang="en-US" dirty="0" err="1"/>
-              <a:t>gRPC</a:t>
-            </a:r>
-            <a:endParaRPr lang="en-US" dirty="0"/>
-          </a:p>
-        </p:txBody>
-      </p:sp>
-      <p:sp>
-        <p:nvSpPr>
           <p:cNvPr id="4" name="Title 3"/>
           <p:cNvSpPr>
             <a:spLocks noGrp="1"/>
@@ -29670,23 +32259,796 @@
             <p:ph type="title"/>
           </p:nvPr>
         </p:nvSpPr>
-        <p:spPr/>
+        <p:spPr>
+          <a:xfrm>
+            <a:off x="1143001" y="350917"/>
+            <a:ext cx="9905998" cy="1478570"/>
+          </a:xfrm>
+        </p:spPr>
         <p:txBody>
           <a:bodyPr/>
           <a:lstStyle/>
           <a:p>
+            <a:pPr algn="ctr"/>
+            <a:r>
+              <a:rPr lang="bg-BG" dirty="0"/>
+              <a:t>кратко изложение</a:t>
+            </a:r>
+            <a:endParaRPr lang="en-US" dirty="0"/>
+          </a:p>
+        </p:txBody>
+      </p:sp>
+      <p:sp>
+        <p:nvSpPr>
+          <p:cNvPr id="6" name="Content Placeholder 4">
+            <a:extLst>
+              <a:ext uri="{FF2B5EF4-FFF2-40B4-BE49-F238E27FC236}">
+                <a16:creationId xmlns:a16="http://schemas.microsoft.com/office/drawing/2014/main" id="{FD86B125-F331-4A80-9449-EAABC8C699C2}"/>
+              </a:ext>
+            </a:extLst>
+          </p:cNvPr>
+          <p:cNvSpPr txBox="1">
+            <a:spLocks/>
+          </p:cNvSpPr>
+          <p:nvPr/>
+        </p:nvSpPr>
+        <p:spPr>
+          <a:xfrm>
+            <a:off x="6648401" y="2232910"/>
+            <a:ext cx="11696797" cy="5458202"/>
+          </a:xfrm>
+          <a:prstGeom prst="rect">
+            <a:avLst/>
+          </a:prstGeom>
+        </p:spPr>
+        <p:txBody>
+          <a:bodyPr vert="horz" lIns="91440" tIns="45720" rIns="91440" bIns="45720" rtlCol="0">
+            <a:normAutofit/>
+          </a:bodyPr>
+          <a:lstStyle>
+            <a:lvl1pPr marL="228600" indent="-228600" algn="l" defTabSz="914400" rtl="0" eaLnBrk="1" latinLnBrk="0" hangingPunct="1">
+              <a:lnSpc>
+                <a:spcPct val="120000"/>
+              </a:lnSpc>
+              <a:spcBef>
+                <a:spcPts val="1000"/>
+              </a:spcBef>
+              <a:buSzPct val="125000"/>
+              <a:buFont typeface="Arial" panose="020B0604020202020204" pitchFamily="34" charset="0"/>
+              <a:buChar char="•"/>
+              <a:defRPr sz="2400" kern="1200">
+                <a:solidFill>
+                  <a:schemeClr val="tx1"/>
+                </a:solidFill>
+                <a:latin typeface="+mn-lt"/>
+                <a:ea typeface="+mn-ea"/>
+                <a:cs typeface="+mn-cs"/>
+              </a:defRPr>
+            </a:lvl1pPr>
+            <a:lvl2pPr marL="685800" indent="-228600" algn="l" defTabSz="914400" rtl="0" eaLnBrk="1" latinLnBrk="0" hangingPunct="1">
+              <a:lnSpc>
+                <a:spcPct val="120000"/>
+              </a:lnSpc>
+              <a:spcBef>
+                <a:spcPts val="500"/>
+              </a:spcBef>
+              <a:buSzPct val="125000"/>
+              <a:buFont typeface="Arial" panose="020B0604020202020204" pitchFamily="34" charset="0"/>
+              <a:buChar char="•"/>
+              <a:defRPr sz="2000" kern="1200">
+                <a:solidFill>
+                  <a:schemeClr val="tx1"/>
+                </a:solidFill>
+                <a:latin typeface="+mn-lt"/>
+                <a:ea typeface="+mn-ea"/>
+                <a:cs typeface="+mn-cs"/>
+              </a:defRPr>
+            </a:lvl2pPr>
+            <a:lvl3pPr marL="1143000" indent="-228600" algn="l" defTabSz="914400" rtl="0" eaLnBrk="1" latinLnBrk="0" hangingPunct="1">
+              <a:lnSpc>
+                <a:spcPct val="120000"/>
+              </a:lnSpc>
+              <a:spcBef>
+                <a:spcPts val="500"/>
+              </a:spcBef>
+              <a:buSzPct val="125000"/>
+              <a:buFont typeface="Arial" panose="020B0604020202020204" pitchFamily="34" charset="0"/>
+              <a:buChar char="•"/>
+              <a:defRPr sz="1800" kern="1200">
+                <a:solidFill>
+                  <a:schemeClr val="tx1"/>
+                </a:solidFill>
+                <a:latin typeface="+mn-lt"/>
+                <a:ea typeface="+mn-ea"/>
+                <a:cs typeface="+mn-cs"/>
+              </a:defRPr>
+            </a:lvl3pPr>
+            <a:lvl4pPr marL="1600200" indent="-228600" algn="l" defTabSz="914400" rtl="0" eaLnBrk="1" latinLnBrk="0" hangingPunct="1">
+              <a:lnSpc>
+                <a:spcPct val="120000"/>
+              </a:lnSpc>
+              <a:spcBef>
+                <a:spcPts val="500"/>
+              </a:spcBef>
+              <a:buSzPct val="125000"/>
+              <a:buFont typeface="Arial" panose="020B0604020202020204" pitchFamily="34" charset="0"/>
+              <a:buChar char="•"/>
+              <a:defRPr sz="1600" kern="1200">
+                <a:solidFill>
+                  <a:schemeClr val="tx1"/>
+                </a:solidFill>
+                <a:latin typeface="+mn-lt"/>
+                <a:ea typeface="+mn-ea"/>
+                <a:cs typeface="+mn-cs"/>
+              </a:defRPr>
+            </a:lvl4pPr>
+            <a:lvl5pPr marL="2057400" indent="-228600" algn="l" defTabSz="914400" rtl="0" eaLnBrk="1" latinLnBrk="0" hangingPunct="1">
+              <a:lnSpc>
+                <a:spcPct val="120000"/>
+              </a:lnSpc>
+              <a:spcBef>
+                <a:spcPts val="500"/>
+              </a:spcBef>
+              <a:buSzPct val="125000"/>
+              <a:buFont typeface="Arial" panose="020B0604020202020204" pitchFamily="34" charset="0"/>
+              <a:buChar char="•"/>
+              <a:defRPr sz="1600" kern="1200">
+                <a:solidFill>
+                  <a:schemeClr val="tx1"/>
+                </a:solidFill>
+                <a:latin typeface="+mn-lt"/>
+                <a:ea typeface="+mn-ea"/>
+                <a:cs typeface="+mn-cs"/>
+              </a:defRPr>
+            </a:lvl5pPr>
+            <a:lvl6pPr marL="2514600" indent="-228600" algn="l" defTabSz="914400" rtl="0" eaLnBrk="1" latinLnBrk="0" hangingPunct="1">
+              <a:lnSpc>
+                <a:spcPct val="120000"/>
+              </a:lnSpc>
+              <a:spcBef>
+                <a:spcPts val="500"/>
+              </a:spcBef>
+              <a:buSzPct val="125000"/>
+              <a:buFont typeface="Arial" panose="020B0604020202020204" pitchFamily="34" charset="0"/>
+              <a:buChar char="•"/>
+              <a:defRPr sz="1400" kern="1200">
+                <a:solidFill>
+                  <a:schemeClr val="tx1"/>
+                </a:solidFill>
+                <a:latin typeface="+mn-lt"/>
+                <a:ea typeface="+mn-ea"/>
+                <a:cs typeface="+mn-cs"/>
+              </a:defRPr>
+            </a:lvl6pPr>
+            <a:lvl7pPr marL="2971800" indent="-228600" algn="l" defTabSz="914400" rtl="0" eaLnBrk="1" latinLnBrk="0" hangingPunct="1">
+              <a:lnSpc>
+                <a:spcPct val="120000"/>
+              </a:lnSpc>
+              <a:spcBef>
+                <a:spcPts val="500"/>
+              </a:spcBef>
+              <a:buSzPct val="125000"/>
+              <a:buFont typeface="Arial" panose="020B0604020202020204" pitchFamily="34" charset="0"/>
+              <a:buChar char="•"/>
+              <a:defRPr sz="1400" kern="1200">
+                <a:solidFill>
+                  <a:schemeClr val="tx1"/>
+                </a:solidFill>
+                <a:latin typeface="+mn-lt"/>
+                <a:ea typeface="+mn-ea"/>
+                <a:cs typeface="+mn-cs"/>
+              </a:defRPr>
+            </a:lvl7pPr>
+            <a:lvl8pPr marL="3429000" indent="-228600" algn="l" defTabSz="914400" rtl="0" eaLnBrk="1" latinLnBrk="0" hangingPunct="1">
+              <a:lnSpc>
+                <a:spcPct val="120000"/>
+              </a:lnSpc>
+              <a:spcBef>
+                <a:spcPts val="500"/>
+              </a:spcBef>
+              <a:buSzPct val="125000"/>
+              <a:buFont typeface="Arial" panose="020B0604020202020204" pitchFamily="34" charset="0"/>
+              <a:buChar char="•"/>
+              <a:defRPr sz="1400" kern="1200">
+                <a:solidFill>
+                  <a:schemeClr val="tx1"/>
+                </a:solidFill>
+                <a:latin typeface="+mn-lt"/>
+                <a:ea typeface="+mn-ea"/>
+                <a:cs typeface="+mn-cs"/>
+              </a:defRPr>
+            </a:lvl8pPr>
+            <a:lvl9pPr marL="3886200" indent="-228600" algn="l" defTabSz="914400" rtl="0" eaLnBrk="1" latinLnBrk="0" hangingPunct="1">
+              <a:lnSpc>
+                <a:spcPct val="120000"/>
+              </a:lnSpc>
+              <a:spcBef>
+                <a:spcPts val="500"/>
+              </a:spcBef>
+              <a:buSzPct val="125000"/>
+              <a:buFont typeface="Arial" panose="020B0604020202020204" pitchFamily="34" charset="0"/>
+              <a:buChar char="•"/>
+              <a:defRPr sz="1400" kern="1200">
+                <a:solidFill>
+                  <a:schemeClr val="tx1"/>
+                </a:solidFill>
+                <a:latin typeface="+mn-lt"/>
+                <a:ea typeface="+mn-ea"/>
+                <a:cs typeface="+mn-cs"/>
+              </a:defRPr>
+            </a:lvl9pPr>
+          </a:lstStyle>
+          <a:p>
+            <a:pPr>
+              <a:lnSpc>
+                <a:spcPct val="100000"/>
+              </a:lnSpc>
+            </a:pPr>
+            <a:endParaRPr lang="en-US" sz="1600" dirty="0"/>
+          </a:p>
+        </p:txBody>
+      </p:sp>
+      <p:pic>
+        <p:nvPicPr>
+          <p:cNvPr id="1029" name="Picture 5" descr="Mobile App Video Clipart - Png Download (#5316772) - PinClipart">
+            <a:extLst>
+              <a:ext uri="{FF2B5EF4-FFF2-40B4-BE49-F238E27FC236}">
+                <a16:creationId xmlns:a16="http://schemas.microsoft.com/office/drawing/2014/main" id="{4D091A67-FABC-4861-9378-4450A5B1953D}"/>
+              </a:ext>
+            </a:extLst>
+          </p:cNvPr>
+          <p:cNvPicPr>
+            <a:picLocks noChangeAspect="1" noChangeArrowheads="1"/>
+          </p:cNvPicPr>
+          <p:nvPr/>
+        </p:nvPicPr>
+        <p:blipFill>
+          <a:blip r:embed="rId2">
+            <a:extLst>
+              <a:ext uri="{BEBA8EAE-BF5A-486C-A8C5-ECC9F3942E4B}">
+                <a14:imgProps xmlns:a14="http://schemas.microsoft.com/office/drawing/2010/main">
+                  <a14:imgLayer r:embed="rId3">
+                    <a14:imgEffect>
+                      <a14:backgroundRemoval t="10000" b="90000" l="10000" r="90000"/>
+                    </a14:imgEffect>
+                  </a14:imgLayer>
+                </a14:imgProps>
+              </a:ext>
+              <a:ext uri="{28A0092B-C50C-407E-A947-70E740481C1C}">
+                <a14:useLocalDpi xmlns:a14="http://schemas.microsoft.com/office/drawing/2010/main" val="0"/>
+              </a:ext>
+            </a:extLst>
+          </a:blip>
+          <a:srcRect/>
+          <a:stretch>
+            <a:fillRect/>
+          </a:stretch>
+        </p:blipFill>
+        <p:spPr bwMode="auto">
+          <a:xfrm>
+            <a:off x="-62311" y="2194974"/>
+            <a:ext cx="3894137" cy="3429699"/>
+          </a:xfrm>
+          <a:prstGeom prst="rect">
+            <a:avLst/>
+          </a:prstGeom>
+          <a:noFill/>
+          <a:extLst>
+            <a:ext uri="{909E8E84-426E-40DD-AFC4-6F175D3DCCD1}">
+              <a14:hiddenFill xmlns:a14="http://schemas.microsoft.com/office/drawing/2010/main">
+                <a:solidFill>
+                  <a:srgbClr val="FFFFFF"/>
+                </a:solidFill>
+              </a14:hiddenFill>
+            </a:ext>
+          </a:extLst>
+        </p:spPr>
+      </p:pic>
+      <p:sp>
+        <p:nvSpPr>
+          <p:cNvPr id="15" name="Arrow: Right 14">
+            <a:extLst>
+              <a:ext uri="{FF2B5EF4-FFF2-40B4-BE49-F238E27FC236}">
+                <a16:creationId xmlns:a16="http://schemas.microsoft.com/office/drawing/2014/main" id="{77E124B7-7864-4458-BEFF-DD9337DD1CCB}"/>
+              </a:ext>
+            </a:extLst>
+          </p:cNvPr>
+          <p:cNvSpPr/>
+          <p:nvPr/>
+        </p:nvSpPr>
+        <p:spPr>
+          <a:xfrm>
+            <a:off x="3354779" y="3465512"/>
+            <a:ext cx="1522021" cy="484632"/>
+          </a:xfrm>
+          <a:prstGeom prst="rightArrow">
+            <a:avLst/>
+          </a:prstGeom>
+        </p:spPr>
+        <p:style>
+          <a:lnRef idx="3">
+            <a:schemeClr val="lt1"/>
+          </a:lnRef>
+          <a:fillRef idx="1">
+            <a:schemeClr val="accent6"/>
+          </a:fillRef>
+          <a:effectRef idx="1">
+            <a:schemeClr val="accent6"/>
+          </a:effectRef>
+          <a:fontRef idx="minor">
+            <a:schemeClr val="lt1"/>
+          </a:fontRef>
+        </p:style>
+        <p:txBody>
+          <a:bodyPr rtlCol="0" anchor="ctr"/>
+          <a:lstStyle/>
+          <a:p>
+            <a:pPr algn="ctr"/>
+            <a:endParaRPr lang="en-US"/>
+          </a:p>
+        </p:txBody>
+      </p:sp>
+      <p:pic>
+        <p:nvPicPr>
+          <p:cNvPr id="1033" name="Picture 9" descr="Azure API Management - Reviews, Pros &amp; Cons | Companies using Azure API  Management">
+            <a:extLst>
+              <a:ext uri="{FF2B5EF4-FFF2-40B4-BE49-F238E27FC236}">
+                <a16:creationId xmlns:a16="http://schemas.microsoft.com/office/drawing/2014/main" id="{4C4F227F-A644-46D3-B8CE-4E5DC69CCA02}"/>
+              </a:ext>
+            </a:extLst>
+          </p:cNvPr>
+          <p:cNvPicPr>
+            <a:picLocks noChangeAspect="1" noChangeArrowheads="1"/>
+          </p:cNvPicPr>
+          <p:nvPr/>
+        </p:nvPicPr>
+        <p:blipFill>
+          <a:blip r:embed="rId4">
+            <a:extLst>
+              <a:ext uri="{BEBA8EAE-BF5A-486C-A8C5-ECC9F3942E4B}">
+                <a14:imgProps xmlns:a14="http://schemas.microsoft.com/office/drawing/2010/main">
+                  <a14:imgLayer r:embed="rId5">
+                    <a14:imgEffect>
+                      <a14:backgroundRemoval t="10000" b="90000" l="10000" r="90000"/>
+                    </a14:imgEffect>
+                  </a14:imgLayer>
+                </a14:imgProps>
+              </a:ext>
+              <a:ext uri="{28A0092B-C50C-407E-A947-70E740481C1C}">
+                <a14:useLocalDpi xmlns:a14="http://schemas.microsoft.com/office/drawing/2010/main" val="0"/>
+              </a:ext>
+            </a:extLst>
+          </a:blip>
+          <a:srcRect/>
+          <a:stretch>
+            <a:fillRect/>
+          </a:stretch>
+        </p:blipFill>
+        <p:spPr bwMode="auto">
+          <a:xfrm>
+            <a:off x="4636008" y="2495443"/>
+            <a:ext cx="2437370" cy="2437370"/>
+          </a:xfrm>
+          <a:prstGeom prst="rect">
+            <a:avLst/>
+          </a:prstGeom>
+          <a:noFill/>
+          <a:extLst>
+            <a:ext uri="{909E8E84-426E-40DD-AFC4-6F175D3DCCD1}">
+              <a14:hiddenFill xmlns:a14="http://schemas.microsoft.com/office/drawing/2010/main">
+                <a:solidFill>
+                  <a:srgbClr val="FFFFFF"/>
+                </a:solidFill>
+              </a14:hiddenFill>
+            </a:ext>
+          </a:extLst>
+        </p:spPr>
+      </p:pic>
+      <p:pic>
+        <p:nvPicPr>
+          <p:cNvPr id="1041" name="Picture 17" descr="Listing Of 530 Web Test Tools And Management Tools - Api Icon - Free  Transparent PNG Clipart Images Download">
+            <a:extLst>
+              <a:ext uri="{FF2B5EF4-FFF2-40B4-BE49-F238E27FC236}">
+                <a16:creationId xmlns:a16="http://schemas.microsoft.com/office/drawing/2014/main" id="{02DD60E6-23C7-49B7-9606-040A90ACFD6B}"/>
+              </a:ext>
+            </a:extLst>
+          </p:cNvPr>
+          <p:cNvPicPr>
+            <a:picLocks noChangeAspect="1" noChangeArrowheads="1"/>
+          </p:cNvPicPr>
+          <p:nvPr/>
+        </p:nvPicPr>
+        <p:blipFill>
+          <a:blip r:embed="rId6">
+            <a:extLst>
+              <a:ext uri="{BEBA8EAE-BF5A-486C-A8C5-ECC9F3942E4B}">
+                <a14:imgProps xmlns:a14="http://schemas.microsoft.com/office/drawing/2010/main">
+                  <a14:imgLayer r:embed="rId7">
+                    <a14:imgEffect>
+                      <a14:backgroundRemoval t="10000" b="90000" l="10000" r="90000"/>
+                    </a14:imgEffect>
+                  </a14:imgLayer>
+                </a14:imgProps>
+              </a:ext>
+              <a:ext uri="{28A0092B-C50C-407E-A947-70E740481C1C}">
+                <a14:useLocalDpi xmlns:a14="http://schemas.microsoft.com/office/drawing/2010/main" val="0"/>
+              </a:ext>
+            </a:extLst>
+          </a:blip>
+          <a:srcRect/>
+          <a:stretch>
+            <a:fillRect/>
+          </a:stretch>
+        </p:blipFill>
+        <p:spPr bwMode="auto">
+          <a:xfrm>
+            <a:off x="6778097" y="2090709"/>
+            <a:ext cx="5946689" cy="4191000"/>
+          </a:xfrm>
+          <a:prstGeom prst="rect">
+            <a:avLst/>
+          </a:prstGeom>
+          <a:noFill/>
+          <a:extLst>
+            <a:ext uri="{909E8E84-426E-40DD-AFC4-6F175D3DCCD1}">
+              <a14:hiddenFill xmlns:a14="http://schemas.microsoft.com/office/drawing/2010/main">
+                <a:solidFill>
+                  <a:srgbClr val="FFFFFF"/>
+                </a:solidFill>
+              </a14:hiddenFill>
+            </a:ext>
+          </a:extLst>
+        </p:spPr>
+      </p:pic>
+      <p:sp>
+        <p:nvSpPr>
+          <p:cNvPr id="23" name="Arrow: Right 22">
+            <a:extLst>
+              <a:ext uri="{FF2B5EF4-FFF2-40B4-BE49-F238E27FC236}">
+                <a16:creationId xmlns:a16="http://schemas.microsoft.com/office/drawing/2014/main" id="{3FAB21EB-CA2C-42B1-BF6C-79AA00AF41B8}"/>
+              </a:ext>
+            </a:extLst>
+          </p:cNvPr>
+          <p:cNvSpPr/>
+          <p:nvPr/>
+        </p:nvSpPr>
+        <p:spPr>
+          <a:xfrm>
+            <a:off x="6881626" y="3449783"/>
+            <a:ext cx="1656732" cy="484632"/>
+          </a:xfrm>
+          <a:prstGeom prst="rightArrow">
+            <a:avLst/>
+          </a:prstGeom>
+        </p:spPr>
+        <p:style>
+          <a:lnRef idx="3">
+            <a:schemeClr val="lt1"/>
+          </a:lnRef>
+          <a:fillRef idx="1">
+            <a:schemeClr val="accent6"/>
+          </a:fillRef>
+          <a:effectRef idx="1">
+            <a:schemeClr val="accent6"/>
+          </a:effectRef>
+          <a:fontRef idx="minor">
+            <a:schemeClr val="lt1"/>
+          </a:fontRef>
+        </p:style>
+        <p:txBody>
+          <a:bodyPr rtlCol="0" anchor="ctr"/>
+          <a:lstStyle/>
+          <a:p>
+            <a:pPr algn="ctr"/>
+            <a:endParaRPr lang="en-US"/>
+          </a:p>
+        </p:txBody>
+      </p:sp>
+      <p:sp>
+        <p:nvSpPr>
+          <p:cNvPr id="17" name="Rectangle 16">
+            <a:extLst>
+              <a:ext uri="{FF2B5EF4-FFF2-40B4-BE49-F238E27FC236}">
+                <a16:creationId xmlns:a16="http://schemas.microsoft.com/office/drawing/2014/main" id="{F75047C9-B704-4F4F-BE23-1C68523BF69D}"/>
+              </a:ext>
+            </a:extLst>
+          </p:cNvPr>
+          <p:cNvSpPr/>
+          <p:nvPr/>
+        </p:nvSpPr>
+        <p:spPr>
+          <a:xfrm>
+            <a:off x="4299066" y="4246546"/>
+            <a:ext cx="2920031" cy="707886"/>
+          </a:xfrm>
+          <a:prstGeom prst="rect">
+            <a:avLst/>
+          </a:prstGeom>
+          <a:noFill/>
+        </p:spPr>
+        <p:txBody>
+          <a:bodyPr wrap="none" lIns="91440" tIns="45720" rIns="91440" bIns="45720">
+            <a:spAutoFit/>
+          </a:bodyPr>
+          <a:lstStyle/>
+          <a:p>
+            <a:pPr algn="ctr"/>
+            <a:r>
+              <a:rPr lang="en-US" sz="4000" b="0" cap="none" spc="0" dirty="0">
+                <a:ln w="0"/>
+                <a:solidFill>
+                  <a:schemeClr val="tx1"/>
+                </a:solidFill>
+                <a:effectLst>
+                  <a:outerShdw blurRad="38100" dist="19050" dir="2700000" algn="tl" rotWithShape="0">
+                    <a:schemeClr val="dk1">
+                      <a:alpha val="40000"/>
+                    </a:schemeClr>
+                  </a:outerShdw>
+                </a:effectLst>
+              </a:rPr>
+              <a:t>API Gateway</a:t>
+            </a:r>
+          </a:p>
+        </p:txBody>
+      </p:sp>
+      <p:sp>
+        <p:nvSpPr>
+          <p:cNvPr id="28" name="Rectangle 27">
+            <a:extLst>
+              <a:ext uri="{FF2B5EF4-FFF2-40B4-BE49-F238E27FC236}">
+                <a16:creationId xmlns:a16="http://schemas.microsoft.com/office/drawing/2014/main" id="{15925F69-773B-48F3-9185-4A4944FA1030}"/>
+              </a:ext>
+            </a:extLst>
+          </p:cNvPr>
+          <p:cNvSpPr/>
+          <p:nvPr/>
+        </p:nvSpPr>
+        <p:spPr>
+          <a:xfrm>
+            <a:off x="988562" y="5159526"/>
+            <a:ext cx="2587568" cy="707886"/>
+          </a:xfrm>
+          <a:prstGeom prst="rect">
+            <a:avLst/>
+          </a:prstGeom>
+          <a:noFill/>
+        </p:spPr>
+        <p:txBody>
+          <a:bodyPr wrap="none" lIns="91440" tIns="45720" rIns="91440" bIns="45720">
+            <a:spAutoFit/>
+          </a:bodyPr>
+          <a:lstStyle/>
+          <a:p>
+            <a:pPr algn="ctr"/>
+            <a:r>
+              <a:rPr lang="en-US" sz="4000" dirty="0" err="1">
+                <a:ln w="0"/>
+                <a:effectLst>
+                  <a:outerShdw blurRad="38100" dist="19050" dir="2700000" algn="tl" rotWithShape="0">
+                    <a:schemeClr val="dk1">
+                      <a:alpha val="40000"/>
+                    </a:schemeClr>
+                  </a:outerShdw>
+                </a:effectLst>
+              </a:rPr>
+              <a:t>OnSite</a:t>
+            </a:r>
+            <a:r>
+              <a:rPr lang="en-US" sz="4000" b="0" cap="none" spc="0" dirty="0">
+                <a:ln w="0"/>
+                <a:solidFill>
+                  <a:schemeClr val="tx1"/>
+                </a:solidFill>
+                <a:effectLst>
+                  <a:outerShdw blurRad="38100" dist="19050" dir="2700000" algn="tl" rotWithShape="0">
+                    <a:schemeClr val="dk1">
+                      <a:alpha val="40000"/>
+                    </a:schemeClr>
+                  </a:outerShdw>
+                </a:effectLst>
+              </a:rPr>
+              <a:t> App</a:t>
+            </a:r>
+          </a:p>
+        </p:txBody>
+      </p:sp>
+      <p:sp>
+        <p:nvSpPr>
+          <p:cNvPr id="31" name="Rectangle 30">
+            <a:extLst>
+              <a:ext uri="{FF2B5EF4-FFF2-40B4-BE49-F238E27FC236}">
+                <a16:creationId xmlns:a16="http://schemas.microsoft.com/office/drawing/2014/main" id="{D00D98F7-F580-4445-8E19-BFA4855D8E40}"/>
+              </a:ext>
+            </a:extLst>
+          </p:cNvPr>
+          <p:cNvSpPr/>
+          <p:nvPr/>
+        </p:nvSpPr>
+        <p:spPr>
+          <a:xfrm>
+            <a:off x="9947016" y="4608068"/>
+            <a:ext cx="1635384" cy="707886"/>
+          </a:xfrm>
+          <a:prstGeom prst="rect">
+            <a:avLst/>
+          </a:prstGeom>
+          <a:noFill/>
+        </p:spPr>
+        <p:txBody>
+          <a:bodyPr wrap="none" lIns="91440" tIns="45720" rIns="91440" bIns="45720">
+            <a:spAutoFit/>
+          </a:bodyPr>
+          <a:lstStyle/>
+          <a:p>
+            <a:pPr algn="ctr"/>
+            <a:r>
+              <a:rPr lang="en-US" sz="4000" b="0" cap="none" spc="0" dirty="0">
+                <a:ln w="0"/>
+                <a:solidFill>
+                  <a:schemeClr val="tx1"/>
+                </a:solidFill>
+                <a:effectLst>
+                  <a:outerShdw blurRad="38100" dist="19050" dir="2700000" algn="tl" rotWithShape="0">
+                    <a:schemeClr val="dk1">
+                      <a:alpha val="40000"/>
+                    </a:schemeClr>
+                  </a:outerShdw>
+                </a:effectLst>
+              </a:rPr>
+              <a:t>Orders</a:t>
+            </a:r>
+          </a:p>
+        </p:txBody>
+      </p:sp>
+      <p:sp>
+        <p:nvSpPr>
+          <p:cNvPr id="19" name="TextBox 18">
+            <a:extLst>
+              <a:ext uri="{FF2B5EF4-FFF2-40B4-BE49-F238E27FC236}">
+                <a16:creationId xmlns:a16="http://schemas.microsoft.com/office/drawing/2014/main" id="{04CB8FD2-AAD7-42F7-BC1C-86702A5DEF23}"/>
+              </a:ext>
+            </a:extLst>
+          </p:cNvPr>
+          <p:cNvSpPr txBox="1"/>
+          <p:nvPr/>
+        </p:nvSpPr>
+        <p:spPr>
+          <a:xfrm>
+            <a:off x="3354779" y="3188017"/>
+            <a:ext cx="1905000" cy="369332"/>
+          </a:xfrm>
+          <a:prstGeom prst="rect">
+            <a:avLst/>
+          </a:prstGeom>
+          <a:noFill/>
+        </p:spPr>
+        <p:txBody>
+          <a:bodyPr wrap="square" rtlCol="0">
+            <a:spAutoFit/>
+          </a:bodyPr>
+          <a:lstStyle/>
+          <a:p>
             <a:r>
               <a:rPr lang="en-US" dirty="0"/>
-              <a:t>API Gateway</a:t>
+              <a:t>GET /orders</a:t>
             </a:r>
-            <a:endParaRPr lang="en-US" sz="3600" dirty="0"/>
+          </a:p>
+        </p:txBody>
+      </p:sp>
+      <p:sp>
+        <p:nvSpPr>
+          <p:cNvPr id="33" name="TextBox 32">
+            <a:extLst>
+              <a:ext uri="{FF2B5EF4-FFF2-40B4-BE49-F238E27FC236}">
+                <a16:creationId xmlns:a16="http://schemas.microsoft.com/office/drawing/2014/main" id="{1547BCB7-A538-45E6-B51C-3DE712719AF2}"/>
+              </a:ext>
+            </a:extLst>
+          </p:cNvPr>
+          <p:cNvSpPr txBox="1"/>
+          <p:nvPr/>
+        </p:nvSpPr>
+        <p:spPr>
+          <a:xfrm>
+            <a:off x="3469217" y="3909824"/>
+            <a:ext cx="1905000" cy="369332"/>
+          </a:xfrm>
+          <a:prstGeom prst="rect">
+            <a:avLst/>
+          </a:prstGeom>
+          <a:noFill/>
+        </p:spPr>
+        <p:txBody>
+          <a:bodyPr wrap="square" rtlCol="0">
+            <a:spAutoFit/>
+          </a:bodyPr>
+          <a:lstStyle/>
+          <a:p>
+            <a:r>
+              <a:rPr lang="en-US" dirty="0"/>
+              <a:t>REST - HTTP 1.1</a:t>
+            </a:r>
+          </a:p>
+        </p:txBody>
+      </p:sp>
+      <p:sp>
+        <p:nvSpPr>
+          <p:cNvPr id="34" name="TextBox 33">
+            <a:extLst>
+              <a:ext uri="{FF2B5EF4-FFF2-40B4-BE49-F238E27FC236}">
+                <a16:creationId xmlns:a16="http://schemas.microsoft.com/office/drawing/2014/main" id="{F5F906DE-7DC1-4E34-871E-F35617C40405}"/>
+              </a:ext>
+            </a:extLst>
+          </p:cNvPr>
+          <p:cNvSpPr txBox="1"/>
+          <p:nvPr/>
+        </p:nvSpPr>
+        <p:spPr>
+          <a:xfrm>
+            <a:off x="6881626" y="4001543"/>
+            <a:ext cx="1905000" cy="369332"/>
+          </a:xfrm>
+          <a:prstGeom prst="rect">
+            <a:avLst/>
+          </a:prstGeom>
+          <a:noFill/>
+        </p:spPr>
+        <p:txBody>
+          <a:bodyPr wrap="square" rtlCol="0">
+            <a:spAutoFit/>
+          </a:bodyPr>
+          <a:lstStyle/>
+          <a:p>
+            <a:r>
+              <a:rPr lang="en-US" dirty="0" err="1"/>
+              <a:t>gRPC</a:t>
+            </a:r>
+            <a:r>
+              <a:rPr lang="en-US" dirty="0"/>
+              <a:t> - HTTP 2</a:t>
+            </a:r>
+          </a:p>
+        </p:txBody>
+      </p:sp>
+      <p:sp>
+        <p:nvSpPr>
+          <p:cNvPr id="35" name="TextBox 34">
+            <a:extLst>
+              <a:ext uri="{FF2B5EF4-FFF2-40B4-BE49-F238E27FC236}">
+                <a16:creationId xmlns:a16="http://schemas.microsoft.com/office/drawing/2014/main" id="{C4B1C4EE-2DDF-4835-A91B-E475C43F7A21}"/>
+              </a:ext>
+            </a:extLst>
+          </p:cNvPr>
+          <p:cNvSpPr txBox="1"/>
+          <p:nvPr/>
+        </p:nvSpPr>
+        <p:spPr>
+          <a:xfrm>
+            <a:off x="6881626" y="3233990"/>
+            <a:ext cx="1905000" cy="369332"/>
+          </a:xfrm>
+          <a:prstGeom prst="rect">
+            <a:avLst/>
+          </a:prstGeom>
+          <a:noFill/>
+        </p:spPr>
+        <p:txBody>
+          <a:bodyPr wrap="square" rtlCol="0">
+            <a:spAutoFit/>
+          </a:bodyPr>
+          <a:lstStyle/>
+          <a:p>
+            <a:r>
+              <a:rPr lang="en-US" dirty="0"/>
+              <a:t>POST /orders</a:t>
+            </a:r>
           </a:p>
         </p:txBody>
       </p:sp>
     </p:spTree>
     <p:extLst>
       <p:ext uri="{BB962C8B-B14F-4D97-AF65-F5344CB8AC3E}">
-        <p14:creationId xmlns:p14="http://schemas.microsoft.com/office/powerpoint/2010/main" val="2251585539"/>
+        <p14:creationId xmlns:p14="http://schemas.microsoft.com/office/powerpoint/2010/main" val="2064116593"/>
       </p:ext>
     </p:extLst>
   </p:cSld>
@@ -29713,192 +33075,10 @@
           <a:chExt cx="0" cy="0"/>
         </a:xfrm>
       </p:grpSpPr>
-      <p:sp>
-        <p:nvSpPr>
-          <p:cNvPr id="7" name="Slide Number Placeholder 3"/>
-          <p:cNvSpPr>
-            <a:spLocks noGrp="1"/>
-          </p:cNvSpPr>
-          <p:nvPr>
-            <p:ph type="sldNum" sz="quarter" idx="4294967295"/>
-          </p:nvPr>
-        </p:nvSpPr>
-        <p:spPr>
-          <a:xfrm>
-            <a:off x="11568000" y="6525003"/>
-            <a:ext cx="428822" cy="196477"/>
-          </a:xfrm>
-          <a:prstGeom prst="rect">
-            <a:avLst/>
-          </a:prstGeom>
-        </p:spPr>
-        <p:txBody>
-          <a:bodyPr/>
-          <a:lstStyle/>
-          <a:p>
-            <a:pPr>
-              <a:defRPr/>
-            </a:pPr>
-            <a:fld id="{58452FF4-89E3-4D1B-9927-2DBDC00E58D7}" type="slidenum">
-              <a:rPr lang="en-US" smtClean="0"/>
-              <a:pPr>
-                <a:defRPr/>
-              </a:pPr>
-              <a:t>18</a:t>
-            </a:fld>
-            <a:endParaRPr lang="en-US" dirty="0"/>
-          </a:p>
-        </p:txBody>
-      </p:sp>
-      <p:sp>
-        <p:nvSpPr>
-          <p:cNvPr id="5" name="Content Placeholder 4"/>
-          <p:cNvSpPr>
-            <a:spLocks noGrp="1"/>
-          </p:cNvSpPr>
-          <p:nvPr>
-            <p:ph idx="1"/>
-          </p:nvPr>
-        </p:nvSpPr>
-        <p:spPr>
-          <a:xfrm>
-            <a:off x="1141413" y="1712549"/>
-            <a:ext cx="11696797" cy="5458202"/>
-          </a:xfrm>
-        </p:spPr>
-        <p:txBody>
-          <a:bodyPr>
-            <a:normAutofit/>
-          </a:bodyPr>
-          <a:lstStyle/>
-          <a:p>
-            <a:pPr>
-              <a:lnSpc>
-                <a:spcPct val="100000"/>
-              </a:lnSpc>
-            </a:pPr>
-            <a:r>
-              <a:rPr lang="en-US" dirty="0"/>
-              <a:t>Reverse proxy and routing</a:t>
-            </a:r>
-          </a:p>
-          <a:p>
-            <a:pPr lvl="1">
-              <a:lnSpc>
-                <a:spcPct val="100000"/>
-              </a:lnSpc>
-            </a:pPr>
-            <a:r>
-              <a:rPr lang="en-US" dirty="0"/>
-              <a:t>Decouples the client</a:t>
-            </a:r>
-          </a:p>
-          <a:p>
-            <a:pPr lvl="1">
-              <a:lnSpc>
-                <a:spcPct val="100000"/>
-              </a:lnSpc>
-            </a:pPr>
-            <a:r>
-              <a:rPr lang="en-US" dirty="0"/>
-              <a:t>Modernize legacy monolithic app</a:t>
-            </a:r>
-          </a:p>
-          <a:p>
-            <a:pPr lvl="1">
-              <a:lnSpc>
-                <a:spcPct val="100000"/>
-              </a:lnSpc>
-            </a:pPr>
-            <a:r>
-              <a:rPr lang="en-US" dirty="0"/>
-              <a:t>Hide the internal microservices</a:t>
-            </a:r>
-          </a:p>
-          <a:p>
-            <a:pPr>
-              <a:lnSpc>
-                <a:spcPct val="100000"/>
-              </a:lnSpc>
-            </a:pPr>
-            <a:r>
-              <a:rPr lang="en-US" dirty="0"/>
-              <a:t>Request aggregation</a:t>
-            </a:r>
-          </a:p>
-          <a:p>
-            <a:pPr lvl="1">
-              <a:lnSpc>
-                <a:spcPct val="100000"/>
-              </a:lnSpc>
-            </a:pPr>
-            <a:r>
-              <a:rPr lang="en-US" dirty="0"/>
-              <a:t>Reduces chattiness between client and microservices</a:t>
-            </a:r>
-          </a:p>
-          <a:p>
-            <a:pPr lvl="1">
-              <a:lnSpc>
-                <a:spcPct val="100000"/>
-              </a:lnSpc>
-            </a:pPr>
-            <a:r>
-              <a:rPr lang="en-US" dirty="0"/>
-              <a:t>Especially important for remote applications </a:t>
-            </a:r>
-          </a:p>
-          <a:p>
-            <a:pPr>
-              <a:lnSpc>
-                <a:spcPct val="100000"/>
-              </a:lnSpc>
-            </a:pPr>
-            <a:r>
-              <a:rPr lang="en-US" dirty="0"/>
-              <a:t>Offloading</a:t>
-            </a:r>
-          </a:p>
-          <a:p>
-            <a:pPr lvl="1">
-              <a:lnSpc>
-                <a:spcPct val="100000"/>
-              </a:lnSpc>
-            </a:pPr>
-            <a:r>
-              <a:rPr lang="en-US" dirty="0"/>
-              <a:t>Authentication, load balancing, retry policies, response caching, IP whitelisting, and more</a:t>
-            </a:r>
-          </a:p>
-        </p:txBody>
-      </p:sp>
-      <p:sp>
-        <p:nvSpPr>
-          <p:cNvPr id="4" name="Title 3"/>
-          <p:cNvSpPr>
-            <a:spLocks noGrp="1"/>
-          </p:cNvSpPr>
-          <p:nvPr>
-            <p:ph type="title"/>
-          </p:nvPr>
-        </p:nvSpPr>
-        <p:spPr/>
-        <p:txBody>
-          <a:bodyPr/>
-          <a:lstStyle/>
-          <a:p>
-            <a:r>
-              <a:rPr lang="en-US" dirty="0"/>
-              <a:t>API Gateway</a:t>
-            </a:r>
-            <a:endParaRPr lang="en-US" sz="3600" dirty="0"/>
-          </a:p>
-        </p:txBody>
-      </p:sp>
     </p:spTree>
     <p:extLst>
       <p:ext uri="{BB962C8B-B14F-4D97-AF65-F5344CB8AC3E}">
-        <p14:creationId xmlns:p14="http://schemas.microsoft.com/office/powerpoint/2010/main" val="4241715242"/>
+        <p14:creationId xmlns:p14="http://schemas.microsoft.com/office/powerpoint/2010/main" val="1136966193"/>
       </p:ext>
     </p:extLst>
   </p:cSld>
@@ -29937,7 +33117,7 @@
         </p:nvSpPr>
         <p:spPr>
           <a:xfrm>
-            <a:off x="11568000" y="6525003"/>
+            <a:off x="11582400" y="6576727"/>
             <a:ext cx="428822" cy="196477"/>
           </a:xfrm>
           <a:prstGeom prst="rect">
@@ -29964,117 +33144,6 @@
       </p:sp>
       <p:sp>
         <p:nvSpPr>
-          <p:cNvPr id="5" name="Content Placeholder 4"/>
-          <p:cNvSpPr>
-            <a:spLocks noGrp="1"/>
-          </p:cNvSpPr>
-          <p:nvPr>
-            <p:ph idx="1"/>
-          </p:nvPr>
-        </p:nvSpPr>
-        <p:spPr>
-          <a:xfrm>
-            <a:off x="1141413" y="2097088"/>
-            <a:ext cx="11696797" cy="5458202"/>
-          </a:xfrm>
-        </p:spPr>
-        <p:txBody>
-          <a:bodyPr>
-            <a:normAutofit/>
-          </a:bodyPr>
-          <a:lstStyle/>
-          <a:p>
-            <a:pPr>
-              <a:lnSpc>
-                <a:spcPct val="100000"/>
-              </a:lnSpc>
-            </a:pPr>
-            <a:r>
-              <a:rPr lang="en-US" dirty="0"/>
-              <a:t>There are a lot of API decision constraints</a:t>
-            </a:r>
-          </a:p>
-          <a:p>
-            <a:pPr lvl="1">
-              <a:lnSpc>
-                <a:spcPct val="100000"/>
-              </a:lnSpc>
-            </a:pPr>
-            <a:r>
-              <a:rPr lang="en-US" dirty="0"/>
-              <a:t>Customer constraints </a:t>
-            </a:r>
-          </a:p>
-          <a:p>
-            <a:pPr lvl="1">
-              <a:lnSpc>
-                <a:spcPct val="100000"/>
-              </a:lnSpc>
-            </a:pPr>
-            <a:r>
-              <a:rPr lang="en-US" dirty="0"/>
-              <a:t>Business constraints</a:t>
-            </a:r>
-          </a:p>
-          <a:p>
-            <a:pPr lvl="1">
-              <a:lnSpc>
-                <a:spcPct val="100000"/>
-              </a:lnSpc>
-            </a:pPr>
-            <a:r>
-              <a:rPr lang="en-US" dirty="0"/>
-              <a:t>Product requirements</a:t>
-            </a:r>
-          </a:p>
-          <a:p>
-            <a:pPr lvl="1">
-              <a:lnSpc>
-                <a:spcPct val="100000"/>
-              </a:lnSpc>
-            </a:pPr>
-            <a:r>
-              <a:rPr lang="en-US" dirty="0"/>
-              <a:t>Performance or scalability constraints</a:t>
-            </a:r>
-          </a:p>
-          <a:p>
-            <a:pPr lvl="1">
-              <a:lnSpc>
-                <a:spcPct val="100000"/>
-              </a:lnSpc>
-            </a:pPr>
-            <a:r>
-              <a:rPr lang="en-US" dirty="0"/>
-              <a:t>If the customer expects REST, you will not be able to use RPC</a:t>
-            </a:r>
-          </a:p>
-          <a:p>
-            <a:pPr>
-              <a:lnSpc>
-                <a:spcPct val="100000"/>
-              </a:lnSpc>
-            </a:pPr>
-            <a:r>
-              <a:rPr lang="en-US" dirty="0"/>
-              <a:t>These are all business constraints</a:t>
-            </a:r>
-          </a:p>
-          <a:p>
-            <a:pPr>
-              <a:lnSpc>
-                <a:spcPct val="100000"/>
-              </a:lnSpc>
-            </a:pPr>
-            <a:r>
-              <a:rPr lang="en-US" dirty="0"/>
-              <a:t>What about the technology ones?</a:t>
-            </a:r>
-          </a:p>
-        </p:txBody>
-      </p:sp>
-      <p:sp>
-        <p:nvSpPr>
           <p:cNvPr id="4" name="Title 3"/>
           <p:cNvSpPr>
             <a:spLocks noGrp="1"/>
@@ -30085,7 +33154,7 @@
         </p:nvSpPr>
         <p:spPr>
           <a:xfrm>
-            <a:off x="914401" y="990600"/>
+            <a:off x="1143001" y="350917"/>
             <a:ext cx="9905998" cy="1478570"/>
           </a:xfrm>
         </p:spPr>
@@ -30093,19 +33162,21 @@
           <a:bodyPr/>
           <a:lstStyle/>
           <a:p>
+            <a:pPr algn="ctr"/>
             <a:r>
-              <a:rPr lang="en-US" dirty="0"/>
-              <a:t>Business constraints </a:t>
+              <a:rPr lang="bg-BG" dirty="0"/>
+              <a:t>кратко изложение</a:t>
             </a:r>
+            <a:endParaRPr lang="en-US" dirty="0"/>
           </a:p>
         </p:txBody>
       </p:sp>
       <p:sp>
         <p:nvSpPr>
-          <p:cNvPr id="6" name="Title 3">
+          <p:cNvPr id="6" name="Content Placeholder 4">
             <a:extLst>
               <a:ext uri="{FF2B5EF4-FFF2-40B4-BE49-F238E27FC236}">
-                <a16:creationId xmlns:a16="http://schemas.microsoft.com/office/drawing/2014/main" id="{EA0B47F4-CA5A-4CA8-AC6F-591B08277B65}"/>
+                <a16:creationId xmlns:a16="http://schemas.microsoft.com/office/drawing/2014/main" id="{FD86B125-F331-4A80-9449-EAABC8C699C2}"/>
               </a:ext>
             </a:extLst>
           </p:cNvPr>
@@ -30116,49 +33187,735 @@
         </p:nvSpPr>
         <p:spPr>
           <a:xfrm>
-            <a:off x="3886200" y="76200"/>
-            <a:ext cx="3962400" cy="1478570"/>
+            <a:off x="6648401" y="2232910"/>
+            <a:ext cx="11696797" cy="5458202"/>
           </a:xfrm>
           <a:prstGeom prst="rect">
             <a:avLst/>
           </a:prstGeom>
         </p:spPr>
         <p:txBody>
-          <a:bodyPr vert="horz" lIns="91440" tIns="45720" rIns="91440" bIns="45720" rtlCol="0" anchor="ctr">
+          <a:bodyPr vert="horz" lIns="91440" tIns="45720" rIns="91440" bIns="45720" rtlCol="0">
             <a:normAutofit/>
           </a:bodyPr>
           <a:lstStyle>
-            <a:lvl1pPr algn="l" defTabSz="914400" rtl="0" eaLnBrk="1" latinLnBrk="0" hangingPunct="1">
+            <a:lvl1pPr marL="228600" indent="-228600" algn="l" defTabSz="914400" rtl="0" eaLnBrk="1" latinLnBrk="0" hangingPunct="1">
               <a:lnSpc>
-                <a:spcPct val="90000"/>
+                <a:spcPct val="120000"/>
               </a:lnSpc>
               <a:spcBef>
-                <a:spcPct val="0"/>
+                <a:spcPts val="1000"/>
               </a:spcBef>
-              <a:buNone/>
-              <a:defRPr sz="3600" kern="1200" cap="all" baseline="0">
+              <a:buSzPct val="125000"/>
+              <a:buFont typeface="Arial" panose="020B0604020202020204" pitchFamily="34" charset="0"/>
+              <a:buChar char="•"/>
+              <a:defRPr sz="2400" kern="1200">
                 <a:solidFill>
                   <a:schemeClr val="tx1"/>
                 </a:solidFill>
-                <a:latin typeface="+mj-lt"/>
-                <a:ea typeface="+mj-ea"/>
-                <a:cs typeface="+mj-cs"/>
+                <a:latin typeface="+mn-lt"/>
+                <a:ea typeface="+mn-ea"/>
+                <a:cs typeface="+mn-cs"/>
               </a:defRPr>
             </a:lvl1pPr>
+            <a:lvl2pPr marL="685800" indent="-228600" algn="l" defTabSz="914400" rtl="0" eaLnBrk="1" latinLnBrk="0" hangingPunct="1">
+              <a:lnSpc>
+                <a:spcPct val="120000"/>
+              </a:lnSpc>
+              <a:spcBef>
+                <a:spcPts val="500"/>
+              </a:spcBef>
+              <a:buSzPct val="125000"/>
+              <a:buFont typeface="Arial" panose="020B0604020202020204" pitchFamily="34" charset="0"/>
+              <a:buChar char="•"/>
+              <a:defRPr sz="2000" kern="1200">
+                <a:solidFill>
+                  <a:schemeClr val="tx1"/>
+                </a:solidFill>
+                <a:latin typeface="+mn-lt"/>
+                <a:ea typeface="+mn-ea"/>
+                <a:cs typeface="+mn-cs"/>
+              </a:defRPr>
+            </a:lvl2pPr>
+            <a:lvl3pPr marL="1143000" indent="-228600" algn="l" defTabSz="914400" rtl="0" eaLnBrk="1" latinLnBrk="0" hangingPunct="1">
+              <a:lnSpc>
+                <a:spcPct val="120000"/>
+              </a:lnSpc>
+              <a:spcBef>
+                <a:spcPts val="500"/>
+              </a:spcBef>
+              <a:buSzPct val="125000"/>
+              <a:buFont typeface="Arial" panose="020B0604020202020204" pitchFamily="34" charset="0"/>
+              <a:buChar char="•"/>
+              <a:defRPr sz="1800" kern="1200">
+                <a:solidFill>
+                  <a:schemeClr val="tx1"/>
+                </a:solidFill>
+                <a:latin typeface="+mn-lt"/>
+                <a:ea typeface="+mn-ea"/>
+                <a:cs typeface="+mn-cs"/>
+              </a:defRPr>
+            </a:lvl3pPr>
+            <a:lvl4pPr marL="1600200" indent="-228600" algn="l" defTabSz="914400" rtl="0" eaLnBrk="1" latinLnBrk="0" hangingPunct="1">
+              <a:lnSpc>
+                <a:spcPct val="120000"/>
+              </a:lnSpc>
+              <a:spcBef>
+                <a:spcPts val="500"/>
+              </a:spcBef>
+              <a:buSzPct val="125000"/>
+              <a:buFont typeface="Arial" panose="020B0604020202020204" pitchFamily="34" charset="0"/>
+              <a:buChar char="•"/>
+              <a:defRPr sz="1600" kern="1200">
+                <a:solidFill>
+                  <a:schemeClr val="tx1"/>
+                </a:solidFill>
+                <a:latin typeface="+mn-lt"/>
+                <a:ea typeface="+mn-ea"/>
+                <a:cs typeface="+mn-cs"/>
+              </a:defRPr>
+            </a:lvl4pPr>
+            <a:lvl5pPr marL="2057400" indent="-228600" algn="l" defTabSz="914400" rtl="0" eaLnBrk="1" latinLnBrk="0" hangingPunct="1">
+              <a:lnSpc>
+                <a:spcPct val="120000"/>
+              </a:lnSpc>
+              <a:spcBef>
+                <a:spcPts val="500"/>
+              </a:spcBef>
+              <a:buSzPct val="125000"/>
+              <a:buFont typeface="Arial" panose="020B0604020202020204" pitchFamily="34" charset="0"/>
+              <a:buChar char="•"/>
+              <a:defRPr sz="1600" kern="1200">
+                <a:solidFill>
+                  <a:schemeClr val="tx1"/>
+                </a:solidFill>
+                <a:latin typeface="+mn-lt"/>
+                <a:ea typeface="+mn-ea"/>
+                <a:cs typeface="+mn-cs"/>
+              </a:defRPr>
+            </a:lvl5pPr>
+            <a:lvl6pPr marL="2514600" indent="-228600" algn="l" defTabSz="914400" rtl="0" eaLnBrk="1" latinLnBrk="0" hangingPunct="1">
+              <a:lnSpc>
+                <a:spcPct val="120000"/>
+              </a:lnSpc>
+              <a:spcBef>
+                <a:spcPts val="500"/>
+              </a:spcBef>
+              <a:buSzPct val="125000"/>
+              <a:buFont typeface="Arial" panose="020B0604020202020204" pitchFamily="34" charset="0"/>
+              <a:buChar char="•"/>
+              <a:defRPr sz="1400" kern="1200">
+                <a:solidFill>
+                  <a:schemeClr val="tx1"/>
+                </a:solidFill>
+                <a:latin typeface="+mn-lt"/>
+                <a:ea typeface="+mn-ea"/>
+                <a:cs typeface="+mn-cs"/>
+              </a:defRPr>
+            </a:lvl6pPr>
+            <a:lvl7pPr marL="2971800" indent="-228600" algn="l" defTabSz="914400" rtl="0" eaLnBrk="1" latinLnBrk="0" hangingPunct="1">
+              <a:lnSpc>
+                <a:spcPct val="120000"/>
+              </a:lnSpc>
+              <a:spcBef>
+                <a:spcPts val="500"/>
+              </a:spcBef>
+              <a:buSzPct val="125000"/>
+              <a:buFont typeface="Arial" panose="020B0604020202020204" pitchFamily="34" charset="0"/>
+              <a:buChar char="•"/>
+              <a:defRPr sz="1400" kern="1200">
+                <a:solidFill>
+                  <a:schemeClr val="tx1"/>
+                </a:solidFill>
+                <a:latin typeface="+mn-lt"/>
+                <a:ea typeface="+mn-ea"/>
+                <a:cs typeface="+mn-cs"/>
+              </a:defRPr>
+            </a:lvl7pPr>
+            <a:lvl8pPr marL="3429000" indent="-228600" algn="l" defTabSz="914400" rtl="0" eaLnBrk="1" latinLnBrk="0" hangingPunct="1">
+              <a:lnSpc>
+                <a:spcPct val="120000"/>
+              </a:lnSpc>
+              <a:spcBef>
+                <a:spcPts val="500"/>
+              </a:spcBef>
+              <a:buSzPct val="125000"/>
+              <a:buFont typeface="Arial" panose="020B0604020202020204" pitchFamily="34" charset="0"/>
+              <a:buChar char="•"/>
+              <a:defRPr sz="1400" kern="1200">
+                <a:solidFill>
+                  <a:schemeClr val="tx1"/>
+                </a:solidFill>
+                <a:latin typeface="+mn-lt"/>
+                <a:ea typeface="+mn-ea"/>
+                <a:cs typeface="+mn-cs"/>
+              </a:defRPr>
+            </a:lvl8pPr>
+            <a:lvl9pPr marL="3886200" indent="-228600" algn="l" defTabSz="914400" rtl="0" eaLnBrk="1" latinLnBrk="0" hangingPunct="1">
+              <a:lnSpc>
+                <a:spcPct val="120000"/>
+              </a:lnSpc>
+              <a:spcBef>
+                <a:spcPts val="500"/>
+              </a:spcBef>
+              <a:buSzPct val="125000"/>
+              <a:buFont typeface="Arial" panose="020B0604020202020204" pitchFamily="34" charset="0"/>
+              <a:buChar char="•"/>
+              <a:defRPr sz="1400" kern="1200">
+                <a:solidFill>
+                  <a:schemeClr val="tx1"/>
+                </a:solidFill>
+                <a:latin typeface="+mn-lt"/>
+                <a:ea typeface="+mn-ea"/>
+                <a:cs typeface="+mn-cs"/>
+              </a:defRPr>
+            </a:lvl9pPr>
           </a:lstStyle>
           <a:p>
+            <a:pPr>
+              <a:lnSpc>
+                <a:spcPct val="100000"/>
+              </a:lnSpc>
+            </a:pPr>
+            <a:endParaRPr lang="en-US" sz="1600" dirty="0"/>
+          </a:p>
+        </p:txBody>
+      </p:sp>
+      <p:sp>
+        <p:nvSpPr>
+          <p:cNvPr id="15" name="Arrow: Right 14">
+            <a:extLst>
+              <a:ext uri="{FF2B5EF4-FFF2-40B4-BE49-F238E27FC236}">
+                <a16:creationId xmlns:a16="http://schemas.microsoft.com/office/drawing/2014/main" id="{77E124B7-7864-4458-BEFF-DD9337DD1CCB}"/>
+              </a:ext>
+            </a:extLst>
+          </p:cNvPr>
+          <p:cNvSpPr/>
+          <p:nvPr/>
+        </p:nvSpPr>
+        <p:spPr>
+          <a:xfrm>
+            <a:off x="3354779" y="3465512"/>
+            <a:ext cx="1522021" cy="484632"/>
+          </a:xfrm>
+          <a:prstGeom prst="rightArrow">
+            <a:avLst/>
+          </a:prstGeom>
+        </p:spPr>
+        <p:style>
+          <a:lnRef idx="3">
+            <a:schemeClr val="lt1"/>
+          </a:lnRef>
+          <a:fillRef idx="1">
+            <a:schemeClr val="accent6"/>
+          </a:fillRef>
+          <a:effectRef idx="1">
+            <a:schemeClr val="accent6"/>
+          </a:effectRef>
+          <a:fontRef idx="minor">
+            <a:schemeClr val="lt1"/>
+          </a:fontRef>
+        </p:style>
+        <p:txBody>
+          <a:bodyPr rtlCol="0" anchor="ctr"/>
+          <a:lstStyle/>
+          <a:p>
+            <a:pPr algn="ctr"/>
+            <a:endParaRPr lang="en-US"/>
+          </a:p>
+        </p:txBody>
+      </p:sp>
+      <p:pic>
+        <p:nvPicPr>
+          <p:cNvPr id="1041" name="Picture 17" descr="Listing Of 530 Web Test Tools And Management Tools - Api Icon - Free  Transparent PNG Clipart Images Download">
+            <a:extLst>
+              <a:ext uri="{FF2B5EF4-FFF2-40B4-BE49-F238E27FC236}">
+                <a16:creationId xmlns:a16="http://schemas.microsoft.com/office/drawing/2014/main" id="{02DD60E6-23C7-49B7-9606-040A90ACFD6B}"/>
+              </a:ext>
+            </a:extLst>
+          </p:cNvPr>
+          <p:cNvPicPr>
+            <a:picLocks noChangeAspect="1" noChangeArrowheads="1"/>
+          </p:cNvPicPr>
+          <p:nvPr/>
+        </p:nvPicPr>
+        <p:blipFill>
+          <a:blip r:embed="rId2">
+            <a:extLst>
+              <a:ext uri="{BEBA8EAE-BF5A-486C-A8C5-ECC9F3942E4B}">
+                <a14:imgProps xmlns:a14="http://schemas.microsoft.com/office/drawing/2010/main">
+                  <a14:imgLayer r:embed="rId3">
+                    <a14:imgEffect>
+                      <a14:backgroundRemoval t="10000" b="90000" l="10000" r="90000"/>
+                    </a14:imgEffect>
+                  </a14:imgLayer>
+                </a14:imgProps>
+              </a:ext>
+              <a:ext uri="{28A0092B-C50C-407E-A947-70E740481C1C}">
+                <a14:useLocalDpi xmlns:a14="http://schemas.microsoft.com/office/drawing/2010/main" val="0"/>
+              </a:ext>
+            </a:extLst>
+          </a:blip>
+          <a:srcRect/>
+          <a:stretch>
+            <a:fillRect/>
+          </a:stretch>
+        </p:blipFill>
+        <p:spPr bwMode="auto">
+          <a:xfrm>
+            <a:off x="-1014841" y="1906043"/>
+            <a:ext cx="5946689" cy="4191000"/>
+          </a:xfrm>
+          <a:prstGeom prst="rect">
+            <a:avLst/>
+          </a:prstGeom>
+          <a:noFill/>
+          <a:extLst>
+            <a:ext uri="{909E8E84-426E-40DD-AFC4-6F175D3DCCD1}">
+              <a14:hiddenFill xmlns:a14="http://schemas.microsoft.com/office/drawing/2010/main">
+                <a:solidFill>
+                  <a:srgbClr val="FFFFFF"/>
+                </a:solidFill>
+              </a14:hiddenFill>
+            </a:ext>
+          </a:extLst>
+        </p:spPr>
+      </p:pic>
+      <p:sp>
+        <p:nvSpPr>
+          <p:cNvPr id="23" name="Arrow: Right 22">
+            <a:extLst>
+              <a:ext uri="{FF2B5EF4-FFF2-40B4-BE49-F238E27FC236}">
+                <a16:creationId xmlns:a16="http://schemas.microsoft.com/office/drawing/2014/main" id="{3FAB21EB-CA2C-42B1-BF6C-79AA00AF41B8}"/>
+              </a:ext>
+            </a:extLst>
+          </p:cNvPr>
+          <p:cNvSpPr/>
+          <p:nvPr/>
+        </p:nvSpPr>
+        <p:spPr>
+          <a:xfrm>
+            <a:off x="6881626" y="3449783"/>
+            <a:ext cx="1656732" cy="484632"/>
+          </a:xfrm>
+          <a:prstGeom prst="rightArrow">
+            <a:avLst/>
+          </a:prstGeom>
+        </p:spPr>
+        <p:style>
+          <a:lnRef idx="3">
+            <a:schemeClr val="lt1"/>
+          </a:lnRef>
+          <a:fillRef idx="1">
+            <a:schemeClr val="accent6"/>
+          </a:fillRef>
+          <a:effectRef idx="1">
+            <a:schemeClr val="accent6"/>
+          </a:effectRef>
+          <a:fontRef idx="minor">
+            <a:schemeClr val="lt1"/>
+          </a:fontRef>
+        </p:style>
+        <p:txBody>
+          <a:bodyPr rtlCol="0" anchor="ctr"/>
+          <a:lstStyle/>
+          <a:p>
+            <a:pPr algn="ctr"/>
+            <a:endParaRPr lang="en-US"/>
+          </a:p>
+        </p:txBody>
+      </p:sp>
+      <p:sp>
+        <p:nvSpPr>
+          <p:cNvPr id="17" name="Rectangle 16">
+            <a:extLst>
+              <a:ext uri="{FF2B5EF4-FFF2-40B4-BE49-F238E27FC236}">
+                <a16:creationId xmlns:a16="http://schemas.microsoft.com/office/drawing/2014/main" id="{F75047C9-B704-4F4F-BE23-1C68523BF69D}"/>
+              </a:ext>
+            </a:extLst>
+          </p:cNvPr>
+          <p:cNvSpPr/>
+          <p:nvPr/>
+        </p:nvSpPr>
+        <p:spPr>
+          <a:xfrm>
+            <a:off x="4706885" y="4302619"/>
+            <a:ext cx="2473434" cy="707886"/>
+          </a:xfrm>
+          <a:prstGeom prst="rect">
+            <a:avLst/>
+          </a:prstGeom>
+          <a:noFill/>
+        </p:spPr>
+        <p:txBody>
+          <a:bodyPr wrap="none" lIns="91440" tIns="45720" rIns="91440" bIns="45720">
+            <a:spAutoFit/>
+          </a:bodyPr>
+          <a:lstStyle/>
+          <a:p>
+            <a:pPr algn="ctr"/>
             <a:r>
-              <a:rPr lang="en-US"/>
-              <a:t>General Advice</a:t>
+              <a:rPr lang="en-US" sz="4000" b="0" cap="none" spc="0" dirty="0">
+                <a:ln w="0"/>
+                <a:solidFill>
+                  <a:schemeClr val="tx1"/>
+                </a:solidFill>
+                <a:effectLst>
+                  <a:outerShdw blurRad="38100" dist="19050" dir="2700000" algn="tl" rotWithShape="0">
+                    <a:schemeClr val="dk1">
+                      <a:alpha val="40000"/>
+                    </a:schemeClr>
+                  </a:outerShdw>
+                </a:effectLst>
+              </a:rPr>
+              <a:t>Service Bus</a:t>
             </a:r>
-            <a:endParaRPr lang="en-US" dirty="0"/>
+          </a:p>
+        </p:txBody>
+      </p:sp>
+      <p:sp>
+        <p:nvSpPr>
+          <p:cNvPr id="31" name="Rectangle 30">
+            <a:extLst>
+              <a:ext uri="{FF2B5EF4-FFF2-40B4-BE49-F238E27FC236}">
+                <a16:creationId xmlns:a16="http://schemas.microsoft.com/office/drawing/2014/main" id="{D00D98F7-F580-4445-8E19-BFA4855D8E40}"/>
+              </a:ext>
+            </a:extLst>
+          </p:cNvPr>
+          <p:cNvSpPr/>
+          <p:nvPr/>
+        </p:nvSpPr>
+        <p:spPr>
+          <a:xfrm>
+            <a:off x="2154078" y="4423402"/>
+            <a:ext cx="1635384" cy="707886"/>
+          </a:xfrm>
+          <a:prstGeom prst="rect">
+            <a:avLst/>
+          </a:prstGeom>
+          <a:noFill/>
+        </p:spPr>
+        <p:txBody>
+          <a:bodyPr wrap="none" lIns="91440" tIns="45720" rIns="91440" bIns="45720">
+            <a:spAutoFit/>
+          </a:bodyPr>
+          <a:lstStyle/>
+          <a:p>
+            <a:pPr algn="ctr"/>
+            <a:r>
+              <a:rPr lang="en-US" sz="4000" b="0" cap="none" spc="0" dirty="0">
+                <a:ln w="0"/>
+                <a:solidFill>
+                  <a:schemeClr val="tx1"/>
+                </a:solidFill>
+                <a:effectLst>
+                  <a:outerShdw blurRad="38100" dist="19050" dir="2700000" algn="tl" rotWithShape="0">
+                    <a:schemeClr val="dk1">
+                      <a:alpha val="40000"/>
+                    </a:schemeClr>
+                  </a:outerShdw>
+                </a:effectLst>
+              </a:rPr>
+              <a:t>Orders</a:t>
+            </a:r>
+          </a:p>
+        </p:txBody>
+      </p:sp>
+      <p:sp>
+        <p:nvSpPr>
+          <p:cNvPr id="19" name="TextBox 18">
+            <a:extLst>
+              <a:ext uri="{FF2B5EF4-FFF2-40B4-BE49-F238E27FC236}">
+                <a16:creationId xmlns:a16="http://schemas.microsoft.com/office/drawing/2014/main" id="{04CB8FD2-AAD7-42F7-BC1C-86702A5DEF23}"/>
+              </a:ext>
+            </a:extLst>
+          </p:cNvPr>
+          <p:cNvSpPr txBox="1"/>
+          <p:nvPr/>
+        </p:nvSpPr>
+        <p:spPr>
+          <a:xfrm>
+            <a:off x="3354779" y="3138052"/>
+            <a:ext cx="1905000" cy="369332"/>
+          </a:xfrm>
+          <a:prstGeom prst="rect">
+            <a:avLst/>
+          </a:prstGeom>
+          <a:noFill/>
+        </p:spPr>
+        <p:txBody>
+          <a:bodyPr wrap="square" rtlCol="0">
+            <a:spAutoFit/>
+          </a:bodyPr>
+          <a:lstStyle/>
+          <a:p>
+            <a:r>
+              <a:rPr lang="en-US" dirty="0"/>
+              <a:t>Order Created</a:t>
+            </a:r>
+          </a:p>
+        </p:txBody>
+      </p:sp>
+      <p:sp>
+        <p:nvSpPr>
+          <p:cNvPr id="33" name="TextBox 32">
+            <a:extLst>
+              <a:ext uri="{FF2B5EF4-FFF2-40B4-BE49-F238E27FC236}">
+                <a16:creationId xmlns:a16="http://schemas.microsoft.com/office/drawing/2014/main" id="{1547BCB7-A538-45E6-B51C-3DE712719AF2}"/>
+              </a:ext>
+            </a:extLst>
+          </p:cNvPr>
+          <p:cNvSpPr txBox="1"/>
+          <p:nvPr/>
+        </p:nvSpPr>
+        <p:spPr>
+          <a:xfrm>
+            <a:off x="3605852" y="3824531"/>
+            <a:ext cx="797983" cy="369332"/>
+          </a:xfrm>
+          <a:prstGeom prst="rect">
+            <a:avLst/>
+          </a:prstGeom>
+          <a:noFill/>
+        </p:spPr>
+        <p:txBody>
+          <a:bodyPr wrap="square" rtlCol="0">
+            <a:spAutoFit/>
+          </a:bodyPr>
+          <a:lstStyle/>
+          <a:p>
+            <a:r>
+              <a:rPr lang="en-US" dirty="0"/>
+              <a:t>AMQP</a:t>
+            </a:r>
+          </a:p>
+        </p:txBody>
+      </p:sp>
+      <p:sp>
+        <p:nvSpPr>
+          <p:cNvPr id="35" name="TextBox 34">
+            <a:extLst>
+              <a:ext uri="{FF2B5EF4-FFF2-40B4-BE49-F238E27FC236}">
+                <a16:creationId xmlns:a16="http://schemas.microsoft.com/office/drawing/2014/main" id="{C4B1C4EE-2DDF-4835-A91B-E475C43F7A21}"/>
+              </a:ext>
+            </a:extLst>
+          </p:cNvPr>
+          <p:cNvSpPr txBox="1"/>
+          <p:nvPr/>
+        </p:nvSpPr>
+        <p:spPr>
+          <a:xfrm>
+            <a:off x="6890568" y="3126644"/>
+            <a:ext cx="1905000" cy="369332"/>
+          </a:xfrm>
+          <a:prstGeom prst="rect">
+            <a:avLst/>
+          </a:prstGeom>
+          <a:noFill/>
+        </p:spPr>
+        <p:txBody>
+          <a:bodyPr wrap="square" rtlCol="0">
+            <a:spAutoFit/>
+          </a:bodyPr>
+          <a:lstStyle/>
+          <a:p>
+            <a:r>
+              <a:rPr lang="en-US" dirty="0"/>
+              <a:t>Order Created</a:t>
+            </a:r>
+          </a:p>
+        </p:txBody>
+      </p:sp>
+      <p:pic>
+        <p:nvPicPr>
+          <p:cNvPr id="18" name="Picture 17" descr="Listing Of 530 Web Test Tools And Management Tools - Api Icon - Free  Transparent PNG Clipart Images Download">
+            <a:extLst>
+              <a:ext uri="{FF2B5EF4-FFF2-40B4-BE49-F238E27FC236}">
+                <a16:creationId xmlns:a16="http://schemas.microsoft.com/office/drawing/2014/main" id="{115146E0-752E-49A9-8BC5-DA92B6599D6B}"/>
+              </a:ext>
+            </a:extLst>
+          </p:cNvPr>
+          <p:cNvPicPr>
+            <a:picLocks noChangeAspect="1" noChangeArrowheads="1"/>
+          </p:cNvPicPr>
+          <p:nvPr/>
+        </p:nvPicPr>
+        <p:blipFill>
+          <a:blip r:embed="rId2">
+            <a:extLst>
+              <a:ext uri="{BEBA8EAE-BF5A-486C-A8C5-ECC9F3942E4B}">
+                <a14:imgProps xmlns:a14="http://schemas.microsoft.com/office/drawing/2010/main">
+                  <a14:imgLayer r:embed="rId3">
+                    <a14:imgEffect>
+                      <a14:backgroundRemoval t="10000" b="90000" l="10000" r="90000"/>
+                    </a14:imgEffect>
+                  </a14:imgLayer>
+                </a14:imgProps>
+              </a:ext>
+              <a:ext uri="{28A0092B-C50C-407E-A947-70E740481C1C}">
+                <a14:useLocalDpi xmlns:a14="http://schemas.microsoft.com/office/drawing/2010/main" val="0"/>
+              </a:ext>
+            </a:extLst>
+          </a:blip>
+          <a:srcRect/>
+          <a:stretch>
+            <a:fillRect/>
+          </a:stretch>
+        </p:blipFill>
+        <p:spPr bwMode="auto">
+          <a:xfrm>
+            <a:off x="6656054" y="1982304"/>
+            <a:ext cx="5946689" cy="4191000"/>
+          </a:xfrm>
+          <a:prstGeom prst="rect">
+            <a:avLst/>
+          </a:prstGeom>
+          <a:noFill/>
+          <a:extLst>
+            <a:ext uri="{909E8E84-426E-40DD-AFC4-6F175D3DCCD1}">
+              <a14:hiddenFill xmlns:a14="http://schemas.microsoft.com/office/drawing/2010/main">
+                <a:solidFill>
+                  <a:srgbClr val="FFFFFF"/>
+                </a:solidFill>
+              </a14:hiddenFill>
+            </a:ext>
+          </a:extLst>
+        </p:spPr>
+      </p:pic>
+      <p:sp>
+        <p:nvSpPr>
+          <p:cNvPr id="20" name="Rectangle 19">
+            <a:extLst>
+              <a:ext uri="{FF2B5EF4-FFF2-40B4-BE49-F238E27FC236}">
+                <a16:creationId xmlns:a16="http://schemas.microsoft.com/office/drawing/2014/main" id="{E6622698-DA87-4FCE-ABC3-1FB778D1EC31}"/>
+              </a:ext>
+            </a:extLst>
+          </p:cNvPr>
+          <p:cNvSpPr/>
+          <p:nvPr/>
+        </p:nvSpPr>
+        <p:spPr>
+          <a:xfrm>
+            <a:off x="10106789" y="4495800"/>
+            <a:ext cx="1093569" cy="707886"/>
+          </a:xfrm>
+          <a:prstGeom prst="rect">
+            <a:avLst/>
+          </a:prstGeom>
+          <a:noFill/>
+        </p:spPr>
+        <p:txBody>
+          <a:bodyPr wrap="none" lIns="91440" tIns="45720" rIns="91440" bIns="45720">
+            <a:spAutoFit/>
+          </a:bodyPr>
+          <a:lstStyle/>
+          <a:p>
+            <a:pPr algn="ctr"/>
+            <a:r>
+              <a:rPr lang="en-US" sz="4000" b="0" cap="none" spc="0" dirty="0">
+                <a:ln w="0"/>
+                <a:solidFill>
+                  <a:schemeClr val="tx1"/>
+                </a:solidFill>
+                <a:effectLst>
+                  <a:outerShdw blurRad="38100" dist="19050" dir="2700000" algn="tl" rotWithShape="0">
+                    <a:schemeClr val="dk1">
+                      <a:alpha val="40000"/>
+                    </a:schemeClr>
+                  </a:outerShdw>
+                </a:effectLst>
+              </a:rPr>
+              <a:t>SMS</a:t>
+            </a:r>
+          </a:p>
+        </p:txBody>
+      </p:sp>
+      <p:pic>
+        <p:nvPicPr>
+          <p:cNvPr id="1032" name="Picture 8" descr="Key Azure Services for .NET developers | Microsoft Docs">
+            <a:extLst>
+              <a:ext uri="{FF2B5EF4-FFF2-40B4-BE49-F238E27FC236}">
+                <a16:creationId xmlns:a16="http://schemas.microsoft.com/office/drawing/2014/main" id="{2E30B2E1-BBFD-4719-B584-A2FB2D33C480}"/>
+              </a:ext>
+            </a:extLst>
+          </p:cNvPr>
+          <p:cNvPicPr>
+            <a:picLocks noChangeAspect="1" noChangeArrowheads="1"/>
+          </p:cNvPicPr>
+          <p:nvPr/>
+        </p:nvPicPr>
+        <p:blipFill>
+          <a:blip r:embed="rId4">
+            <a:extLst>
+              <a:ext uri="{28A0092B-C50C-407E-A947-70E740481C1C}">
+                <a14:useLocalDpi xmlns:a14="http://schemas.microsoft.com/office/drawing/2010/main" val="0"/>
+              </a:ext>
+            </a:extLst>
+          </a:blip>
+          <a:srcRect/>
+          <a:stretch>
+            <a:fillRect/>
+          </a:stretch>
+        </p:blipFill>
+        <p:spPr bwMode="auto">
+          <a:xfrm>
+            <a:off x="5098146" y="2736169"/>
+            <a:ext cx="1690913" cy="1690913"/>
+          </a:xfrm>
+          <a:prstGeom prst="rect">
+            <a:avLst/>
+          </a:prstGeom>
+          <a:noFill/>
+          <a:extLst>
+            <a:ext uri="{909E8E84-426E-40DD-AFC4-6F175D3DCCD1}">
+              <a14:hiddenFill xmlns:a14="http://schemas.microsoft.com/office/drawing/2010/main">
+                <a:solidFill>
+                  <a:srgbClr val="FFFFFF"/>
+                </a:solidFill>
+              </a14:hiddenFill>
+            </a:ext>
+          </a:extLst>
+        </p:spPr>
+      </p:pic>
+      <p:sp>
+        <p:nvSpPr>
+          <p:cNvPr id="24" name="TextBox 23">
+            <a:extLst>
+              <a:ext uri="{FF2B5EF4-FFF2-40B4-BE49-F238E27FC236}">
+                <a16:creationId xmlns:a16="http://schemas.microsoft.com/office/drawing/2014/main" id="{C5495EBD-4196-4AF6-B1A6-D1BC487D0698}"/>
+              </a:ext>
+            </a:extLst>
+          </p:cNvPr>
+          <p:cNvSpPr txBox="1"/>
+          <p:nvPr/>
+        </p:nvSpPr>
+        <p:spPr>
+          <a:xfrm>
+            <a:off x="7199822" y="3791533"/>
+            <a:ext cx="797983" cy="369332"/>
+          </a:xfrm>
+          <a:prstGeom prst="rect">
+            <a:avLst/>
+          </a:prstGeom>
+          <a:noFill/>
+        </p:spPr>
+        <p:txBody>
+          <a:bodyPr wrap="square" rtlCol="0">
+            <a:spAutoFit/>
+          </a:bodyPr>
+          <a:lstStyle/>
+          <a:p>
+            <a:r>
+              <a:rPr lang="en-US" dirty="0"/>
+              <a:t>AMQP</a:t>
+            </a:r>
           </a:p>
         </p:txBody>
       </p:sp>
     </p:spTree>
     <p:extLst>
       <p:ext uri="{BB962C8B-B14F-4D97-AF65-F5344CB8AC3E}">
-        <p14:creationId xmlns:p14="http://schemas.microsoft.com/office/powerpoint/2010/main" val="2631599980"/>
+        <p14:creationId xmlns:p14="http://schemas.microsoft.com/office/powerpoint/2010/main" val="1544346684"/>
       </p:ext>
     </p:extLst>
   </p:cSld>
@@ -30601,219 +34358,10 @@
           <a:chExt cx="0" cy="0"/>
         </a:xfrm>
       </p:grpSpPr>
-      <p:sp>
-        <p:nvSpPr>
-          <p:cNvPr id="7" name="Slide Number Placeholder 3"/>
-          <p:cNvSpPr>
-            <a:spLocks noGrp="1"/>
-          </p:cNvSpPr>
-          <p:nvPr>
-            <p:ph type="sldNum" sz="quarter" idx="4294967295"/>
-          </p:nvPr>
-        </p:nvSpPr>
-        <p:spPr>
-          <a:xfrm>
-            <a:off x="11568000" y="6525003"/>
-            <a:ext cx="428822" cy="196477"/>
-          </a:xfrm>
-          <a:prstGeom prst="rect">
-            <a:avLst/>
-          </a:prstGeom>
-        </p:spPr>
-        <p:txBody>
-          <a:bodyPr/>
-          <a:lstStyle/>
-          <a:p>
-            <a:pPr>
-              <a:defRPr/>
-            </a:pPr>
-            <a:fld id="{58452FF4-89E3-4D1B-9927-2DBDC00E58D7}" type="slidenum">
-              <a:rPr lang="en-US" smtClean="0"/>
-              <a:pPr>
-                <a:defRPr/>
-              </a:pPr>
-              <a:t>20</a:t>
-            </a:fld>
-            <a:endParaRPr lang="en-US" dirty="0"/>
-          </a:p>
-        </p:txBody>
-      </p:sp>
-      <p:sp>
-        <p:nvSpPr>
-          <p:cNvPr id="5" name="Content Placeholder 4"/>
-          <p:cNvSpPr>
-            <a:spLocks noGrp="1"/>
-          </p:cNvSpPr>
-          <p:nvPr>
-            <p:ph idx="1"/>
-          </p:nvPr>
-        </p:nvSpPr>
-        <p:spPr>
-          <a:xfrm>
-            <a:off x="1141413" y="2097088"/>
-            <a:ext cx="11696797" cy="5458202"/>
-          </a:xfrm>
-        </p:spPr>
-        <p:txBody>
-          <a:bodyPr>
-            <a:normAutofit/>
-          </a:bodyPr>
-          <a:lstStyle/>
-          <a:p>
-            <a:pPr>
-              <a:lnSpc>
-                <a:spcPct val="100000"/>
-              </a:lnSpc>
-            </a:pPr>
-            <a:r>
-              <a:rPr lang="en-US" dirty="0"/>
-              <a:t>The team's knowledge</a:t>
-            </a:r>
-          </a:p>
-          <a:p>
-            <a:pPr>
-              <a:lnSpc>
-                <a:spcPct val="100000"/>
-              </a:lnSpc>
-            </a:pPr>
-            <a:r>
-              <a:rPr lang="en-US" dirty="0"/>
-              <a:t>Distributed systems and their fallacies:</a:t>
-            </a:r>
-          </a:p>
-          <a:p>
-            <a:pPr lvl="1">
-              <a:lnSpc>
-                <a:spcPct val="100000"/>
-              </a:lnSpc>
-            </a:pPr>
-            <a:r>
-              <a:rPr lang="en-US" dirty="0"/>
-              <a:t>The network is reliable</a:t>
-            </a:r>
-          </a:p>
-          <a:p>
-            <a:pPr lvl="1">
-              <a:lnSpc>
-                <a:spcPct val="100000"/>
-              </a:lnSpc>
-            </a:pPr>
-            <a:r>
-              <a:rPr lang="en-US" dirty="0"/>
-              <a:t>Latency is zero</a:t>
-            </a:r>
-          </a:p>
-          <a:p>
-            <a:pPr lvl="1">
-              <a:lnSpc>
-                <a:spcPct val="100000"/>
-              </a:lnSpc>
-            </a:pPr>
-            <a:r>
-              <a:rPr lang="en-US" dirty="0"/>
-              <a:t>Bandwidth is infinite</a:t>
-            </a:r>
-          </a:p>
-          <a:p>
-            <a:pPr lvl="1">
-              <a:lnSpc>
-                <a:spcPct val="100000"/>
-              </a:lnSpc>
-            </a:pPr>
-            <a:r>
-              <a:rPr lang="en-US" dirty="0"/>
-              <a:t>The network is secure</a:t>
-            </a:r>
-          </a:p>
-          <a:p>
-            <a:pPr lvl="1">
-              <a:lnSpc>
-                <a:spcPct val="100000"/>
-              </a:lnSpc>
-            </a:pPr>
-            <a:r>
-              <a:rPr lang="en-US" dirty="0"/>
-              <a:t>Topology doesn't change</a:t>
-            </a:r>
-          </a:p>
-          <a:p>
-            <a:pPr lvl="1">
-              <a:lnSpc>
-                <a:spcPct val="100000"/>
-              </a:lnSpc>
-            </a:pPr>
-            <a:r>
-              <a:rPr lang="en-US" dirty="0"/>
-              <a:t>There is one administrator</a:t>
-            </a:r>
-          </a:p>
-          <a:p>
-            <a:pPr lvl="1">
-              <a:lnSpc>
-                <a:spcPct val="100000"/>
-              </a:lnSpc>
-            </a:pPr>
-            <a:r>
-              <a:rPr lang="en-US" dirty="0"/>
-              <a:t>Transport cost is zero</a:t>
-            </a:r>
-          </a:p>
-          <a:p>
-            <a:pPr lvl="1">
-              <a:lnSpc>
-                <a:spcPct val="100000"/>
-              </a:lnSpc>
-            </a:pPr>
-            <a:r>
-              <a:rPr lang="en-US" dirty="0"/>
-              <a:t>The network is homogeneous</a:t>
-            </a:r>
-          </a:p>
-          <a:p>
-            <a:pPr>
-              <a:lnSpc>
-                <a:spcPct val="100000"/>
-              </a:lnSpc>
-            </a:pPr>
-            <a:r>
-              <a:rPr lang="en-US" dirty="0">
-                <a:hlinkClick r:id="rId2"/>
-              </a:rPr>
-              <a:t>https://dzone.com/articles/understanding-the-8-fallacies-of-distributed-syste</a:t>
-            </a:r>
-            <a:r>
-              <a:rPr lang="en-US" dirty="0"/>
-              <a:t> </a:t>
-            </a:r>
-          </a:p>
-        </p:txBody>
-      </p:sp>
-      <p:sp>
-        <p:nvSpPr>
-          <p:cNvPr id="4" name="Title 3"/>
-          <p:cNvSpPr>
-            <a:spLocks noGrp="1"/>
-          </p:cNvSpPr>
-          <p:nvPr>
-            <p:ph type="title"/>
-          </p:nvPr>
-        </p:nvSpPr>
-        <p:spPr/>
-        <p:txBody>
-          <a:bodyPr/>
-          <a:lstStyle/>
-          <a:p>
-            <a:r>
-              <a:rPr lang="en-US" dirty="0"/>
-              <a:t>Technology constraints </a:t>
-            </a:r>
-          </a:p>
-        </p:txBody>
-      </p:sp>
     </p:spTree>
     <p:extLst>
       <p:ext uri="{BB962C8B-B14F-4D97-AF65-F5344CB8AC3E}">
-        <p14:creationId xmlns:p14="http://schemas.microsoft.com/office/powerpoint/2010/main" val="2440308784"/>
+        <p14:creationId xmlns:p14="http://schemas.microsoft.com/office/powerpoint/2010/main" val="1568452116"/>
       </p:ext>
     </p:extLst>
   </p:cSld>
@@ -30824,1216 +34372,6 @@
 </file>
 
 <file path=ppt/slides/slide21.xml><?xml version="1.0" encoding="utf-8"?>
-<p:sld xmlns:a="http://schemas.openxmlformats.org/drawingml/2006/main" xmlns:r="http://schemas.openxmlformats.org/officeDocument/2006/relationships" xmlns:p="http://schemas.openxmlformats.org/presentationml/2006/main">
-  <p:cSld>
-    <p:spTree>
-      <p:nvGrpSpPr>
-        <p:cNvPr id="1" name=""/>
-        <p:cNvGrpSpPr/>
-        <p:nvPr/>
-      </p:nvGrpSpPr>
-      <p:grpSpPr>
-        <a:xfrm>
-          <a:off x="0" y="0"/>
-          <a:ext cx="0" cy="0"/>
-          <a:chOff x="0" y="0"/>
-          <a:chExt cx="0" cy="0"/>
-        </a:xfrm>
-      </p:grpSpPr>
-      <p:sp>
-        <p:nvSpPr>
-          <p:cNvPr id="7" name="Slide Number Placeholder 3"/>
-          <p:cNvSpPr>
-            <a:spLocks noGrp="1"/>
-          </p:cNvSpPr>
-          <p:nvPr>
-            <p:ph type="sldNum" sz="quarter" idx="4294967295"/>
-          </p:nvPr>
-        </p:nvSpPr>
-        <p:spPr>
-          <a:xfrm>
-            <a:off x="11568000" y="6525003"/>
-            <a:ext cx="428822" cy="196477"/>
-          </a:xfrm>
-          <a:prstGeom prst="rect">
-            <a:avLst/>
-          </a:prstGeom>
-        </p:spPr>
-        <p:txBody>
-          <a:bodyPr/>
-          <a:lstStyle/>
-          <a:p>
-            <a:pPr>
-              <a:defRPr/>
-            </a:pPr>
-            <a:fld id="{58452FF4-89E3-4D1B-9927-2DBDC00E58D7}" type="slidenum">
-              <a:rPr lang="en-US" smtClean="0"/>
-              <a:pPr>
-                <a:defRPr/>
-              </a:pPr>
-              <a:t>21</a:t>
-            </a:fld>
-            <a:endParaRPr lang="en-US" dirty="0"/>
-          </a:p>
-        </p:txBody>
-      </p:sp>
-      <p:sp>
-        <p:nvSpPr>
-          <p:cNvPr id="5" name="Content Placeholder 4"/>
-          <p:cNvSpPr>
-            <a:spLocks noGrp="1"/>
-          </p:cNvSpPr>
-          <p:nvPr>
-            <p:ph idx="1"/>
-          </p:nvPr>
-        </p:nvSpPr>
-        <p:spPr>
-          <a:xfrm>
-            <a:off x="1141413" y="2097088"/>
-            <a:ext cx="11696797" cy="5458202"/>
-          </a:xfrm>
-        </p:spPr>
-        <p:txBody>
-          <a:bodyPr>
-            <a:normAutofit/>
-          </a:bodyPr>
-          <a:lstStyle/>
-          <a:p>
-            <a:pPr>
-              <a:lnSpc>
-                <a:spcPct val="100000"/>
-              </a:lnSpc>
-            </a:pPr>
-            <a:r>
-              <a:rPr lang="en-US" dirty="0"/>
-              <a:t>If an API is mostly CRUD and manipulation of related data</a:t>
-            </a:r>
-          </a:p>
-          <a:p>
-            <a:pPr lvl="1">
-              <a:lnSpc>
-                <a:spcPct val="100000"/>
-              </a:lnSpc>
-            </a:pPr>
-            <a:r>
-              <a:rPr lang="en-US" dirty="0"/>
-              <a:t>Use REST</a:t>
-            </a:r>
-          </a:p>
-          <a:p>
-            <a:pPr lvl="1">
-              <a:lnSpc>
-                <a:spcPct val="100000"/>
-              </a:lnSpc>
-            </a:pPr>
-            <a:r>
-              <a:rPr lang="en-US" dirty="0"/>
-              <a:t>Example URL: /purchases/2/items</a:t>
-            </a:r>
-          </a:p>
-          <a:p>
-            <a:pPr>
-              <a:lnSpc>
-                <a:spcPct val="100000"/>
-              </a:lnSpc>
-            </a:pPr>
-            <a:r>
-              <a:rPr lang="en-US" dirty="0"/>
-              <a:t>If an API is mostly actions or between servers</a:t>
-            </a:r>
-          </a:p>
-          <a:p>
-            <a:pPr lvl="1">
-              <a:lnSpc>
-                <a:spcPct val="100000"/>
-              </a:lnSpc>
-            </a:pPr>
-            <a:r>
-              <a:rPr lang="en-US" dirty="0"/>
-              <a:t>Then choose RPC</a:t>
-            </a:r>
-          </a:p>
-          <a:p>
-            <a:pPr lvl="1">
-              <a:lnSpc>
-                <a:spcPct val="100000"/>
-              </a:lnSpc>
-            </a:pPr>
-            <a:r>
-              <a:rPr lang="en-US" dirty="0"/>
-              <a:t>Example URL: /purchases/increment</a:t>
-            </a:r>
-          </a:p>
-          <a:p>
-            <a:pPr>
-              <a:lnSpc>
-                <a:spcPct val="100000"/>
-              </a:lnSpc>
-            </a:pPr>
-            <a:r>
-              <a:rPr lang="en-US" dirty="0"/>
-              <a:t>Do not build REST-</a:t>
-            </a:r>
-            <a:r>
-              <a:rPr lang="en-US" dirty="0" err="1"/>
-              <a:t>ish</a:t>
-            </a:r>
-            <a:r>
-              <a:rPr lang="en-US" dirty="0"/>
-              <a:t> APIs</a:t>
-            </a:r>
-          </a:p>
-          <a:p>
-            <a:pPr lvl="1">
-              <a:lnSpc>
-                <a:spcPct val="100000"/>
-              </a:lnSpc>
-            </a:pPr>
-            <a:r>
-              <a:rPr lang="en-US" dirty="0"/>
-              <a:t>If you cannot simply follow the REST pattern</a:t>
-            </a:r>
-          </a:p>
-          <a:p>
-            <a:pPr lvl="1">
-              <a:lnSpc>
-                <a:spcPct val="100000"/>
-              </a:lnSpc>
-            </a:pPr>
-            <a:r>
-              <a:rPr lang="en-US" dirty="0"/>
-              <a:t>Choose </a:t>
-            </a:r>
-            <a:r>
-              <a:rPr lang="en-US" dirty="0" err="1"/>
-              <a:t>GraphQL</a:t>
-            </a:r>
-            <a:endParaRPr lang="en-US" dirty="0"/>
-          </a:p>
-        </p:txBody>
-      </p:sp>
-      <p:sp>
-        <p:nvSpPr>
-          <p:cNvPr id="4" name="Title 3"/>
-          <p:cNvSpPr>
-            <a:spLocks noGrp="1"/>
-          </p:cNvSpPr>
-          <p:nvPr>
-            <p:ph type="title"/>
-          </p:nvPr>
-        </p:nvSpPr>
-        <p:spPr/>
-        <p:txBody>
-          <a:bodyPr/>
-          <a:lstStyle/>
-          <a:p>
-            <a:r>
-              <a:rPr lang="en-US" dirty="0"/>
-              <a:t>General Advice</a:t>
-            </a:r>
-          </a:p>
-        </p:txBody>
-      </p:sp>
-    </p:spTree>
-    <p:extLst>
-      <p:ext uri="{BB962C8B-B14F-4D97-AF65-F5344CB8AC3E}">
-        <p14:creationId xmlns:p14="http://schemas.microsoft.com/office/powerpoint/2010/main" val="1715910444"/>
-      </p:ext>
-    </p:extLst>
-  </p:cSld>
-  <p:clrMapOvr>
-    <a:masterClrMapping/>
-  </p:clrMapOvr>
-</p:sld>
-</file>
-
-<file path=ppt/slides/slide22.xml><?xml version="1.0" encoding="utf-8"?>
-<p:sld xmlns:a="http://schemas.openxmlformats.org/drawingml/2006/main" xmlns:r="http://schemas.openxmlformats.org/officeDocument/2006/relationships" xmlns:p="http://schemas.openxmlformats.org/presentationml/2006/main">
-  <p:cSld>
-    <p:spTree>
-      <p:nvGrpSpPr>
-        <p:cNvPr id="1" name=""/>
-        <p:cNvGrpSpPr/>
-        <p:nvPr/>
-      </p:nvGrpSpPr>
-      <p:grpSpPr>
-        <a:xfrm>
-          <a:off x="0" y="0"/>
-          <a:ext cx="0" cy="0"/>
-          <a:chOff x="0" y="0"/>
-          <a:chExt cx="0" cy="0"/>
-        </a:xfrm>
-      </p:grpSpPr>
-      <p:sp>
-        <p:nvSpPr>
-          <p:cNvPr id="7" name="Slide Number Placeholder 3"/>
-          <p:cNvSpPr>
-            <a:spLocks noGrp="1"/>
-          </p:cNvSpPr>
-          <p:nvPr>
-            <p:ph type="sldNum" sz="quarter" idx="4294967295"/>
-          </p:nvPr>
-        </p:nvSpPr>
-        <p:spPr>
-          <a:xfrm>
-            <a:off x="11568000" y="6525003"/>
-            <a:ext cx="428822" cy="196477"/>
-          </a:xfrm>
-          <a:prstGeom prst="rect">
-            <a:avLst/>
-          </a:prstGeom>
-        </p:spPr>
-        <p:txBody>
-          <a:bodyPr/>
-          <a:lstStyle/>
-          <a:p>
-            <a:pPr>
-              <a:defRPr/>
-            </a:pPr>
-            <a:fld id="{58452FF4-89E3-4D1B-9927-2DBDC00E58D7}" type="slidenum">
-              <a:rPr lang="en-US" smtClean="0"/>
-              <a:pPr>
-                <a:defRPr/>
-              </a:pPr>
-              <a:t>22</a:t>
-            </a:fld>
-            <a:endParaRPr lang="en-US" dirty="0"/>
-          </a:p>
-        </p:txBody>
-      </p:sp>
-      <p:sp>
-        <p:nvSpPr>
-          <p:cNvPr id="5" name="Content Placeholder 4"/>
-          <p:cNvSpPr>
-            <a:spLocks noGrp="1"/>
-          </p:cNvSpPr>
-          <p:nvPr>
-            <p:ph idx="1"/>
-          </p:nvPr>
-        </p:nvSpPr>
-        <p:spPr>
-          <a:xfrm>
-            <a:off x="1141413" y="2097088"/>
-            <a:ext cx="11696797" cy="5458202"/>
-          </a:xfrm>
-        </p:spPr>
-        <p:txBody>
-          <a:bodyPr>
-            <a:normAutofit/>
-          </a:bodyPr>
-          <a:lstStyle/>
-          <a:p>
-            <a:pPr>
-              <a:lnSpc>
-                <a:spcPct val="100000"/>
-              </a:lnSpc>
-            </a:pPr>
-            <a:r>
-              <a:rPr lang="en-US" dirty="0"/>
-              <a:t>REST may be slow</a:t>
-            </a:r>
-          </a:p>
-          <a:p>
-            <a:pPr lvl="1">
-              <a:lnSpc>
-                <a:spcPct val="100000"/>
-              </a:lnSpc>
-            </a:pPr>
-            <a:r>
-              <a:rPr lang="en-US" dirty="0"/>
-              <a:t>Over/under fetching with REST</a:t>
-            </a:r>
-          </a:p>
-          <a:p>
-            <a:pPr lvl="1">
-              <a:lnSpc>
-                <a:spcPct val="100000"/>
-              </a:lnSpc>
-            </a:pPr>
-            <a:r>
-              <a:rPr lang="en-US" dirty="0"/>
-              <a:t>N + 1 problem</a:t>
-            </a:r>
-          </a:p>
-          <a:p>
-            <a:pPr lvl="1">
-              <a:lnSpc>
-                <a:spcPct val="100000"/>
-              </a:lnSpc>
-            </a:pPr>
-            <a:r>
-              <a:rPr lang="en-US" dirty="0" err="1"/>
-              <a:t>GraphQL</a:t>
-            </a:r>
-            <a:r>
-              <a:rPr lang="en-US" dirty="0"/>
-              <a:t> allows to fetch all data with one request</a:t>
-            </a:r>
-          </a:p>
-          <a:p>
-            <a:pPr>
-              <a:lnSpc>
-                <a:spcPct val="100000"/>
-              </a:lnSpc>
-            </a:pPr>
-            <a:r>
-              <a:rPr lang="en-US" dirty="0"/>
-              <a:t>The slowest field is the performance indicator</a:t>
-            </a:r>
-          </a:p>
-          <a:p>
-            <a:pPr lvl="1">
-              <a:lnSpc>
-                <a:spcPct val="100000"/>
-              </a:lnSpc>
-            </a:pPr>
-            <a:r>
-              <a:rPr lang="en-US" dirty="0"/>
-              <a:t>In </a:t>
-            </a:r>
-            <a:r>
-              <a:rPr lang="en-US" dirty="0" err="1"/>
-              <a:t>GraphQL</a:t>
-            </a:r>
-            <a:r>
-              <a:rPr lang="en-US" dirty="0"/>
-              <a:t> you fetch data all at once</a:t>
-            </a:r>
-          </a:p>
-          <a:p>
-            <a:pPr>
-              <a:lnSpc>
-                <a:spcPct val="100000"/>
-              </a:lnSpc>
-            </a:pPr>
-            <a:r>
-              <a:rPr lang="en-US" dirty="0" err="1"/>
-              <a:t>GraphQL</a:t>
-            </a:r>
-            <a:r>
-              <a:rPr lang="en-US" dirty="0"/>
-              <a:t> is more flexible, if you do not know the client</a:t>
-            </a:r>
-          </a:p>
-          <a:p>
-            <a:pPr lvl="1">
-              <a:lnSpc>
-                <a:spcPct val="100000"/>
-              </a:lnSpc>
-            </a:pPr>
-            <a:r>
-              <a:rPr lang="en-US" dirty="0"/>
-              <a:t>But way more restrictive than REST</a:t>
-            </a:r>
-          </a:p>
-          <a:p>
-            <a:pPr lvl="1">
-              <a:lnSpc>
-                <a:spcPct val="100000"/>
-              </a:lnSpc>
-            </a:pPr>
-            <a:endParaRPr lang="en-US" dirty="0"/>
-          </a:p>
-        </p:txBody>
-      </p:sp>
-      <p:sp>
-        <p:nvSpPr>
-          <p:cNvPr id="4" name="Title 3"/>
-          <p:cNvSpPr>
-            <a:spLocks noGrp="1"/>
-          </p:cNvSpPr>
-          <p:nvPr>
-            <p:ph type="title"/>
-          </p:nvPr>
-        </p:nvSpPr>
-        <p:spPr/>
-        <p:txBody>
-          <a:bodyPr/>
-          <a:lstStyle/>
-          <a:p>
-            <a:r>
-              <a:rPr lang="en-US" dirty="0"/>
-              <a:t>Various Issues to consider</a:t>
-            </a:r>
-          </a:p>
-        </p:txBody>
-      </p:sp>
-    </p:spTree>
-    <p:extLst>
-      <p:ext uri="{BB962C8B-B14F-4D97-AF65-F5344CB8AC3E}">
-        <p14:creationId xmlns:p14="http://schemas.microsoft.com/office/powerpoint/2010/main" val="2351391332"/>
-      </p:ext>
-    </p:extLst>
-  </p:cSld>
-  <p:clrMapOvr>
-    <a:masterClrMapping/>
-  </p:clrMapOvr>
-</p:sld>
-</file>
-
-<file path=ppt/slides/slide23.xml><?xml version="1.0" encoding="utf-8"?>
-<p:sld xmlns:a="http://schemas.openxmlformats.org/drawingml/2006/main" xmlns:r="http://schemas.openxmlformats.org/officeDocument/2006/relationships" xmlns:p="http://schemas.openxmlformats.org/presentationml/2006/main">
-  <p:cSld>
-    <p:spTree>
-      <p:nvGrpSpPr>
-        <p:cNvPr id="1" name=""/>
-        <p:cNvGrpSpPr/>
-        <p:nvPr/>
-      </p:nvGrpSpPr>
-      <p:grpSpPr>
-        <a:xfrm>
-          <a:off x="0" y="0"/>
-          <a:ext cx="0" cy="0"/>
-          <a:chOff x="0" y="0"/>
-          <a:chExt cx="0" cy="0"/>
-        </a:xfrm>
-      </p:grpSpPr>
-      <p:sp>
-        <p:nvSpPr>
-          <p:cNvPr id="4" name="Title 3"/>
-          <p:cNvSpPr>
-            <a:spLocks noGrp="1"/>
-          </p:cNvSpPr>
-          <p:nvPr>
-            <p:ph type="ctrTitle"/>
-          </p:nvPr>
-        </p:nvSpPr>
-        <p:spPr>
-          <a:xfrm>
-            <a:off x="914400" y="2667000"/>
-            <a:ext cx="10363200" cy="903700"/>
-          </a:xfrm>
-        </p:spPr>
-        <p:txBody>
-          <a:bodyPr/>
-          <a:lstStyle/>
-          <a:p>
-            <a:pPr>
-              <a:lnSpc>
-                <a:spcPct val="100000"/>
-              </a:lnSpc>
-            </a:pPr>
-            <a:r>
-              <a:rPr lang="en-US" dirty="0"/>
-              <a:t>FINAL WORDS</a:t>
-            </a:r>
-          </a:p>
-        </p:txBody>
-      </p:sp>
-    </p:spTree>
-    <p:extLst>
-      <p:ext uri="{BB962C8B-B14F-4D97-AF65-F5344CB8AC3E}">
-        <p14:creationId xmlns:p14="http://schemas.microsoft.com/office/powerpoint/2010/main" val="1704949760"/>
-      </p:ext>
-    </p:extLst>
-  </p:cSld>
-  <p:clrMapOvr>
-    <a:masterClrMapping/>
-  </p:clrMapOvr>
-</p:sld>
-</file>
-
-<file path=ppt/slides/slide24.xml><?xml version="1.0" encoding="utf-8"?>
-<p:sld xmlns:a="http://schemas.openxmlformats.org/drawingml/2006/main" xmlns:r="http://schemas.openxmlformats.org/officeDocument/2006/relationships" xmlns:p="http://schemas.openxmlformats.org/presentationml/2006/main">
-  <p:cSld>
-    <p:spTree>
-      <p:nvGrpSpPr>
-        <p:cNvPr id="1" name=""/>
-        <p:cNvGrpSpPr/>
-        <p:nvPr/>
-      </p:nvGrpSpPr>
-      <p:grpSpPr>
-        <a:xfrm>
-          <a:off x="0" y="0"/>
-          <a:ext cx="0" cy="0"/>
-          <a:chOff x="0" y="0"/>
-          <a:chExt cx="0" cy="0"/>
-        </a:xfrm>
-      </p:grpSpPr>
-      <p:sp>
-        <p:nvSpPr>
-          <p:cNvPr id="7" name="Slide Number Placeholder 3"/>
-          <p:cNvSpPr>
-            <a:spLocks noGrp="1"/>
-          </p:cNvSpPr>
-          <p:nvPr>
-            <p:ph type="sldNum" sz="quarter" idx="4294967295"/>
-          </p:nvPr>
-        </p:nvSpPr>
-        <p:spPr>
-          <a:xfrm>
-            <a:off x="11568000" y="6525003"/>
-            <a:ext cx="428822" cy="196477"/>
-          </a:xfrm>
-          <a:prstGeom prst="rect">
-            <a:avLst/>
-          </a:prstGeom>
-        </p:spPr>
-        <p:txBody>
-          <a:bodyPr/>
-          <a:lstStyle/>
-          <a:p>
-            <a:pPr>
-              <a:defRPr/>
-            </a:pPr>
-            <a:fld id="{58452FF4-89E3-4D1B-9927-2DBDC00E58D7}" type="slidenum">
-              <a:rPr lang="en-US" smtClean="0"/>
-              <a:pPr>
-                <a:defRPr/>
-              </a:pPr>
-              <a:t>24</a:t>
-            </a:fld>
-            <a:endParaRPr lang="en-US" dirty="0"/>
-          </a:p>
-        </p:txBody>
-      </p:sp>
-      <p:sp>
-        <p:nvSpPr>
-          <p:cNvPr id="5" name="Content Placeholder 4"/>
-          <p:cNvSpPr>
-            <a:spLocks noGrp="1"/>
-          </p:cNvSpPr>
-          <p:nvPr>
-            <p:ph idx="1"/>
-          </p:nvPr>
-        </p:nvSpPr>
-        <p:spPr>
-          <a:xfrm>
-            <a:off x="1141413" y="1739198"/>
-            <a:ext cx="11696797" cy="5458202"/>
-          </a:xfrm>
-        </p:spPr>
-        <p:txBody>
-          <a:bodyPr>
-            <a:normAutofit/>
-          </a:bodyPr>
-          <a:lstStyle/>
-          <a:p>
-            <a:pPr>
-              <a:lnSpc>
-                <a:spcPct val="100000"/>
-              </a:lnSpc>
-              <a:spcBef>
-                <a:spcPts val="700"/>
-              </a:spcBef>
-            </a:pPr>
-            <a:r>
-              <a:rPr lang="en-US" dirty="0"/>
-              <a:t>About Code It Up</a:t>
-            </a:r>
-          </a:p>
-          <a:p>
-            <a:pPr>
-              <a:lnSpc>
-                <a:spcPct val="100000"/>
-              </a:lnSpc>
-              <a:spcBef>
-                <a:spcPts val="700"/>
-              </a:spcBef>
-            </a:pPr>
-            <a:r>
-              <a:rPr lang="en-US" dirty="0"/>
-              <a:t>Why API Scenarios?</a:t>
-            </a:r>
-          </a:p>
-          <a:p>
-            <a:pPr>
-              <a:lnSpc>
-                <a:spcPct val="100000"/>
-              </a:lnSpc>
-              <a:spcBef>
-                <a:spcPts val="700"/>
-              </a:spcBef>
-            </a:pPr>
-            <a:r>
-              <a:rPr lang="en-US" dirty="0"/>
-              <a:t>History Lesson</a:t>
-            </a:r>
-          </a:p>
-          <a:p>
-            <a:pPr>
-              <a:lnSpc>
-                <a:spcPct val="100000"/>
-              </a:lnSpc>
-              <a:spcBef>
-                <a:spcPts val="700"/>
-              </a:spcBef>
-            </a:pPr>
-            <a:r>
-              <a:rPr lang="en-US" dirty="0"/>
-              <a:t>SOAP In a Nutshell </a:t>
-            </a:r>
-          </a:p>
-          <a:p>
-            <a:pPr>
-              <a:lnSpc>
-                <a:spcPct val="100000"/>
-              </a:lnSpc>
-              <a:spcBef>
-                <a:spcPts val="700"/>
-              </a:spcBef>
-            </a:pPr>
-            <a:r>
-              <a:rPr lang="en-US" dirty="0"/>
-              <a:t>REST In a Nutshell</a:t>
-            </a:r>
-          </a:p>
-          <a:p>
-            <a:pPr>
-              <a:lnSpc>
-                <a:spcPct val="100000"/>
-              </a:lnSpc>
-              <a:spcBef>
-                <a:spcPts val="700"/>
-              </a:spcBef>
-            </a:pPr>
-            <a:r>
-              <a:rPr lang="en-US" dirty="0"/>
-              <a:t>OData In a Nutshell </a:t>
-            </a:r>
-          </a:p>
-        </p:txBody>
-      </p:sp>
-      <p:sp>
-        <p:nvSpPr>
-          <p:cNvPr id="4" name="Title 3"/>
-          <p:cNvSpPr>
-            <a:spLocks noGrp="1"/>
-          </p:cNvSpPr>
-          <p:nvPr>
-            <p:ph type="title"/>
-          </p:nvPr>
-        </p:nvSpPr>
-        <p:spPr/>
-        <p:txBody>
-          <a:bodyPr/>
-          <a:lstStyle/>
-          <a:p>
-            <a:r>
-              <a:rPr lang="en-US" dirty="0"/>
-              <a:t>Summary</a:t>
-            </a:r>
-          </a:p>
-        </p:txBody>
-      </p:sp>
-      <p:sp>
-        <p:nvSpPr>
-          <p:cNvPr id="6" name="Content Placeholder 4">
-            <a:extLst>
-              <a:ext uri="{FF2B5EF4-FFF2-40B4-BE49-F238E27FC236}">
-                <a16:creationId xmlns:a16="http://schemas.microsoft.com/office/drawing/2014/main" id="{FD86B125-F331-4A80-9449-EAABC8C699C2}"/>
-              </a:ext>
-            </a:extLst>
-          </p:cNvPr>
-          <p:cNvSpPr txBox="1">
-            <a:spLocks/>
-          </p:cNvSpPr>
-          <p:nvPr/>
-        </p:nvSpPr>
-        <p:spPr>
-          <a:xfrm>
-            <a:off x="6343601" y="2196398"/>
-            <a:ext cx="11696797" cy="5458202"/>
-          </a:xfrm>
-          <a:prstGeom prst="rect">
-            <a:avLst/>
-          </a:prstGeom>
-        </p:spPr>
-        <p:txBody>
-          <a:bodyPr vert="horz" lIns="91440" tIns="45720" rIns="91440" bIns="45720" rtlCol="0">
-            <a:normAutofit/>
-          </a:bodyPr>
-          <a:lstStyle>
-            <a:lvl1pPr marL="228600" indent="-228600" algn="l" defTabSz="914400" rtl="0" eaLnBrk="1" latinLnBrk="0" hangingPunct="1">
-              <a:lnSpc>
-                <a:spcPct val="120000"/>
-              </a:lnSpc>
-              <a:spcBef>
-                <a:spcPts val="1000"/>
-              </a:spcBef>
-              <a:buSzPct val="125000"/>
-              <a:buFont typeface="Arial" panose="020B0604020202020204" pitchFamily="34" charset="0"/>
-              <a:buChar char="•"/>
-              <a:defRPr sz="2400" kern="1200">
-                <a:solidFill>
-                  <a:schemeClr val="tx1"/>
-                </a:solidFill>
-                <a:latin typeface="+mn-lt"/>
-                <a:ea typeface="+mn-ea"/>
-                <a:cs typeface="+mn-cs"/>
-              </a:defRPr>
-            </a:lvl1pPr>
-            <a:lvl2pPr marL="685800" indent="-228600" algn="l" defTabSz="914400" rtl="0" eaLnBrk="1" latinLnBrk="0" hangingPunct="1">
-              <a:lnSpc>
-                <a:spcPct val="120000"/>
-              </a:lnSpc>
-              <a:spcBef>
-                <a:spcPts val="500"/>
-              </a:spcBef>
-              <a:buSzPct val="125000"/>
-              <a:buFont typeface="Arial" panose="020B0604020202020204" pitchFamily="34" charset="0"/>
-              <a:buChar char="•"/>
-              <a:defRPr sz="2000" kern="1200">
-                <a:solidFill>
-                  <a:schemeClr val="tx1"/>
-                </a:solidFill>
-                <a:latin typeface="+mn-lt"/>
-                <a:ea typeface="+mn-ea"/>
-                <a:cs typeface="+mn-cs"/>
-              </a:defRPr>
-            </a:lvl2pPr>
-            <a:lvl3pPr marL="1143000" indent="-228600" algn="l" defTabSz="914400" rtl="0" eaLnBrk="1" latinLnBrk="0" hangingPunct="1">
-              <a:lnSpc>
-                <a:spcPct val="120000"/>
-              </a:lnSpc>
-              <a:spcBef>
-                <a:spcPts val="500"/>
-              </a:spcBef>
-              <a:buSzPct val="125000"/>
-              <a:buFont typeface="Arial" panose="020B0604020202020204" pitchFamily="34" charset="0"/>
-              <a:buChar char="•"/>
-              <a:defRPr sz="1800" kern="1200">
-                <a:solidFill>
-                  <a:schemeClr val="tx1"/>
-                </a:solidFill>
-                <a:latin typeface="+mn-lt"/>
-                <a:ea typeface="+mn-ea"/>
-                <a:cs typeface="+mn-cs"/>
-              </a:defRPr>
-            </a:lvl3pPr>
-            <a:lvl4pPr marL="1600200" indent="-228600" algn="l" defTabSz="914400" rtl="0" eaLnBrk="1" latinLnBrk="0" hangingPunct="1">
-              <a:lnSpc>
-                <a:spcPct val="120000"/>
-              </a:lnSpc>
-              <a:spcBef>
-                <a:spcPts val="500"/>
-              </a:spcBef>
-              <a:buSzPct val="125000"/>
-              <a:buFont typeface="Arial" panose="020B0604020202020204" pitchFamily="34" charset="0"/>
-              <a:buChar char="•"/>
-              <a:defRPr sz="1600" kern="1200">
-                <a:solidFill>
-                  <a:schemeClr val="tx1"/>
-                </a:solidFill>
-                <a:latin typeface="+mn-lt"/>
-                <a:ea typeface="+mn-ea"/>
-                <a:cs typeface="+mn-cs"/>
-              </a:defRPr>
-            </a:lvl4pPr>
-            <a:lvl5pPr marL="2057400" indent="-228600" algn="l" defTabSz="914400" rtl="0" eaLnBrk="1" latinLnBrk="0" hangingPunct="1">
-              <a:lnSpc>
-                <a:spcPct val="120000"/>
-              </a:lnSpc>
-              <a:spcBef>
-                <a:spcPts val="500"/>
-              </a:spcBef>
-              <a:buSzPct val="125000"/>
-              <a:buFont typeface="Arial" panose="020B0604020202020204" pitchFamily="34" charset="0"/>
-              <a:buChar char="•"/>
-              <a:defRPr sz="1600" kern="1200">
-                <a:solidFill>
-                  <a:schemeClr val="tx1"/>
-                </a:solidFill>
-                <a:latin typeface="+mn-lt"/>
-                <a:ea typeface="+mn-ea"/>
-                <a:cs typeface="+mn-cs"/>
-              </a:defRPr>
-            </a:lvl5pPr>
-            <a:lvl6pPr marL="2514600" indent="-228600" algn="l" defTabSz="914400" rtl="0" eaLnBrk="1" latinLnBrk="0" hangingPunct="1">
-              <a:lnSpc>
-                <a:spcPct val="120000"/>
-              </a:lnSpc>
-              <a:spcBef>
-                <a:spcPts val="500"/>
-              </a:spcBef>
-              <a:buSzPct val="125000"/>
-              <a:buFont typeface="Arial" panose="020B0604020202020204" pitchFamily="34" charset="0"/>
-              <a:buChar char="•"/>
-              <a:defRPr sz="1400" kern="1200">
-                <a:solidFill>
-                  <a:schemeClr val="tx1"/>
-                </a:solidFill>
-                <a:latin typeface="+mn-lt"/>
-                <a:ea typeface="+mn-ea"/>
-                <a:cs typeface="+mn-cs"/>
-              </a:defRPr>
-            </a:lvl6pPr>
-            <a:lvl7pPr marL="2971800" indent="-228600" algn="l" defTabSz="914400" rtl="0" eaLnBrk="1" latinLnBrk="0" hangingPunct="1">
-              <a:lnSpc>
-                <a:spcPct val="120000"/>
-              </a:lnSpc>
-              <a:spcBef>
-                <a:spcPts val="500"/>
-              </a:spcBef>
-              <a:buSzPct val="125000"/>
-              <a:buFont typeface="Arial" panose="020B0604020202020204" pitchFamily="34" charset="0"/>
-              <a:buChar char="•"/>
-              <a:defRPr sz="1400" kern="1200">
-                <a:solidFill>
-                  <a:schemeClr val="tx1"/>
-                </a:solidFill>
-                <a:latin typeface="+mn-lt"/>
-                <a:ea typeface="+mn-ea"/>
-                <a:cs typeface="+mn-cs"/>
-              </a:defRPr>
-            </a:lvl7pPr>
-            <a:lvl8pPr marL="3429000" indent="-228600" algn="l" defTabSz="914400" rtl="0" eaLnBrk="1" latinLnBrk="0" hangingPunct="1">
-              <a:lnSpc>
-                <a:spcPct val="120000"/>
-              </a:lnSpc>
-              <a:spcBef>
-                <a:spcPts val="500"/>
-              </a:spcBef>
-              <a:buSzPct val="125000"/>
-              <a:buFont typeface="Arial" panose="020B0604020202020204" pitchFamily="34" charset="0"/>
-              <a:buChar char="•"/>
-              <a:defRPr sz="1400" kern="1200">
-                <a:solidFill>
-                  <a:schemeClr val="tx1"/>
-                </a:solidFill>
-                <a:latin typeface="+mn-lt"/>
-                <a:ea typeface="+mn-ea"/>
-                <a:cs typeface="+mn-cs"/>
-              </a:defRPr>
-            </a:lvl8pPr>
-            <a:lvl9pPr marL="3886200" indent="-228600" algn="l" defTabSz="914400" rtl="0" eaLnBrk="1" latinLnBrk="0" hangingPunct="1">
-              <a:lnSpc>
-                <a:spcPct val="120000"/>
-              </a:lnSpc>
-              <a:spcBef>
-                <a:spcPts val="500"/>
-              </a:spcBef>
-              <a:buSzPct val="125000"/>
-              <a:buFont typeface="Arial" panose="020B0604020202020204" pitchFamily="34" charset="0"/>
-              <a:buChar char="•"/>
-              <a:defRPr sz="1400" kern="1200">
-                <a:solidFill>
-                  <a:schemeClr val="tx1"/>
-                </a:solidFill>
-                <a:latin typeface="+mn-lt"/>
-                <a:ea typeface="+mn-ea"/>
-                <a:cs typeface="+mn-cs"/>
-              </a:defRPr>
-            </a:lvl9pPr>
-          </a:lstStyle>
-          <a:p>
-            <a:pPr>
-              <a:lnSpc>
-                <a:spcPct val="100000"/>
-              </a:lnSpc>
-            </a:pPr>
-            <a:endParaRPr lang="en-US" sz="1600" dirty="0"/>
-          </a:p>
-        </p:txBody>
-      </p:sp>
-      <p:sp>
-        <p:nvSpPr>
-          <p:cNvPr id="8" name="Content Placeholder 4">
-            <a:extLst>
-              <a:ext uri="{FF2B5EF4-FFF2-40B4-BE49-F238E27FC236}">
-                <a16:creationId xmlns:a16="http://schemas.microsoft.com/office/drawing/2014/main" id="{E1CA6FAB-99CF-4996-9B62-B79C66B5063C}"/>
-              </a:ext>
-            </a:extLst>
-          </p:cNvPr>
-          <p:cNvSpPr txBox="1">
-            <a:spLocks/>
-          </p:cNvSpPr>
-          <p:nvPr/>
-        </p:nvSpPr>
-        <p:spPr>
-          <a:xfrm>
-            <a:off x="5848400" y="1739198"/>
-            <a:ext cx="11696797" cy="5458202"/>
-          </a:xfrm>
-          <a:prstGeom prst="rect">
-            <a:avLst/>
-          </a:prstGeom>
-        </p:spPr>
-        <p:txBody>
-          <a:bodyPr vert="horz" lIns="91440" tIns="45720" rIns="91440" bIns="45720" rtlCol="0">
-            <a:normAutofit/>
-          </a:bodyPr>
-          <a:lstStyle>
-            <a:lvl1pPr marL="228600" indent="-228600" algn="l" defTabSz="914400" rtl="0" eaLnBrk="1" latinLnBrk="0" hangingPunct="1">
-              <a:lnSpc>
-                <a:spcPct val="120000"/>
-              </a:lnSpc>
-              <a:spcBef>
-                <a:spcPts val="1000"/>
-              </a:spcBef>
-              <a:buSzPct val="125000"/>
-              <a:buFont typeface="Arial" panose="020B0604020202020204" pitchFamily="34" charset="0"/>
-              <a:buChar char="•"/>
-              <a:defRPr sz="2400" kern="1200">
-                <a:solidFill>
-                  <a:schemeClr val="tx1"/>
-                </a:solidFill>
-                <a:latin typeface="+mn-lt"/>
-                <a:ea typeface="+mn-ea"/>
-                <a:cs typeface="+mn-cs"/>
-              </a:defRPr>
-            </a:lvl1pPr>
-            <a:lvl2pPr marL="685800" indent="-228600" algn="l" defTabSz="914400" rtl="0" eaLnBrk="1" latinLnBrk="0" hangingPunct="1">
-              <a:lnSpc>
-                <a:spcPct val="120000"/>
-              </a:lnSpc>
-              <a:spcBef>
-                <a:spcPts val="500"/>
-              </a:spcBef>
-              <a:buSzPct val="125000"/>
-              <a:buFont typeface="Arial" panose="020B0604020202020204" pitchFamily="34" charset="0"/>
-              <a:buChar char="•"/>
-              <a:defRPr sz="2000" kern="1200">
-                <a:solidFill>
-                  <a:schemeClr val="tx1"/>
-                </a:solidFill>
-                <a:latin typeface="+mn-lt"/>
-                <a:ea typeface="+mn-ea"/>
-                <a:cs typeface="+mn-cs"/>
-              </a:defRPr>
-            </a:lvl2pPr>
-            <a:lvl3pPr marL="1143000" indent="-228600" algn="l" defTabSz="914400" rtl="0" eaLnBrk="1" latinLnBrk="0" hangingPunct="1">
-              <a:lnSpc>
-                <a:spcPct val="120000"/>
-              </a:lnSpc>
-              <a:spcBef>
-                <a:spcPts val="500"/>
-              </a:spcBef>
-              <a:buSzPct val="125000"/>
-              <a:buFont typeface="Arial" panose="020B0604020202020204" pitchFamily="34" charset="0"/>
-              <a:buChar char="•"/>
-              <a:defRPr sz="1800" kern="1200">
-                <a:solidFill>
-                  <a:schemeClr val="tx1"/>
-                </a:solidFill>
-                <a:latin typeface="+mn-lt"/>
-                <a:ea typeface="+mn-ea"/>
-                <a:cs typeface="+mn-cs"/>
-              </a:defRPr>
-            </a:lvl3pPr>
-            <a:lvl4pPr marL="1600200" indent="-228600" algn="l" defTabSz="914400" rtl="0" eaLnBrk="1" latinLnBrk="0" hangingPunct="1">
-              <a:lnSpc>
-                <a:spcPct val="120000"/>
-              </a:lnSpc>
-              <a:spcBef>
-                <a:spcPts val="500"/>
-              </a:spcBef>
-              <a:buSzPct val="125000"/>
-              <a:buFont typeface="Arial" panose="020B0604020202020204" pitchFamily="34" charset="0"/>
-              <a:buChar char="•"/>
-              <a:defRPr sz="1600" kern="1200">
-                <a:solidFill>
-                  <a:schemeClr val="tx1"/>
-                </a:solidFill>
-                <a:latin typeface="+mn-lt"/>
-                <a:ea typeface="+mn-ea"/>
-                <a:cs typeface="+mn-cs"/>
-              </a:defRPr>
-            </a:lvl4pPr>
-            <a:lvl5pPr marL="2057400" indent="-228600" algn="l" defTabSz="914400" rtl="0" eaLnBrk="1" latinLnBrk="0" hangingPunct="1">
-              <a:lnSpc>
-                <a:spcPct val="120000"/>
-              </a:lnSpc>
-              <a:spcBef>
-                <a:spcPts val="500"/>
-              </a:spcBef>
-              <a:buSzPct val="125000"/>
-              <a:buFont typeface="Arial" panose="020B0604020202020204" pitchFamily="34" charset="0"/>
-              <a:buChar char="•"/>
-              <a:defRPr sz="1600" kern="1200">
-                <a:solidFill>
-                  <a:schemeClr val="tx1"/>
-                </a:solidFill>
-                <a:latin typeface="+mn-lt"/>
-                <a:ea typeface="+mn-ea"/>
-                <a:cs typeface="+mn-cs"/>
-              </a:defRPr>
-            </a:lvl5pPr>
-            <a:lvl6pPr marL="2514600" indent="-228600" algn="l" defTabSz="914400" rtl="0" eaLnBrk="1" latinLnBrk="0" hangingPunct="1">
-              <a:lnSpc>
-                <a:spcPct val="120000"/>
-              </a:lnSpc>
-              <a:spcBef>
-                <a:spcPts val="500"/>
-              </a:spcBef>
-              <a:buSzPct val="125000"/>
-              <a:buFont typeface="Arial" panose="020B0604020202020204" pitchFamily="34" charset="0"/>
-              <a:buChar char="•"/>
-              <a:defRPr sz="1400" kern="1200">
-                <a:solidFill>
-                  <a:schemeClr val="tx1"/>
-                </a:solidFill>
-                <a:latin typeface="+mn-lt"/>
-                <a:ea typeface="+mn-ea"/>
-                <a:cs typeface="+mn-cs"/>
-              </a:defRPr>
-            </a:lvl6pPr>
-            <a:lvl7pPr marL="2971800" indent="-228600" algn="l" defTabSz="914400" rtl="0" eaLnBrk="1" latinLnBrk="0" hangingPunct="1">
-              <a:lnSpc>
-                <a:spcPct val="120000"/>
-              </a:lnSpc>
-              <a:spcBef>
-                <a:spcPts val="500"/>
-              </a:spcBef>
-              <a:buSzPct val="125000"/>
-              <a:buFont typeface="Arial" panose="020B0604020202020204" pitchFamily="34" charset="0"/>
-              <a:buChar char="•"/>
-              <a:defRPr sz="1400" kern="1200">
-                <a:solidFill>
-                  <a:schemeClr val="tx1"/>
-                </a:solidFill>
-                <a:latin typeface="+mn-lt"/>
-                <a:ea typeface="+mn-ea"/>
-                <a:cs typeface="+mn-cs"/>
-              </a:defRPr>
-            </a:lvl7pPr>
-            <a:lvl8pPr marL="3429000" indent="-228600" algn="l" defTabSz="914400" rtl="0" eaLnBrk="1" latinLnBrk="0" hangingPunct="1">
-              <a:lnSpc>
-                <a:spcPct val="120000"/>
-              </a:lnSpc>
-              <a:spcBef>
-                <a:spcPts val="500"/>
-              </a:spcBef>
-              <a:buSzPct val="125000"/>
-              <a:buFont typeface="Arial" panose="020B0604020202020204" pitchFamily="34" charset="0"/>
-              <a:buChar char="•"/>
-              <a:defRPr sz="1400" kern="1200">
-                <a:solidFill>
-                  <a:schemeClr val="tx1"/>
-                </a:solidFill>
-                <a:latin typeface="+mn-lt"/>
-                <a:ea typeface="+mn-ea"/>
-                <a:cs typeface="+mn-cs"/>
-              </a:defRPr>
-            </a:lvl8pPr>
-            <a:lvl9pPr marL="3886200" indent="-228600" algn="l" defTabSz="914400" rtl="0" eaLnBrk="1" latinLnBrk="0" hangingPunct="1">
-              <a:lnSpc>
-                <a:spcPct val="120000"/>
-              </a:lnSpc>
-              <a:spcBef>
-                <a:spcPts val="500"/>
-              </a:spcBef>
-              <a:buSzPct val="125000"/>
-              <a:buFont typeface="Arial" panose="020B0604020202020204" pitchFamily="34" charset="0"/>
-              <a:buChar char="•"/>
-              <a:defRPr sz="1400" kern="1200">
-                <a:solidFill>
-                  <a:schemeClr val="tx1"/>
-                </a:solidFill>
-                <a:latin typeface="+mn-lt"/>
-                <a:ea typeface="+mn-ea"/>
-                <a:cs typeface="+mn-cs"/>
-              </a:defRPr>
-            </a:lvl9pPr>
-          </a:lstStyle>
-          <a:p>
-            <a:pPr>
-              <a:lnSpc>
-                <a:spcPct val="100000"/>
-              </a:lnSpc>
-              <a:spcBef>
-                <a:spcPts val="700"/>
-              </a:spcBef>
-            </a:pPr>
-            <a:r>
-              <a:rPr lang="en-US" dirty="0" err="1"/>
-              <a:t>GraphQL</a:t>
-            </a:r>
-            <a:r>
-              <a:rPr lang="en-US" dirty="0"/>
-              <a:t> In More Detail</a:t>
-            </a:r>
-          </a:p>
-          <a:p>
-            <a:pPr>
-              <a:lnSpc>
-                <a:spcPct val="100000"/>
-              </a:lnSpc>
-              <a:spcBef>
-                <a:spcPts val="700"/>
-              </a:spcBef>
-            </a:pPr>
-            <a:r>
-              <a:rPr lang="en-US" dirty="0" err="1"/>
-              <a:t>gRPC</a:t>
-            </a:r>
-            <a:r>
-              <a:rPr lang="en-US" dirty="0"/>
-              <a:t> in More Detail</a:t>
-            </a:r>
-          </a:p>
-          <a:p>
-            <a:pPr>
-              <a:lnSpc>
-                <a:spcPct val="100000"/>
-              </a:lnSpc>
-              <a:spcBef>
-                <a:spcPts val="700"/>
-              </a:spcBef>
-            </a:pPr>
-            <a:r>
-              <a:rPr lang="en-US" dirty="0"/>
-              <a:t>API Types</a:t>
-            </a:r>
-          </a:p>
-          <a:p>
-            <a:pPr>
-              <a:lnSpc>
-                <a:spcPct val="100000"/>
-              </a:lnSpc>
-              <a:spcBef>
-                <a:spcPts val="700"/>
-              </a:spcBef>
-            </a:pPr>
-            <a:r>
-              <a:rPr lang="en-US" dirty="0"/>
-              <a:t>General Advice for API Design</a:t>
-            </a:r>
-          </a:p>
-          <a:p>
-            <a:pPr>
-              <a:lnSpc>
-                <a:spcPct val="100000"/>
-              </a:lnSpc>
-              <a:spcBef>
-                <a:spcPts val="700"/>
-              </a:spcBef>
-            </a:pPr>
-            <a:r>
-              <a:rPr lang="en-US" dirty="0"/>
-              <a:t>API Styles Comparison</a:t>
-            </a:r>
-          </a:p>
-          <a:p>
-            <a:pPr>
-              <a:lnSpc>
-                <a:spcPct val="100000"/>
-              </a:lnSpc>
-              <a:spcBef>
-                <a:spcPts val="700"/>
-              </a:spcBef>
-            </a:pPr>
-            <a:r>
-              <a:rPr lang="en-US" dirty="0"/>
-              <a:t>Sample Scenarios</a:t>
-            </a:r>
-          </a:p>
-        </p:txBody>
-      </p:sp>
-    </p:spTree>
-    <p:extLst>
-      <p:ext uri="{BB962C8B-B14F-4D97-AF65-F5344CB8AC3E}">
-        <p14:creationId xmlns:p14="http://schemas.microsoft.com/office/powerpoint/2010/main" val="2064116593"/>
-      </p:ext>
-    </p:extLst>
-  </p:cSld>
-  <p:clrMapOvr>
-    <a:masterClrMapping/>
-  </p:clrMapOvr>
-</p:sld>
-</file>
-
-<file path=ppt/slides/slide25.xml><?xml version="1.0" encoding="utf-8"?>
 <p:sld xmlns:a="http://schemas.openxmlformats.org/drawingml/2006/main" xmlns:r="http://schemas.openxmlformats.org/officeDocument/2006/relationships" xmlns:p="http://schemas.openxmlformats.org/presentationml/2006/main">
   <p:cSld>
     <p:spTree>
